--- a/#2_Front-end_technology.pptx
+++ b/#2_Front-end_technology.pptx
@@ -6,10 +6,10 @@
     <p:sldMasterId id="2147483665" r:id="rId2"/>
   </p:sldMasterIdLst>
   <p:notesMasterIdLst>
-    <p:notesMasterId r:id="rId12"/>
+    <p:notesMasterId r:id="rId17"/>
   </p:notesMasterIdLst>
   <p:handoutMasterIdLst>
-    <p:handoutMasterId r:id="rId13"/>
+    <p:handoutMasterId r:id="rId18"/>
   </p:handoutMasterIdLst>
   <p:sldIdLst>
     <p:sldId id="342" r:id="rId3"/>
@@ -17,10 +17,15 @@
     <p:sldId id="344" r:id="rId5"/>
     <p:sldId id="343" r:id="rId6"/>
     <p:sldId id="345" r:id="rId7"/>
-    <p:sldId id="348" r:id="rId8"/>
-    <p:sldId id="346" r:id="rId9"/>
-    <p:sldId id="347" r:id="rId10"/>
-    <p:sldId id="320" r:id="rId11"/>
+    <p:sldId id="346" r:id="rId8"/>
+    <p:sldId id="348" r:id="rId9"/>
+    <p:sldId id="349" r:id="rId10"/>
+    <p:sldId id="350" r:id="rId11"/>
+    <p:sldId id="351" r:id="rId12"/>
+    <p:sldId id="347" r:id="rId13"/>
+    <p:sldId id="352" r:id="rId14"/>
+    <p:sldId id="353" r:id="rId15"/>
+    <p:sldId id="320" r:id="rId16"/>
   </p:sldIdLst>
   <p:sldSz cx="12192000" cy="6858000"/>
   <p:notesSz cx="6858000" cy="9144000"/>
@@ -316,7 +321,7 @@
                 <a:ea typeface="SimSun" panose="02010600030101010101" pitchFamily="2" charset="-122"/>
                 <a:cs typeface="+mn-cs"/>
               </a:rPr>
-              <a:t>2020/11/9</a:t>
+              <a:t>2020/11/10</a:t>
             </a:fld>
             <a:endParaRPr lang="zh-CN" altLang="en-US" strike="noStrike" noProof="1"/>
           </a:p>
@@ -1179,6 +1184,189 @@
 </p:notes>
 </file>
 
+<file path=ppt/notesSlides/notesSlide10.xml><?xml version="1.0" encoding="utf-8"?>
+<p:notes xmlns:a="http://schemas.openxmlformats.org/drawingml/2006/main" xmlns:r="http://schemas.openxmlformats.org/officeDocument/2006/relationships" xmlns:p="http://schemas.openxmlformats.org/presentationml/2006/main">
+  <p:cSld>
+    <p:spTree>
+      <p:nvGrpSpPr>
+        <p:cNvPr id="1" name=""/>
+        <p:cNvGrpSpPr/>
+        <p:nvPr/>
+      </p:nvGrpSpPr>
+      <p:grpSpPr>
+        <a:xfrm>
+          <a:off x="0" y="0"/>
+          <a:ext cx="0" cy="0"/>
+          <a:chOff x="0" y="0"/>
+          <a:chExt cx="0" cy="0"/>
+        </a:xfrm>
+      </p:grpSpPr>
+      <p:sp>
+        <p:nvSpPr>
+          <p:cNvPr id="2" name="Slide Image Placeholder 1"/>
+          <p:cNvSpPr>
+            <a:spLocks noGrp="1" noRot="1" noChangeAspect="1"/>
+          </p:cNvSpPr>
+          <p:nvPr>
+            <p:ph type="sldImg" idx="2"/>
+          </p:nvPr>
+        </p:nvSpPr>
+        <p:spPr/>
+      </p:sp>
+      <p:sp>
+        <p:nvSpPr>
+          <p:cNvPr id="3" name="Text Placeholder 2"/>
+          <p:cNvSpPr>
+            <a:spLocks noGrp="1"/>
+          </p:cNvSpPr>
+          <p:nvPr>
+            <p:ph type="body" idx="3"/>
+          </p:nvPr>
+        </p:nvSpPr>
+        <p:spPr/>
+        <p:txBody>
+          <a:bodyPr/>
+          <a:lstStyle/>
+          <a:p>
+            <a:endParaRPr lang="en-US" dirty="0"/>
+          </a:p>
+        </p:txBody>
+      </p:sp>
+    </p:spTree>
+    <p:extLst>
+      <p:ext uri="{BB962C8B-B14F-4D97-AF65-F5344CB8AC3E}">
+        <p14:creationId xmlns:p14="http://schemas.microsoft.com/office/powerpoint/2010/main" val="3502593737"/>
+      </p:ext>
+    </p:extLst>
+  </p:cSld>
+  <p:clrMapOvr>
+    <a:masterClrMapping/>
+  </p:clrMapOvr>
+</p:notes>
+</file>
+
+<file path=ppt/notesSlides/notesSlide11.xml><?xml version="1.0" encoding="utf-8"?>
+<p:notes xmlns:a="http://schemas.openxmlformats.org/drawingml/2006/main" xmlns:r="http://schemas.openxmlformats.org/officeDocument/2006/relationships" xmlns:p="http://schemas.openxmlformats.org/presentationml/2006/main">
+  <p:cSld>
+    <p:spTree>
+      <p:nvGrpSpPr>
+        <p:cNvPr id="1" name=""/>
+        <p:cNvGrpSpPr/>
+        <p:nvPr/>
+      </p:nvGrpSpPr>
+      <p:grpSpPr>
+        <a:xfrm>
+          <a:off x="0" y="0"/>
+          <a:ext cx="0" cy="0"/>
+          <a:chOff x="0" y="0"/>
+          <a:chExt cx="0" cy="0"/>
+        </a:xfrm>
+      </p:grpSpPr>
+      <p:sp>
+        <p:nvSpPr>
+          <p:cNvPr id="2" name="Slide Image Placeholder 1"/>
+          <p:cNvSpPr>
+            <a:spLocks noGrp="1" noRot="1" noChangeAspect="1"/>
+          </p:cNvSpPr>
+          <p:nvPr>
+            <p:ph type="sldImg" idx="2"/>
+          </p:nvPr>
+        </p:nvSpPr>
+        <p:spPr/>
+      </p:sp>
+      <p:sp>
+        <p:nvSpPr>
+          <p:cNvPr id="3" name="Text Placeholder 2"/>
+          <p:cNvSpPr>
+            <a:spLocks noGrp="1"/>
+          </p:cNvSpPr>
+          <p:nvPr>
+            <p:ph type="body" idx="3"/>
+          </p:nvPr>
+        </p:nvSpPr>
+        <p:spPr/>
+        <p:txBody>
+          <a:bodyPr/>
+          <a:lstStyle/>
+          <a:p>
+            <a:endParaRPr lang="en-US" dirty="0"/>
+          </a:p>
+        </p:txBody>
+      </p:sp>
+    </p:spTree>
+    <p:extLst>
+      <p:ext uri="{BB962C8B-B14F-4D97-AF65-F5344CB8AC3E}">
+        <p14:creationId xmlns:p14="http://schemas.microsoft.com/office/powerpoint/2010/main" val="2307966349"/>
+      </p:ext>
+    </p:extLst>
+  </p:cSld>
+  <p:clrMapOvr>
+    <a:masterClrMapping/>
+  </p:clrMapOvr>
+</p:notes>
+</file>
+
+<file path=ppt/notesSlides/notesSlide12.xml><?xml version="1.0" encoding="utf-8"?>
+<p:notes xmlns:a="http://schemas.openxmlformats.org/drawingml/2006/main" xmlns:r="http://schemas.openxmlformats.org/officeDocument/2006/relationships" xmlns:p="http://schemas.openxmlformats.org/presentationml/2006/main">
+  <p:cSld>
+    <p:spTree>
+      <p:nvGrpSpPr>
+        <p:cNvPr id="1" name=""/>
+        <p:cNvGrpSpPr/>
+        <p:nvPr/>
+      </p:nvGrpSpPr>
+      <p:grpSpPr>
+        <a:xfrm>
+          <a:off x="0" y="0"/>
+          <a:ext cx="0" cy="0"/>
+          <a:chOff x="0" y="0"/>
+          <a:chExt cx="0" cy="0"/>
+        </a:xfrm>
+      </p:grpSpPr>
+      <p:sp>
+        <p:nvSpPr>
+          <p:cNvPr id="2" name="Slide Image Placeholder 1"/>
+          <p:cNvSpPr>
+            <a:spLocks noGrp="1" noRot="1" noChangeAspect="1"/>
+          </p:cNvSpPr>
+          <p:nvPr>
+            <p:ph type="sldImg" idx="2"/>
+          </p:nvPr>
+        </p:nvSpPr>
+        <p:spPr/>
+      </p:sp>
+      <p:sp>
+        <p:nvSpPr>
+          <p:cNvPr id="3" name="Text Placeholder 2"/>
+          <p:cNvSpPr>
+            <a:spLocks noGrp="1"/>
+          </p:cNvSpPr>
+          <p:nvPr>
+            <p:ph type="body" idx="3"/>
+          </p:nvPr>
+        </p:nvSpPr>
+        <p:spPr/>
+        <p:txBody>
+          <a:bodyPr/>
+          <a:lstStyle/>
+          <a:p>
+            <a:endParaRPr lang="en-US" dirty="0"/>
+          </a:p>
+        </p:txBody>
+      </p:sp>
+    </p:spTree>
+    <p:extLst>
+      <p:ext uri="{BB962C8B-B14F-4D97-AF65-F5344CB8AC3E}">
+        <p14:creationId xmlns:p14="http://schemas.microsoft.com/office/powerpoint/2010/main" val="4013921561"/>
+      </p:ext>
+    </p:extLst>
+  </p:cSld>
+  <p:clrMapOvr>
+    <a:masterClrMapping/>
+  </p:clrMapOvr>
+</p:notes>
+</file>
+
 <file path=ppt/notesSlides/notesSlide2.xml><?xml version="1.0" encoding="utf-8"?>
 <p:notes xmlns:a="http://schemas.openxmlformats.org/drawingml/2006/main" xmlns:r="http://schemas.openxmlformats.org/officeDocument/2006/relationships" xmlns:p="http://schemas.openxmlformats.org/presentationml/2006/main">
   <p:cSld>
@@ -1413,7 +1601,7 @@
     </p:spTree>
     <p:extLst>
       <p:ext uri="{BB962C8B-B14F-4D97-AF65-F5344CB8AC3E}">
-        <p14:creationId xmlns:p14="http://schemas.microsoft.com/office/powerpoint/2010/main" val="765833030"/>
+        <p14:creationId xmlns:p14="http://schemas.microsoft.com/office/powerpoint/2010/main" val="2979228565"/>
       </p:ext>
     </p:extLst>
   </p:cSld>
@@ -1474,7 +1662,7 @@
     </p:spTree>
     <p:extLst>
       <p:ext uri="{BB962C8B-B14F-4D97-AF65-F5344CB8AC3E}">
-        <p14:creationId xmlns:p14="http://schemas.microsoft.com/office/powerpoint/2010/main" val="2979228565"/>
+        <p14:creationId xmlns:p14="http://schemas.microsoft.com/office/powerpoint/2010/main" val="765833030"/>
       </p:ext>
     </p:extLst>
   </p:cSld>
@@ -1535,7 +1723,129 @@
     </p:spTree>
     <p:extLst>
       <p:ext uri="{BB962C8B-B14F-4D97-AF65-F5344CB8AC3E}">
-        <p14:creationId xmlns:p14="http://schemas.microsoft.com/office/powerpoint/2010/main" val="3502593737"/>
+        <p14:creationId xmlns:p14="http://schemas.microsoft.com/office/powerpoint/2010/main" val="4279326106"/>
+      </p:ext>
+    </p:extLst>
+  </p:cSld>
+  <p:clrMapOvr>
+    <a:masterClrMapping/>
+  </p:clrMapOvr>
+</p:notes>
+</file>
+
+<file path=ppt/notesSlides/notesSlide8.xml><?xml version="1.0" encoding="utf-8"?>
+<p:notes xmlns:a="http://schemas.openxmlformats.org/drawingml/2006/main" xmlns:r="http://schemas.openxmlformats.org/officeDocument/2006/relationships" xmlns:p="http://schemas.openxmlformats.org/presentationml/2006/main">
+  <p:cSld>
+    <p:spTree>
+      <p:nvGrpSpPr>
+        <p:cNvPr id="1" name=""/>
+        <p:cNvGrpSpPr/>
+        <p:nvPr/>
+      </p:nvGrpSpPr>
+      <p:grpSpPr>
+        <a:xfrm>
+          <a:off x="0" y="0"/>
+          <a:ext cx="0" cy="0"/>
+          <a:chOff x="0" y="0"/>
+          <a:chExt cx="0" cy="0"/>
+        </a:xfrm>
+      </p:grpSpPr>
+      <p:sp>
+        <p:nvSpPr>
+          <p:cNvPr id="2" name="Slide Image Placeholder 1"/>
+          <p:cNvSpPr>
+            <a:spLocks noGrp="1" noRot="1" noChangeAspect="1"/>
+          </p:cNvSpPr>
+          <p:nvPr>
+            <p:ph type="sldImg" idx="2"/>
+          </p:nvPr>
+        </p:nvSpPr>
+        <p:spPr/>
+      </p:sp>
+      <p:sp>
+        <p:nvSpPr>
+          <p:cNvPr id="3" name="Text Placeholder 2"/>
+          <p:cNvSpPr>
+            <a:spLocks noGrp="1"/>
+          </p:cNvSpPr>
+          <p:nvPr>
+            <p:ph type="body" idx="3"/>
+          </p:nvPr>
+        </p:nvSpPr>
+        <p:spPr/>
+        <p:txBody>
+          <a:bodyPr/>
+          <a:lstStyle/>
+          <a:p>
+            <a:endParaRPr lang="en-US" dirty="0"/>
+          </a:p>
+        </p:txBody>
+      </p:sp>
+    </p:spTree>
+    <p:extLst>
+      <p:ext uri="{BB962C8B-B14F-4D97-AF65-F5344CB8AC3E}">
+        <p14:creationId xmlns:p14="http://schemas.microsoft.com/office/powerpoint/2010/main" val="3195523742"/>
+      </p:ext>
+    </p:extLst>
+  </p:cSld>
+  <p:clrMapOvr>
+    <a:masterClrMapping/>
+  </p:clrMapOvr>
+</p:notes>
+</file>
+
+<file path=ppt/notesSlides/notesSlide9.xml><?xml version="1.0" encoding="utf-8"?>
+<p:notes xmlns:a="http://schemas.openxmlformats.org/drawingml/2006/main" xmlns:r="http://schemas.openxmlformats.org/officeDocument/2006/relationships" xmlns:p="http://schemas.openxmlformats.org/presentationml/2006/main">
+  <p:cSld>
+    <p:spTree>
+      <p:nvGrpSpPr>
+        <p:cNvPr id="1" name=""/>
+        <p:cNvGrpSpPr/>
+        <p:nvPr/>
+      </p:nvGrpSpPr>
+      <p:grpSpPr>
+        <a:xfrm>
+          <a:off x="0" y="0"/>
+          <a:ext cx="0" cy="0"/>
+          <a:chOff x="0" y="0"/>
+          <a:chExt cx="0" cy="0"/>
+        </a:xfrm>
+      </p:grpSpPr>
+      <p:sp>
+        <p:nvSpPr>
+          <p:cNvPr id="2" name="Slide Image Placeholder 1"/>
+          <p:cNvSpPr>
+            <a:spLocks noGrp="1" noRot="1" noChangeAspect="1"/>
+          </p:cNvSpPr>
+          <p:nvPr>
+            <p:ph type="sldImg" idx="2"/>
+          </p:nvPr>
+        </p:nvSpPr>
+        <p:spPr/>
+      </p:sp>
+      <p:sp>
+        <p:nvSpPr>
+          <p:cNvPr id="3" name="Text Placeholder 2"/>
+          <p:cNvSpPr>
+            <a:spLocks noGrp="1"/>
+          </p:cNvSpPr>
+          <p:nvPr>
+            <p:ph type="body" idx="3"/>
+          </p:nvPr>
+        </p:nvSpPr>
+        <p:spPr/>
+        <p:txBody>
+          <a:bodyPr/>
+          <a:lstStyle/>
+          <a:p>
+            <a:endParaRPr lang="en-US" dirty="0"/>
+          </a:p>
+        </p:txBody>
+      </p:sp>
+    </p:spTree>
+    <p:extLst>
+      <p:ext uri="{BB962C8B-B14F-4D97-AF65-F5344CB8AC3E}">
+        <p14:creationId xmlns:p14="http://schemas.microsoft.com/office/powerpoint/2010/main" val="1529901869"/>
       </p:ext>
     </p:extLst>
   </p:cSld>
@@ -11327,6 +11637,3059 @@
         <p14:creationId xmlns:p14="http://schemas.microsoft.com/office/powerpoint/2010/main" val="277530139"/>
       </p:ext>
     </p:extLst>
+  </p:cSld>
+  <p:clrMapOvr>
+    <a:masterClrMapping/>
+  </p:clrMapOvr>
+  <p:timing>
+    <p:tnLst>
+      <p:par>
+        <p:cTn id="1" dur="indefinite" restart="never" nodeType="tmRoot"/>
+      </p:par>
+    </p:tnLst>
+  </p:timing>
+</p:sld>
+</file>
+
+<file path=ppt/slides/slide10.xml><?xml version="1.0" encoding="utf-8"?>
+<p:sld xmlns:a="http://schemas.openxmlformats.org/drawingml/2006/main" xmlns:r="http://schemas.openxmlformats.org/officeDocument/2006/relationships" xmlns:p="http://schemas.openxmlformats.org/presentationml/2006/main">
+  <p:cSld>
+    <p:spTree>
+      <p:nvGrpSpPr>
+        <p:cNvPr id="1" name=""/>
+        <p:cNvGrpSpPr/>
+        <p:nvPr/>
+      </p:nvGrpSpPr>
+      <p:grpSpPr>
+        <a:xfrm>
+          <a:off x="0" y="0"/>
+          <a:ext cx="0" cy="0"/>
+          <a:chOff x="0" y="0"/>
+          <a:chExt cx="0" cy="0"/>
+        </a:xfrm>
+      </p:grpSpPr>
+      <p:sp>
+        <p:nvSpPr>
+          <p:cNvPr id="2" name="直角三角形 1"/>
+          <p:cNvSpPr/>
+          <p:nvPr/>
+        </p:nvSpPr>
+        <p:spPr>
+          <a:xfrm flipH="1" flipV="1">
+            <a:off x="4076700" y="0"/>
+            <a:ext cx="8115300" cy="6273800"/>
+          </a:xfrm>
+          <a:prstGeom prst="rtTriangle">
+            <a:avLst/>
+          </a:prstGeom>
+          <a:solidFill>
+            <a:srgbClr val="747472"/>
+          </a:solidFill>
+          <a:ln>
+            <a:noFill/>
+          </a:ln>
+        </p:spPr>
+        <p:style>
+          <a:lnRef idx="2">
+            <a:schemeClr val="accent1">
+              <a:shade val="50000"/>
+            </a:schemeClr>
+          </a:lnRef>
+          <a:fillRef idx="1">
+            <a:schemeClr val="accent1"/>
+          </a:fillRef>
+          <a:effectRef idx="0">
+            <a:schemeClr val="accent1"/>
+          </a:effectRef>
+          <a:fontRef idx="minor">
+            <a:schemeClr val="lt1"/>
+          </a:fontRef>
+        </p:style>
+        <p:txBody>
+          <a:bodyPr anchor="ctr"/>
+          <a:lstStyle/>
+          <a:p>
+            <a:pPr marL="0" marR="0" lvl="0" indent="0" algn="ctr" defTabSz="914400" rtl="0" eaLnBrk="1" fontAlgn="auto" latinLnBrk="0" hangingPunct="1">
+              <a:lnSpc>
+                <a:spcPct val="100000"/>
+              </a:lnSpc>
+              <a:spcBef>
+                <a:spcPts val="0"/>
+              </a:spcBef>
+              <a:spcAft>
+                <a:spcPts val="0"/>
+              </a:spcAft>
+              <a:buClrTx/>
+              <a:buSzTx/>
+              <a:buFontTx/>
+              <a:buNone/>
+              <a:defRPr/>
+            </a:pPr>
+            <a:endParaRPr kumimoji="0" lang="zh-CN" altLang="en-US" sz="1800" b="0" i="0" u="none" strike="noStrike" kern="1200" cap="none" spc="0" normalizeH="0" baseline="0" noProof="0">
+              <a:ln>
+                <a:noFill/>
+              </a:ln>
+              <a:solidFill>
+                <a:schemeClr val="lt1"/>
+              </a:solidFill>
+              <a:effectLst/>
+              <a:uLnTx/>
+              <a:uFillTx/>
+              <a:latin typeface="+mn-lt"/>
+              <a:ea typeface="+mn-ea"/>
+              <a:cs typeface="+mn-cs"/>
+            </a:endParaRPr>
+          </a:p>
+        </p:txBody>
+      </p:sp>
+      <p:sp>
+        <p:nvSpPr>
+          <p:cNvPr id="3" name="等腰三角形 2"/>
+          <p:cNvSpPr/>
+          <p:nvPr/>
+        </p:nvSpPr>
+        <p:spPr>
+          <a:xfrm rot="19088536">
+            <a:off x="7283450" y="-541337"/>
+            <a:ext cx="2414588" cy="9158288"/>
+          </a:xfrm>
+          <a:custGeom>
+            <a:avLst/>
+            <a:gdLst>
+              <a:gd name="connsiteX0" fmla="*/ 0 w 1117600"/>
+              <a:gd name="connsiteY0" fmla="*/ 5702300 h 5702300"/>
+              <a:gd name="connsiteX1" fmla="*/ 558800 w 1117600"/>
+              <a:gd name="connsiteY1" fmla="*/ 0 h 5702300"/>
+              <a:gd name="connsiteX2" fmla="*/ 1117600 w 1117600"/>
+              <a:gd name="connsiteY2" fmla="*/ 5702300 h 5702300"/>
+              <a:gd name="connsiteX3" fmla="*/ 0 w 1117600"/>
+              <a:gd name="connsiteY3" fmla="*/ 5702300 h 5702300"/>
+              <a:gd name="connsiteX0-1" fmla="*/ 0 w 2070142"/>
+              <a:gd name="connsiteY0-2" fmla="*/ 5702300 h 7817508"/>
+              <a:gd name="connsiteX1-3" fmla="*/ 558800 w 2070142"/>
+              <a:gd name="connsiteY1-4" fmla="*/ 0 h 7817508"/>
+              <a:gd name="connsiteX2-5" fmla="*/ 2070142 w 2070142"/>
+              <a:gd name="connsiteY2-6" fmla="*/ 7817508 h 7817508"/>
+              <a:gd name="connsiteX3-7" fmla="*/ 0 w 2070142"/>
+              <a:gd name="connsiteY3-8" fmla="*/ 5702300 h 7817508"/>
+              <a:gd name="connsiteX0-9" fmla="*/ 0 w 2414257"/>
+              <a:gd name="connsiteY0-10" fmla="*/ 6314781 h 7817508"/>
+              <a:gd name="connsiteX1-11" fmla="*/ 902915 w 2414257"/>
+              <a:gd name="connsiteY1-12" fmla="*/ 0 h 7817508"/>
+              <a:gd name="connsiteX2-13" fmla="*/ 2414257 w 2414257"/>
+              <a:gd name="connsiteY2-14" fmla="*/ 7817508 h 7817508"/>
+              <a:gd name="connsiteX3-15" fmla="*/ 0 w 2414257"/>
+              <a:gd name="connsiteY3-16" fmla="*/ 6314781 h 7817508"/>
+              <a:gd name="connsiteX0-17" fmla="*/ 0 w 2414257"/>
+              <a:gd name="connsiteY0-18" fmla="*/ 6314781 h 7817508"/>
+              <a:gd name="connsiteX1-19" fmla="*/ 902915 w 2414257"/>
+              <a:gd name="connsiteY1-20" fmla="*/ 0 h 7817508"/>
+              <a:gd name="connsiteX2-21" fmla="*/ 2414257 w 2414257"/>
+              <a:gd name="connsiteY2-22" fmla="*/ 7817508 h 7817508"/>
+              <a:gd name="connsiteX3-23" fmla="*/ 1191330 w 2414257"/>
+              <a:gd name="connsiteY3-24" fmla="*/ 7039908 h 7817508"/>
+              <a:gd name="connsiteX4" fmla="*/ 0 w 2414257"/>
+              <a:gd name="connsiteY4" fmla="*/ 6314781 h 7817508"/>
+              <a:gd name="connsiteX0-25" fmla="*/ 0 w 2414257"/>
+              <a:gd name="connsiteY0-26" fmla="*/ 6314781 h 8205626"/>
+              <a:gd name="connsiteX1-27" fmla="*/ 902915 w 2414257"/>
+              <a:gd name="connsiteY1-28" fmla="*/ 0 h 8205626"/>
+              <a:gd name="connsiteX2-29" fmla="*/ 2414257 w 2414257"/>
+              <a:gd name="connsiteY2-30" fmla="*/ 7817508 h 8205626"/>
+              <a:gd name="connsiteX3-31" fmla="*/ 2073759 w 2414257"/>
+              <a:gd name="connsiteY3-32" fmla="*/ 8205626 h 8205626"/>
+              <a:gd name="connsiteX4-33" fmla="*/ 0 w 2414257"/>
+              <a:gd name="connsiteY4-34" fmla="*/ 6314781 h 8205626"/>
+              <a:gd name="connsiteX0-35" fmla="*/ 0 w 2414257"/>
+              <a:gd name="connsiteY0-36" fmla="*/ 6436203 h 8327048"/>
+              <a:gd name="connsiteX1-37" fmla="*/ 329641 w 2414257"/>
+              <a:gd name="connsiteY1-38" fmla="*/ 0 h 8327048"/>
+              <a:gd name="connsiteX2-39" fmla="*/ 2414257 w 2414257"/>
+              <a:gd name="connsiteY2-40" fmla="*/ 7938930 h 8327048"/>
+              <a:gd name="connsiteX3-41" fmla="*/ 2073759 w 2414257"/>
+              <a:gd name="connsiteY3-42" fmla="*/ 8327048 h 8327048"/>
+              <a:gd name="connsiteX4-43" fmla="*/ 0 w 2414257"/>
+              <a:gd name="connsiteY4-44" fmla="*/ 6436203 h 8327048"/>
+              <a:gd name="connsiteX0-45" fmla="*/ 0 w 2414257"/>
+              <a:gd name="connsiteY0-46" fmla="*/ 6431068 h 8321913"/>
+              <a:gd name="connsiteX1-47" fmla="*/ 563761 w 2414257"/>
+              <a:gd name="connsiteY1-48" fmla="*/ 0 h 8321913"/>
+              <a:gd name="connsiteX2-49" fmla="*/ 2414257 w 2414257"/>
+              <a:gd name="connsiteY2-50" fmla="*/ 7933795 h 8321913"/>
+              <a:gd name="connsiteX3-51" fmla="*/ 2073759 w 2414257"/>
+              <a:gd name="connsiteY3-52" fmla="*/ 8321913 h 8321913"/>
+              <a:gd name="connsiteX4-53" fmla="*/ 0 w 2414257"/>
+              <a:gd name="connsiteY4-54" fmla="*/ 6431068 h 8321913"/>
+              <a:gd name="connsiteX0-55" fmla="*/ 0 w 2414257"/>
+              <a:gd name="connsiteY0-56" fmla="*/ 7267650 h 9158495"/>
+              <a:gd name="connsiteX1-57" fmla="*/ 239027 w 2414257"/>
+              <a:gd name="connsiteY1-58" fmla="*/ 0 h 9158495"/>
+              <a:gd name="connsiteX2-59" fmla="*/ 2414257 w 2414257"/>
+              <a:gd name="connsiteY2-60" fmla="*/ 8770377 h 9158495"/>
+              <a:gd name="connsiteX3-61" fmla="*/ 2073759 w 2414257"/>
+              <a:gd name="connsiteY3-62" fmla="*/ 9158495 h 9158495"/>
+              <a:gd name="connsiteX4-63" fmla="*/ 0 w 2414257"/>
+              <a:gd name="connsiteY4-64" fmla="*/ 7267650 h 9158495"/>
+            </a:gdLst>
+            <a:ahLst/>
+            <a:cxnLst>
+              <a:cxn ang="0">
+                <a:pos x="connsiteX0-1" y="connsiteY0-2"/>
+              </a:cxn>
+              <a:cxn ang="0">
+                <a:pos x="connsiteX1-3" y="connsiteY1-4"/>
+              </a:cxn>
+              <a:cxn ang="0">
+                <a:pos x="connsiteX2-5" y="connsiteY2-6"/>
+              </a:cxn>
+              <a:cxn ang="0">
+                <a:pos x="connsiteX3-7" y="connsiteY3-8"/>
+              </a:cxn>
+              <a:cxn ang="0">
+                <a:pos x="connsiteX4-33" y="connsiteY4-34"/>
+              </a:cxn>
+            </a:cxnLst>
+            <a:rect l="l" t="t" r="r" b="b"/>
+            <a:pathLst>
+              <a:path w="2414257" h="9158495">
+                <a:moveTo>
+                  <a:pt x="0" y="7267650"/>
+                </a:moveTo>
+                <a:lnTo>
+                  <a:pt x="239027" y="0"/>
+                </a:lnTo>
+                <a:lnTo>
+                  <a:pt x="2414257" y="8770377"/>
+                </a:lnTo>
+                <a:lnTo>
+                  <a:pt x="2073759" y="9158495"/>
+                </a:lnTo>
+                <a:lnTo>
+                  <a:pt x="0" y="7267650"/>
+                </a:lnTo>
+                <a:close/>
+              </a:path>
+            </a:pathLst>
+          </a:custGeom>
+          <a:solidFill>
+            <a:srgbClr val="C4C4C4"/>
+          </a:solidFill>
+          <a:ln>
+            <a:noFill/>
+          </a:ln>
+        </p:spPr>
+        <p:style>
+          <a:lnRef idx="2">
+            <a:schemeClr val="accent1">
+              <a:shade val="50000"/>
+            </a:schemeClr>
+          </a:lnRef>
+          <a:fillRef idx="1">
+            <a:schemeClr val="accent1"/>
+          </a:fillRef>
+          <a:effectRef idx="0">
+            <a:schemeClr val="accent1"/>
+          </a:effectRef>
+          <a:fontRef idx="minor">
+            <a:schemeClr val="lt1"/>
+          </a:fontRef>
+        </p:style>
+        <p:txBody>
+          <a:bodyPr anchor="ctr"/>
+          <a:lstStyle/>
+          <a:p>
+            <a:pPr marL="0" marR="0" lvl="0" indent="0" algn="ctr" defTabSz="914400" rtl="0" eaLnBrk="1" fontAlgn="auto" latinLnBrk="0" hangingPunct="1">
+              <a:lnSpc>
+                <a:spcPct val="100000"/>
+              </a:lnSpc>
+              <a:spcBef>
+                <a:spcPts val="0"/>
+              </a:spcBef>
+              <a:spcAft>
+                <a:spcPts val="0"/>
+              </a:spcAft>
+              <a:buClrTx/>
+              <a:buSzTx/>
+              <a:buFontTx/>
+              <a:buNone/>
+              <a:defRPr/>
+            </a:pPr>
+            <a:endParaRPr kumimoji="0" lang="zh-CN" altLang="en-US" sz="1800" b="0" i="0" u="none" strike="noStrike" kern="1200" cap="none" spc="0" normalizeH="0" baseline="0" noProof="0">
+              <a:ln>
+                <a:noFill/>
+              </a:ln>
+              <a:solidFill>
+                <a:schemeClr val="lt1"/>
+              </a:solidFill>
+              <a:effectLst/>
+              <a:uLnTx/>
+              <a:uFillTx/>
+              <a:latin typeface="+mn-lt"/>
+              <a:ea typeface="+mn-ea"/>
+              <a:cs typeface="+mn-cs"/>
+            </a:endParaRPr>
+          </a:p>
+        </p:txBody>
+      </p:sp>
+      <p:sp>
+        <p:nvSpPr>
+          <p:cNvPr id="8" name="任意多边形 7"/>
+          <p:cNvSpPr/>
+          <p:nvPr/>
+        </p:nvSpPr>
+        <p:spPr>
+          <a:xfrm rot="7572289">
+            <a:off x="5132388" y="-1582737"/>
+            <a:ext cx="741363" cy="6269038"/>
+          </a:xfrm>
+          <a:custGeom>
+            <a:avLst/>
+            <a:gdLst>
+              <a:gd name="connsiteX0" fmla="*/ 742650 w 742650"/>
+              <a:gd name="connsiteY0" fmla="*/ 6268899 h 6268899"/>
+              <a:gd name="connsiteX1" fmla="*/ 0 w 742650"/>
+              <a:gd name="connsiteY1" fmla="*/ 5254376 h 6268899"/>
+              <a:gd name="connsiteX2" fmla="*/ 242314 w 742650"/>
+              <a:gd name="connsiteY2" fmla="*/ 0 h 6268899"/>
+            </a:gdLst>
+            <a:ahLst/>
+            <a:cxnLst>
+              <a:cxn ang="0">
+                <a:pos x="connsiteX0" y="connsiteY0"/>
+              </a:cxn>
+              <a:cxn ang="0">
+                <a:pos x="connsiteX1" y="connsiteY1"/>
+              </a:cxn>
+              <a:cxn ang="0">
+                <a:pos x="connsiteX2" y="connsiteY2"/>
+              </a:cxn>
+            </a:cxnLst>
+            <a:rect l="l" t="t" r="r" b="b"/>
+            <a:pathLst>
+              <a:path w="742650" h="6268899">
+                <a:moveTo>
+                  <a:pt x="742650" y="6268899"/>
+                </a:moveTo>
+                <a:lnTo>
+                  <a:pt x="0" y="5254376"/>
+                </a:lnTo>
+                <a:lnTo>
+                  <a:pt x="242314" y="0"/>
+                </a:lnTo>
+                <a:close/>
+              </a:path>
+            </a:pathLst>
+          </a:custGeom>
+          <a:solidFill>
+            <a:srgbClr val="F0B931"/>
+          </a:solidFill>
+          <a:ln>
+            <a:noFill/>
+          </a:ln>
+        </p:spPr>
+        <p:style>
+          <a:lnRef idx="2">
+            <a:schemeClr val="accent1">
+              <a:shade val="50000"/>
+            </a:schemeClr>
+          </a:lnRef>
+          <a:fillRef idx="1">
+            <a:schemeClr val="accent1"/>
+          </a:fillRef>
+          <a:effectRef idx="0">
+            <a:schemeClr val="accent1"/>
+          </a:effectRef>
+          <a:fontRef idx="minor">
+            <a:schemeClr val="lt1"/>
+          </a:fontRef>
+        </p:style>
+        <p:txBody>
+          <a:bodyPr anchor="ctr"/>
+          <a:lstStyle/>
+          <a:p>
+            <a:pPr marL="0" marR="0" lvl="0" indent="0" algn="ctr" defTabSz="914400" rtl="0" eaLnBrk="1" fontAlgn="auto" latinLnBrk="0" hangingPunct="1">
+              <a:lnSpc>
+                <a:spcPct val="100000"/>
+              </a:lnSpc>
+              <a:spcBef>
+                <a:spcPts val="0"/>
+              </a:spcBef>
+              <a:spcAft>
+                <a:spcPts val="0"/>
+              </a:spcAft>
+              <a:buClrTx/>
+              <a:buSzTx/>
+              <a:buFontTx/>
+              <a:buNone/>
+              <a:defRPr/>
+            </a:pPr>
+            <a:endParaRPr kumimoji="0" lang="zh-CN" altLang="en-US" sz="1800" b="0" i="0" u="none" strike="noStrike" kern="1200" cap="none" spc="0" normalizeH="0" baseline="0" noProof="0">
+              <a:ln>
+                <a:noFill/>
+              </a:ln>
+              <a:solidFill>
+                <a:schemeClr val="lt1"/>
+              </a:solidFill>
+              <a:effectLst/>
+              <a:uLnTx/>
+              <a:uFillTx/>
+              <a:latin typeface="+mn-lt"/>
+              <a:ea typeface="+mn-ea"/>
+              <a:cs typeface="+mn-cs"/>
+            </a:endParaRPr>
+          </a:p>
+        </p:txBody>
+      </p:sp>
+      <p:pic>
+        <p:nvPicPr>
+          <p:cNvPr id="5" name="Picture 4" descr="python-logo"/>
+          <p:cNvPicPr>
+            <a:picLocks noChangeAspect="1"/>
+          </p:cNvPicPr>
+          <p:nvPr/>
+        </p:nvPicPr>
+        <p:blipFill>
+          <a:blip r:embed="rId3"/>
+          <a:stretch>
+            <a:fillRect/>
+          </a:stretch>
+        </p:blipFill>
+        <p:spPr>
+          <a:xfrm>
+            <a:off x="8762365" y="217805"/>
+            <a:ext cx="3683000" cy="1041400"/>
+          </a:xfrm>
+          <a:prstGeom prst="rect">
+            <a:avLst/>
+          </a:prstGeom>
+        </p:spPr>
+      </p:pic>
+      <p:sp>
+        <p:nvSpPr>
+          <p:cNvPr id="6" name="文本框 8"/>
+          <p:cNvSpPr txBox="1"/>
+          <p:nvPr/>
+        </p:nvSpPr>
+        <p:spPr>
+          <a:xfrm>
+            <a:off x="119931" y="217805"/>
+            <a:ext cx="2985048" cy="707886"/>
+          </a:xfrm>
+          <a:prstGeom prst="rect">
+            <a:avLst/>
+          </a:prstGeom>
+          <a:noFill/>
+          <a:ln w="9525">
+            <a:noFill/>
+          </a:ln>
+        </p:spPr>
+        <p:txBody>
+          <a:bodyPr wrap="none" anchor="t">
+            <a:spAutoFit/>
+          </a:bodyPr>
+          <a:lstStyle/>
+          <a:p>
+            <a:r>
+              <a:rPr lang="en-US" sz="4000" b="1" dirty="0" smtClean="0">
+                <a:solidFill>
+                  <a:schemeClr val="dk1"/>
+                </a:solidFill>
+              </a:rPr>
+              <a:t>CSS </a:t>
+            </a:r>
+            <a:r>
+              <a:rPr lang="en-US" sz="4000" b="1" dirty="0" smtClean="0"/>
+              <a:t>Selectors</a:t>
+            </a:r>
+            <a:endParaRPr lang="en-US" sz="4000" b="1" dirty="0"/>
+          </a:p>
+        </p:txBody>
+      </p:sp>
+      <p:sp>
+        <p:nvSpPr>
+          <p:cNvPr id="7" name="Rectangle 6"/>
+          <p:cNvSpPr/>
+          <p:nvPr/>
+        </p:nvSpPr>
+        <p:spPr>
+          <a:xfrm>
+            <a:off x="9477949" y="6452165"/>
+            <a:ext cx="2593210" cy="369332"/>
+          </a:xfrm>
+          <a:prstGeom prst="rect">
+            <a:avLst/>
+          </a:prstGeom>
+        </p:spPr>
+        <p:txBody>
+          <a:bodyPr wrap="none">
+            <a:spAutoFit/>
+          </a:bodyPr>
+          <a:lstStyle/>
+          <a:p>
+            <a:r>
+              <a:rPr lang="en-US" dirty="0" smtClean="0">
+                <a:latin typeface="Verdana" panose="020B0604030504040204" pitchFamily="34" charset="0"/>
+                <a:ea typeface="Verdana" panose="020B0604030504040204" pitchFamily="34" charset="0"/>
+              </a:rPr>
+              <a:t>Frontend Technology</a:t>
+            </a:r>
+          </a:p>
+        </p:txBody>
+      </p:sp>
+      <p:pic>
+        <p:nvPicPr>
+          <p:cNvPr id="4" name="Picture 3"/>
+          <p:cNvPicPr>
+            <a:picLocks noChangeAspect="1"/>
+          </p:cNvPicPr>
+          <p:nvPr/>
+        </p:nvPicPr>
+        <p:blipFill>
+          <a:blip r:embed="rId4">
+            <a:extLst>
+              <a:ext uri="{28A0092B-C50C-407E-A947-70E740481C1C}">
+                <a14:useLocalDpi xmlns:a14="http://schemas.microsoft.com/office/drawing/2010/main" val="0"/>
+              </a:ext>
+            </a:extLst>
+          </a:blip>
+          <a:stretch>
+            <a:fillRect/>
+          </a:stretch>
+        </p:blipFill>
+        <p:spPr>
+          <a:xfrm>
+            <a:off x="1050878" y="1143000"/>
+            <a:ext cx="9935570" cy="5135010"/>
+          </a:xfrm>
+          <a:prstGeom prst="rect">
+            <a:avLst/>
+          </a:prstGeom>
+        </p:spPr>
+      </p:pic>
+    </p:spTree>
+    <p:extLst>
+      <p:ext uri="{BB962C8B-B14F-4D97-AF65-F5344CB8AC3E}">
+        <p14:creationId xmlns:p14="http://schemas.microsoft.com/office/powerpoint/2010/main" val="1737782031"/>
+      </p:ext>
+    </p:extLst>
+  </p:cSld>
+  <p:clrMapOvr>
+    <a:masterClrMapping/>
+  </p:clrMapOvr>
+  <p:timing>
+    <p:tnLst>
+      <p:par>
+        <p:cTn id="1" dur="indefinite" restart="never" nodeType="tmRoot"/>
+      </p:par>
+    </p:tnLst>
+  </p:timing>
+</p:sld>
+</file>
+
+<file path=ppt/slides/slide11.xml><?xml version="1.0" encoding="utf-8"?>
+<p:sld xmlns:a="http://schemas.openxmlformats.org/drawingml/2006/main" xmlns:r="http://schemas.openxmlformats.org/officeDocument/2006/relationships" xmlns:p="http://schemas.openxmlformats.org/presentationml/2006/main">
+  <p:cSld>
+    <p:spTree>
+      <p:nvGrpSpPr>
+        <p:cNvPr id="1" name=""/>
+        <p:cNvGrpSpPr/>
+        <p:nvPr/>
+      </p:nvGrpSpPr>
+      <p:grpSpPr>
+        <a:xfrm>
+          <a:off x="0" y="0"/>
+          <a:ext cx="0" cy="0"/>
+          <a:chOff x="0" y="0"/>
+          <a:chExt cx="0" cy="0"/>
+        </a:xfrm>
+      </p:grpSpPr>
+      <p:sp>
+        <p:nvSpPr>
+          <p:cNvPr id="2" name="直角三角形 1"/>
+          <p:cNvSpPr/>
+          <p:nvPr/>
+        </p:nvSpPr>
+        <p:spPr>
+          <a:xfrm flipH="1" flipV="1">
+            <a:off x="4076700" y="0"/>
+            <a:ext cx="8115300" cy="6273800"/>
+          </a:xfrm>
+          <a:prstGeom prst="rtTriangle">
+            <a:avLst/>
+          </a:prstGeom>
+          <a:solidFill>
+            <a:srgbClr val="747472"/>
+          </a:solidFill>
+          <a:ln>
+            <a:noFill/>
+          </a:ln>
+        </p:spPr>
+        <p:style>
+          <a:lnRef idx="2">
+            <a:schemeClr val="accent1">
+              <a:shade val="50000"/>
+            </a:schemeClr>
+          </a:lnRef>
+          <a:fillRef idx="1">
+            <a:schemeClr val="accent1"/>
+          </a:fillRef>
+          <a:effectRef idx="0">
+            <a:schemeClr val="accent1"/>
+          </a:effectRef>
+          <a:fontRef idx="minor">
+            <a:schemeClr val="lt1"/>
+          </a:fontRef>
+        </p:style>
+        <p:txBody>
+          <a:bodyPr anchor="ctr"/>
+          <a:lstStyle/>
+          <a:p>
+            <a:pPr marL="0" marR="0" lvl="0" indent="0" algn="ctr" defTabSz="914400" rtl="0" eaLnBrk="1" fontAlgn="auto" latinLnBrk="0" hangingPunct="1">
+              <a:lnSpc>
+                <a:spcPct val="100000"/>
+              </a:lnSpc>
+              <a:spcBef>
+                <a:spcPts val="0"/>
+              </a:spcBef>
+              <a:spcAft>
+                <a:spcPts val="0"/>
+              </a:spcAft>
+              <a:buClrTx/>
+              <a:buSzTx/>
+              <a:buFontTx/>
+              <a:buNone/>
+              <a:defRPr/>
+            </a:pPr>
+            <a:endParaRPr kumimoji="0" lang="zh-CN" altLang="en-US" sz="1800" b="0" i="0" u="none" strike="noStrike" kern="1200" cap="none" spc="0" normalizeH="0" baseline="0" noProof="0">
+              <a:ln>
+                <a:noFill/>
+              </a:ln>
+              <a:solidFill>
+                <a:schemeClr val="lt1"/>
+              </a:solidFill>
+              <a:effectLst/>
+              <a:uLnTx/>
+              <a:uFillTx/>
+              <a:latin typeface="+mn-lt"/>
+              <a:ea typeface="+mn-ea"/>
+              <a:cs typeface="+mn-cs"/>
+            </a:endParaRPr>
+          </a:p>
+        </p:txBody>
+      </p:sp>
+      <p:sp>
+        <p:nvSpPr>
+          <p:cNvPr id="3" name="等腰三角形 2"/>
+          <p:cNvSpPr/>
+          <p:nvPr/>
+        </p:nvSpPr>
+        <p:spPr>
+          <a:xfrm rot="19088536">
+            <a:off x="7283450" y="-541337"/>
+            <a:ext cx="2414588" cy="9158288"/>
+          </a:xfrm>
+          <a:custGeom>
+            <a:avLst/>
+            <a:gdLst>
+              <a:gd name="connsiteX0" fmla="*/ 0 w 1117600"/>
+              <a:gd name="connsiteY0" fmla="*/ 5702300 h 5702300"/>
+              <a:gd name="connsiteX1" fmla="*/ 558800 w 1117600"/>
+              <a:gd name="connsiteY1" fmla="*/ 0 h 5702300"/>
+              <a:gd name="connsiteX2" fmla="*/ 1117600 w 1117600"/>
+              <a:gd name="connsiteY2" fmla="*/ 5702300 h 5702300"/>
+              <a:gd name="connsiteX3" fmla="*/ 0 w 1117600"/>
+              <a:gd name="connsiteY3" fmla="*/ 5702300 h 5702300"/>
+              <a:gd name="connsiteX0-1" fmla="*/ 0 w 2070142"/>
+              <a:gd name="connsiteY0-2" fmla="*/ 5702300 h 7817508"/>
+              <a:gd name="connsiteX1-3" fmla="*/ 558800 w 2070142"/>
+              <a:gd name="connsiteY1-4" fmla="*/ 0 h 7817508"/>
+              <a:gd name="connsiteX2-5" fmla="*/ 2070142 w 2070142"/>
+              <a:gd name="connsiteY2-6" fmla="*/ 7817508 h 7817508"/>
+              <a:gd name="connsiteX3-7" fmla="*/ 0 w 2070142"/>
+              <a:gd name="connsiteY3-8" fmla="*/ 5702300 h 7817508"/>
+              <a:gd name="connsiteX0-9" fmla="*/ 0 w 2414257"/>
+              <a:gd name="connsiteY0-10" fmla="*/ 6314781 h 7817508"/>
+              <a:gd name="connsiteX1-11" fmla="*/ 902915 w 2414257"/>
+              <a:gd name="connsiteY1-12" fmla="*/ 0 h 7817508"/>
+              <a:gd name="connsiteX2-13" fmla="*/ 2414257 w 2414257"/>
+              <a:gd name="connsiteY2-14" fmla="*/ 7817508 h 7817508"/>
+              <a:gd name="connsiteX3-15" fmla="*/ 0 w 2414257"/>
+              <a:gd name="connsiteY3-16" fmla="*/ 6314781 h 7817508"/>
+              <a:gd name="connsiteX0-17" fmla="*/ 0 w 2414257"/>
+              <a:gd name="connsiteY0-18" fmla="*/ 6314781 h 7817508"/>
+              <a:gd name="connsiteX1-19" fmla="*/ 902915 w 2414257"/>
+              <a:gd name="connsiteY1-20" fmla="*/ 0 h 7817508"/>
+              <a:gd name="connsiteX2-21" fmla="*/ 2414257 w 2414257"/>
+              <a:gd name="connsiteY2-22" fmla="*/ 7817508 h 7817508"/>
+              <a:gd name="connsiteX3-23" fmla="*/ 1191330 w 2414257"/>
+              <a:gd name="connsiteY3-24" fmla="*/ 7039908 h 7817508"/>
+              <a:gd name="connsiteX4" fmla="*/ 0 w 2414257"/>
+              <a:gd name="connsiteY4" fmla="*/ 6314781 h 7817508"/>
+              <a:gd name="connsiteX0-25" fmla="*/ 0 w 2414257"/>
+              <a:gd name="connsiteY0-26" fmla="*/ 6314781 h 8205626"/>
+              <a:gd name="connsiteX1-27" fmla="*/ 902915 w 2414257"/>
+              <a:gd name="connsiteY1-28" fmla="*/ 0 h 8205626"/>
+              <a:gd name="connsiteX2-29" fmla="*/ 2414257 w 2414257"/>
+              <a:gd name="connsiteY2-30" fmla="*/ 7817508 h 8205626"/>
+              <a:gd name="connsiteX3-31" fmla="*/ 2073759 w 2414257"/>
+              <a:gd name="connsiteY3-32" fmla="*/ 8205626 h 8205626"/>
+              <a:gd name="connsiteX4-33" fmla="*/ 0 w 2414257"/>
+              <a:gd name="connsiteY4-34" fmla="*/ 6314781 h 8205626"/>
+              <a:gd name="connsiteX0-35" fmla="*/ 0 w 2414257"/>
+              <a:gd name="connsiteY0-36" fmla="*/ 6436203 h 8327048"/>
+              <a:gd name="connsiteX1-37" fmla="*/ 329641 w 2414257"/>
+              <a:gd name="connsiteY1-38" fmla="*/ 0 h 8327048"/>
+              <a:gd name="connsiteX2-39" fmla="*/ 2414257 w 2414257"/>
+              <a:gd name="connsiteY2-40" fmla="*/ 7938930 h 8327048"/>
+              <a:gd name="connsiteX3-41" fmla="*/ 2073759 w 2414257"/>
+              <a:gd name="connsiteY3-42" fmla="*/ 8327048 h 8327048"/>
+              <a:gd name="connsiteX4-43" fmla="*/ 0 w 2414257"/>
+              <a:gd name="connsiteY4-44" fmla="*/ 6436203 h 8327048"/>
+              <a:gd name="connsiteX0-45" fmla="*/ 0 w 2414257"/>
+              <a:gd name="connsiteY0-46" fmla="*/ 6431068 h 8321913"/>
+              <a:gd name="connsiteX1-47" fmla="*/ 563761 w 2414257"/>
+              <a:gd name="connsiteY1-48" fmla="*/ 0 h 8321913"/>
+              <a:gd name="connsiteX2-49" fmla="*/ 2414257 w 2414257"/>
+              <a:gd name="connsiteY2-50" fmla="*/ 7933795 h 8321913"/>
+              <a:gd name="connsiteX3-51" fmla="*/ 2073759 w 2414257"/>
+              <a:gd name="connsiteY3-52" fmla="*/ 8321913 h 8321913"/>
+              <a:gd name="connsiteX4-53" fmla="*/ 0 w 2414257"/>
+              <a:gd name="connsiteY4-54" fmla="*/ 6431068 h 8321913"/>
+              <a:gd name="connsiteX0-55" fmla="*/ 0 w 2414257"/>
+              <a:gd name="connsiteY0-56" fmla="*/ 7267650 h 9158495"/>
+              <a:gd name="connsiteX1-57" fmla="*/ 239027 w 2414257"/>
+              <a:gd name="connsiteY1-58" fmla="*/ 0 h 9158495"/>
+              <a:gd name="connsiteX2-59" fmla="*/ 2414257 w 2414257"/>
+              <a:gd name="connsiteY2-60" fmla="*/ 8770377 h 9158495"/>
+              <a:gd name="connsiteX3-61" fmla="*/ 2073759 w 2414257"/>
+              <a:gd name="connsiteY3-62" fmla="*/ 9158495 h 9158495"/>
+              <a:gd name="connsiteX4-63" fmla="*/ 0 w 2414257"/>
+              <a:gd name="connsiteY4-64" fmla="*/ 7267650 h 9158495"/>
+            </a:gdLst>
+            <a:ahLst/>
+            <a:cxnLst>
+              <a:cxn ang="0">
+                <a:pos x="connsiteX0-1" y="connsiteY0-2"/>
+              </a:cxn>
+              <a:cxn ang="0">
+                <a:pos x="connsiteX1-3" y="connsiteY1-4"/>
+              </a:cxn>
+              <a:cxn ang="0">
+                <a:pos x="connsiteX2-5" y="connsiteY2-6"/>
+              </a:cxn>
+              <a:cxn ang="0">
+                <a:pos x="connsiteX3-7" y="connsiteY3-8"/>
+              </a:cxn>
+              <a:cxn ang="0">
+                <a:pos x="connsiteX4-33" y="connsiteY4-34"/>
+              </a:cxn>
+            </a:cxnLst>
+            <a:rect l="l" t="t" r="r" b="b"/>
+            <a:pathLst>
+              <a:path w="2414257" h="9158495">
+                <a:moveTo>
+                  <a:pt x="0" y="7267650"/>
+                </a:moveTo>
+                <a:lnTo>
+                  <a:pt x="239027" y="0"/>
+                </a:lnTo>
+                <a:lnTo>
+                  <a:pt x="2414257" y="8770377"/>
+                </a:lnTo>
+                <a:lnTo>
+                  <a:pt x="2073759" y="9158495"/>
+                </a:lnTo>
+                <a:lnTo>
+                  <a:pt x="0" y="7267650"/>
+                </a:lnTo>
+                <a:close/>
+              </a:path>
+            </a:pathLst>
+          </a:custGeom>
+          <a:solidFill>
+            <a:srgbClr val="C4C4C4"/>
+          </a:solidFill>
+          <a:ln>
+            <a:noFill/>
+          </a:ln>
+        </p:spPr>
+        <p:style>
+          <a:lnRef idx="2">
+            <a:schemeClr val="accent1">
+              <a:shade val="50000"/>
+            </a:schemeClr>
+          </a:lnRef>
+          <a:fillRef idx="1">
+            <a:schemeClr val="accent1"/>
+          </a:fillRef>
+          <a:effectRef idx="0">
+            <a:schemeClr val="accent1"/>
+          </a:effectRef>
+          <a:fontRef idx="minor">
+            <a:schemeClr val="lt1"/>
+          </a:fontRef>
+        </p:style>
+        <p:txBody>
+          <a:bodyPr anchor="ctr"/>
+          <a:lstStyle/>
+          <a:p>
+            <a:pPr marL="0" marR="0" lvl="0" indent="0" algn="ctr" defTabSz="914400" rtl="0" eaLnBrk="1" fontAlgn="auto" latinLnBrk="0" hangingPunct="1">
+              <a:lnSpc>
+                <a:spcPct val="100000"/>
+              </a:lnSpc>
+              <a:spcBef>
+                <a:spcPts val="0"/>
+              </a:spcBef>
+              <a:spcAft>
+                <a:spcPts val="0"/>
+              </a:spcAft>
+              <a:buClrTx/>
+              <a:buSzTx/>
+              <a:buFontTx/>
+              <a:buNone/>
+              <a:defRPr/>
+            </a:pPr>
+            <a:endParaRPr kumimoji="0" lang="zh-CN" altLang="en-US" sz="1800" b="0" i="0" u="none" strike="noStrike" kern="1200" cap="none" spc="0" normalizeH="0" baseline="0" noProof="0">
+              <a:ln>
+                <a:noFill/>
+              </a:ln>
+              <a:solidFill>
+                <a:schemeClr val="lt1"/>
+              </a:solidFill>
+              <a:effectLst/>
+              <a:uLnTx/>
+              <a:uFillTx/>
+              <a:latin typeface="+mn-lt"/>
+              <a:ea typeface="+mn-ea"/>
+              <a:cs typeface="+mn-cs"/>
+            </a:endParaRPr>
+          </a:p>
+        </p:txBody>
+      </p:sp>
+      <p:sp>
+        <p:nvSpPr>
+          <p:cNvPr id="8" name="任意多边形 7"/>
+          <p:cNvSpPr/>
+          <p:nvPr/>
+        </p:nvSpPr>
+        <p:spPr>
+          <a:xfrm rot="7572289">
+            <a:off x="5132388" y="-1582737"/>
+            <a:ext cx="741363" cy="6269038"/>
+          </a:xfrm>
+          <a:custGeom>
+            <a:avLst/>
+            <a:gdLst>
+              <a:gd name="connsiteX0" fmla="*/ 742650 w 742650"/>
+              <a:gd name="connsiteY0" fmla="*/ 6268899 h 6268899"/>
+              <a:gd name="connsiteX1" fmla="*/ 0 w 742650"/>
+              <a:gd name="connsiteY1" fmla="*/ 5254376 h 6268899"/>
+              <a:gd name="connsiteX2" fmla="*/ 242314 w 742650"/>
+              <a:gd name="connsiteY2" fmla="*/ 0 h 6268899"/>
+            </a:gdLst>
+            <a:ahLst/>
+            <a:cxnLst>
+              <a:cxn ang="0">
+                <a:pos x="connsiteX0" y="connsiteY0"/>
+              </a:cxn>
+              <a:cxn ang="0">
+                <a:pos x="connsiteX1" y="connsiteY1"/>
+              </a:cxn>
+              <a:cxn ang="0">
+                <a:pos x="connsiteX2" y="connsiteY2"/>
+              </a:cxn>
+            </a:cxnLst>
+            <a:rect l="l" t="t" r="r" b="b"/>
+            <a:pathLst>
+              <a:path w="742650" h="6268899">
+                <a:moveTo>
+                  <a:pt x="742650" y="6268899"/>
+                </a:moveTo>
+                <a:lnTo>
+                  <a:pt x="0" y="5254376"/>
+                </a:lnTo>
+                <a:lnTo>
+                  <a:pt x="242314" y="0"/>
+                </a:lnTo>
+                <a:close/>
+              </a:path>
+            </a:pathLst>
+          </a:custGeom>
+          <a:solidFill>
+            <a:srgbClr val="F0B931"/>
+          </a:solidFill>
+          <a:ln>
+            <a:noFill/>
+          </a:ln>
+        </p:spPr>
+        <p:style>
+          <a:lnRef idx="2">
+            <a:schemeClr val="accent1">
+              <a:shade val="50000"/>
+            </a:schemeClr>
+          </a:lnRef>
+          <a:fillRef idx="1">
+            <a:schemeClr val="accent1"/>
+          </a:fillRef>
+          <a:effectRef idx="0">
+            <a:schemeClr val="accent1"/>
+          </a:effectRef>
+          <a:fontRef idx="minor">
+            <a:schemeClr val="lt1"/>
+          </a:fontRef>
+        </p:style>
+        <p:txBody>
+          <a:bodyPr anchor="ctr"/>
+          <a:lstStyle/>
+          <a:p>
+            <a:pPr marL="0" marR="0" lvl="0" indent="0" algn="ctr" defTabSz="914400" rtl="0" eaLnBrk="1" fontAlgn="auto" latinLnBrk="0" hangingPunct="1">
+              <a:lnSpc>
+                <a:spcPct val="100000"/>
+              </a:lnSpc>
+              <a:spcBef>
+                <a:spcPts val="0"/>
+              </a:spcBef>
+              <a:spcAft>
+                <a:spcPts val="0"/>
+              </a:spcAft>
+              <a:buClrTx/>
+              <a:buSzTx/>
+              <a:buFontTx/>
+              <a:buNone/>
+              <a:defRPr/>
+            </a:pPr>
+            <a:endParaRPr kumimoji="0" lang="zh-CN" altLang="en-US" sz="1800" b="0" i="0" u="none" strike="noStrike" kern="1200" cap="none" spc="0" normalizeH="0" baseline="0" noProof="0">
+              <a:ln>
+                <a:noFill/>
+              </a:ln>
+              <a:solidFill>
+                <a:schemeClr val="lt1"/>
+              </a:solidFill>
+              <a:effectLst/>
+              <a:uLnTx/>
+              <a:uFillTx/>
+              <a:latin typeface="+mn-lt"/>
+              <a:ea typeface="+mn-ea"/>
+              <a:cs typeface="+mn-cs"/>
+            </a:endParaRPr>
+          </a:p>
+        </p:txBody>
+      </p:sp>
+      <p:pic>
+        <p:nvPicPr>
+          <p:cNvPr id="5" name="Picture 4" descr="python-logo"/>
+          <p:cNvPicPr>
+            <a:picLocks noChangeAspect="1"/>
+          </p:cNvPicPr>
+          <p:nvPr/>
+        </p:nvPicPr>
+        <p:blipFill>
+          <a:blip r:embed="rId3"/>
+          <a:stretch>
+            <a:fillRect/>
+          </a:stretch>
+        </p:blipFill>
+        <p:spPr>
+          <a:xfrm>
+            <a:off x="8762365" y="217805"/>
+            <a:ext cx="3683000" cy="1041400"/>
+          </a:xfrm>
+          <a:prstGeom prst="rect">
+            <a:avLst/>
+          </a:prstGeom>
+        </p:spPr>
+      </p:pic>
+      <p:sp>
+        <p:nvSpPr>
+          <p:cNvPr id="7" name="Rectangle 6"/>
+          <p:cNvSpPr/>
+          <p:nvPr/>
+        </p:nvSpPr>
+        <p:spPr>
+          <a:xfrm>
+            <a:off x="9477949" y="6452165"/>
+            <a:ext cx="2593210" cy="369332"/>
+          </a:xfrm>
+          <a:prstGeom prst="rect">
+            <a:avLst/>
+          </a:prstGeom>
+        </p:spPr>
+        <p:txBody>
+          <a:bodyPr wrap="none">
+            <a:spAutoFit/>
+          </a:bodyPr>
+          <a:lstStyle/>
+          <a:p>
+            <a:r>
+              <a:rPr lang="en-US" dirty="0" smtClean="0">
+                <a:latin typeface="Verdana" panose="020B0604030504040204" pitchFamily="34" charset="0"/>
+                <a:ea typeface="Verdana" panose="020B0604030504040204" pitchFamily="34" charset="0"/>
+              </a:rPr>
+              <a:t>Frontend Technology</a:t>
+            </a:r>
+          </a:p>
+        </p:txBody>
+      </p:sp>
+      <p:sp>
+        <p:nvSpPr>
+          <p:cNvPr id="9" name="Rectangle 8"/>
+          <p:cNvSpPr/>
+          <p:nvPr/>
+        </p:nvSpPr>
+        <p:spPr>
+          <a:xfrm>
+            <a:off x="409433" y="1028342"/>
+            <a:ext cx="11341289" cy="5632311"/>
+          </a:xfrm>
+          <a:prstGeom prst="rect">
+            <a:avLst/>
+          </a:prstGeom>
+        </p:spPr>
+        <p:txBody>
+          <a:bodyPr wrap="square">
+            <a:spAutoFit/>
+          </a:bodyPr>
+          <a:lstStyle/>
+          <a:p>
+            <a:pPr algn="just"/>
+            <a:r>
+              <a:rPr lang="en-US" sz="2400" b="1" dirty="0" smtClean="0"/>
+              <a:t>Selector</a:t>
+            </a:r>
+            <a:endParaRPr lang="en-US" sz="2400" b="1" dirty="0"/>
+          </a:p>
+          <a:p>
+            <a:pPr algn="just"/>
+            <a:r>
+              <a:rPr lang="en-US" sz="2400" dirty="0"/>
+              <a:t>    This is the HTML element name at the start of the ruleset. It defines the element(s) to be styled (in this example, &lt;p&gt; elements). To style a different element, change the selector.</a:t>
+            </a:r>
+          </a:p>
+          <a:p>
+            <a:pPr algn="just"/>
+            <a:r>
+              <a:rPr lang="en-US" sz="2400" b="1" dirty="0"/>
+              <a:t>Declaration</a:t>
+            </a:r>
+          </a:p>
+          <a:p>
+            <a:pPr algn="just"/>
+            <a:r>
+              <a:rPr lang="en-US" sz="2400" dirty="0"/>
+              <a:t>    This is a single rule like color: red;. It specifies which of the element's properties you want to style.</a:t>
+            </a:r>
+          </a:p>
+          <a:p>
+            <a:pPr algn="just"/>
+            <a:r>
+              <a:rPr lang="en-US" sz="2400" b="1" dirty="0"/>
+              <a:t>Properties</a:t>
+            </a:r>
+          </a:p>
+          <a:p>
+            <a:pPr algn="just"/>
+            <a:r>
+              <a:rPr lang="en-US" sz="2400" dirty="0"/>
+              <a:t>    These are ways in which you can style an HTML element. (In this example, color is a property of the &lt;p&gt; elements.) In CSS, you choose which properties you want to affect in the rule.</a:t>
+            </a:r>
+          </a:p>
+          <a:p>
+            <a:pPr algn="just"/>
+            <a:r>
+              <a:rPr lang="en-US" sz="2400" b="1" dirty="0"/>
+              <a:t>Property value</a:t>
+            </a:r>
+          </a:p>
+          <a:p>
+            <a:pPr algn="just"/>
+            <a:r>
+              <a:rPr lang="en-US" sz="2400" dirty="0"/>
+              <a:t>    To the right of the property—after the colon—there is the property value. This chooses one out of many possible appearances for a given property. (For example, there are many color values in addition to red.) </a:t>
+            </a:r>
+          </a:p>
+        </p:txBody>
+      </p:sp>
+      <p:sp>
+        <p:nvSpPr>
+          <p:cNvPr id="10" name="文本框 8"/>
+          <p:cNvSpPr txBox="1"/>
+          <p:nvPr/>
+        </p:nvSpPr>
+        <p:spPr>
+          <a:xfrm>
+            <a:off x="119931" y="217805"/>
+            <a:ext cx="2985048" cy="707886"/>
+          </a:xfrm>
+          <a:prstGeom prst="rect">
+            <a:avLst/>
+          </a:prstGeom>
+          <a:noFill/>
+          <a:ln w="9525">
+            <a:noFill/>
+          </a:ln>
+        </p:spPr>
+        <p:txBody>
+          <a:bodyPr wrap="none" anchor="t">
+            <a:spAutoFit/>
+          </a:bodyPr>
+          <a:lstStyle/>
+          <a:p>
+            <a:r>
+              <a:rPr lang="en-US" sz="4000" b="1" dirty="0" smtClean="0">
+                <a:solidFill>
+                  <a:schemeClr val="dk1"/>
+                </a:solidFill>
+              </a:rPr>
+              <a:t>CSS </a:t>
+            </a:r>
+            <a:r>
+              <a:rPr lang="en-US" sz="4000" b="1" dirty="0" smtClean="0"/>
+              <a:t>Selectors</a:t>
+            </a:r>
+            <a:endParaRPr lang="en-US" sz="4000" b="1" dirty="0"/>
+          </a:p>
+        </p:txBody>
+      </p:sp>
+    </p:spTree>
+    <p:extLst>
+      <p:ext uri="{BB962C8B-B14F-4D97-AF65-F5344CB8AC3E}">
+        <p14:creationId xmlns:p14="http://schemas.microsoft.com/office/powerpoint/2010/main" val="2757943763"/>
+      </p:ext>
+    </p:extLst>
+  </p:cSld>
+  <p:clrMapOvr>
+    <a:masterClrMapping/>
+  </p:clrMapOvr>
+  <p:timing>
+    <p:tnLst>
+      <p:par>
+        <p:cTn id="1" dur="indefinite" restart="never" nodeType="tmRoot"/>
+      </p:par>
+    </p:tnLst>
+  </p:timing>
+</p:sld>
+</file>
+
+<file path=ppt/slides/slide12.xml><?xml version="1.0" encoding="utf-8"?>
+<p:sld xmlns:a="http://schemas.openxmlformats.org/drawingml/2006/main" xmlns:r="http://schemas.openxmlformats.org/officeDocument/2006/relationships" xmlns:p="http://schemas.openxmlformats.org/presentationml/2006/main">
+  <p:cSld>
+    <p:spTree>
+      <p:nvGrpSpPr>
+        <p:cNvPr id="1" name=""/>
+        <p:cNvGrpSpPr/>
+        <p:nvPr/>
+      </p:nvGrpSpPr>
+      <p:grpSpPr>
+        <a:xfrm>
+          <a:off x="0" y="0"/>
+          <a:ext cx="0" cy="0"/>
+          <a:chOff x="0" y="0"/>
+          <a:chExt cx="0" cy="0"/>
+        </a:xfrm>
+      </p:grpSpPr>
+      <p:sp>
+        <p:nvSpPr>
+          <p:cNvPr id="2" name="直角三角形 1"/>
+          <p:cNvSpPr/>
+          <p:nvPr/>
+        </p:nvSpPr>
+        <p:spPr>
+          <a:xfrm flipH="1" flipV="1">
+            <a:off x="4076700" y="0"/>
+            <a:ext cx="8115300" cy="6273800"/>
+          </a:xfrm>
+          <a:prstGeom prst="rtTriangle">
+            <a:avLst/>
+          </a:prstGeom>
+          <a:solidFill>
+            <a:srgbClr val="747472"/>
+          </a:solidFill>
+          <a:ln>
+            <a:noFill/>
+          </a:ln>
+        </p:spPr>
+        <p:style>
+          <a:lnRef idx="2">
+            <a:schemeClr val="accent1">
+              <a:shade val="50000"/>
+            </a:schemeClr>
+          </a:lnRef>
+          <a:fillRef idx="1">
+            <a:schemeClr val="accent1"/>
+          </a:fillRef>
+          <a:effectRef idx="0">
+            <a:schemeClr val="accent1"/>
+          </a:effectRef>
+          <a:fontRef idx="minor">
+            <a:schemeClr val="lt1"/>
+          </a:fontRef>
+        </p:style>
+        <p:txBody>
+          <a:bodyPr anchor="ctr"/>
+          <a:lstStyle/>
+          <a:p>
+            <a:pPr marL="0" marR="0" lvl="0" indent="0" algn="ctr" defTabSz="914400" rtl="0" eaLnBrk="1" fontAlgn="auto" latinLnBrk="0" hangingPunct="1">
+              <a:lnSpc>
+                <a:spcPct val="100000"/>
+              </a:lnSpc>
+              <a:spcBef>
+                <a:spcPts val="0"/>
+              </a:spcBef>
+              <a:spcAft>
+                <a:spcPts val="0"/>
+              </a:spcAft>
+              <a:buClrTx/>
+              <a:buSzTx/>
+              <a:buFontTx/>
+              <a:buNone/>
+              <a:defRPr/>
+            </a:pPr>
+            <a:endParaRPr kumimoji="0" lang="zh-CN" altLang="en-US" sz="1800" b="0" i="0" u="none" strike="noStrike" kern="1200" cap="none" spc="0" normalizeH="0" baseline="0" noProof="0">
+              <a:ln>
+                <a:noFill/>
+              </a:ln>
+              <a:solidFill>
+                <a:schemeClr val="lt1"/>
+              </a:solidFill>
+              <a:effectLst/>
+              <a:uLnTx/>
+              <a:uFillTx/>
+              <a:latin typeface="+mn-lt"/>
+              <a:ea typeface="+mn-ea"/>
+              <a:cs typeface="+mn-cs"/>
+            </a:endParaRPr>
+          </a:p>
+        </p:txBody>
+      </p:sp>
+      <p:sp>
+        <p:nvSpPr>
+          <p:cNvPr id="3" name="等腰三角形 2"/>
+          <p:cNvSpPr/>
+          <p:nvPr/>
+        </p:nvSpPr>
+        <p:spPr>
+          <a:xfrm rot="19088536">
+            <a:off x="7283450" y="-541337"/>
+            <a:ext cx="2414588" cy="9158288"/>
+          </a:xfrm>
+          <a:custGeom>
+            <a:avLst/>
+            <a:gdLst>
+              <a:gd name="connsiteX0" fmla="*/ 0 w 1117600"/>
+              <a:gd name="connsiteY0" fmla="*/ 5702300 h 5702300"/>
+              <a:gd name="connsiteX1" fmla="*/ 558800 w 1117600"/>
+              <a:gd name="connsiteY1" fmla="*/ 0 h 5702300"/>
+              <a:gd name="connsiteX2" fmla="*/ 1117600 w 1117600"/>
+              <a:gd name="connsiteY2" fmla="*/ 5702300 h 5702300"/>
+              <a:gd name="connsiteX3" fmla="*/ 0 w 1117600"/>
+              <a:gd name="connsiteY3" fmla="*/ 5702300 h 5702300"/>
+              <a:gd name="connsiteX0-1" fmla="*/ 0 w 2070142"/>
+              <a:gd name="connsiteY0-2" fmla="*/ 5702300 h 7817508"/>
+              <a:gd name="connsiteX1-3" fmla="*/ 558800 w 2070142"/>
+              <a:gd name="connsiteY1-4" fmla="*/ 0 h 7817508"/>
+              <a:gd name="connsiteX2-5" fmla="*/ 2070142 w 2070142"/>
+              <a:gd name="connsiteY2-6" fmla="*/ 7817508 h 7817508"/>
+              <a:gd name="connsiteX3-7" fmla="*/ 0 w 2070142"/>
+              <a:gd name="connsiteY3-8" fmla="*/ 5702300 h 7817508"/>
+              <a:gd name="connsiteX0-9" fmla="*/ 0 w 2414257"/>
+              <a:gd name="connsiteY0-10" fmla="*/ 6314781 h 7817508"/>
+              <a:gd name="connsiteX1-11" fmla="*/ 902915 w 2414257"/>
+              <a:gd name="connsiteY1-12" fmla="*/ 0 h 7817508"/>
+              <a:gd name="connsiteX2-13" fmla="*/ 2414257 w 2414257"/>
+              <a:gd name="connsiteY2-14" fmla="*/ 7817508 h 7817508"/>
+              <a:gd name="connsiteX3-15" fmla="*/ 0 w 2414257"/>
+              <a:gd name="connsiteY3-16" fmla="*/ 6314781 h 7817508"/>
+              <a:gd name="connsiteX0-17" fmla="*/ 0 w 2414257"/>
+              <a:gd name="connsiteY0-18" fmla="*/ 6314781 h 7817508"/>
+              <a:gd name="connsiteX1-19" fmla="*/ 902915 w 2414257"/>
+              <a:gd name="connsiteY1-20" fmla="*/ 0 h 7817508"/>
+              <a:gd name="connsiteX2-21" fmla="*/ 2414257 w 2414257"/>
+              <a:gd name="connsiteY2-22" fmla="*/ 7817508 h 7817508"/>
+              <a:gd name="connsiteX3-23" fmla="*/ 1191330 w 2414257"/>
+              <a:gd name="connsiteY3-24" fmla="*/ 7039908 h 7817508"/>
+              <a:gd name="connsiteX4" fmla="*/ 0 w 2414257"/>
+              <a:gd name="connsiteY4" fmla="*/ 6314781 h 7817508"/>
+              <a:gd name="connsiteX0-25" fmla="*/ 0 w 2414257"/>
+              <a:gd name="connsiteY0-26" fmla="*/ 6314781 h 8205626"/>
+              <a:gd name="connsiteX1-27" fmla="*/ 902915 w 2414257"/>
+              <a:gd name="connsiteY1-28" fmla="*/ 0 h 8205626"/>
+              <a:gd name="connsiteX2-29" fmla="*/ 2414257 w 2414257"/>
+              <a:gd name="connsiteY2-30" fmla="*/ 7817508 h 8205626"/>
+              <a:gd name="connsiteX3-31" fmla="*/ 2073759 w 2414257"/>
+              <a:gd name="connsiteY3-32" fmla="*/ 8205626 h 8205626"/>
+              <a:gd name="connsiteX4-33" fmla="*/ 0 w 2414257"/>
+              <a:gd name="connsiteY4-34" fmla="*/ 6314781 h 8205626"/>
+              <a:gd name="connsiteX0-35" fmla="*/ 0 w 2414257"/>
+              <a:gd name="connsiteY0-36" fmla="*/ 6436203 h 8327048"/>
+              <a:gd name="connsiteX1-37" fmla="*/ 329641 w 2414257"/>
+              <a:gd name="connsiteY1-38" fmla="*/ 0 h 8327048"/>
+              <a:gd name="connsiteX2-39" fmla="*/ 2414257 w 2414257"/>
+              <a:gd name="connsiteY2-40" fmla="*/ 7938930 h 8327048"/>
+              <a:gd name="connsiteX3-41" fmla="*/ 2073759 w 2414257"/>
+              <a:gd name="connsiteY3-42" fmla="*/ 8327048 h 8327048"/>
+              <a:gd name="connsiteX4-43" fmla="*/ 0 w 2414257"/>
+              <a:gd name="connsiteY4-44" fmla="*/ 6436203 h 8327048"/>
+              <a:gd name="connsiteX0-45" fmla="*/ 0 w 2414257"/>
+              <a:gd name="connsiteY0-46" fmla="*/ 6431068 h 8321913"/>
+              <a:gd name="connsiteX1-47" fmla="*/ 563761 w 2414257"/>
+              <a:gd name="connsiteY1-48" fmla="*/ 0 h 8321913"/>
+              <a:gd name="connsiteX2-49" fmla="*/ 2414257 w 2414257"/>
+              <a:gd name="connsiteY2-50" fmla="*/ 7933795 h 8321913"/>
+              <a:gd name="connsiteX3-51" fmla="*/ 2073759 w 2414257"/>
+              <a:gd name="connsiteY3-52" fmla="*/ 8321913 h 8321913"/>
+              <a:gd name="connsiteX4-53" fmla="*/ 0 w 2414257"/>
+              <a:gd name="connsiteY4-54" fmla="*/ 6431068 h 8321913"/>
+              <a:gd name="connsiteX0-55" fmla="*/ 0 w 2414257"/>
+              <a:gd name="connsiteY0-56" fmla="*/ 7267650 h 9158495"/>
+              <a:gd name="connsiteX1-57" fmla="*/ 239027 w 2414257"/>
+              <a:gd name="connsiteY1-58" fmla="*/ 0 h 9158495"/>
+              <a:gd name="connsiteX2-59" fmla="*/ 2414257 w 2414257"/>
+              <a:gd name="connsiteY2-60" fmla="*/ 8770377 h 9158495"/>
+              <a:gd name="connsiteX3-61" fmla="*/ 2073759 w 2414257"/>
+              <a:gd name="connsiteY3-62" fmla="*/ 9158495 h 9158495"/>
+              <a:gd name="connsiteX4-63" fmla="*/ 0 w 2414257"/>
+              <a:gd name="connsiteY4-64" fmla="*/ 7267650 h 9158495"/>
+            </a:gdLst>
+            <a:ahLst/>
+            <a:cxnLst>
+              <a:cxn ang="0">
+                <a:pos x="connsiteX0-1" y="connsiteY0-2"/>
+              </a:cxn>
+              <a:cxn ang="0">
+                <a:pos x="connsiteX1-3" y="connsiteY1-4"/>
+              </a:cxn>
+              <a:cxn ang="0">
+                <a:pos x="connsiteX2-5" y="connsiteY2-6"/>
+              </a:cxn>
+              <a:cxn ang="0">
+                <a:pos x="connsiteX3-7" y="connsiteY3-8"/>
+              </a:cxn>
+              <a:cxn ang="0">
+                <a:pos x="connsiteX4-33" y="connsiteY4-34"/>
+              </a:cxn>
+            </a:cxnLst>
+            <a:rect l="l" t="t" r="r" b="b"/>
+            <a:pathLst>
+              <a:path w="2414257" h="9158495">
+                <a:moveTo>
+                  <a:pt x="0" y="7267650"/>
+                </a:moveTo>
+                <a:lnTo>
+                  <a:pt x="239027" y="0"/>
+                </a:lnTo>
+                <a:lnTo>
+                  <a:pt x="2414257" y="8770377"/>
+                </a:lnTo>
+                <a:lnTo>
+                  <a:pt x="2073759" y="9158495"/>
+                </a:lnTo>
+                <a:lnTo>
+                  <a:pt x="0" y="7267650"/>
+                </a:lnTo>
+                <a:close/>
+              </a:path>
+            </a:pathLst>
+          </a:custGeom>
+          <a:solidFill>
+            <a:srgbClr val="C4C4C4"/>
+          </a:solidFill>
+          <a:ln>
+            <a:noFill/>
+          </a:ln>
+        </p:spPr>
+        <p:style>
+          <a:lnRef idx="2">
+            <a:schemeClr val="accent1">
+              <a:shade val="50000"/>
+            </a:schemeClr>
+          </a:lnRef>
+          <a:fillRef idx="1">
+            <a:schemeClr val="accent1"/>
+          </a:fillRef>
+          <a:effectRef idx="0">
+            <a:schemeClr val="accent1"/>
+          </a:effectRef>
+          <a:fontRef idx="minor">
+            <a:schemeClr val="lt1"/>
+          </a:fontRef>
+        </p:style>
+        <p:txBody>
+          <a:bodyPr anchor="ctr"/>
+          <a:lstStyle/>
+          <a:p>
+            <a:pPr marL="0" marR="0" lvl="0" indent="0" algn="ctr" defTabSz="914400" rtl="0" eaLnBrk="1" fontAlgn="auto" latinLnBrk="0" hangingPunct="1">
+              <a:lnSpc>
+                <a:spcPct val="100000"/>
+              </a:lnSpc>
+              <a:spcBef>
+                <a:spcPts val="0"/>
+              </a:spcBef>
+              <a:spcAft>
+                <a:spcPts val="0"/>
+              </a:spcAft>
+              <a:buClrTx/>
+              <a:buSzTx/>
+              <a:buFontTx/>
+              <a:buNone/>
+              <a:defRPr/>
+            </a:pPr>
+            <a:endParaRPr kumimoji="0" lang="zh-CN" altLang="en-US" sz="1800" b="0" i="0" u="none" strike="noStrike" kern="1200" cap="none" spc="0" normalizeH="0" baseline="0" noProof="0">
+              <a:ln>
+                <a:noFill/>
+              </a:ln>
+              <a:solidFill>
+                <a:schemeClr val="lt1"/>
+              </a:solidFill>
+              <a:effectLst/>
+              <a:uLnTx/>
+              <a:uFillTx/>
+              <a:latin typeface="+mn-lt"/>
+              <a:ea typeface="+mn-ea"/>
+              <a:cs typeface="+mn-cs"/>
+            </a:endParaRPr>
+          </a:p>
+        </p:txBody>
+      </p:sp>
+      <p:sp>
+        <p:nvSpPr>
+          <p:cNvPr id="8" name="任意多边形 7"/>
+          <p:cNvSpPr/>
+          <p:nvPr/>
+        </p:nvSpPr>
+        <p:spPr>
+          <a:xfrm rot="7572289">
+            <a:off x="5132388" y="-1582737"/>
+            <a:ext cx="741363" cy="6269038"/>
+          </a:xfrm>
+          <a:custGeom>
+            <a:avLst/>
+            <a:gdLst>
+              <a:gd name="connsiteX0" fmla="*/ 742650 w 742650"/>
+              <a:gd name="connsiteY0" fmla="*/ 6268899 h 6268899"/>
+              <a:gd name="connsiteX1" fmla="*/ 0 w 742650"/>
+              <a:gd name="connsiteY1" fmla="*/ 5254376 h 6268899"/>
+              <a:gd name="connsiteX2" fmla="*/ 242314 w 742650"/>
+              <a:gd name="connsiteY2" fmla="*/ 0 h 6268899"/>
+            </a:gdLst>
+            <a:ahLst/>
+            <a:cxnLst>
+              <a:cxn ang="0">
+                <a:pos x="connsiteX0" y="connsiteY0"/>
+              </a:cxn>
+              <a:cxn ang="0">
+                <a:pos x="connsiteX1" y="connsiteY1"/>
+              </a:cxn>
+              <a:cxn ang="0">
+                <a:pos x="connsiteX2" y="connsiteY2"/>
+              </a:cxn>
+            </a:cxnLst>
+            <a:rect l="l" t="t" r="r" b="b"/>
+            <a:pathLst>
+              <a:path w="742650" h="6268899">
+                <a:moveTo>
+                  <a:pt x="742650" y="6268899"/>
+                </a:moveTo>
+                <a:lnTo>
+                  <a:pt x="0" y="5254376"/>
+                </a:lnTo>
+                <a:lnTo>
+                  <a:pt x="242314" y="0"/>
+                </a:lnTo>
+                <a:close/>
+              </a:path>
+            </a:pathLst>
+          </a:custGeom>
+          <a:solidFill>
+            <a:srgbClr val="F0B931"/>
+          </a:solidFill>
+          <a:ln>
+            <a:noFill/>
+          </a:ln>
+        </p:spPr>
+        <p:style>
+          <a:lnRef idx="2">
+            <a:schemeClr val="accent1">
+              <a:shade val="50000"/>
+            </a:schemeClr>
+          </a:lnRef>
+          <a:fillRef idx="1">
+            <a:schemeClr val="accent1"/>
+          </a:fillRef>
+          <a:effectRef idx="0">
+            <a:schemeClr val="accent1"/>
+          </a:effectRef>
+          <a:fontRef idx="minor">
+            <a:schemeClr val="lt1"/>
+          </a:fontRef>
+        </p:style>
+        <p:txBody>
+          <a:bodyPr anchor="ctr"/>
+          <a:lstStyle/>
+          <a:p>
+            <a:pPr marL="0" marR="0" lvl="0" indent="0" algn="ctr" defTabSz="914400" rtl="0" eaLnBrk="1" fontAlgn="auto" latinLnBrk="0" hangingPunct="1">
+              <a:lnSpc>
+                <a:spcPct val="100000"/>
+              </a:lnSpc>
+              <a:spcBef>
+                <a:spcPts val="0"/>
+              </a:spcBef>
+              <a:spcAft>
+                <a:spcPts val="0"/>
+              </a:spcAft>
+              <a:buClrTx/>
+              <a:buSzTx/>
+              <a:buFontTx/>
+              <a:buNone/>
+              <a:defRPr/>
+            </a:pPr>
+            <a:endParaRPr kumimoji="0" lang="zh-CN" altLang="en-US" sz="1800" b="0" i="0" u="none" strike="noStrike" kern="1200" cap="none" spc="0" normalizeH="0" baseline="0" noProof="0">
+              <a:ln>
+                <a:noFill/>
+              </a:ln>
+              <a:solidFill>
+                <a:schemeClr val="lt1"/>
+              </a:solidFill>
+              <a:effectLst/>
+              <a:uLnTx/>
+              <a:uFillTx/>
+              <a:latin typeface="+mn-lt"/>
+              <a:ea typeface="+mn-ea"/>
+              <a:cs typeface="+mn-cs"/>
+            </a:endParaRPr>
+          </a:p>
+        </p:txBody>
+      </p:sp>
+      <p:pic>
+        <p:nvPicPr>
+          <p:cNvPr id="5" name="Picture 4" descr="python-logo"/>
+          <p:cNvPicPr>
+            <a:picLocks noChangeAspect="1"/>
+          </p:cNvPicPr>
+          <p:nvPr/>
+        </p:nvPicPr>
+        <p:blipFill>
+          <a:blip r:embed="rId3"/>
+          <a:stretch>
+            <a:fillRect/>
+          </a:stretch>
+        </p:blipFill>
+        <p:spPr>
+          <a:xfrm>
+            <a:off x="8762365" y="217805"/>
+            <a:ext cx="3683000" cy="1041400"/>
+          </a:xfrm>
+          <a:prstGeom prst="rect">
+            <a:avLst/>
+          </a:prstGeom>
+        </p:spPr>
+      </p:pic>
+      <p:sp>
+        <p:nvSpPr>
+          <p:cNvPr id="7" name="Rectangle 6"/>
+          <p:cNvSpPr/>
+          <p:nvPr/>
+        </p:nvSpPr>
+        <p:spPr>
+          <a:xfrm>
+            <a:off x="9477949" y="6452165"/>
+            <a:ext cx="2593210" cy="369332"/>
+          </a:xfrm>
+          <a:prstGeom prst="rect">
+            <a:avLst/>
+          </a:prstGeom>
+        </p:spPr>
+        <p:txBody>
+          <a:bodyPr wrap="none">
+            <a:spAutoFit/>
+          </a:bodyPr>
+          <a:lstStyle/>
+          <a:p>
+            <a:r>
+              <a:rPr lang="en-US" dirty="0" smtClean="0">
+                <a:latin typeface="Verdana" panose="020B0604030504040204" pitchFamily="34" charset="0"/>
+                <a:ea typeface="Verdana" panose="020B0604030504040204" pitchFamily="34" charset="0"/>
+              </a:rPr>
+              <a:t>Frontend Technology</a:t>
+            </a:r>
+          </a:p>
+        </p:txBody>
+      </p:sp>
+      <p:sp>
+        <p:nvSpPr>
+          <p:cNvPr id="10" name="文本框 8"/>
+          <p:cNvSpPr txBox="1"/>
+          <p:nvPr/>
+        </p:nvSpPr>
+        <p:spPr>
+          <a:xfrm>
+            <a:off x="119931" y="217805"/>
+            <a:ext cx="2461636" cy="707886"/>
+          </a:xfrm>
+          <a:prstGeom prst="rect">
+            <a:avLst/>
+          </a:prstGeom>
+          <a:noFill/>
+          <a:ln w="9525">
+            <a:noFill/>
+          </a:ln>
+        </p:spPr>
+        <p:txBody>
+          <a:bodyPr wrap="none" anchor="t">
+            <a:spAutoFit/>
+          </a:bodyPr>
+          <a:lstStyle/>
+          <a:p>
+            <a:r>
+              <a:rPr lang="en-US" sz="4000" b="1" smtClean="0">
+                <a:solidFill>
+                  <a:schemeClr val="dk1"/>
+                </a:solidFill>
+              </a:rPr>
+              <a:t>CSS S</a:t>
+            </a:r>
+            <a:r>
+              <a:rPr lang="en-US" sz="4000" b="1" smtClean="0"/>
+              <a:t>yntax</a:t>
+            </a:r>
+            <a:endParaRPr lang="en-US" sz="4000" b="1" dirty="0"/>
+          </a:p>
+        </p:txBody>
+      </p:sp>
+      <p:sp>
+        <p:nvSpPr>
+          <p:cNvPr id="6" name="Rectangle 5"/>
+          <p:cNvSpPr/>
+          <p:nvPr/>
+        </p:nvSpPr>
+        <p:spPr>
+          <a:xfrm>
+            <a:off x="119931" y="1033799"/>
+            <a:ext cx="11245755" cy="5693866"/>
+          </a:xfrm>
+          <a:prstGeom prst="rect">
+            <a:avLst/>
+          </a:prstGeom>
+        </p:spPr>
+        <p:txBody>
+          <a:bodyPr wrap="square">
+            <a:spAutoFit/>
+          </a:bodyPr>
+          <a:lstStyle/>
+          <a:p>
+            <a:pPr algn="just"/>
+            <a:r>
+              <a:rPr lang="en-US" sz="2800" b="1" dirty="0"/>
+              <a:t>Note the other important parts of the syntax:</a:t>
+            </a:r>
+          </a:p>
+          <a:p>
+            <a:pPr algn="just"/>
+            <a:endParaRPr lang="en-US" sz="2800" dirty="0"/>
+          </a:p>
+          <a:p>
+            <a:pPr marL="457200" indent="-457200" algn="just">
+              <a:buFont typeface="Wingdings" panose="05000000000000000000" pitchFamily="2" charset="2"/>
+              <a:buChar char="Ø"/>
+            </a:pPr>
+            <a:r>
+              <a:rPr lang="en-US" sz="2800" dirty="0" smtClean="0"/>
+              <a:t>Apart </a:t>
+            </a:r>
+            <a:r>
+              <a:rPr lang="en-US" sz="2800" dirty="0"/>
+              <a:t>from the selector, each ruleset must be wrapped in curly braces. ({})</a:t>
+            </a:r>
+          </a:p>
+          <a:p>
+            <a:pPr marL="457200" indent="-457200" algn="just">
+              <a:buFont typeface="Wingdings" panose="05000000000000000000" pitchFamily="2" charset="2"/>
+              <a:buChar char="Ø"/>
+            </a:pPr>
+            <a:r>
+              <a:rPr lang="en-US" sz="2800" dirty="0" smtClean="0"/>
+              <a:t>Within </a:t>
+            </a:r>
+            <a:r>
+              <a:rPr lang="en-US" sz="2800" dirty="0"/>
+              <a:t>each declaration, you must use a colon (:) to separate the property from its value or values.</a:t>
+            </a:r>
+          </a:p>
+          <a:p>
+            <a:pPr marL="457200" indent="-457200" algn="just">
+              <a:buFont typeface="Wingdings" panose="05000000000000000000" pitchFamily="2" charset="2"/>
+              <a:buChar char="Ø"/>
+            </a:pPr>
+            <a:r>
+              <a:rPr lang="en-US" sz="2800" dirty="0" smtClean="0"/>
+              <a:t>Within </a:t>
+            </a:r>
+            <a:r>
+              <a:rPr lang="en-US" sz="2800" dirty="0"/>
+              <a:t>each ruleset, you must use a semicolon (;) to separate each declaration from the next one</a:t>
+            </a:r>
+            <a:r>
+              <a:rPr lang="en-US" sz="2800" dirty="0" smtClean="0"/>
+              <a:t>.</a:t>
+            </a:r>
+          </a:p>
+          <a:p>
+            <a:pPr lvl="1"/>
+            <a:r>
+              <a:rPr lang="en-US" sz="2800" b="1" dirty="0" smtClean="0"/>
+              <a:t>p </a:t>
+            </a:r>
+            <a:r>
+              <a:rPr lang="en-US" sz="2800" b="1" dirty="0"/>
+              <a:t>{</a:t>
+            </a:r>
+          </a:p>
+          <a:p>
+            <a:pPr lvl="1"/>
+            <a:r>
+              <a:rPr lang="en-US" sz="2800" b="1" dirty="0"/>
+              <a:t>  color: red;</a:t>
+            </a:r>
+          </a:p>
+          <a:p>
+            <a:pPr lvl="1"/>
+            <a:r>
+              <a:rPr lang="en-US" sz="2800" b="1" dirty="0"/>
+              <a:t>  width: 500px;</a:t>
+            </a:r>
+          </a:p>
+          <a:p>
+            <a:pPr lvl="1"/>
+            <a:r>
+              <a:rPr lang="en-US" sz="2800" b="1" dirty="0"/>
+              <a:t>  border: 1px solid black;</a:t>
+            </a:r>
+          </a:p>
+          <a:p>
+            <a:pPr lvl="1"/>
+            <a:r>
+              <a:rPr lang="en-US" sz="2800" b="1" dirty="0"/>
+              <a:t>}</a:t>
+            </a:r>
+          </a:p>
+        </p:txBody>
+      </p:sp>
+    </p:spTree>
+    <p:extLst>
+      <p:ext uri="{BB962C8B-B14F-4D97-AF65-F5344CB8AC3E}">
+        <p14:creationId xmlns:p14="http://schemas.microsoft.com/office/powerpoint/2010/main" val="527977709"/>
+      </p:ext>
+    </p:extLst>
+  </p:cSld>
+  <p:clrMapOvr>
+    <a:masterClrMapping/>
+  </p:clrMapOvr>
+  <p:timing>
+    <p:tnLst>
+      <p:par>
+        <p:cTn id="1" dur="indefinite" restart="never" nodeType="tmRoot"/>
+      </p:par>
+    </p:tnLst>
+  </p:timing>
+</p:sld>
+</file>
+
+<file path=ppt/slides/slide13.xml><?xml version="1.0" encoding="utf-8"?>
+<p:sld xmlns:a="http://schemas.openxmlformats.org/drawingml/2006/main" xmlns:r="http://schemas.openxmlformats.org/officeDocument/2006/relationships" xmlns:p="http://schemas.openxmlformats.org/presentationml/2006/main">
+  <p:cSld>
+    <p:spTree>
+      <p:nvGrpSpPr>
+        <p:cNvPr id="1" name=""/>
+        <p:cNvGrpSpPr/>
+        <p:nvPr/>
+      </p:nvGrpSpPr>
+      <p:grpSpPr>
+        <a:xfrm>
+          <a:off x="0" y="0"/>
+          <a:ext cx="0" cy="0"/>
+          <a:chOff x="0" y="0"/>
+          <a:chExt cx="0" cy="0"/>
+        </a:xfrm>
+      </p:grpSpPr>
+      <p:sp>
+        <p:nvSpPr>
+          <p:cNvPr id="2" name="直角三角形 1"/>
+          <p:cNvSpPr/>
+          <p:nvPr/>
+        </p:nvSpPr>
+        <p:spPr>
+          <a:xfrm flipH="1" flipV="1">
+            <a:off x="4076700" y="0"/>
+            <a:ext cx="8115300" cy="6273800"/>
+          </a:xfrm>
+          <a:prstGeom prst="rtTriangle">
+            <a:avLst/>
+          </a:prstGeom>
+          <a:solidFill>
+            <a:srgbClr val="747472"/>
+          </a:solidFill>
+          <a:ln>
+            <a:noFill/>
+          </a:ln>
+        </p:spPr>
+        <p:style>
+          <a:lnRef idx="2">
+            <a:schemeClr val="accent1">
+              <a:shade val="50000"/>
+            </a:schemeClr>
+          </a:lnRef>
+          <a:fillRef idx="1">
+            <a:schemeClr val="accent1"/>
+          </a:fillRef>
+          <a:effectRef idx="0">
+            <a:schemeClr val="accent1"/>
+          </a:effectRef>
+          <a:fontRef idx="minor">
+            <a:schemeClr val="lt1"/>
+          </a:fontRef>
+        </p:style>
+        <p:txBody>
+          <a:bodyPr anchor="ctr"/>
+          <a:lstStyle/>
+          <a:p>
+            <a:pPr marL="0" marR="0" lvl="0" indent="0" algn="ctr" defTabSz="914400" rtl="0" eaLnBrk="1" fontAlgn="auto" latinLnBrk="0" hangingPunct="1">
+              <a:lnSpc>
+                <a:spcPct val="100000"/>
+              </a:lnSpc>
+              <a:spcBef>
+                <a:spcPts val="0"/>
+              </a:spcBef>
+              <a:spcAft>
+                <a:spcPts val="0"/>
+              </a:spcAft>
+              <a:buClrTx/>
+              <a:buSzTx/>
+              <a:buFontTx/>
+              <a:buNone/>
+              <a:defRPr/>
+            </a:pPr>
+            <a:endParaRPr kumimoji="0" lang="zh-CN" altLang="en-US" sz="1800" b="0" i="0" u="none" strike="noStrike" kern="1200" cap="none" spc="0" normalizeH="0" baseline="0" noProof="0">
+              <a:ln>
+                <a:noFill/>
+              </a:ln>
+              <a:solidFill>
+                <a:schemeClr val="lt1"/>
+              </a:solidFill>
+              <a:effectLst/>
+              <a:uLnTx/>
+              <a:uFillTx/>
+              <a:latin typeface="+mn-lt"/>
+              <a:ea typeface="+mn-ea"/>
+              <a:cs typeface="+mn-cs"/>
+            </a:endParaRPr>
+          </a:p>
+        </p:txBody>
+      </p:sp>
+      <p:sp>
+        <p:nvSpPr>
+          <p:cNvPr id="3" name="等腰三角形 2"/>
+          <p:cNvSpPr/>
+          <p:nvPr/>
+        </p:nvSpPr>
+        <p:spPr>
+          <a:xfrm rot="19088536">
+            <a:off x="7283450" y="-541337"/>
+            <a:ext cx="2414588" cy="9158288"/>
+          </a:xfrm>
+          <a:custGeom>
+            <a:avLst/>
+            <a:gdLst>
+              <a:gd name="connsiteX0" fmla="*/ 0 w 1117600"/>
+              <a:gd name="connsiteY0" fmla="*/ 5702300 h 5702300"/>
+              <a:gd name="connsiteX1" fmla="*/ 558800 w 1117600"/>
+              <a:gd name="connsiteY1" fmla="*/ 0 h 5702300"/>
+              <a:gd name="connsiteX2" fmla="*/ 1117600 w 1117600"/>
+              <a:gd name="connsiteY2" fmla="*/ 5702300 h 5702300"/>
+              <a:gd name="connsiteX3" fmla="*/ 0 w 1117600"/>
+              <a:gd name="connsiteY3" fmla="*/ 5702300 h 5702300"/>
+              <a:gd name="connsiteX0-1" fmla="*/ 0 w 2070142"/>
+              <a:gd name="connsiteY0-2" fmla="*/ 5702300 h 7817508"/>
+              <a:gd name="connsiteX1-3" fmla="*/ 558800 w 2070142"/>
+              <a:gd name="connsiteY1-4" fmla="*/ 0 h 7817508"/>
+              <a:gd name="connsiteX2-5" fmla="*/ 2070142 w 2070142"/>
+              <a:gd name="connsiteY2-6" fmla="*/ 7817508 h 7817508"/>
+              <a:gd name="connsiteX3-7" fmla="*/ 0 w 2070142"/>
+              <a:gd name="connsiteY3-8" fmla="*/ 5702300 h 7817508"/>
+              <a:gd name="connsiteX0-9" fmla="*/ 0 w 2414257"/>
+              <a:gd name="connsiteY0-10" fmla="*/ 6314781 h 7817508"/>
+              <a:gd name="connsiteX1-11" fmla="*/ 902915 w 2414257"/>
+              <a:gd name="connsiteY1-12" fmla="*/ 0 h 7817508"/>
+              <a:gd name="connsiteX2-13" fmla="*/ 2414257 w 2414257"/>
+              <a:gd name="connsiteY2-14" fmla="*/ 7817508 h 7817508"/>
+              <a:gd name="connsiteX3-15" fmla="*/ 0 w 2414257"/>
+              <a:gd name="connsiteY3-16" fmla="*/ 6314781 h 7817508"/>
+              <a:gd name="connsiteX0-17" fmla="*/ 0 w 2414257"/>
+              <a:gd name="connsiteY0-18" fmla="*/ 6314781 h 7817508"/>
+              <a:gd name="connsiteX1-19" fmla="*/ 902915 w 2414257"/>
+              <a:gd name="connsiteY1-20" fmla="*/ 0 h 7817508"/>
+              <a:gd name="connsiteX2-21" fmla="*/ 2414257 w 2414257"/>
+              <a:gd name="connsiteY2-22" fmla="*/ 7817508 h 7817508"/>
+              <a:gd name="connsiteX3-23" fmla="*/ 1191330 w 2414257"/>
+              <a:gd name="connsiteY3-24" fmla="*/ 7039908 h 7817508"/>
+              <a:gd name="connsiteX4" fmla="*/ 0 w 2414257"/>
+              <a:gd name="connsiteY4" fmla="*/ 6314781 h 7817508"/>
+              <a:gd name="connsiteX0-25" fmla="*/ 0 w 2414257"/>
+              <a:gd name="connsiteY0-26" fmla="*/ 6314781 h 8205626"/>
+              <a:gd name="connsiteX1-27" fmla="*/ 902915 w 2414257"/>
+              <a:gd name="connsiteY1-28" fmla="*/ 0 h 8205626"/>
+              <a:gd name="connsiteX2-29" fmla="*/ 2414257 w 2414257"/>
+              <a:gd name="connsiteY2-30" fmla="*/ 7817508 h 8205626"/>
+              <a:gd name="connsiteX3-31" fmla="*/ 2073759 w 2414257"/>
+              <a:gd name="connsiteY3-32" fmla="*/ 8205626 h 8205626"/>
+              <a:gd name="connsiteX4-33" fmla="*/ 0 w 2414257"/>
+              <a:gd name="connsiteY4-34" fmla="*/ 6314781 h 8205626"/>
+              <a:gd name="connsiteX0-35" fmla="*/ 0 w 2414257"/>
+              <a:gd name="connsiteY0-36" fmla="*/ 6436203 h 8327048"/>
+              <a:gd name="connsiteX1-37" fmla="*/ 329641 w 2414257"/>
+              <a:gd name="connsiteY1-38" fmla="*/ 0 h 8327048"/>
+              <a:gd name="connsiteX2-39" fmla="*/ 2414257 w 2414257"/>
+              <a:gd name="connsiteY2-40" fmla="*/ 7938930 h 8327048"/>
+              <a:gd name="connsiteX3-41" fmla="*/ 2073759 w 2414257"/>
+              <a:gd name="connsiteY3-42" fmla="*/ 8327048 h 8327048"/>
+              <a:gd name="connsiteX4-43" fmla="*/ 0 w 2414257"/>
+              <a:gd name="connsiteY4-44" fmla="*/ 6436203 h 8327048"/>
+              <a:gd name="connsiteX0-45" fmla="*/ 0 w 2414257"/>
+              <a:gd name="connsiteY0-46" fmla="*/ 6431068 h 8321913"/>
+              <a:gd name="connsiteX1-47" fmla="*/ 563761 w 2414257"/>
+              <a:gd name="connsiteY1-48" fmla="*/ 0 h 8321913"/>
+              <a:gd name="connsiteX2-49" fmla="*/ 2414257 w 2414257"/>
+              <a:gd name="connsiteY2-50" fmla="*/ 7933795 h 8321913"/>
+              <a:gd name="connsiteX3-51" fmla="*/ 2073759 w 2414257"/>
+              <a:gd name="connsiteY3-52" fmla="*/ 8321913 h 8321913"/>
+              <a:gd name="connsiteX4-53" fmla="*/ 0 w 2414257"/>
+              <a:gd name="connsiteY4-54" fmla="*/ 6431068 h 8321913"/>
+              <a:gd name="connsiteX0-55" fmla="*/ 0 w 2414257"/>
+              <a:gd name="connsiteY0-56" fmla="*/ 7267650 h 9158495"/>
+              <a:gd name="connsiteX1-57" fmla="*/ 239027 w 2414257"/>
+              <a:gd name="connsiteY1-58" fmla="*/ 0 h 9158495"/>
+              <a:gd name="connsiteX2-59" fmla="*/ 2414257 w 2414257"/>
+              <a:gd name="connsiteY2-60" fmla="*/ 8770377 h 9158495"/>
+              <a:gd name="connsiteX3-61" fmla="*/ 2073759 w 2414257"/>
+              <a:gd name="connsiteY3-62" fmla="*/ 9158495 h 9158495"/>
+              <a:gd name="connsiteX4-63" fmla="*/ 0 w 2414257"/>
+              <a:gd name="connsiteY4-64" fmla="*/ 7267650 h 9158495"/>
+            </a:gdLst>
+            <a:ahLst/>
+            <a:cxnLst>
+              <a:cxn ang="0">
+                <a:pos x="connsiteX0-1" y="connsiteY0-2"/>
+              </a:cxn>
+              <a:cxn ang="0">
+                <a:pos x="connsiteX1-3" y="connsiteY1-4"/>
+              </a:cxn>
+              <a:cxn ang="0">
+                <a:pos x="connsiteX2-5" y="connsiteY2-6"/>
+              </a:cxn>
+              <a:cxn ang="0">
+                <a:pos x="connsiteX3-7" y="connsiteY3-8"/>
+              </a:cxn>
+              <a:cxn ang="0">
+                <a:pos x="connsiteX4-33" y="connsiteY4-34"/>
+              </a:cxn>
+            </a:cxnLst>
+            <a:rect l="l" t="t" r="r" b="b"/>
+            <a:pathLst>
+              <a:path w="2414257" h="9158495">
+                <a:moveTo>
+                  <a:pt x="0" y="7267650"/>
+                </a:moveTo>
+                <a:lnTo>
+                  <a:pt x="239027" y="0"/>
+                </a:lnTo>
+                <a:lnTo>
+                  <a:pt x="2414257" y="8770377"/>
+                </a:lnTo>
+                <a:lnTo>
+                  <a:pt x="2073759" y="9158495"/>
+                </a:lnTo>
+                <a:lnTo>
+                  <a:pt x="0" y="7267650"/>
+                </a:lnTo>
+                <a:close/>
+              </a:path>
+            </a:pathLst>
+          </a:custGeom>
+          <a:solidFill>
+            <a:srgbClr val="C4C4C4"/>
+          </a:solidFill>
+          <a:ln>
+            <a:noFill/>
+          </a:ln>
+        </p:spPr>
+        <p:style>
+          <a:lnRef idx="2">
+            <a:schemeClr val="accent1">
+              <a:shade val="50000"/>
+            </a:schemeClr>
+          </a:lnRef>
+          <a:fillRef idx="1">
+            <a:schemeClr val="accent1"/>
+          </a:fillRef>
+          <a:effectRef idx="0">
+            <a:schemeClr val="accent1"/>
+          </a:effectRef>
+          <a:fontRef idx="minor">
+            <a:schemeClr val="lt1"/>
+          </a:fontRef>
+        </p:style>
+        <p:txBody>
+          <a:bodyPr anchor="ctr"/>
+          <a:lstStyle/>
+          <a:p>
+            <a:pPr marL="0" marR="0" lvl="0" indent="0" algn="ctr" defTabSz="914400" rtl="0" eaLnBrk="1" fontAlgn="auto" latinLnBrk="0" hangingPunct="1">
+              <a:lnSpc>
+                <a:spcPct val="100000"/>
+              </a:lnSpc>
+              <a:spcBef>
+                <a:spcPts val="0"/>
+              </a:spcBef>
+              <a:spcAft>
+                <a:spcPts val="0"/>
+              </a:spcAft>
+              <a:buClrTx/>
+              <a:buSzTx/>
+              <a:buFontTx/>
+              <a:buNone/>
+              <a:defRPr/>
+            </a:pPr>
+            <a:endParaRPr kumimoji="0" lang="zh-CN" altLang="en-US" sz="1800" b="0" i="0" u="none" strike="noStrike" kern="1200" cap="none" spc="0" normalizeH="0" baseline="0" noProof="0">
+              <a:ln>
+                <a:noFill/>
+              </a:ln>
+              <a:solidFill>
+                <a:schemeClr val="lt1"/>
+              </a:solidFill>
+              <a:effectLst/>
+              <a:uLnTx/>
+              <a:uFillTx/>
+              <a:latin typeface="+mn-lt"/>
+              <a:ea typeface="+mn-ea"/>
+              <a:cs typeface="+mn-cs"/>
+            </a:endParaRPr>
+          </a:p>
+        </p:txBody>
+      </p:sp>
+      <p:sp>
+        <p:nvSpPr>
+          <p:cNvPr id="8" name="任意多边形 7"/>
+          <p:cNvSpPr/>
+          <p:nvPr/>
+        </p:nvSpPr>
+        <p:spPr>
+          <a:xfrm rot="7572289">
+            <a:off x="5132388" y="-1582737"/>
+            <a:ext cx="741363" cy="6269038"/>
+          </a:xfrm>
+          <a:custGeom>
+            <a:avLst/>
+            <a:gdLst>
+              <a:gd name="connsiteX0" fmla="*/ 742650 w 742650"/>
+              <a:gd name="connsiteY0" fmla="*/ 6268899 h 6268899"/>
+              <a:gd name="connsiteX1" fmla="*/ 0 w 742650"/>
+              <a:gd name="connsiteY1" fmla="*/ 5254376 h 6268899"/>
+              <a:gd name="connsiteX2" fmla="*/ 242314 w 742650"/>
+              <a:gd name="connsiteY2" fmla="*/ 0 h 6268899"/>
+            </a:gdLst>
+            <a:ahLst/>
+            <a:cxnLst>
+              <a:cxn ang="0">
+                <a:pos x="connsiteX0" y="connsiteY0"/>
+              </a:cxn>
+              <a:cxn ang="0">
+                <a:pos x="connsiteX1" y="connsiteY1"/>
+              </a:cxn>
+              <a:cxn ang="0">
+                <a:pos x="connsiteX2" y="connsiteY2"/>
+              </a:cxn>
+            </a:cxnLst>
+            <a:rect l="l" t="t" r="r" b="b"/>
+            <a:pathLst>
+              <a:path w="742650" h="6268899">
+                <a:moveTo>
+                  <a:pt x="742650" y="6268899"/>
+                </a:moveTo>
+                <a:lnTo>
+                  <a:pt x="0" y="5254376"/>
+                </a:lnTo>
+                <a:lnTo>
+                  <a:pt x="242314" y="0"/>
+                </a:lnTo>
+                <a:close/>
+              </a:path>
+            </a:pathLst>
+          </a:custGeom>
+          <a:solidFill>
+            <a:srgbClr val="F0B931"/>
+          </a:solidFill>
+          <a:ln>
+            <a:noFill/>
+          </a:ln>
+        </p:spPr>
+        <p:style>
+          <a:lnRef idx="2">
+            <a:schemeClr val="accent1">
+              <a:shade val="50000"/>
+            </a:schemeClr>
+          </a:lnRef>
+          <a:fillRef idx="1">
+            <a:schemeClr val="accent1"/>
+          </a:fillRef>
+          <a:effectRef idx="0">
+            <a:schemeClr val="accent1"/>
+          </a:effectRef>
+          <a:fontRef idx="minor">
+            <a:schemeClr val="lt1"/>
+          </a:fontRef>
+        </p:style>
+        <p:txBody>
+          <a:bodyPr anchor="ctr"/>
+          <a:lstStyle/>
+          <a:p>
+            <a:pPr marL="0" marR="0" lvl="0" indent="0" algn="ctr" defTabSz="914400" rtl="0" eaLnBrk="1" fontAlgn="auto" latinLnBrk="0" hangingPunct="1">
+              <a:lnSpc>
+                <a:spcPct val="100000"/>
+              </a:lnSpc>
+              <a:spcBef>
+                <a:spcPts val="0"/>
+              </a:spcBef>
+              <a:spcAft>
+                <a:spcPts val="0"/>
+              </a:spcAft>
+              <a:buClrTx/>
+              <a:buSzTx/>
+              <a:buFontTx/>
+              <a:buNone/>
+              <a:defRPr/>
+            </a:pPr>
+            <a:endParaRPr kumimoji="0" lang="zh-CN" altLang="en-US" sz="1800" b="0" i="0" u="none" strike="noStrike" kern="1200" cap="none" spc="0" normalizeH="0" baseline="0" noProof="0">
+              <a:ln>
+                <a:noFill/>
+              </a:ln>
+              <a:solidFill>
+                <a:schemeClr val="lt1"/>
+              </a:solidFill>
+              <a:effectLst/>
+              <a:uLnTx/>
+              <a:uFillTx/>
+              <a:latin typeface="+mn-lt"/>
+              <a:ea typeface="+mn-ea"/>
+              <a:cs typeface="+mn-cs"/>
+            </a:endParaRPr>
+          </a:p>
+        </p:txBody>
+      </p:sp>
+      <p:pic>
+        <p:nvPicPr>
+          <p:cNvPr id="5" name="Picture 4" descr="python-logo"/>
+          <p:cNvPicPr>
+            <a:picLocks noChangeAspect="1"/>
+          </p:cNvPicPr>
+          <p:nvPr/>
+        </p:nvPicPr>
+        <p:blipFill>
+          <a:blip r:embed="rId3"/>
+          <a:stretch>
+            <a:fillRect/>
+          </a:stretch>
+        </p:blipFill>
+        <p:spPr>
+          <a:xfrm>
+            <a:off x="8762365" y="217805"/>
+            <a:ext cx="3683000" cy="1041400"/>
+          </a:xfrm>
+          <a:prstGeom prst="rect">
+            <a:avLst/>
+          </a:prstGeom>
+        </p:spPr>
+      </p:pic>
+      <p:sp>
+        <p:nvSpPr>
+          <p:cNvPr id="7" name="Rectangle 6"/>
+          <p:cNvSpPr/>
+          <p:nvPr/>
+        </p:nvSpPr>
+        <p:spPr>
+          <a:xfrm>
+            <a:off x="9477949" y="6452165"/>
+            <a:ext cx="2593210" cy="369332"/>
+          </a:xfrm>
+          <a:prstGeom prst="rect">
+            <a:avLst/>
+          </a:prstGeom>
+        </p:spPr>
+        <p:txBody>
+          <a:bodyPr wrap="none">
+            <a:spAutoFit/>
+          </a:bodyPr>
+          <a:lstStyle/>
+          <a:p>
+            <a:r>
+              <a:rPr lang="en-US" dirty="0" smtClean="0">
+                <a:latin typeface="Verdana" panose="020B0604030504040204" pitchFamily="34" charset="0"/>
+                <a:ea typeface="Verdana" panose="020B0604030504040204" pitchFamily="34" charset="0"/>
+              </a:rPr>
+              <a:t>Frontend Technology</a:t>
+            </a:r>
+          </a:p>
+        </p:txBody>
+      </p:sp>
+      <p:sp>
+        <p:nvSpPr>
+          <p:cNvPr id="10" name="文本框 8"/>
+          <p:cNvSpPr txBox="1"/>
+          <p:nvPr/>
+        </p:nvSpPr>
+        <p:spPr>
+          <a:xfrm>
+            <a:off x="119931" y="217805"/>
+            <a:ext cx="5329088" cy="707886"/>
+          </a:xfrm>
+          <a:prstGeom prst="rect">
+            <a:avLst/>
+          </a:prstGeom>
+          <a:noFill/>
+          <a:ln w="9525">
+            <a:noFill/>
+          </a:ln>
+        </p:spPr>
+        <p:txBody>
+          <a:bodyPr wrap="none" anchor="t">
+            <a:spAutoFit/>
+          </a:bodyPr>
+          <a:lstStyle/>
+          <a:p>
+            <a:r>
+              <a:rPr lang="en-US" sz="4000" b="1" dirty="0" smtClean="0">
+                <a:solidFill>
+                  <a:schemeClr val="dk1"/>
+                </a:solidFill>
+              </a:rPr>
+              <a:t>How to use CSS in HTML</a:t>
+            </a:r>
+            <a:endParaRPr lang="en-US" sz="4000" b="1" dirty="0"/>
+          </a:p>
+        </p:txBody>
+      </p:sp>
+      <p:sp>
+        <p:nvSpPr>
+          <p:cNvPr id="4" name="Rectangle 3"/>
+          <p:cNvSpPr/>
+          <p:nvPr/>
+        </p:nvSpPr>
+        <p:spPr>
+          <a:xfrm>
+            <a:off x="504968" y="1339827"/>
+            <a:ext cx="10986448" cy="954107"/>
+          </a:xfrm>
+          <a:prstGeom prst="rect">
+            <a:avLst/>
+          </a:prstGeom>
+        </p:spPr>
+        <p:txBody>
+          <a:bodyPr wrap="square">
+            <a:spAutoFit/>
+          </a:bodyPr>
+          <a:lstStyle/>
+          <a:p>
+            <a:r>
+              <a:rPr lang="en-US" sz="2800" b="1" dirty="0" smtClean="0"/>
+              <a:t>1) </a:t>
+            </a:r>
+            <a:r>
+              <a:rPr lang="en-US" sz="2800" b="1" dirty="0"/>
+              <a:t>Internal CSS </a:t>
+            </a:r>
+            <a:r>
+              <a:rPr lang="en-US" sz="2800" b="1" dirty="0" smtClean="0"/>
+              <a:t>– use in HTML HEAD Tag </a:t>
+            </a:r>
+          </a:p>
+          <a:p>
+            <a:r>
+              <a:rPr lang="en-US" sz="2800" b="1" dirty="0" smtClean="0">
+                <a:solidFill>
+                  <a:schemeClr val="accent1"/>
+                </a:solidFill>
+              </a:rPr>
+              <a:t>    &lt;</a:t>
+            </a:r>
+            <a:r>
+              <a:rPr lang="en-US" sz="2800" b="1" dirty="0">
+                <a:solidFill>
+                  <a:schemeClr val="accent1"/>
+                </a:solidFill>
+              </a:rPr>
+              <a:t>style&gt;h1 {    color: magenta;    text-align: center;} &lt;/style&gt;</a:t>
+            </a:r>
+          </a:p>
+        </p:txBody>
+      </p:sp>
+      <p:sp>
+        <p:nvSpPr>
+          <p:cNvPr id="9" name="Rectangle 1"/>
+          <p:cNvSpPr>
+            <a:spLocks noChangeArrowheads="1"/>
+          </p:cNvSpPr>
+          <p:nvPr/>
+        </p:nvSpPr>
+        <p:spPr bwMode="auto">
+          <a:xfrm>
+            <a:off x="504967" y="2747358"/>
+            <a:ext cx="11423175" cy="1384995"/>
+          </a:xfrm>
+          <a:prstGeom prst="rect">
+            <a:avLst/>
+          </a:prstGeom>
+        </p:spPr>
+        <p:txBody>
+          <a:bodyPr wrap="square">
+            <a:spAutoFit/>
+          </a:bodyPr>
+          <a:lstStyle/>
+          <a:p>
+            <a:r>
+              <a:rPr lang="en-US" sz="2800" b="1" dirty="0" smtClean="0"/>
+              <a:t>2</a:t>
+            </a:r>
+            <a:r>
+              <a:rPr lang="en-US" sz="2800" b="1" dirty="0"/>
+              <a:t>) </a:t>
+            </a:r>
+            <a:r>
+              <a:rPr lang="en-US" sz="2800" b="1" dirty="0" smtClean="0"/>
+              <a:t>Use </a:t>
+            </a:r>
+            <a:r>
+              <a:rPr lang="en-US" sz="2800" b="1" dirty="0"/>
+              <a:t>External CSS - link </a:t>
+            </a:r>
+            <a:r>
+              <a:rPr lang="en-US" sz="2800" b="1" dirty="0" smtClean="0"/>
+              <a:t>tag inside the </a:t>
+            </a:r>
+            <a:r>
+              <a:rPr lang="en-US" sz="2800" b="1" dirty="0"/>
+              <a:t>head (between the &lt;head&gt; and </a:t>
+            </a:r>
+            <a:r>
+              <a:rPr lang="en-US" sz="2800" b="1" dirty="0" smtClean="0"/>
+              <a:t>  </a:t>
+            </a:r>
+          </a:p>
+          <a:p>
+            <a:r>
+              <a:rPr lang="en-US" sz="2800" b="1" dirty="0"/>
+              <a:t> </a:t>
+            </a:r>
+            <a:r>
+              <a:rPr lang="en-US" sz="2800" b="1" dirty="0" smtClean="0"/>
+              <a:t>   </a:t>
+            </a:r>
+            <a:r>
+              <a:rPr lang="en-US" sz="2800" b="1" dirty="0" smtClean="0"/>
+              <a:t>&lt;/</a:t>
+            </a:r>
+            <a:r>
+              <a:rPr lang="en-US" sz="2800" b="1" dirty="0"/>
+              <a:t>head&gt; tags)</a:t>
+            </a:r>
+            <a:endParaRPr lang="en-US" sz="2800" b="1" dirty="0" smtClean="0"/>
+          </a:p>
+          <a:p>
+            <a:r>
+              <a:rPr lang="en-US" sz="2800" b="1" dirty="0" smtClean="0"/>
+              <a:t>    </a:t>
+            </a:r>
+            <a:r>
+              <a:rPr lang="en-US" sz="2800" b="1" dirty="0" smtClean="0">
+                <a:solidFill>
+                  <a:schemeClr val="accent1"/>
+                </a:solidFill>
+              </a:rPr>
+              <a:t>&lt;</a:t>
+            </a:r>
+            <a:r>
+              <a:rPr lang="en-US" sz="2800" b="1" dirty="0" smtClean="0">
+                <a:solidFill>
+                  <a:schemeClr val="accent1"/>
+                </a:solidFill>
+              </a:rPr>
+              <a:t>link </a:t>
+            </a:r>
+            <a:r>
+              <a:rPr lang="en-US" sz="2800" b="1" dirty="0">
+                <a:solidFill>
+                  <a:schemeClr val="accent1"/>
+                </a:solidFill>
+              </a:rPr>
+              <a:t>href="styles/style.css" rel="stylesheet"&gt; </a:t>
+            </a:r>
+          </a:p>
+        </p:txBody>
+      </p:sp>
+      <p:sp>
+        <p:nvSpPr>
+          <p:cNvPr id="12" name="Rectangle 1"/>
+          <p:cNvSpPr>
+            <a:spLocks noChangeArrowheads="1"/>
+          </p:cNvSpPr>
+          <p:nvPr/>
+        </p:nvSpPr>
+        <p:spPr bwMode="auto">
+          <a:xfrm>
+            <a:off x="504968" y="4706944"/>
+            <a:ext cx="11197702" cy="954107"/>
+          </a:xfrm>
+          <a:prstGeom prst="rect">
+            <a:avLst/>
+          </a:prstGeom>
+        </p:spPr>
+        <p:txBody>
+          <a:bodyPr wrap="square">
+            <a:spAutoFit/>
+          </a:bodyPr>
+          <a:lstStyle/>
+          <a:p>
+            <a:r>
+              <a:rPr lang="en-US" sz="2800" b="1" dirty="0"/>
+              <a:t>3</a:t>
+            </a:r>
+            <a:r>
+              <a:rPr lang="en-US" sz="2800" b="1" dirty="0" smtClean="0"/>
+              <a:t>) Use inline CSS with HTML Tags</a:t>
+            </a:r>
+          </a:p>
+          <a:p>
+            <a:r>
+              <a:rPr lang="en-US" sz="2800" b="1" dirty="0" smtClean="0">
+                <a:solidFill>
+                  <a:schemeClr val="accent1"/>
+                </a:solidFill>
+              </a:rPr>
+              <a:t>    &lt;</a:t>
+            </a:r>
+            <a:r>
+              <a:rPr lang="en-US" sz="2800" b="1" dirty="0">
+                <a:solidFill>
+                  <a:schemeClr val="accent1"/>
+                </a:solidFill>
+              </a:rPr>
+              <a:t>h1 style="color:blue;text-align:center;"&gt;This is a heading&lt;/h1&gt;</a:t>
+            </a:r>
+          </a:p>
+        </p:txBody>
+      </p:sp>
+    </p:spTree>
+    <p:extLst>
+      <p:ext uri="{BB962C8B-B14F-4D97-AF65-F5344CB8AC3E}">
+        <p14:creationId xmlns:p14="http://schemas.microsoft.com/office/powerpoint/2010/main" val="2328486931"/>
+      </p:ext>
+    </p:extLst>
+  </p:cSld>
+  <p:clrMapOvr>
+    <a:masterClrMapping/>
+  </p:clrMapOvr>
+  <p:timing>
+    <p:tnLst>
+      <p:par>
+        <p:cTn id="1" dur="indefinite" restart="never" nodeType="tmRoot"/>
+      </p:par>
+    </p:tnLst>
+  </p:timing>
+</p:sld>
+</file>
+
+<file path=ppt/slides/slide14.xml><?xml version="1.0" encoding="utf-8"?>
+<p:sld xmlns:a="http://schemas.openxmlformats.org/drawingml/2006/main" xmlns:r="http://schemas.openxmlformats.org/officeDocument/2006/relationships" xmlns:p="http://schemas.openxmlformats.org/presentationml/2006/main">
+  <p:cSld>
+    <p:spTree>
+      <p:nvGrpSpPr>
+        <p:cNvPr id="1" name=""/>
+        <p:cNvGrpSpPr/>
+        <p:nvPr/>
+      </p:nvGrpSpPr>
+      <p:grpSpPr>
+        <a:xfrm>
+          <a:off x="0" y="0"/>
+          <a:ext cx="0" cy="0"/>
+          <a:chOff x="0" y="0"/>
+          <a:chExt cx="0" cy="0"/>
+        </a:xfrm>
+      </p:grpSpPr>
+      <p:sp>
+        <p:nvSpPr>
+          <p:cNvPr id="2" name="直角三角形 1"/>
+          <p:cNvSpPr/>
+          <p:nvPr/>
+        </p:nvSpPr>
+        <p:spPr>
+          <a:xfrm flipH="1" flipV="1">
+            <a:off x="4076700" y="0"/>
+            <a:ext cx="8115300" cy="6273800"/>
+          </a:xfrm>
+          <a:prstGeom prst="rtTriangle">
+            <a:avLst/>
+          </a:prstGeom>
+          <a:solidFill>
+            <a:srgbClr val="747472"/>
+          </a:solidFill>
+          <a:ln>
+            <a:noFill/>
+          </a:ln>
+        </p:spPr>
+        <p:style>
+          <a:lnRef idx="2">
+            <a:schemeClr val="accent1">
+              <a:shade val="50000"/>
+            </a:schemeClr>
+          </a:lnRef>
+          <a:fillRef idx="1">
+            <a:schemeClr val="accent1"/>
+          </a:fillRef>
+          <a:effectRef idx="0">
+            <a:schemeClr val="accent1"/>
+          </a:effectRef>
+          <a:fontRef idx="minor">
+            <a:schemeClr val="lt1"/>
+          </a:fontRef>
+        </p:style>
+        <p:txBody>
+          <a:bodyPr anchor="ctr"/>
+          <a:lstStyle/>
+          <a:p>
+            <a:pPr marL="0" marR="0" lvl="0" indent="0" algn="ctr" defTabSz="914400" rtl="0" eaLnBrk="1" fontAlgn="auto" latinLnBrk="0" hangingPunct="1">
+              <a:lnSpc>
+                <a:spcPct val="100000"/>
+              </a:lnSpc>
+              <a:spcBef>
+                <a:spcPts val="0"/>
+              </a:spcBef>
+              <a:spcAft>
+                <a:spcPts val="0"/>
+              </a:spcAft>
+              <a:buClrTx/>
+              <a:buSzTx/>
+              <a:buFontTx/>
+              <a:buNone/>
+              <a:defRPr/>
+            </a:pPr>
+            <a:endParaRPr kumimoji="0" lang="zh-CN" altLang="en-US" sz="1800" b="0" i="0" u="none" strike="noStrike" kern="1200" cap="none" spc="0" normalizeH="0" baseline="0" noProof="0">
+              <a:ln>
+                <a:noFill/>
+              </a:ln>
+              <a:solidFill>
+                <a:schemeClr val="lt1"/>
+              </a:solidFill>
+              <a:effectLst/>
+              <a:uLnTx/>
+              <a:uFillTx/>
+              <a:latin typeface="+mn-lt"/>
+              <a:ea typeface="+mn-ea"/>
+              <a:cs typeface="+mn-cs"/>
+            </a:endParaRPr>
+          </a:p>
+        </p:txBody>
+      </p:sp>
+      <p:sp>
+        <p:nvSpPr>
+          <p:cNvPr id="3" name="等腰三角形 2"/>
+          <p:cNvSpPr/>
+          <p:nvPr/>
+        </p:nvSpPr>
+        <p:spPr>
+          <a:xfrm rot="19088536">
+            <a:off x="7283450" y="-541337"/>
+            <a:ext cx="2414588" cy="9158288"/>
+          </a:xfrm>
+          <a:custGeom>
+            <a:avLst/>
+            <a:gdLst>
+              <a:gd name="connsiteX0" fmla="*/ 0 w 1117600"/>
+              <a:gd name="connsiteY0" fmla="*/ 5702300 h 5702300"/>
+              <a:gd name="connsiteX1" fmla="*/ 558800 w 1117600"/>
+              <a:gd name="connsiteY1" fmla="*/ 0 h 5702300"/>
+              <a:gd name="connsiteX2" fmla="*/ 1117600 w 1117600"/>
+              <a:gd name="connsiteY2" fmla="*/ 5702300 h 5702300"/>
+              <a:gd name="connsiteX3" fmla="*/ 0 w 1117600"/>
+              <a:gd name="connsiteY3" fmla="*/ 5702300 h 5702300"/>
+              <a:gd name="connsiteX0-1" fmla="*/ 0 w 2070142"/>
+              <a:gd name="connsiteY0-2" fmla="*/ 5702300 h 7817508"/>
+              <a:gd name="connsiteX1-3" fmla="*/ 558800 w 2070142"/>
+              <a:gd name="connsiteY1-4" fmla="*/ 0 h 7817508"/>
+              <a:gd name="connsiteX2-5" fmla="*/ 2070142 w 2070142"/>
+              <a:gd name="connsiteY2-6" fmla="*/ 7817508 h 7817508"/>
+              <a:gd name="connsiteX3-7" fmla="*/ 0 w 2070142"/>
+              <a:gd name="connsiteY3-8" fmla="*/ 5702300 h 7817508"/>
+              <a:gd name="connsiteX0-9" fmla="*/ 0 w 2414257"/>
+              <a:gd name="connsiteY0-10" fmla="*/ 6314781 h 7817508"/>
+              <a:gd name="connsiteX1-11" fmla="*/ 902915 w 2414257"/>
+              <a:gd name="connsiteY1-12" fmla="*/ 0 h 7817508"/>
+              <a:gd name="connsiteX2-13" fmla="*/ 2414257 w 2414257"/>
+              <a:gd name="connsiteY2-14" fmla="*/ 7817508 h 7817508"/>
+              <a:gd name="connsiteX3-15" fmla="*/ 0 w 2414257"/>
+              <a:gd name="connsiteY3-16" fmla="*/ 6314781 h 7817508"/>
+              <a:gd name="connsiteX0-17" fmla="*/ 0 w 2414257"/>
+              <a:gd name="connsiteY0-18" fmla="*/ 6314781 h 7817508"/>
+              <a:gd name="connsiteX1-19" fmla="*/ 902915 w 2414257"/>
+              <a:gd name="connsiteY1-20" fmla="*/ 0 h 7817508"/>
+              <a:gd name="connsiteX2-21" fmla="*/ 2414257 w 2414257"/>
+              <a:gd name="connsiteY2-22" fmla="*/ 7817508 h 7817508"/>
+              <a:gd name="connsiteX3-23" fmla="*/ 1191330 w 2414257"/>
+              <a:gd name="connsiteY3-24" fmla="*/ 7039908 h 7817508"/>
+              <a:gd name="connsiteX4" fmla="*/ 0 w 2414257"/>
+              <a:gd name="connsiteY4" fmla="*/ 6314781 h 7817508"/>
+              <a:gd name="connsiteX0-25" fmla="*/ 0 w 2414257"/>
+              <a:gd name="connsiteY0-26" fmla="*/ 6314781 h 8205626"/>
+              <a:gd name="connsiteX1-27" fmla="*/ 902915 w 2414257"/>
+              <a:gd name="connsiteY1-28" fmla="*/ 0 h 8205626"/>
+              <a:gd name="connsiteX2-29" fmla="*/ 2414257 w 2414257"/>
+              <a:gd name="connsiteY2-30" fmla="*/ 7817508 h 8205626"/>
+              <a:gd name="connsiteX3-31" fmla="*/ 2073759 w 2414257"/>
+              <a:gd name="connsiteY3-32" fmla="*/ 8205626 h 8205626"/>
+              <a:gd name="connsiteX4-33" fmla="*/ 0 w 2414257"/>
+              <a:gd name="connsiteY4-34" fmla="*/ 6314781 h 8205626"/>
+              <a:gd name="connsiteX0-35" fmla="*/ 0 w 2414257"/>
+              <a:gd name="connsiteY0-36" fmla="*/ 6436203 h 8327048"/>
+              <a:gd name="connsiteX1-37" fmla="*/ 329641 w 2414257"/>
+              <a:gd name="connsiteY1-38" fmla="*/ 0 h 8327048"/>
+              <a:gd name="connsiteX2-39" fmla="*/ 2414257 w 2414257"/>
+              <a:gd name="connsiteY2-40" fmla="*/ 7938930 h 8327048"/>
+              <a:gd name="connsiteX3-41" fmla="*/ 2073759 w 2414257"/>
+              <a:gd name="connsiteY3-42" fmla="*/ 8327048 h 8327048"/>
+              <a:gd name="connsiteX4-43" fmla="*/ 0 w 2414257"/>
+              <a:gd name="connsiteY4-44" fmla="*/ 6436203 h 8327048"/>
+              <a:gd name="connsiteX0-45" fmla="*/ 0 w 2414257"/>
+              <a:gd name="connsiteY0-46" fmla="*/ 6431068 h 8321913"/>
+              <a:gd name="connsiteX1-47" fmla="*/ 563761 w 2414257"/>
+              <a:gd name="connsiteY1-48" fmla="*/ 0 h 8321913"/>
+              <a:gd name="connsiteX2-49" fmla="*/ 2414257 w 2414257"/>
+              <a:gd name="connsiteY2-50" fmla="*/ 7933795 h 8321913"/>
+              <a:gd name="connsiteX3-51" fmla="*/ 2073759 w 2414257"/>
+              <a:gd name="connsiteY3-52" fmla="*/ 8321913 h 8321913"/>
+              <a:gd name="connsiteX4-53" fmla="*/ 0 w 2414257"/>
+              <a:gd name="connsiteY4-54" fmla="*/ 6431068 h 8321913"/>
+              <a:gd name="connsiteX0-55" fmla="*/ 0 w 2414257"/>
+              <a:gd name="connsiteY0-56" fmla="*/ 7267650 h 9158495"/>
+              <a:gd name="connsiteX1-57" fmla="*/ 239027 w 2414257"/>
+              <a:gd name="connsiteY1-58" fmla="*/ 0 h 9158495"/>
+              <a:gd name="connsiteX2-59" fmla="*/ 2414257 w 2414257"/>
+              <a:gd name="connsiteY2-60" fmla="*/ 8770377 h 9158495"/>
+              <a:gd name="connsiteX3-61" fmla="*/ 2073759 w 2414257"/>
+              <a:gd name="connsiteY3-62" fmla="*/ 9158495 h 9158495"/>
+              <a:gd name="connsiteX4-63" fmla="*/ 0 w 2414257"/>
+              <a:gd name="connsiteY4-64" fmla="*/ 7267650 h 9158495"/>
+            </a:gdLst>
+            <a:ahLst/>
+            <a:cxnLst>
+              <a:cxn ang="0">
+                <a:pos x="connsiteX0-1" y="connsiteY0-2"/>
+              </a:cxn>
+              <a:cxn ang="0">
+                <a:pos x="connsiteX1-3" y="connsiteY1-4"/>
+              </a:cxn>
+              <a:cxn ang="0">
+                <a:pos x="connsiteX2-5" y="connsiteY2-6"/>
+              </a:cxn>
+              <a:cxn ang="0">
+                <a:pos x="connsiteX3-7" y="connsiteY3-8"/>
+              </a:cxn>
+              <a:cxn ang="0">
+                <a:pos x="connsiteX4-33" y="connsiteY4-34"/>
+              </a:cxn>
+            </a:cxnLst>
+            <a:rect l="l" t="t" r="r" b="b"/>
+            <a:pathLst>
+              <a:path w="2414257" h="9158495">
+                <a:moveTo>
+                  <a:pt x="0" y="7267650"/>
+                </a:moveTo>
+                <a:lnTo>
+                  <a:pt x="239027" y="0"/>
+                </a:lnTo>
+                <a:lnTo>
+                  <a:pt x="2414257" y="8770377"/>
+                </a:lnTo>
+                <a:lnTo>
+                  <a:pt x="2073759" y="9158495"/>
+                </a:lnTo>
+                <a:lnTo>
+                  <a:pt x="0" y="7267650"/>
+                </a:lnTo>
+                <a:close/>
+              </a:path>
+            </a:pathLst>
+          </a:custGeom>
+          <a:solidFill>
+            <a:srgbClr val="C4C4C4"/>
+          </a:solidFill>
+          <a:ln>
+            <a:noFill/>
+          </a:ln>
+        </p:spPr>
+        <p:style>
+          <a:lnRef idx="2">
+            <a:schemeClr val="accent1">
+              <a:shade val="50000"/>
+            </a:schemeClr>
+          </a:lnRef>
+          <a:fillRef idx="1">
+            <a:schemeClr val="accent1"/>
+          </a:fillRef>
+          <a:effectRef idx="0">
+            <a:schemeClr val="accent1"/>
+          </a:effectRef>
+          <a:fontRef idx="minor">
+            <a:schemeClr val="lt1"/>
+          </a:fontRef>
+        </p:style>
+        <p:txBody>
+          <a:bodyPr anchor="ctr"/>
+          <a:lstStyle/>
+          <a:p>
+            <a:pPr marL="0" marR="0" lvl="0" indent="0" algn="ctr" defTabSz="914400" rtl="0" eaLnBrk="1" fontAlgn="auto" latinLnBrk="0" hangingPunct="1">
+              <a:lnSpc>
+                <a:spcPct val="100000"/>
+              </a:lnSpc>
+              <a:spcBef>
+                <a:spcPts val="0"/>
+              </a:spcBef>
+              <a:spcAft>
+                <a:spcPts val="0"/>
+              </a:spcAft>
+              <a:buClrTx/>
+              <a:buSzTx/>
+              <a:buFontTx/>
+              <a:buNone/>
+              <a:defRPr/>
+            </a:pPr>
+            <a:endParaRPr kumimoji="0" lang="zh-CN" altLang="en-US" sz="1800" b="0" i="0" u="none" strike="noStrike" kern="1200" cap="none" spc="0" normalizeH="0" baseline="0" noProof="0">
+              <a:ln>
+                <a:noFill/>
+              </a:ln>
+              <a:solidFill>
+                <a:schemeClr val="lt1"/>
+              </a:solidFill>
+              <a:effectLst/>
+              <a:uLnTx/>
+              <a:uFillTx/>
+              <a:latin typeface="+mn-lt"/>
+              <a:ea typeface="+mn-ea"/>
+              <a:cs typeface="+mn-cs"/>
+            </a:endParaRPr>
+          </a:p>
+        </p:txBody>
+      </p:sp>
+      <p:sp>
+        <p:nvSpPr>
+          <p:cNvPr id="8" name="任意多边形 7"/>
+          <p:cNvSpPr/>
+          <p:nvPr/>
+        </p:nvSpPr>
+        <p:spPr>
+          <a:xfrm rot="7572289">
+            <a:off x="5132388" y="-1582737"/>
+            <a:ext cx="741363" cy="6269038"/>
+          </a:xfrm>
+          <a:custGeom>
+            <a:avLst/>
+            <a:gdLst>
+              <a:gd name="connsiteX0" fmla="*/ 742650 w 742650"/>
+              <a:gd name="connsiteY0" fmla="*/ 6268899 h 6268899"/>
+              <a:gd name="connsiteX1" fmla="*/ 0 w 742650"/>
+              <a:gd name="connsiteY1" fmla="*/ 5254376 h 6268899"/>
+              <a:gd name="connsiteX2" fmla="*/ 242314 w 742650"/>
+              <a:gd name="connsiteY2" fmla="*/ 0 h 6268899"/>
+            </a:gdLst>
+            <a:ahLst/>
+            <a:cxnLst>
+              <a:cxn ang="0">
+                <a:pos x="connsiteX0" y="connsiteY0"/>
+              </a:cxn>
+              <a:cxn ang="0">
+                <a:pos x="connsiteX1" y="connsiteY1"/>
+              </a:cxn>
+              <a:cxn ang="0">
+                <a:pos x="connsiteX2" y="connsiteY2"/>
+              </a:cxn>
+            </a:cxnLst>
+            <a:rect l="l" t="t" r="r" b="b"/>
+            <a:pathLst>
+              <a:path w="742650" h="6268899">
+                <a:moveTo>
+                  <a:pt x="742650" y="6268899"/>
+                </a:moveTo>
+                <a:lnTo>
+                  <a:pt x="0" y="5254376"/>
+                </a:lnTo>
+                <a:lnTo>
+                  <a:pt x="242314" y="0"/>
+                </a:lnTo>
+                <a:close/>
+              </a:path>
+            </a:pathLst>
+          </a:custGeom>
+          <a:solidFill>
+            <a:srgbClr val="F0B931"/>
+          </a:solidFill>
+          <a:ln>
+            <a:noFill/>
+          </a:ln>
+        </p:spPr>
+        <p:style>
+          <a:lnRef idx="2">
+            <a:schemeClr val="accent1">
+              <a:shade val="50000"/>
+            </a:schemeClr>
+          </a:lnRef>
+          <a:fillRef idx="1">
+            <a:schemeClr val="accent1"/>
+          </a:fillRef>
+          <a:effectRef idx="0">
+            <a:schemeClr val="accent1"/>
+          </a:effectRef>
+          <a:fontRef idx="minor">
+            <a:schemeClr val="lt1"/>
+          </a:fontRef>
+        </p:style>
+        <p:txBody>
+          <a:bodyPr anchor="ctr"/>
+          <a:lstStyle/>
+          <a:p>
+            <a:pPr marL="0" marR="0" lvl="0" indent="0" algn="ctr" defTabSz="914400" rtl="0" eaLnBrk="1" fontAlgn="auto" latinLnBrk="0" hangingPunct="1">
+              <a:lnSpc>
+                <a:spcPct val="100000"/>
+              </a:lnSpc>
+              <a:spcBef>
+                <a:spcPts val="0"/>
+              </a:spcBef>
+              <a:spcAft>
+                <a:spcPts val="0"/>
+              </a:spcAft>
+              <a:buClrTx/>
+              <a:buSzTx/>
+              <a:buFontTx/>
+              <a:buNone/>
+              <a:defRPr/>
+            </a:pPr>
+            <a:endParaRPr kumimoji="0" lang="zh-CN" altLang="en-US" sz="1800" b="0" i="0" u="none" strike="noStrike" kern="1200" cap="none" spc="0" normalizeH="0" baseline="0" noProof="0">
+              <a:ln>
+                <a:noFill/>
+              </a:ln>
+              <a:solidFill>
+                <a:schemeClr val="lt1"/>
+              </a:solidFill>
+              <a:effectLst/>
+              <a:uLnTx/>
+              <a:uFillTx/>
+              <a:latin typeface="+mn-lt"/>
+              <a:ea typeface="+mn-ea"/>
+              <a:cs typeface="+mn-cs"/>
+            </a:endParaRPr>
+          </a:p>
+        </p:txBody>
+      </p:sp>
+      <p:pic>
+        <p:nvPicPr>
+          <p:cNvPr id="5" name="Picture 4" descr="python-logo"/>
+          <p:cNvPicPr>
+            <a:picLocks noChangeAspect="1"/>
+          </p:cNvPicPr>
+          <p:nvPr/>
+        </p:nvPicPr>
+        <p:blipFill>
+          <a:blip r:embed="rId2"/>
+          <a:stretch>
+            <a:fillRect/>
+          </a:stretch>
+        </p:blipFill>
+        <p:spPr>
+          <a:xfrm>
+            <a:off x="8509000" y="361315"/>
+            <a:ext cx="3683000" cy="1041400"/>
+          </a:xfrm>
+          <a:prstGeom prst="rect">
+            <a:avLst/>
+          </a:prstGeom>
+        </p:spPr>
+      </p:pic>
+      <p:sp>
+        <p:nvSpPr>
+          <p:cNvPr id="62468" name="文本框 8"/>
+          <p:cNvSpPr txBox="1"/>
+          <p:nvPr/>
+        </p:nvSpPr>
+        <p:spPr>
+          <a:xfrm>
+            <a:off x="785047" y="2269932"/>
+            <a:ext cx="4802187" cy="1014412"/>
+          </a:xfrm>
+          <a:prstGeom prst="rect">
+            <a:avLst/>
+          </a:prstGeom>
+          <a:noFill/>
+          <a:ln w="9525">
+            <a:noFill/>
+          </a:ln>
+        </p:spPr>
+        <p:txBody>
+          <a:bodyPr anchor="t">
+            <a:spAutoFit/>
+          </a:bodyPr>
+          <a:lstStyle/>
+          <a:p>
+            <a:pPr algn="dist" defTabSz="914400"/>
+            <a:r>
+              <a:rPr lang="en-US" altLang="zh-CN" sz="6000" b="1" dirty="0">
+                <a:solidFill>
+                  <a:srgbClr val="262626"/>
+                </a:solidFill>
+                <a:latin typeface="Arial" panose="020B0604020202020204" pitchFamily="34" charset="0"/>
+                <a:ea typeface="Microsoft YaHei" panose="020B0503020204020204" pitchFamily="34" charset="-122"/>
+                <a:sym typeface="Arial" panose="020B0604020202020204" pitchFamily="34" charset="0"/>
+              </a:rPr>
+              <a:t>THANKS</a:t>
+            </a:r>
+          </a:p>
+        </p:txBody>
+      </p:sp>
+      <p:pic>
+        <p:nvPicPr>
+          <p:cNvPr id="9" name="Picture 8"/>
+          <p:cNvPicPr>
+            <a:picLocks noChangeAspect="1"/>
+          </p:cNvPicPr>
+          <p:nvPr/>
+        </p:nvPicPr>
+        <p:blipFill>
+          <a:blip r:embed="rId3">
+            <a:extLst>
+              <a:ext uri="{28A0092B-C50C-407E-A947-70E740481C1C}">
+                <a14:useLocalDpi xmlns:a14="http://schemas.microsoft.com/office/drawing/2010/main" val="0"/>
+              </a:ext>
+            </a:extLst>
+          </a:blip>
+          <a:stretch>
+            <a:fillRect/>
+          </a:stretch>
+        </p:blipFill>
+        <p:spPr>
+          <a:xfrm>
+            <a:off x="64530" y="5797070"/>
+            <a:ext cx="4241800" cy="990600"/>
+          </a:xfrm>
+          <a:prstGeom prst="rect">
+            <a:avLst/>
+          </a:prstGeom>
+        </p:spPr>
+      </p:pic>
+      <p:sp>
+        <p:nvSpPr>
+          <p:cNvPr id="10" name="文本框 9"/>
+          <p:cNvSpPr txBox="1"/>
+          <p:nvPr/>
+        </p:nvSpPr>
+        <p:spPr>
+          <a:xfrm>
+            <a:off x="5861050" y="4197180"/>
+            <a:ext cx="5726439" cy="461665"/>
+          </a:xfrm>
+          <a:prstGeom prst="rect">
+            <a:avLst/>
+          </a:prstGeom>
+          <a:noFill/>
+          <a:ln w="9525">
+            <a:noFill/>
+          </a:ln>
+        </p:spPr>
+        <p:txBody>
+          <a:bodyPr wrap="none" anchor="t">
+            <a:spAutoFit/>
+          </a:bodyPr>
+          <a:lstStyle/>
+          <a:p>
+            <a:r>
+              <a:rPr lang="en-US" altLang="zh-CN" sz="2400" b="1" dirty="0">
+                <a:solidFill>
+                  <a:srgbClr val="262626"/>
+                </a:solidFill>
+                <a:latin typeface="Verdana" panose="020B0604030504040204" pitchFamily="34" charset="0"/>
+                <a:ea typeface="Verdana" panose="020B0604030504040204" pitchFamily="34" charset="0"/>
+                <a:sym typeface="Arial" panose="020B0604020202020204" pitchFamily="34" charset="0"/>
+              </a:rPr>
+              <a:t>instructor: </a:t>
+            </a:r>
+            <a:r>
+              <a:rPr lang="en-US" altLang="zh-CN" sz="2400" dirty="0" smtClean="0">
+                <a:solidFill>
+                  <a:srgbClr val="262626"/>
+                </a:solidFill>
+                <a:latin typeface="Verdana" panose="020B0604030504040204" pitchFamily="34" charset="0"/>
+                <a:ea typeface="Verdana" panose="020B0604030504040204" pitchFamily="34" charset="0"/>
+                <a:sym typeface="Arial" panose="020B0604020202020204" pitchFamily="34" charset="0"/>
+              </a:rPr>
+              <a:t>Anirudha </a:t>
+            </a:r>
+            <a:r>
+              <a:rPr lang="en-US" altLang="zh-CN" sz="2400" dirty="0">
+                <a:solidFill>
+                  <a:srgbClr val="262626"/>
+                </a:solidFill>
+                <a:latin typeface="Verdana" panose="020B0604030504040204" pitchFamily="34" charset="0"/>
+                <a:ea typeface="Verdana" panose="020B0604030504040204" pitchFamily="34" charset="0"/>
+                <a:sym typeface="Arial" panose="020B0604020202020204" pitchFamily="34" charset="0"/>
+              </a:rPr>
+              <a:t>Anil Gaikwad</a:t>
+            </a:r>
+            <a:r>
+              <a:rPr lang="zh-CN" altLang="en-US" sz="2400" dirty="0">
+                <a:solidFill>
+                  <a:srgbClr val="262626"/>
+                </a:solidFill>
+                <a:latin typeface="Verdana" panose="020B0604030504040204" pitchFamily="34" charset="0"/>
+                <a:ea typeface="Microsoft YaHei" panose="020B0503020204020204" pitchFamily="34" charset="-122"/>
+                <a:sym typeface="Arial" panose="020B0604020202020204" pitchFamily="34" charset="0"/>
+              </a:rPr>
+              <a:t> </a:t>
+            </a:r>
+          </a:p>
+        </p:txBody>
+      </p:sp>
+      <p:sp>
+        <p:nvSpPr>
+          <p:cNvPr id="11" name="Rectangle 10"/>
+          <p:cNvSpPr/>
+          <p:nvPr/>
+        </p:nvSpPr>
+        <p:spPr>
+          <a:xfrm>
+            <a:off x="9477949" y="6452165"/>
+            <a:ext cx="2593210" cy="369332"/>
+          </a:xfrm>
+          <a:prstGeom prst="rect">
+            <a:avLst/>
+          </a:prstGeom>
+        </p:spPr>
+        <p:txBody>
+          <a:bodyPr wrap="none">
+            <a:spAutoFit/>
+          </a:bodyPr>
+          <a:lstStyle/>
+          <a:p>
+            <a:r>
+              <a:rPr lang="en-US" dirty="0" smtClean="0">
+                <a:latin typeface="Verdana" panose="020B0604030504040204" pitchFamily="34" charset="0"/>
+                <a:ea typeface="Verdana" panose="020B0604030504040204" pitchFamily="34" charset="0"/>
+              </a:rPr>
+              <a:t>Frontend Technology</a:t>
+            </a:r>
+          </a:p>
+        </p:txBody>
+      </p:sp>
+    </p:spTree>
   </p:cSld>
   <p:clrMapOvr>
     <a:masterClrMapping/>
@@ -14599,7 +17962,7 @@
         <p:spPr>
           <a:xfrm>
             <a:off x="119931" y="217805"/>
-            <a:ext cx="3506153" cy="707886"/>
+            <a:ext cx="4766048" cy="707886"/>
           </a:xfrm>
           <a:prstGeom prst="rect">
             <a:avLst/>
@@ -14616,12 +17979,20 @@
           <a:lstStyle/>
           <a:p>
             <a:r>
+              <a:rPr lang="en-US" sz="4000" b="1" dirty="0">
+                <a:solidFill>
+                  <a:schemeClr val="dk1"/>
+                </a:solidFill>
+              </a:rPr>
+              <a:t>Introduction to </a:t>
+            </a:r>
+            <a:r>
               <a:rPr lang="en-US" sz="4000" b="1" dirty="0" smtClean="0">
                 <a:solidFill>
                   <a:schemeClr val="dk1"/>
                 </a:solidFill>
               </a:rPr>
-              <a:t>HTML Elements</a:t>
+              <a:t>HTML</a:t>
             </a:r>
             <a:endParaRPr lang="en-US" sz="4000" b="1" dirty="0">
               <a:solidFill>
@@ -14670,6 +18041,624 @@
         </p:nvSpPr>
         <p:spPr>
           <a:xfrm>
+            <a:off x="600501" y="1655375"/>
+            <a:ext cx="11027391" cy="4401205"/>
+          </a:xfrm>
+          <a:prstGeom prst="rect">
+            <a:avLst/>
+          </a:prstGeom>
+        </p:spPr>
+        <p:txBody>
+          <a:bodyPr wrap="square">
+            <a:spAutoFit/>
+          </a:bodyPr>
+          <a:lstStyle/>
+          <a:p>
+            <a:pPr algn="just"/>
+            <a:r>
+              <a:rPr lang="en-US" sz="2800" dirty="0">
+                <a:latin typeface="+mn-lt"/>
+                <a:ea typeface="Times New Roman" panose="02020603050405020304" pitchFamily="18" charset="0"/>
+              </a:rPr>
+              <a:t>Every HTML file starts and ends with opening and closing html tag. </a:t>
+            </a:r>
+            <a:endParaRPr lang="en-US" sz="2800" dirty="0" smtClean="0">
+              <a:latin typeface="+mn-lt"/>
+              <a:ea typeface="Times New Roman" panose="02020603050405020304" pitchFamily="18" charset="0"/>
+            </a:endParaRPr>
+          </a:p>
+          <a:p>
+            <a:pPr algn="just"/>
+            <a:endParaRPr lang="en-US" sz="2800" dirty="0">
+              <a:latin typeface="+mn-lt"/>
+              <a:ea typeface="Times New Roman" panose="02020603050405020304" pitchFamily="18" charset="0"/>
+            </a:endParaRPr>
+          </a:p>
+          <a:p>
+            <a:pPr algn="just"/>
+            <a:r>
+              <a:rPr lang="en-US" sz="2800" dirty="0" smtClean="0">
+                <a:latin typeface="+mn-lt"/>
+                <a:ea typeface="Times New Roman" panose="02020603050405020304" pitchFamily="18" charset="0"/>
+              </a:rPr>
+              <a:t>HTML </a:t>
+            </a:r>
+            <a:r>
+              <a:rPr lang="en-US" sz="2800" dirty="0">
+                <a:latin typeface="+mn-lt"/>
+                <a:ea typeface="Times New Roman" panose="02020603050405020304" pitchFamily="18" charset="0"/>
+              </a:rPr>
+              <a:t>tags are keywords (tag names) surrounded by angle brackets. An opening tag is written as &lt;TAGNAME&gt;, where TAGNAME is the name of the Tag and the closing tag is &lt;/TAGNAME</a:t>
+            </a:r>
+            <a:r>
+              <a:rPr lang="en-US" sz="2800" dirty="0" smtClean="0">
+                <a:latin typeface="+mn-lt"/>
+                <a:ea typeface="Times New Roman" panose="02020603050405020304" pitchFamily="18" charset="0"/>
+              </a:rPr>
+              <a:t>&gt;</a:t>
+            </a:r>
+          </a:p>
+          <a:p>
+            <a:pPr algn="just"/>
+            <a:endParaRPr lang="en-US" sz="2800" dirty="0">
+              <a:latin typeface="+mn-lt"/>
+              <a:ea typeface="Times New Roman" panose="02020603050405020304" pitchFamily="18" charset="0"/>
+            </a:endParaRPr>
+          </a:p>
+          <a:p>
+            <a:pPr algn="just"/>
+            <a:r>
+              <a:rPr lang="en-US" sz="2800" dirty="0">
+                <a:latin typeface="+mn-lt"/>
+                <a:ea typeface="Times New Roman" panose="02020603050405020304" pitchFamily="18" charset="0"/>
+              </a:rPr>
+              <a:t>HTML Tags comes in pair usually (with a few exceptions), the opening tag first and then the closing tag</a:t>
+            </a:r>
+            <a:r>
+              <a:rPr lang="en-US" sz="2800" dirty="0" smtClean="0">
+                <a:latin typeface="+mn-lt"/>
+                <a:ea typeface="Times New Roman" panose="02020603050405020304" pitchFamily="18" charset="0"/>
+              </a:rPr>
+              <a:t>.</a:t>
+            </a:r>
+          </a:p>
+          <a:p>
+            <a:pPr algn="just"/>
+            <a:endParaRPr lang="en-US" sz="2800" dirty="0">
+              <a:latin typeface="+mn-lt"/>
+              <a:ea typeface="Times New Roman" panose="02020603050405020304" pitchFamily="18" charset="0"/>
+            </a:endParaRPr>
+          </a:p>
+          <a:p>
+            <a:pPr algn="just"/>
+            <a:r>
+              <a:rPr lang="en-US" sz="2800" dirty="0">
+                <a:latin typeface="+mn-lt"/>
+                <a:ea typeface="Times New Roman" panose="02020603050405020304" pitchFamily="18" charset="0"/>
+              </a:rPr>
+              <a:t>Hence the opening and closing html tags will be like &lt;html&gt; &lt;/html&gt;</a:t>
+            </a:r>
+            <a:endParaRPr lang="en-US" sz="2800" dirty="0">
+              <a:effectLst/>
+              <a:latin typeface="+mn-lt"/>
+              <a:ea typeface="Times New Roman" panose="02020603050405020304" pitchFamily="18" charset="0"/>
+            </a:endParaRPr>
+          </a:p>
+        </p:txBody>
+      </p:sp>
+    </p:spTree>
+    <p:extLst>
+      <p:ext uri="{BB962C8B-B14F-4D97-AF65-F5344CB8AC3E}">
+        <p14:creationId xmlns:p14="http://schemas.microsoft.com/office/powerpoint/2010/main" val="3133744483"/>
+      </p:ext>
+    </p:extLst>
+  </p:cSld>
+  <p:clrMapOvr>
+    <a:masterClrMapping/>
+  </p:clrMapOvr>
+  <p:timing>
+    <p:tnLst>
+      <p:par>
+        <p:cTn id="1" dur="indefinite" restart="never" nodeType="tmRoot"/>
+      </p:par>
+    </p:tnLst>
+  </p:timing>
+</p:sld>
+</file>
+
+<file path=ppt/slides/slide7.xml><?xml version="1.0" encoding="utf-8"?>
+<p:sld xmlns:a="http://schemas.openxmlformats.org/drawingml/2006/main" xmlns:r="http://schemas.openxmlformats.org/officeDocument/2006/relationships" xmlns:p="http://schemas.openxmlformats.org/presentationml/2006/main">
+  <p:cSld>
+    <p:spTree>
+      <p:nvGrpSpPr>
+        <p:cNvPr id="1" name=""/>
+        <p:cNvGrpSpPr/>
+        <p:nvPr/>
+      </p:nvGrpSpPr>
+      <p:grpSpPr>
+        <a:xfrm>
+          <a:off x="0" y="0"/>
+          <a:ext cx="0" cy="0"/>
+          <a:chOff x="0" y="0"/>
+          <a:chExt cx="0" cy="0"/>
+        </a:xfrm>
+      </p:grpSpPr>
+      <p:sp>
+        <p:nvSpPr>
+          <p:cNvPr id="2" name="直角三角形 1"/>
+          <p:cNvSpPr/>
+          <p:nvPr/>
+        </p:nvSpPr>
+        <p:spPr>
+          <a:xfrm flipH="1" flipV="1">
+            <a:off x="4076700" y="0"/>
+            <a:ext cx="8115300" cy="6273800"/>
+          </a:xfrm>
+          <a:prstGeom prst="rtTriangle">
+            <a:avLst/>
+          </a:prstGeom>
+          <a:solidFill>
+            <a:srgbClr val="747472"/>
+          </a:solidFill>
+          <a:ln>
+            <a:noFill/>
+          </a:ln>
+        </p:spPr>
+        <p:style>
+          <a:lnRef idx="2">
+            <a:schemeClr val="accent1">
+              <a:shade val="50000"/>
+            </a:schemeClr>
+          </a:lnRef>
+          <a:fillRef idx="1">
+            <a:schemeClr val="accent1"/>
+          </a:fillRef>
+          <a:effectRef idx="0">
+            <a:schemeClr val="accent1"/>
+          </a:effectRef>
+          <a:fontRef idx="minor">
+            <a:schemeClr val="lt1"/>
+          </a:fontRef>
+        </p:style>
+        <p:txBody>
+          <a:bodyPr anchor="ctr"/>
+          <a:lstStyle/>
+          <a:p>
+            <a:pPr marL="0" marR="0" lvl="0" indent="0" algn="ctr" defTabSz="914400" rtl="0" eaLnBrk="1" fontAlgn="auto" latinLnBrk="0" hangingPunct="1">
+              <a:lnSpc>
+                <a:spcPct val="100000"/>
+              </a:lnSpc>
+              <a:spcBef>
+                <a:spcPts val="0"/>
+              </a:spcBef>
+              <a:spcAft>
+                <a:spcPts val="0"/>
+              </a:spcAft>
+              <a:buClrTx/>
+              <a:buSzTx/>
+              <a:buFontTx/>
+              <a:buNone/>
+              <a:defRPr/>
+            </a:pPr>
+            <a:endParaRPr kumimoji="0" lang="zh-CN" altLang="en-US" sz="1800" b="0" i="0" u="none" strike="noStrike" kern="1200" cap="none" spc="0" normalizeH="0" baseline="0" noProof="0">
+              <a:ln>
+                <a:noFill/>
+              </a:ln>
+              <a:solidFill>
+                <a:schemeClr val="lt1"/>
+              </a:solidFill>
+              <a:effectLst/>
+              <a:uLnTx/>
+              <a:uFillTx/>
+              <a:latin typeface="+mn-lt"/>
+              <a:ea typeface="+mn-ea"/>
+              <a:cs typeface="+mn-cs"/>
+            </a:endParaRPr>
+          </a:p>
+        </p:txBody>
+      </p:sp>
+      <p:sp>
+        <p:nvSpPr>
+          <p:cNvPr id="3" name="等腰三角形 2"/>
+          <p:cNvSpPr/>
+          <p:nvPr/>
+        </p:nvSpPr>
+        <p:spPr>
+          <a:xfrm rot="19088536">
+            <a:off x="7283450" y="-541337"/>
+            <a:ext cx="2414588" cy="9158288"/>
+          </a:xfrm>
+          <a:custGeom>
+            <a:avLst/>
+            <a:gdLst>
+              <a:gd name="connsiteX0" fmla="*/ 0 w 1117600"/>
+              <a:gd name="connsiteY0" fmla="*/ 5702300 h 5702300"/>
+              <a:gd name="connsiteX1" fmla="*/ 558800 w 1117600"/>
+              <a:gd name="connsiteY1" fmla="*/ 0 h 5702300"/>
+              <a:gd name="connsiteX2" fmla="*/ 1117600 w 1117600"/>
+              <a:gd name="connsiteY2" fmla="*/ 5702300 h 5702300"/>
+              <a:gd name="connsiteX3" fmla="*/ 0 w 1117600"/>
+              <a:gd name="connsiteY3" fmla="*/ 5702300 h 5702300"/>
+              <a:gd name="connsiteX0-1" fmla="*/ 0 w 2070142"/>
+              <a:gd name="connsiteY0-2" fmla="*/ 5702300 h 7817508"/>
+              <a:gd name="connsiteX1-3" fmla="*/ 558800 w 2070142"/>
+              <a:gd name="connsiteY1-4" fmla="*/ 0 h 7817508"/>
+              <a:gd name="connsiteX2-5" fmla="*/ 2070142 w 2070142"/>
+              <a:gd name="connsiteY2-6" fmla="*/ 7817508 h 7817508"/>
+              <a:gd name="connsiteX3-7" fmla="*/ 0 w 2070142"/>
+              <a:gd name="connsiteY3-8" fmla="*/ 5702300 h 7817508"/>
+              <a:gd name="connsiteX0-9" fmla="*/ 0 w 2414257"/>
+              <a:gd name="connsiteY0-10" fmla="*/ 6314781 h 7817508"/>
+              <a:gd name="connsiteX1-11" fmla="*/ 902915 w 2414257"/>
+              <a:gd name="connsiteY1-12" fmla="*/ 0 h 7817508"/>
+              <a:gd name="connsiteX2-13" fmla="*/ 2414257 w 2414257"/>
+              <a:gd name="connsiteY2-14" fmla="*/ 7817508 h 7817508"/>
+              <a:gd name="connsiteX3-15" fmla="*/ 0 w 2414257"/>
+              <a:gd name="connsiteY3-16" fmla="*/ 6314781 h 7817508"/>
+              <a:gd name="connsiteX0-17" fmla="*/ 0 w 2414257"/>
+              <a:gd name="connsiteY0-18" fmla="*/ 6314781 h 7817508"/>
+              <a:gd name="connsiteX1-19" fmla="*/ 902915 w 2414257"/>
+              <a:gd name="connsiteY1-20" fmla="*/ 0 h 7817508"/>
+              <a:gd name="connsiteX2-21" fmla="*/ 2414257 w 2414257"/>
+              <a:gd name="connsiteY2-22" fmla="*/ 7817508 h 7817508"/>
+              <a:gd name="connsiteX3-23" fmla="*/ 1191330 w 2414257"/>
+              <a:gd name="connsiteY3-24" fmla="*/ 7039908 h 7817508"/>
+              <a:gd name="connsiteX4" fmla="*/ 0 w 2414257"/>
+              <a:gd name="connsiteY4" fmla="*/ 6314781 h 7817508"/>
+              <a:gd name="connsiteX0-25" fmla="*/ 0 w 2414257"/>
+              <a:gd name="connsiteY0-26" fmla="*/ 6314781 h 8205626"/>
+              <a:gd name="connsiteX1-27" fmla="*/ 902915 w 2414257"/>
+              <a:gd name="connsiteY1-28" fmla="*/ 0 h 8205626"/>
+              <a:gd name="connsiteX2-29" fmla="*/ 2414257 w 2414257"/>
+              <a:gd name="connsiteY2-30" fmla="*/ 7817508 h 8205626"/>
+              <a:gd name="connsiteX3-31" fmla="*/ 2073759 w 2414257"/>
+              <a:gd name="connsiteY3-32" fmla="*/ 8205626 h 8205626"/>
+              <a:gd name="connsiteX4-33" fmla="*/ 0 w 2414257"/>
+              <a:gd name="connsiteY4-34" fmla="*/ 6314781 h 8205626"/>
+              <a:gd name="connsiteX0-35" fmla="*/ 0 w 2414257"/>
+              <a:gd name="connsiteY0-36" fmla="*/ 6436203 h 8327048"/>
+              <a:gd name="connsiteX1-37" fmla="*/ 329641 w 2414257"/>
+              <a:gd name="connsiteY1-38" fmla="*/ 0 h 8327048"/>
+              <a:gd name="connsiteX2-39" fmla="*/ 2414257 w 2414257"/>
+              <a:gd name="connsiteY2-40" fmla="*/ 7938930 h 8327048"/>
+              <a:gd name="connsiteX3-41" fmla="*/ 2073759 w 2414257"/>
+              <a:gd name="connsiteY3-42" fmla="*/ 8327048 h 8327048"/>
+              <a:gd name="connsiteX4-43" fmla="*/ 0 w 2414257"/>
+              <a:gd name="connsiteY4-44" fmla="*/ 6436203 h 8327048"/>
+              <a:gd name="connsiteX0-45" fmla="*/ 0 w 2414257"/>
+              <a:gd name="connsiteY0-46" fmla="*/ 6431068 h 8321913"/>
+              <a:gd name="connsiteX1-47" fmla="*/ 563761 w 2414257"/>
+              <a:gd name="connsiteY1-48" fmla="*/ 0 h 8321913"/>
+              <a:gd name="connsiteX2-49" fmla="*/ 2414257 w 2414257"/>
+              <a:gd name="connsiteY2-50" fmla="*/ 7933795 h 8321913"/>
+              <a:gd name="connsiteX3-51" fmla="*/ 2073759 w 2414257"/>
+              <a:gd name="connsiteY3-52" fmla="*/ 8321913 h 8321913"/>
+              <a:gd name="connsiteX4-53" fmla="*/ 0 w 2414257"/>
+              <a:gd name="connsiteY4-54" fmla="*/ 6431068 h 8321913"/>
+              <a:gd name="connsiteX0-55" fmla="*/ 0 w 2414257"/>
+              <a:gd name="connsiteY0-56" fmla="*/ 7267650 h 9158495"/>
+              <a:gd name="connsiteX1-57" fmla="*/ 239027 w 2414257"/>
+              <a:gd name="connsiteY1-58" fmla="*/ 0 h 9158495"/>
+              <a:gd name="connsiteX2-59" fmla="*/ 2414257 w 2414257"/>
+              <a:gd name="connsiteY2-60" fmla="*/ 8770377 h 9158495"/>
+              <a:gd name="connsiteX3-61" fmla="*/ 2073759 w 2414257"/>
+              <a:gd name="connsiteY3-62" fmla="*/ 9158495 h 9158495"/>
+              <a:gd name="connsiteX4-63" fmla="*/ 0 w 2414257"/>
+              <a:gd name="connsiteY4-64" fmla="*/ 7267650 h 9158495"/>
+            </a:gdLst>
+            <a:ahLst/>
+            <a:cxnLst>
+              <a:cxn ang="0">
+                <a:pos x="connsiteX0-1" y="connsiteY0-2"/>
+              </a:cxn>
+              <a:cxn ang="0">
+                <a:pos x="connsiteX1-3" y="connsiteY1-4"/>
+              </a:cxn>
+              <a:cxn ang="0">
+                <a:pos x="connsiteX2-5" y="connsiteY2-6"/>
+              </a:cxn>
+              <a:cxn ang="0">
+                <a:pos x="connsiteX3-7" y="connsiteY3-8"/>
+              </a:cxn>
+              <a:cxn ang="0">
+                <a:pos x="connsiteX4-33" y="connsiteY4-34"/>
+              </a:cxn>
+            </a:cxnLst>
+            <a:rect l="l" t="t" r="r" b="b"/>
+            <a:pathLst>
+              <a:path w="2414257" h="9158495">
+                <a:moveTo>
+                  <a:pt x="0" y="7267650"/>
+                </a:moveTo>
+                <a:lnTo>
+                  <a:pt x="239027" y="0"/>
+                </a:lnTo>
+                <a:lnTo>
+                  <a:pt x="2414257" y="8770377"/>
+                </a:lnTo>
+                <a:lnTo>
+                  <a:pt x="2073759" y="9158495"/>
+                </a:lnTo>
+                <a:lnTo>
+                  <a:pt x="0" y="7267650"/>
+                </a:lnTo>
+                <a:close/>
+              </a:path>
+            </a:pathLst>
+          </a:custGeom>
+          <a:solidFill>
+            <a:srgbClr val="C4C4C4"/>
+          </a:solidFill>
+          <a:ln>
+            <a:noFill/>
+          </a:ln>
+        </p:spPr>
+        <p:style>
+          <a:lnRef idx="2">
+            <a:schemeClr val="accent1">
+              <a:shade val="50000"/>
+            </a:schemeClr>
+          </a:lnRef>
+          <a:fillRef idx="1">
+            <a:schemeClr val="accent1"/>
+          </a:fillRef>
+          <a:effectRef idx="0">
+            <a:schemeClr val="accent1"/>
+          </a:effectRef>
+          <a:fontRef idx="minor">
+            <a:schemeClr val="lt1"/>
+          </a:fontRef>
+        </p:style>
+        <p:txBody>
+          <a:bodyPr anchor="ctr"/>
+          <a:lstStyle/>
+          <a:p>
+            <a:pPr marL="0" marR="0" lvl="0" indent="0" algn="ctr" defTabSz="914400" rtl="0" eaLnBrk="1" fontAlgn="auto" latinLnBrk="0" hangingPunct="1">
+              <a:lnSpc>
+                <a:spcPct val="100000"/>
+              </a:lnSpc>
+              <a:spcBef>
+                <a:spcPts val="0"/>
+              </a:spcBef>
+              <a:spcAft>
+                <a:spcPts val="0"/>
+              </a:spcAft>
+              <a:buClrTx/>
+              <a:buSzTx/>
+              <a:buFontTx/>
+              <a:buNone/>
+              <a:defRPr/>
+            </a:pPr>
+            <a:endParaRPr kumimoji="0" lang="zh-CN" altLang="en-US" sz="1800" b="0" i="0" u="none" strike="noStrike" kern="1200" cap="none" spc="0" normalizeH="0" baseline="0" noProof="0">
+              <a:ln>
+                <a:noFill/>
+              </a:ln>
+              <a:solidFill>
+                <a:schemeClr val="lt1"/>
+              </a:solidFill>
+              <a:effectLst/>
+              <a:uLnTx/>
+              <a:uFillTx/>
+              <a:latin typeface="+mn-lt"/>
+              <a:ea typeface="+mn-ea"/>
+              <a:cs typeface="+mn-cs"/>
+            </a:endParaRPr>
+          </a:p>
+        </p:txBody>
+      </p:sp>
+      <p:sp>
+        <p:nvSpPr>
+          <p:cNvPr id="8" name="任意多边形 7"/>
+          <p:cNvSpPr/>
+          <p:nvPr/>
+        </p:nvSpPr>
+        <p:spPr>
+          <a:xfrm rot="7572289">
+            <a:off x="5132388" y="-1582737"/>
+            <a:ext cx="741363" cy="6269038"/>
+          </a:xfrm>
+          <a:custGeom>
+            <a:avLst/>
+            <a:gdLst>
+              <a:gd name="connsiteX0" fmla="*/ 742650 w 742650"/>
+              <a:gd name="connsiteY0" fmla="*/ 6268899 h 6268899"/>
+              <a:gd name="connsiteX1" fmla="*/ 0 w 742650"/>
+              <a:gd name="connsiteY1" fmla="*/ 5254376 h 6268899"/>
+              <a:gd name="connsiteX2" fmla="*/ 242314 w 742650"/>
+              <a:gd name="connsiteY2" fmla="*/ 0 h 6268899"/>
+            </a:gdLst>
+            <a:ahLst/>
+            <a:cxnLst>
+              <a:cxn ang="0">
+                <a:pos x="connsiteX0" y="connsiteY0"/>
+              </a:cxn>
+              <a:cxn ang="0">
+                <a:pos x="connsiteX1" y="connsiteY1"/>
+              </a:cxn>
+              <a:cxn ang="0">
+                <a:pos x="connsiteX2" y="connsiteY2"/>
+              </a:cxn>
+            </a:cxnLst>
+            <a:rect l="l" t="t" r="r" b="b"/>
+            <a:pathLst>
+              <a:path w="742650" h="6268899">
+                <a:moveTo>
+                  <a:pt x="742650" y="6268899"/>
+                </a:moveTo>
+                <a:lnTo>
+                  <a:pt x="0" y="5254376"/>
+                </a:lnTo>
+                <a:lnTo>
+                  <a:pt x="242314" y="0"/>
+                </a:lnTo>
+                <a:close/>
+              </a:path>
+            </a:pathLst>
+          </a:custGeom>
+          <a:solidFill>
+            <a:srgbClr val="F0B931"/>
+          </a:solidFill>
+          <a:ln>
+            <a:noFill/>
+          </a:ln>
+        </p:spPr>
+        <p:style>
+          <a:lnRef idx="2">
+            <a:schemeClr val="accent1">
+              <a:shade val="50000"/>
+            </a:schemeClr>
+          </a:lnRef>
+          <a:fillRef idx="1">
+            <a:schemeClr val="accent1"/>
+          </a:fillRef>
+          <a:effectRef idx="0">
+            <a:schemeClr val="accent1"/>
+          </a:effectRef>
+          <a:fontRef idx="minor">
+            <a:schemeClr val="lt1"/>
+          </a:fontRef>
+        </p:style>
+        <p:txBody>
+          <a:bodyPr anchor="ctr"/>
+          <a:lstStyle/>
+          <a:p>
+            <a:pPr marL="0" marR="0" lvl="0" indent="0" algn="ctr" defTabSz="914400" rtl="0" eaLnBrk="1" fontAlgn="auto" latinLnBrk="0" hangingPunct="1">
+              <a:lnSpc>
+                <a:spcPct val="100000"/>
+              </a:lnSpc>
+              <a:spcBef>
+                <a:spcPts val="0"/>
+              </a:spcBef>
+              <a:spcAft>
+                <a:spcPts val="0"/>
+              </a:spcAft>
+              <a:buClrTx/>
+              <a:buSzTx/>
+              <a:buFontTx/>
+              <a:buNone/>
+              <a:defRPr/>
+            </a:pPr>
+            <a:endParaRPr kumimoji="0" lang="zh-CN" altLang="en-US" sz="1800" b="0" i="0" u="none" strike="noStrike" kern="1200" cap="none" spc="0" normalizeH="0" baseline="0" noProof="0">
+              <a:ln>
+                <a:noFill/>
+              </a:ln>
+              <a:solidFill>
+                <a:schemeClr val="lt1"/>
+              </a:solidFill>
+              <a:effectLst/>
+              <a:uLnTx/>
+              <a:uFillTx/>
+              <a:latin typeface="+mn-lt"/>
+              <a:ea typeface="+mn-ea"/>
+              <a:cs typeface="+mn-cs"/>
+            </a:endParaRPr>
+          </a:p>
+        </p:txBody>
+      </p:sp>
+      <p:pic>
+        <p:nvPicPr>
+          <p:cNvPr id="5" name="Picture 4" descr="python-logo"/>
+          <p:cNvPicPr>
+            <a:picLocks noChangeAspect="1"/>
+          </p:cNvPicPr>
+          <p:nvPr/>
+        </p:nvPicPr>
+        <p:blipFill>
+          <a:blip r:embed="rId3"/>
+          <a:stretch>
+            <a:fillRect/>
+          </a:stretch>
+        </p:blipFill>
+        <p:spPr>
+          <a:xfrm>
+            <a:off x="8762365" y="217805"/>
+            <a:ext cx="3683000" cy="1041400"/>
+          </a:xfrm>
+          <a:prstGeom prst="rect">
+            <a:avLst/>
+          </a:prstGeom>
+        </p:spPr>
+      </p:pic>
+      <p:sp>
+        <p:nvSpPr>
+          <p:cNvPr id="6" name="文本框 8"/>
+          <p:cNvSpPr txBox="1"/>
+          <p:nvPr/>
+        </p:nvSpPr>
+        <p:spPr>
+          <a:xfrm>
+            <a:off x="119931" y="217805"/>
+            <a:ext cx="3506153" cy="707886"/>
+          </a:xfrm>
+          <a:prstGeom prst="rect">
+            <a:avLst/>
+          </a:prstGeom>
+          <a:noFill/>
+          <a:ln w="9525">
+            <a:noFill/>
+          </a:ln>
+        </p:spPr>
+        <p:txBody>
+          <a:bodyPr wrap="none" anchor="t">
+            <a:spAutoFit/>
+          </a:bodyPr>
+          <a:lstStyle/>
+          <a:p>
+            <a:r>
+              <a:rPr lang="en-US" sz="4000" b="1" dirty="0" smtClean="0">
+                <a:solidFill>
+                  <a:schemeClr val="dk1"/>
+                </a:solidFill>
+              </a:rPr>
+              <a:t>HTML Elements</a:t>
+            </a:r>
+            <a:endParaRPr lang="en-US" sz="4000" b="1" dirty="0">
+              <a:solidFill>
+                <a:schemeClr val="dk1"/>
+              </a:solidFill>
+            </a:endParaRPr>
+          </a:p>
+        </p:txBody>
+      </p:sp>
+      <p:sp>
+        <p:nvSpPr>
+          <p:cNvPr id="7" name="Rectangle 6"/>
+          <p:cNvSpPr/>
+          <p:nvPr/>
+        </p:nvSpPr>
+        <p:spPr>
+          <a:xfrm>
+            <a:off x="9477949" y="6452165"/>
+            <a:ext cx="2593210" cy="369332"/>
+          </a:xfrm>
+          <a:prstGeom prst="rect">
+            <a:avLst/>
+          </a:prstGeom>
+        </p:spPr>
+        <p:txBody>
+          <a:bodyPr wrap="none">
+            <a:spAutoFit/>
+          </a:bodyPr>
+          <a:lstStyle/>
+          <a:p>
+            <a:r>
+              <a:rPr lang="en-US" dirty="0" smtClean="0">
+                <a:latin typeface="Verdana" panose="020B0604030504040204" pitchFamily="34" charset="0"/>
+                <a:ea typeface="Verdana" panose="020B0604030504040204" pitchFamily="34" charset="0"/>
+              </a:rPr>
+              <a:t>Frontend Technology</a:t>
+            </a:r>
+          </a:p>
+        </p:txBody>
+      </p:sp>
+      <p:sp>
+        <p:nvSpPr>
+          <p:cNvPr id="4" name="Rectangle 3"/>
+          <p:cNvSpPr/>
+          <p:nvPr/>
+        </p:nvSpPr>
+        <p:spPr>
+          <a:xfrm>
             <a:off x="313897" y="1021338"/>
             <a:ext cx="11423176" cy="954107"/>
           </a:xfrm>
@@ -14689,11 +18678,7 @@
             </a:r>
             <a:r>
               <a:rPr lang="en-US" sz="2800" dirty="0" smtClean="0"/>
-              <a:t>some useful</a:t>
-            </a:r>
-            <a:r>
-              <a:rPr lang="en-US" sz="2800" dirty="0" smtClean="0"/>
-              <a:t> HTML </a:t>
+              <a:t>some useful HTML </a:t>
             </a:r>
             <a:r>
               <a:rPr lang="en-US" sz="2800" dirty="0"/>
@@ -16621,7 +20606,7 @@
 </p:sld>
 </file>
 
-<file path=ppt/slides/slide7.xml><?xml version="1.0" encoding="utf-8"?>
+<file path=ppt/slides/slide8.xml><?xml version="1.0" encoding="utf-8"?>
 <p:sld xmlns:a="http://schemas.openxmlformats.org/drawingml/2006/main" xmlns:r="http://schemas.openxmlformats.org/officeDocument/2006/relationships" xmlns:p="http://schemas.openxmlformats.org/presentationml/2006/main">
   <p:cSld>
     <p:spTree>
@@ -17065,8 +21050,21 @@
                   <a:schemeClr val="dk1"/>
                 </a:solidFill>
               </a:rPr>
-              <a:t>Introduction to CSS</a:t>
+              <a:t>Introduction to </a:t>
             </a:r>
+            <a:r>
+              <a:rPr lang="en-US" sz="4000" b="1" dirty="0" smtClean="0">
+                <a:solidFill>
+                  <a:schemeClr val="dk1"/>
+                </a:solidFill>
+              </a:rPr>
+              <a:t>CSS</a:t>
+            </a:r>
+            <a:endParaRPr lang="en-US" sz="4000" b="1" dirty="0">
+              <a:solidFill>
+                <a:schemeClr val="dk1"/>
+              </a:solidFill>
+            </a:endParaRPr>
           </a:p>
         </p:txBody>
       </p:sp>
@@ -17101,10 +21099,129 @@
           </a:p>
         </p:txBody>
       </p:sp>
+      <p:sp>
+        <p:nvSpPr>
+          <p:cNvPr id="4" name="Rectangle 3"/>
+          <p:cNvSpPr/>
+          <p:nvPr/>
+        </p:nvSpPr>
+        <p:spPr>
+          <a:xfrm>
+            <a:off x="559559" y="1437570"/>
+            <a:ext cx="11232107" cy="3970318"/>
+          </a:xfrm>
+          <a:prstGeom prst="rect">
+            <a:avLst/>
+          </a:prstGeom>
+        </p:spPr>
+        <p:txBody>
+          <a:bodyPr wrap="square">
+            <a:spAutoFit/>
+          </a:bodyPr>
+          <a:lstStyle/>
+          <a:p>
+            <a:pPr algn="just"/>
+            <a:r>
+              <a:rPr lang="en-US" sz="2800" dirty="0">
+                <a:latin typeface="+mn-lt"/>
+              </a:rPr>
+              <a:t>CSS (an abbreviation of Cascading Style Sheets) is the language that we use to style </a:t>
+            </a:r>
+            <a:r>
+              <a:rPr lang="en-US" sz="2800" dirty="0" smtClean="0">
+                <a:latin typeface="+mn-lt"/>
+              </a:rPr>
+              <a:t>an HTML </a:t>
+            </a:r>
+            <a:r>
+              <a:rPr lang="en-US" sz="2800" dirty="0">
+                <a:latin typeface="+mn-lt"/>
+              </a:rPr>
+              <a:t>file, and tell the browser how should it render the elements on the </a:t>
+            </a:r>
+            <a:r>
+              <a:rPr lang="en-US" sz="2800" dirty="0" smtClean="0">
+                <a:latin typeface="+mn-lt"/>
+              </a:rPr>
+              <a:t>page</a:t>
+            </a:r>
+          </a:p>
+          <a:p>
+            <a:pPr algn="just"/>
+            <a:r>
+              <a:rPr lang="en-US" sz="2800" b="1" dirty="0"/>
+              <a:t>CSS is a style sheet language.</a:t>
+            </a:r>
+            <a:endParaRPr lang="en-US" sz="2800" dirty="0" smtClean="0">
+              <a:latin typeface="+mn-lt"/>
+            </a:endParaRPr>
+          </a:p>
+          <a:p>
+            <a:pPr algn="just"/>
+            <a:endParaRPr lang="en-US" sz="2800" dirty="0" smtClean="0">
+              <a:latin typeface="+mn-lt"/>
+            </a:endParaRPr>
+          </a:p>
+          <a:p>
+            <a:pPr algn="just"/>
+            <a:r>
+              <a:rPr lang="en-US" sz="2800" dirty="0"/>
+              <a:t>CSS is among the core languages of the </a:t>
+            </a:r>
+            <a:r>
+              <a:rPr lang="en-US" sz="2800" b="1" dirty="0"/>
+              <a:t>open web</a:t>
+            </a:r>
+            <a:r>
+              <a:rPr lang="en-US" sz="2800" dirty="0"/>
+              <a:t> and is standardized across Web browsers according to </a:t>
+            </a:r>
+            <a:r>
+              <a:rPr lang="en-US" sz="2800" dirty="0">
+                <a:hlinkClick r:id="rId4"/>
+              </a:rPr>
+              <a:t>W3C </a:t>
+            </a:r>
+            <a:r>
+              <a:rPr lang="en-US" sz="2800" dirty="0" smtClean="0">
+                <a:hlinkClick r:id="rId4"/>
+              </a:rPr>
+              <a:t>specifications</a:t>
+            </a:r>
+            <a:endParaRPr lang="en-US" sz="2800" dirty="0" smtClean="0"/>
+          </a:p>
+          <a:p>
+            <a:pPr algn="just"/>
+            <a:r>
+              <a:rPr lang="en-US" sz="2800" dirty="0">
+                <a:latin typeface="+mn-lt"/>
+                <a:hlinkClick r:id="rId5"/>
+              </a:rPr>
+              <a:t>https://www.w3.org/Style/CSS/#</a:t>
+            </a:r>
+            <a:r>
+              <a:rPr lang="en-US" sz="2800" dirty="0" smtClean="0">
+                <a:latin typeface="+mn-lt"/>
+                <a:hlinkClick r:id="rId5"/>
+              </a:rPr>
+              <a:t>specs</a:t>
+            </a:r>
+            <a:endParaRPr lang="en-US" sz="2800" dirty="0" smtClean="0">
+              <a:latin typeface="+mn-lt"/>
+            </a:endParaRPr>
+          </a:p>
+          <a:p>
+            <a:pPr algn="just"/>
+            <a:endParaRPr lang="en-US" sz="2800" dirty="0">
+              <a:latin typeface="+mn-lt"/>
+            </a:endParaRPr>
+          </a:p>
+        </p:txBody>
+      </p:sp>
     </p:spTree>
     <p:extLst>
       <p:ext uri="{BB962C8B-B14F-4D97-AF65-F5344CB8AC3E}">
-        <p14:creationId xmlns:p14="http://schemas.microsoft.com/office/powerpoint/2010/main" val="3133744483"/>
+        <p14:creationId xmlns:p14="http://schemas.microsoft.com/office/powerpoint/2010/main" val="3428982350"/>
       </p:ext>
     </p:extLst>
   </p:cSld>
@@ -17121,7 +21238,7 @@
 </p:sld>
 </file>
 
-<file path=ppt/slides/slide8.xml><?xml version="1.0" encoding="utf-8"?>
+<file path=ppt/slides/slide9.xml><?xml version="1.0" encoding="utf-8"?>
 <p:sld xmlns:a="http://schemas.openxmlformats.org/drawingml/2006/main" xmlns:r="http://schemas.openxmlformats.org/officeDocument/2006/relationships" xmlns:p="http://schemas.openxmlformats.org/presentationml/2006/main">
   <p:cSld>
     <p:spTree>
@@ -17543,7 +21660,7 @@
         <p:spPr>
           <a:xfrm>
             <a:off x="119931" y="217805"/>
-            <a:ext cx="5645392" cy="707886"/>
+            <a:ext cx="2985048" cy="707886"/>
           </a:xfrm>
           <a:prstGeom prst="rect">
             <a:avLst/>
@@ -17560,13 +21677,18 @@
           <a:lstStyle/>
           <a:p>
             <a:r>
-              <a:rPr lang="en-US" sz="4000" b="1" dirty="0">
+              <a:rPr lang="en-US" sz="4000" b="1" dirty="0" smtClean="0">
                 <a:solidFill>
                   <a:schemeClr val="dk1"/>
                 </a:solidFill>
               </a:rPr>
-              <a:t>Introduction to JavaScript</a:t>
+              <a:t>CSS </a:t>
             </a:r>
+            <a:r>
+              <a:rPr lang="en-US" sz="4000" b="1" dirty="0" smtClean="0"/>
+              <a:t>Selectors</a:t>
+            </a:r>
+            <a:endParaRPr lang="en-US" sz="4000" b="1" dirty="0"/>
           </a:p>
         </p:txBody>
       </p:sp>
@@ -17601,613 +21723,499 @@
           </a:p>
         </p:txBody>
       </p:sp>
-    </p:spTree>
-    <p:extLst>
-      <p:ext uri="{BB962C8B-B14F-4D97-AF65-F5344CB8AC3E}">
-        <p14:creationId xmlns:p14="http://schemas.microsoft.com/office/powerpoint/2010/main" val="2757943763"/>
-      </p:ext>
-    </p:extLst>
-  </p:cSld>
-  <p:clrMapOvr>
-    <a:masterClrMapping/>
-  </p:clrMapOvr>
-  <p:timing>
-    <p:tnLst>
-      <p:par>
-        <p:cTn id="1" dur="indefinite" restart="never" nodeType="tmRoot"/>
-      </p:par>
-    </p:tnLst>
-  </p:timing>
-</p:sld>
-</file>
-
-<file path=ppt/slides/slide9.xml><?xml version="1.0" encoding="utf-8"?>
-<p:sld xmlns:a="http://schemas.openxmlformats.org/drawingml/2006/main" xmlns:r="http://schemas.openxmlformats.org/officeDocument/2006/relationships" xmlns:p="http://schemas.openxmlformats.org/presentationml/2006/main">
-  <p:cSld>
-    <p:spTree>
-      <p:nvGrpSpPr>
-        <p:cNvPr id="1" name=""/>
-        <p:cNvGrpSpPr/>
-        <p:nvPr/>
-      </p:nvGrpSpPr>
-      <p:grpSpPr>
-        <a:xfrm>
-          <a:off x="0" y="0"/>
-          <a:ext cx="0" cy="0"/>
-          <a:chOff x="0" y="0"/>
-          <a:chExt cx="0" cy="0"/>
-        </a:xfrm>
-      </p:grpSpPr>
+      <p:graphicFrame>
+        <p:nvGraphicFramePr>
+          <p:cNvPr id="9" name="Table 8"/>
+          <p:cNvGraphicFramePr>
+            <a:graphicFrameLocks noGrp="1"/>
+          </p:cNvGraphicFramePr>
+          <p:nvPr>
+            <p:extLst>
+              <p:ext uri="{D42A27DB-BD31-4B8C-83A1-F6EECF244321}">
+                <p14:modId xmlns:p14="http://schemas.microsoft.com/office/powerpoint/2010/main" val="3335368075"/>
+              </p:ext>
+            </p:extLst>
+          </p:nvPr>
+        </p:nvGraphicFramePr>
+        <p:xfrm>
+          <a:off x="729445" y="3189841"/>
+          <a:ext cx="11035350" cy="3504397"/>
+        </p:xfrm>
+        <a:graphic>
+          <a:graphicData uri="http://schemas.openxmlformats.org/drawingml/2006/table">
+            <a:tbl>
+              <a:tblPr/>
+              <a:tblGrid>
+                <a:gridCol w="3678450"/>
+                <a:gridCol w="3678450"/>
+                <a:gridCol w="3678450"/>
+              </a:tblGrid>
+              <a:tr h="369357">
+                <a:tc>
+                  <a:txBody>
+                    <a:bodyPr/>
+                    <a:lstStyle/>
+                    <a:p>
+                      <a:pPr algn="ctr"/>
+                      <a:r>
+                        <a:rPr lang="en-US" sz="2400" b="1" dirty="0"/>
+                        <a:t>Selector name</a:t>
+                      </a:r>
+                    </a:p>
+                  </a:txBody>
+                  <a:tcPr anchor="ctr">
+                    <a:lnL>
+                      <a:noFill/>
+                    </a:lnL>
+                    <a:lnR>
+                      <a:noFill/>
+                    </a:lnR>
+                    <a:lnT>
+                      <a:noFill/>
+                    </a:lnT>
+                    <a:lnB>
+                      <a:noFill/>
+                    </a:lnB>
+                    <a:solidFill>
+                      <a:schemeClr val="accent1"/>
+                    </a:solidFill>
+                  </a:tcPr>
+                </a:tc>
+                <a:tc>
+                  <a:txBody>
+                    <a:bodyPr/>
+                    <a:lstStyle/>
+                    <a:p>
+                      <a:pPr algn="ctr"/>
+                      <a:r>
+                        <a:rPr lang="en-US" sz="2400" b="1"/>
+                        <a:t>What does it select</a:t>
+                      </a:r>
+                    </a:p>
+                  </a:txBody>
+                  <a:tcPr anchor="ctr">
+                    <a:lnL>
+                      <a:noFill/>
+                    </a:lnL>
+                    <a:lnR>
+                      <a:noFill/>
+                    </a:lnR>
+                    <a:lnT>
+                      <a:noFill/>
+                    </a:lnT>
+                    <a:lnB>
+                      <a:noFill/>
+                    </a:lnB>
+                    <a:solidFill>
+                      <a:schemeClr val="accent1"/>
+                    </a:solidFill>
+                  </a:tcPr>
+                </a:tc>
+                <a:tc>
+                  <a:txBody>
+                    <a:bodyPr/>
+                    <a:lstStyle/>
+                    <a:p>
+                      <a:pPr algn="ctr"/>
+                      <a:r>
+                        <a:rPr lang="en-US" sz="2400" b="1" dirty="0"/>
+                        <a:t>Example</a:t>
+                      </a:r>
+                    </a:p>
+                  </a:txBody>
+                  <a:tcPr anchor="ctr">
+                    <a:lnL>
+                      <a:noFill/>
+                    </a:lnL>
+                    <a:lnR>
+                      <a:noFill/>
+                    </a:lnR>
+                    <a:lnT>
+                      <a:noFill/>
+                    </a:lnT>
+                    <a:lnB>
+                      <a:noFill/>
+                    </a:lnB>
+                    <a:solidFill>
+                      <a:schemeClr val="accent1"/>
+                    </a:solidFill>
+                  </a:tcPr>
+                </a:tc>
+              </a:tr>
+              <a:tr h="646375">
+                <a:tc>
+                  <a:txBody>
+                    <a:bodyPr/>
+                    <a:lstStyle/>
+                    <a:p>
+                      <a:r>
+                        <a:rPr lang="en-US" dirty="0"/>
+                        <a:t>Element selector (sometimes called a tag or type selector)</a:t>
+                      </a:r>
+                    </a:p>
+                  </a:txBody>
+                  <a:tcPr anchor="ctr">
+                    <a:lnL>
+                      <a:noFill/>
+                    </a:lnL>
+                    <a:lnR>
+                      <a:noFill/>
+                    </a:lnR>
+                    <a:lnT>
+                      <a:noFill/>
+                    </a:lnT>
+                    <a:lnB>
+                      <a:noFill/>
+                    </a:lnB>
+                    <a:solidFill>
+                      <a:srgbClr val="FDB817"/>
+                    </a:solidFill>
+                  </a:tcPr>
+                </a:tc>
+                <a:tc>
+                  <a:txBody>
+                    <a:bodyPr/>
+                    <a:lstStyle/>
+                    <a:p>
+                      <a:r>
+                        <a:rPr lang="en-US"/>
+                        <a:t>All HTML elements of the specified type.</a:t>
+                      </a:r>
+                    </a:p>
+                  </a:txBody>
+                  <a:tcPr anchor="ctr">
+                    <a:lnL>
+                      <a:noFill/>
+                    </a:lnL>
+                    <a:lnR>
+                      <a:noFill/>
+                    </a:lnR>
+                    <a:lnT>
+                      <a:noFill/>
+                    </a:lnT>
+                    <a:lnB>
+                      <a:noFill/>
+                    </a:lnB>
+                    <a:solidFill>
+                      <a:srgbClr val="FDB817"/>
+                    </a:solidFill>
+                  </a:tcPr>
+                </a:tc>
+                <a:tc>
+                  <a:txBody>
+                    <a:bodyPr/>
+                    <a:lstStyle/>
+                    <a:p>
+                      <a:r>
+                        <a:rPr lang="en-US"/>
+                        <a:t>p</a:t>
+                      </a:r>
+                      <a:br>
+                        <a:rPr lang="en-US"/>
+                      </a:br>
+                      <a:r>
+                        <a:rPr lang="en-US"/>
+                        <a:t>selects &lt;p&gt;</a:t>
+                      </a:r>
+                    </a:p>
+                  </a:txBody>
+                  <a:tcPr anchor="ctr">
+                    <a:lnL>
+                      <a:noFill/>
+                    </a:lnL>
+                    <a:lnR>
+                      <a:noFill/>
+                    </a:lnR>
+                    <a:lnT>
+                      <a:noFill/>
+                    </a:lnT>
+                    <a:lnB>
+                      <a:noFill/>
+                    </a:lnB>
+                    <a:solidFill>
+                      <a:srgbClr val="FDB817"/>
+                    </a:solidFill>
+                  </a:tcPr>
+                </a:tc>
+              </a:tr>
+              <a:tr h="1200411">
+                <a:tc>
+                  <a:txBody>
+                    <a:bodyPr/>
+                    <a:lstStyle/>
+                    <a:p>
+                      <a:r>
+                        <a:rPr lang="en-US"/>
+                        <a:t>ID selector</a:t>
+                      </a:r>
+                    </a:p>
+                  </a:txBody>
+                  <a:tcPr anchor="ctr">
+                    <a:lnL>
+                      <a:noFill/>
+                    </a:lnL>
+                    <a:lnR>
+                      <a:noFill/>
+                    </a:lnR>
+                    <a:lnT>
+                      <a:noFill/>
+                    </a:lnT>
+                    <a:lnB>
+                      <a:noFill/>
+                    </a:lnB>
+                    <a:solidFill>
+                      <a:srgbClr val="FDB817"/>
+                    </a:solidFill>
+                  </a:tcPr>
+                </a:tc>
+                <a:tc>
+                  <a:txBody>
+                    <a:bodyPr/>
+                    <a:lstStyle/>
+                    <a:p>
+                      <a:r>
+                        <a:rPr lang="en-US"/>
+                        <a:t>The element on the page with the specified ID. On a given HTML page, each id value should be unique.</a:t>
+                      </a:r>
+                    </a:p>
+                  </a:txBody>
+                  <a:tcPr anchor="ctr">
+                    <a:lnL>
+                      <a:noFill/>
+                    </a:lnL>
+                    <a:lnR>
+                      <a:noFill/>
+                    </a:lnR>
+                    <a:lnT>
+                      <a:noFill/>
+                    </a:lnT>
+                    <a:lnB>
+                      <a:noFill/>
+                    </a:lnB>
+                    <a:solidFill>
+                      <a:srgbClr val="FDB817"/>
+                    </a:solidFill>
+                  </a:tcPr>
+                </a:tc>
+                <a:tc>
+                  <a:txBody>
+                    <a:bodyPr/>
+                    <a:lstStyle/>
+                    <a:p>
+                      <a:r>
+                        <a:rPr lang="en-US"/>
+                        <a:t>#my-id</a:t>
+                      </a:r>
+                      <a:br>
+                        <a:rPr lang="en-US"/>
+                      </a:br>
+                      <a:r>
+                        <a:rPr lang="en-US"/>
+                        <a:t>selects &lt;p id="my-id"&gt; or &lt;a id="my-id"&gt;</a:t>
+                      </a:r>
+                    </a:p>
+                  </a:txBody>
+                  <a:tcPr anchor="ctr">
+                    <a:lnL>
+                      <a:noFill/>
+                    </a:lnL>
+                    <a:lnR>
+                      <a:noFill/>
+                    </a:lnR>
+                    <a:lnT>
+                      <a:noFill/>
+                    </a:lnT>
+                    <a:lnB>
+                      <a:noFill/>
+                    </a:lnB>
+                    <a:solidFill>
+                      <a:srgbClr val="FDB817"/>
+                    </a:solidFill>
+                  </a:tcPr>
+                </a:tc>
+              </a:tr>
+              <a:tr h="1200411">
+                <a:tc>
+                  <a:txBody>
+                    <a:bodyPr/>
+                    <a:lstStyle/>
+                    <a:p>
+                      <a:r>
+                        <a:rPr lang="en-US" dirty="0"/>
+                        <a:t>Class selector</a:t>
+                      </a:r>
+                    </a:p>
+                  </a:txBody>
+                  <a:tcPr anchor="ctr">
+                    <a:lnL>
+                      <a:noFill/>
+                    </a:lnL>
+                    <a:lnR>
+                      <a:noFill/>
+                    </a:lnR>
+                    <a:lnT>
+                      <a:noFill/>
+                    </a:lnT>
+                    <a:lnB>
+                      <a:noFill/>
+                    </a:lnB>
+                    <a:solidFill>
+                      <a:srgbClr val="FDB817"/>
+                    </a:solidFill>
+                  </a:tcPr>
+                </a:tc>
+                <a:tc>
+                  <a:txBody>
+                    <a:bodyPr/>
+                    <a:lstStyle/>
+                    <a:p>
+                      <a:r>
+                        <a:rPr lang="en-US"/>
+                        <a:t>The element(s) on the page with the specified class. Multiple instances of the same class can appear on a page.</a:t>
+                      </a:r>
+                    </a:p>
+                  </a:txBody>
+                  <a:tcPr anchor="ctr">
+                    <a:lnL>
+                      <a:noFill/>
+                    </a:lnL>
+                    <a:lnR>
+                      <a:noFill/>
+                    </a:lnR>
+                    <a:lnT>
+                      <a:noFill/>
+                    </a:lnT>
+                    <a:lnB>
+                      <a:noFill/>
+                    </a:lnB>
+                    <a:solidFill>
+                      <a:srgbClr val="FDB817"/>
+                    </a:solidFill>
+                  </a:tcPr>
+                </a:tc>
+                <a:tc>
+                  <a:txBody>
+                    <a:bodyPr/>
+                    <a:lstStyle/>
+                    <a:p>
+                      <a:r>
+                        <a:rPr lang="en-US" dirty="0"/>
+                        <a:t>.my-class</a:t>
+                      </a:r>
+                      <a:br>
+                        <a:rPr lang="en-US" dirty="0"/>
+                      </a:br>
+                      <a:r>
+                        <a:rPr lang="en-US" dirty="0"/>
+                        <a:t>selects &lt;p class="my-class"&gt; and &lt;a class="my-class"&gt;</a:t>
+                      </a:r>
+                    </a:p>
+                  </a:txBody>
+                  <a:tcPr anchor="ctr">
+                    <a:lnL>
+                      <a:noFill/>
+                    </a:lnL>
+                    <a:lnR>
+                      <a:noFill/>
+                    </a:lnR>
+                    <a:lnT>
+                      <a:noFill/>
+                    </a:lnT>
+                    <a:lnB>
+                      <a:noFill/>
+                    </a:lnB>
+                    <a:solidFill>
+                      <a:srgbClr val="FDB817"/>
+                    </a:solidFill>
+                  </a:tcPr>
+                </a:tc>
+              </a:tr>
+            </a:tbl>
+          </a:graphicData>
+        </a:graphic>
+      </p:graphicFrame>
       <p:sp>
         <p:nvSpPr>
-          <p:cNvPr id="2" name="直角三角形 1"/>
-          <p:cNvSpPr/>
-          <p:nvPr/>
-        </p:nvSpPr>
-        <p:spPr>
-          <a:xfrm flipH="1" flipV="1">
-            <a:off x="4076700" y="0"/>
-            <a:ext cx="8115300" cy="6273800"/>
-          </a:xfrm>
-          <a:prstGeom prst="rtTriangle">
-            <a:avLst/>
-          </a:prstGeom>
-          <a:solidFill>
-            <a:srgbClr val="747472"/>
-          </a:solidFill>
-          <a:ln>
-            <a:noFill/>
-          </a:ln>
-        </p:spPr>
-        <p:style>
-          <a:lnRef idx="2">
-            <a:schemeClr val="accent1">
-              <a:shade val="50000"/>
-            </a:schemeClr>
-          </a:lnRef>
-          <a:fillRef idx="1">
-            <a:schemeClr val="accent1"/>
-          </a:fillRef>
-          <a:effectRef idx="0">
-            <a:schemeClr val="accent1"/>
-          </a:effectRef>
-          <a:fontRef idx="minor">
-            <a:schemeClr val="lt1"/>
-          </a:fontRef>
-        </p:style>
-        <p:txBody>
-          <a:bodyPr anchor="ctr"/>
-          <a:lstStyle/>
-          <a:p>
-            <a:pPr marL="0" marR="0" lvl="0" indent="0" algn="ctr" defTabSz="914400" rtl="0" eaLnBrk="1" fontAlgn="auto" latinLnBrk="0" hangingPunct="1">
-              <a:lnSpc>
-                <a:spcPct val="100000"/>
-              </a:lnSpc>
-              <a:spcBef>
-                <a:spcPts val="0"/>
-              </a:spcBef>
-              <a:spcAft>
-                <a:spcPts val="0"/>
-              </a:spcAft>
-              <a:buClrTx/>
-              <a:buSzTx/>
-              <a:buFontTx/>
-              <a:buNone/>
-              <a:defRPr/>
-            </a:pPr>
-            <a:endParaRPr kumimoji="0" lang="zh-CN" altLang="en-US" sz="1800" b="0" i="0" u="none" strike="noStrike" kern="1200" cap="none" spc="0" normalizeH="0" baseline="0" noProof="0">
-              <a:ln>
-                <a:noFill/>
-              </a:ln>
-              <a:solidFill>
-                <a:schemeClr val="lt1"/>
-              </a:solidFill>
-              <a:effectLst/>
-              <a:uLnTx/>
-              <a:uFillTx/>
-              <a:latin typeface="+mn-lt"/>
-              <a:ea typeface="+mn-ea"/>
-              <a:cs typeface="+mn-cs"/>
-            </a:endParaRPr>
-          </a:p>
-        </p:txBody>
-      </p:sp>
-      <p:sp>
-        <p:nvSpPr>
-          <p:cNvPr id="3" name="等腰三角形 2"/>
-          <p:cNvSpPr/>
-          <p:nvPr/>
-        </p:nvSpPr>
-        <p:spPr>
-          <a:xfrm rot="19088536">
-            <a:off x="7283450" y="-541337"/>
-            <a:ext cx="2414588" cy="9158288"/>
-          </a:xfrm>
-          <a:custGeom>
-            <a:avLst/>
-            <a:gdLst>
-              <a:gd name="connsiteX0" fmla="*/ 0 w 1117600"/>
-              <a:gd name="connsiteY0" fmla="*/ 5702300 h 5702300"/>
-              <a:gd name="connsiteX1" fmla="*/ 558800 w 1117600"/>
-              <a:gd name="connsiteY1" fmla="*/ 0 h 5702300"/>
-              <a:gd name="connsiteX2" fmla="*/ 1117600 w 1117600"/>
-              <a:gd name="connsiteY2" fmla="*/ 5702300 h 5702300"/>
-              <a:gd name="connsiteX3" fmla="*/ 0 w 1117600"/>
-              <a:gd name="connsiteY3" fmla="*/ 5702300 h 5702300"/>
-              <a:gd name="connsiteX0-1" fmla="*/ 0 w 2070142"/>
-              <a:gd name="connsiteY0-2" fmla="*/ 5702300 h 7817508"/>
-              <a:gd name="connsiteX1-3" fmla="*/ 558800 w 2070142"/>
-              <a:gd name="connsiteY1-4" fmla="*/ 0 h 7817508"/>
-              <a:gd name="connsiteX2-5" fmla="*/ 2070142 w 2070142"/>
-              <a:gd name="connsiteY2-6" fmla="*/ 7817508 h 7817508"/>
-              <a:gd name="connsiteX3-7" fmla="*/ 0 w 2070142"/>
-              <a:gd name="connsiteY3-8" fmla="*/ 5702300 h 7817508"/>
-              <a:gd name="connsiteX0-9" fmla="*/ 0 w 2414257"/>
-              <a:gd name="connsiteY0-10" fmla="*/ 6314781 h 7817508"/>
-              <a:gd name="connsiteX1-11" fmla="*/ 902915 w 2414257"/>
-              <a:gd name="connsiteY1-12" fmla="*/ 0 h 7817508"/>
-              <a:gd name="connsiteX2-13" fmla="*/ 2414257 w 2414257"/>
-              <a:gd name="connsiteY2-14" fmla="*/ 7817508 h 7817508"/>
-              <a:gd name="connsiteX3-15" fmla="*/ 0 w 2414257"/>
-              <a:gd name="connsiteY3-16" fmla="*/ 6314781 h 7817508"/>
-              <a:gd name="connsiteX0-17" fmla="*/ 0 w 2414257"/>
-              <a:gd name="connsiteY0-18" fmla="*/ 6314781 h 7817508"/>
-              <a:gd name="connsiteX1-19" fmla="*/ 902915 w 2414257"/>
-              <a:gd name="connsiteY1-20" fmla="*/ 0 h 7817508"/>
-              <a:gd name="connsiteX2-21" fmla="*/ 2414257 w 2414257"/>
-              <a:gd name="connsiteY2-22" fmla="*/ 7817508 h 7817508"/>
-              <a:gd name="connsiteX3-23" fmla="*/ 1191330 w 2414257"/>
-              <a:gd name="connsiteY3-24" fmla="*/ 7039908 h 7817508"/>
-              <a:gd name="connsiteX4" fmla="*/ 0 w 2414257"/>
-              <a:gd name="connsiteY4" fmla="*/ 6314781 h 7817508"/>
-              <a:gd name="connsiteX0-25" fmla="*/ 0 w 2414257"/>
-              <a:gd name="connsiteY0-26" fmla="*/ 6314781 h 8205626"/>
-              <a:gd name="connsiteX1-27" fmla="*/ 902915 w 2414257"/>
-              <a:gd name="connsiteY1-28" fmla="*/ 0 h 8205626"/>
-              <a:gd name="connsiteX2-29" fmla="*/ 2414257 w 2414257"/>
-              <a:gd name="connsiteY2-30" fmla="*/ 7817508 h 8205626"/>
-              <a:gd name="connsiteX3-31" fmla="*/ 2073759 w 2414257"/>
-              <a:gd name="connsiteY3-32" fmla="*/ 8205626 h 8205626"/>
-              <a:gd name="connsiteX4-33" fmla="*/ 0 w 2414257"/>
-              <a:gd name="connsiteY4-34" fmla="*/ 6314781 h 8205626"/>
-              <a:gd name="connsiteX0-35" fmla="*/ 0 w 2414257"/>
-              <a:gd name="connsiteY0-36" fmla="*/ 6436203 h 8327048"/>
-              <a:gd name="connsiteX1-37" fmla="*/ 329641 w 2414257"/>
-              <a:gd name="connsiteY1-38" fmla="*/ 0 h 8327048"/>
-              <a:gd name="connsiteX2-39" fmla="*/ 2414257 w 2414257"/>
-              <a:gd name="connsiteY2-40" fmla="*/ 7938930 h 8327048"/>
-              <a:gd name="connsiteX3-41" fmla="*/ 2073759 w 2414257"/>
-              <a:gd name="connsiteY3-42" fmla="*/ 8327048 h 8327048"/>
-              <a:gd name="connsiteX4-43" fmla="*/ 0 w 2414257"/>
-              <a:gd name="connsiteY4-44" fmla="*/ 6436203 h 8327048"/>
-              <a:gd name="connsiteX0-45" fmla="*/ 0 w 2414257"/>
-              <a:gd name="connsiteY0-46" fmla="*/ 6431068 h 8321913"/>
-              <a:gd name="connsiteX1-47" fmla="*/ 563761 w 2414257"/>
-              <a:gd name="connsiteY1-48" fmla="*/ 0 h 8321913"/>
-              <a:gd name="connsiteX2-49" fmla="*/ 2414257 w 2414257"/>
-              <a:gd name="connsiteY2-50" fmla="*/ 7933795 h 8321913"/>
-              <a:gd name="connsiteX3-51" fmla="*/ 2073759 w 2414257"/>
-              <a:gd name="connsiteY3-52" fmla="*/ 8321913 h 8321913"/>
-              <a:gd name="connsiteX4-53" fmla="*/ 0 w 2414257"/>
-              <a:gd name="connsiteY4-54" fmla="*/ 6431068 h 8321913"/>
-              <a:gd name="connsiteX0-55" fmla="*/ 0 w 2414257"/>
-              <a:gd name="connsiteY0-56" fmla="*/ 7267650 h 9158495"/>
-              <a:gd name="connsiteX1-57" fmla="*/ 239027 w 2414257"/>
-              <a:gd name="connsiteY1-58" fmla="*/ 0 h 9158495"/>
-              <a:gd name="connsiteX2-59" fmla="*/ 2414257 w 2414257"/>
-              <a:gd name="connsiteY2-60" fmla="*/ 8770377 h 9158495"/>
-              <a:gd name="connsiteX3-61" fmla="*/ 2073759 w 2414257"/>
-              <a:gd name="connsiteY3-62" fmla="*/ 9158495 h 9158495"/>
-              <a:gd name="connsiteX4-63" fmla="*/ 0 w 2414257"/>
-              <a:gd name="connsiteY4-64" fmla="*/ 7267650 h 9158495"/>
-            </a:gdLst>
-            <a:ahLst/>
-            <a:cxnLst>
-              <a:cxn ang="0">
-                <a:pos x="connsiteX0-1" y="connsiteY0-2"/>
-              </a:cxn>
-              <a:cxn ang="0">
-                <a:pos x="connsiteX1-3" y="connsiteY1-4"/>
-              </a:cxn>
-              <a:cxn ang="0">
-                <a:pos x="connsiteX2-5" y="connsiteY2-6"/>
-              </a:cxn>
-              <a:cxn ang="0">
-                <a:pos x="connsiteX3-7" y="connsiteY3-8"/>
-              </a:cxn>
-              <a:cxn ang="0">
-                <a:pos x="connsiteX4-33" y="connsiteY4-34"/>
-              </a:cxn>
-            </a:cxnLst>
-            <a:rect l="l" t="t" r="r" b="b"/>
-            <a:pathLst>
-              <a:path w="2414257" h="9158495">
-                <a:moveTo>
-                  <a:pt x="0" y="7267650"/>
-                </a:moveTo>
-                <a:lnTo>
-                  <a:pt x="239027" y="0"/>
-                </a:lnTo>
-                <a:lnTo>
-                  <a:pt x="2414257" y="8770377"/>
-                </a:lnTo>
-                <a:lnTo>
-                  <a:pt x="2073759" y="9158495"/>
-                </a:lnTo>
-                <a:lnTo>
-                  <a:pt x="0" y="7267650"/>
-                </a:lnTo>
-                <a:close/>
-              </a:path>
-            </a:pathLst>
-          </a:custGeom>
-          <a:solidFill>
-            <a:srgbClr val="C4C4C4"/>
-          </a:solidFill>
-          <a:ln>
-            <a:noFill/>
-          </a:ln>
-        </p:spPr>
-        <p:style>
-          <a:lnRef idx="2">
-            <a:schemeClr val="accent1">
-              <a:shade val="50000"/>
-            </a:schemeClr>
-          </a:lnRef>
-          <a:fillRef idx="1">
-            <a:schemeClr val="accent1"/>
-          </a:fillRef>
-          <a:effectRef idx="0">
-            <a:schemeClr val="accent1"/>
-          </a:effectRef>
-          <a:fontRef idx="minor">
-            <a:schemeClr val="lt1"/>
-          </a:fontRef>
-        </p:style>
-        <p:txBody>
-          <a:bodyPr anchor="ctr"/>
-          <a:lstStyle/>
-          <a:p>
-            <a:pPr marL="0" marR="0" lvl="0" indent="0" algn="ctr" defTabSz="914400" rtl="0" eaLnBrk="1" fontAlgn="auto" latinLnBrk="0" hangingPunct="1">
-              <a:lnSpc>
-                <a:spcPct val="100000"/>
-              </a:lnSpc>
-              <a:spcBef>
-                <a:spcPts val="0"/>
-              </a:spcBef>
-              <a:spcAft>
-                <a:spcPts val="0"/>
-              </a:spcAft>
-              <a:buClrTx/>
-              <a:buSzTx/>
-              <a:buFontTx/>
-              <a:buNone/>
-              <a:defRPr/>
-            </a:pPr>
-            <a:endParaRPr kumimoji="0" lang="zh-CN" altLang="en-US" sz="1800" b="0" i="0" u="none" strike="noStrike" kern="1200" cap="none" spc="0" normalizeH="0" baseline="0" noProof="0">
-              <a:ln>
-                <a:noFill/>
-              </a:ln>
-              <a:solidFill>
-                <a:schemeClr val="lt1"/>
-              </a:solidFill>
-              <a:effectLst/>
-              <a:uLnTx/>
-              <a:uFillTx/>
-              <a:latin typeface="+mn-lt"/>
-              <a:ea typeface="+mn-ea"/>
-              <a:cs typeface="+mn-cs"/>
-            </a:endParaRPr>
-          </a:p>
-        </p:txBody>
-      </p:sp>
-      <p:sp>
-        <p:nvSpPr>
-          <p:cNvPr id="8" name="任意多边形 7"/>
-          <p:cNvSpPr/>
-          <p:nvPr/>
-        </p:nvSpPr>
-        <p:spPr>
-          <a:xfrm rot="7572289">
-            <a:off x="5132388" y="-1582737"/>
-            <a:ext cx="741363" cy="6269038"/>
-          </a:xfrm>
-          <a:custGeom>
-            <a:avLst/>
-            <a:gdLst>
-              <a:gd name="connsiteX0" fmla="*/ 742650 w 742650"/>
-              <a:gd name="connsiteY0" fmla="*/ 6268899 h 6268899"/>
-              <a:gd name="connsiteX1" fmla="*/ 0 w 742650"/>
-              <a:gd name="connsiteY1" fmla="*/ 5254376 h 6268899"/>
-              <a:gd name="connsiteX2" fmla="*/ 242314 w 742650"/>
-              <a:gd name="connsiteY2" fmla="*/ 0 h 6268899"/>
-            </a:gdLst>
-            <a:ahLst/>
-            <a:cxnLst>
-              <a:cxn ang="0">
-                <a:pos x="connsiteX0" y="connsiteY0"/>
-              </a:cxn>
-              <a:cxn ang="0">
-                <a:pos x="connsiteX1" y="connsiteY1"/>
-              </a:cxn>
-              <a:cxn ang="0">
-                <a:pos x="connsiteX2" y="connsiteY2"/>
-              </a:cxn>
-            </a:cxnLst>
-            <a:rect l="l" t="t" r="r" b="b"/>
-            <a:pathLst>
-              <a:path w="742650" h="6268899">
-                <a:moveTo>
-                  <a:pt x="742650" y="6268899"/>
-                </a:moveTo>
-                <a:lnTo>
-                  <a:pt x="0" y="5254376"/>
-                </a:lnTo>
-                <a:lnTo>
-                  <a:pt x="242314" y="0"/>
-                </a:lnTo>
-                <a:close/>
-              </a:path>
-            </a:pathLst>
-          </a:custGeom>
-          <a:solidFill>
-            <a:srgbClr val="F0B931"/>
-          </a:solidFill>
-          <a:ln>
-            <a:noFill/>
-          </a:ln>
-        </p:spPr>
-        <p:style>
-          <a:lnRef idx="2">
-            <a:schemeClr val="accent1">
-              <a:shade val="50000"/>
-            </a:schemeClr>
-          </a:lnRef>
-          <a:fillRef idx="1">
-            <a:schemeClr val="accent1"/>
-          </a:fillRef>
-          <a:effectRef idx="0">
-            <a:schemeClr val="accent1"/>
-          </a:effectRef>
-          <a:fontRef idx="minor">
-            <a:schemeClr val="lt1"/>
-          </a:fontRef>
-        </p:style>
-        <p:txBody>
-          <a:bodyPr anchor="ctr"/>
-          <a:lstStyle/>
-          <a:p>
-            <a:pPr marL="0" marR="0" lvl="0" indent="0" algn="ctr" defTabSz="914400" rtl="0" eaLnBrk="1" fontAlgn="auto" latinLnBrk="0" hangingPunct="1">
-              <a:lnSpc>
-                <a:spcPct val="100000"/>
-              </a:lnSpc>
-              <a:spcBef>
-                <a:spcPts val="0"/>
-              </a:spcBef>
-              <a:spcAft>
-                <a:spcPts val="0"/>
-              </a:spcAft>
-              <a:buClrTx/>
-              <a:buSzTx/>
-              <a:buFontTx/>
-              <a:buNone/>
-              <a:defRPr/>
-            </a:pPr>
-            <a:endParaRPr kumimoji="0" lang="zh-CN" altLang="en-US" sz="1800" b="0" i="0" u="none" strike="noStrike" kern="1200" cap="none" spc="0" normalizeH="0" baseline="0" noProof="0">
-              <a:ln>
-                <a:noFill/>
-              </a:ln>
-              <a:solidFill>
-                <a:schemeClr val="lt1"/>
-              </a:solidFill>
-              <a:effectLst/>
-              <a:uLnTx/>
-              <a:uFillTx/>
-              <a:latin typeface="+mn-lt"/>
-              <a:ea typeface="+mn-ea"/>
-              <a:cs typeface="+mn-cs"/>
-            </a:endParaRPr>
-          </a:p>
-        </p:txBody>
-      </p:sp>
-      <p:pic>
-        <p:nvPicPr>
-          <p:cNvPr id="5" name="Picture 4" descr="python-logo"/>
-          <p:cNvPicPr>
-            <a:picLocks noChangeAspect="1"/>
-          </p:cNvPicPr>
-          <p:nvPr/>
-        </p:nvPicPr>
-        <p:blipFill>
-          <a:blip r:embed="rId2"/>
-          <a:stretch>
-            <a:fillRect/>
-          </a:stretch>
-        </p:blipFill>
-        <p:spPr>
-          <a:xfrm>
-            <a:off x="8509000" y="361315"/>
-            <a:ext cx="3683000" cy="1041400"/>
-          </a:xfrm>
-          <a:prstGeom prst="rect">
-            <a:avLst/>
-          </a:prstGeom>
-        </p:spPr>
-      </p:pic>
-      <p:sp>
-        <p:nvSpPr>
-          <p:cNvPr id="62468" name="文本框 8"/>
-          <p:cNvSpPr txBox="1"/>
-          <p:nvPr/>
-        </p:nvSpPr>
-        <p:spPr>
-          <a:xfrm>
-            <a:off x="785047" y="2269932"/>
-            <a:ext cx="4802187" cy="1014412"/>
-          </a:xfrm>
-          <a:prstGeom prst="rect">
-            <a:avLst/>
-          </a:prstGeom>
-          <a:noFill/>
-          <a:ln w="9525">
-            <a:noFill/>
-          </a:ln>
-        </p:spPr>
-        <p:txBody>
-          <a:bodyPr anchor="t">
-            <a:spAutoFit/>
-          </a:bodyPr>
-          <a:lstStyle/>
-          <a:p>
-            <a:pPr algn="dist" defTabSz="914400"/>
-            <a:r>
-              <a:rPr lang="en-US" altLang="zh-CN" sz="6000" b="1" dirty="0">
-                <a:solidFill>
-                  <a:srgbClr val="262626"/>
-                </a:solidFill>
-                <a:latin typeface="Arial" panose="020B0604020202020204" pitchFamily="34" charset="0"/>
-                <a:ea typeface="Microsoft YaHei" panose="020B0503020204020204" pitchFamily="34" charset="-122"/>
-                <a:sym typeface="Arial" panose="020B0604020202020204" pitchFamily="34" charset="0"/>
-              </a:rPr>
-              <a:t>THANKS</a:t>
-            </a:r>
-          </a:p>
-        </p:txBody>
-      </p:sp>
-      <p:pic>
-        <p:nvPicPr>
-          <p:cNvPr id="9" name="Picture 8"/>
-          <p:cNvPicPr>
-            <a:picLocks noChangeAspect="1"/>
-          </p:cNvPicPr>
-          <p:nvPr/>
-        </p:nvPicPr>
-        <p:blipFill>
-          <a:blip r:embed="rId3">
-            <a:extLst>
-              <a:ext uri="{28A0092B-C50C-407E-A947-70E740481C1C}">
-                <a14:useLocalDpi xmlns:a14="http://schemas.microsoft.com/office/drawing/2010/main" val="0"/>
-              </a:ext>
-            </a:extLst>
-          </a:blip>
-          <a:stretch>
-            <a:fillRect/>
-          </a:stretch>
-        </p:blipFill>
-        <p:spPr>
-          <a:xfrm>
-            <a:off x="64530" y="5797070"/>
-            <a:ext cx="4241800" cy="990600"/>
-          </a:xfrm>
-          <a:prstGeom prst="rect">
-            <a:avLst/>
-          </a:prstGeom>
-        </p:spPr>
-      </p:pic>
-      <p:sp>
-        <p:nvSpPr>
-          <p:cNvPr id="10" name="文本框 9"/>
-          <p:cNvSpPr txBox="1"/>
-          <p:nvPr/>
-        </p:nvSpPr>
-        <p:spPr>
-          <a:xfrm>
-            <a:off x="5861050" y="4197180"/>
-            <a:ext cx="5726439" cy="461665"/>
-          </a:xfrm>
-          <a:prstGeom prst="rect">
-            <a:avLst/>
-          </a:prstGeom>
-          <a:noFill/>
-          <a:ln w="9525">
-            <a:noFill/>
-          </a:ln>
-        </p:spPr>
-        <p:txBody>
-          <a:bodyPr wrap="none" anchor="t">
-            <a:spAutoFit/>
-          </a:bodyPr>
-          <a:lstStyle/>
-          <a:p>
-            <a:r>
-              <a:rPr lang="en-US" altLang="zh-CN" sz="2400" b="1" dirty="0">
-                <a:solidFill>
-                  <a:srgbClr val="262626"/>
-                </a:solidFill>
-                <a:latin typeface="Verdana" panose="020B0604030504040204" pitchFamily="34" charset="0"/>
-                <a:ea typeface="Verdana" panose="020B0604030504040204" pitchFamily="34" charset="0"/>
-                <a:sym typeface="Arial" panose="020B0604020202020204" pitchFamily="34" charset="0"/>
-              </a:rPr>
-              <a:t>instructor: </a:t>
-            </a:r>
-            <a:r>
-              <a:rPr lang="en-US" altLang="zh-CN" sz="2400" dirty="0" smtClean="0">
-                <a:solidFill>
-                  <a:srgbClr val="262626"/>
-                </a:solidFill>
-                <a:latin typeface="Verdana" panose="020B0604030504040204" pitchFamily="34" charset="0"/>
-                <a:ea typeface="Verdana" panose="020B0604030504040204" pitchFamily="34" charset="0"/>
-                <a:sym typeface="Arial" panose="020B0604020202020204" pitchFamily="34" charset="0"/>
-              </a:rPr>
-              <a:t>Anirudha </a:t>
-            </a:r>
-            <a:r>
-              <a:rPr lang="en-US" altLang="zh-CN" sz="2400" dirty="0">
-                <a:solidFill>
-                  <a:srgbClr val="262626"/>
-                </a:solidFill>
-                <a:latin typeface="Verdana" panose="020B0604030504040204" pitchFamily="34" charset="0"/>
-                <a:ea typeface="Verdana" panose="020B0604030504040204" pitchFamily="34" charset="0"/>
-                <a:sym typeface="Arial" panose="020B0604020202020204" pitchFamily="34" charset="0"/>
-              </a:rPr>
-              <a:t>Anil Gaikwad</a:t>
-            </a:r>
-            <a:r>
-              <a:rPr lang="zh-CN" altLang="en-US" sz="2400" dirty="0">
-                <a:solidFill>
-                  <a:srgbClr val="262626"/>
-                </a:solidFill>
-                <a:latin typeface="Verdana" panose="020B0604030504040204" pitchFamily="34" charset="0"/>
-                <a:ea typeface="Microsoft YaHei" panose="020B0503020204020204" pitchFamily="34" charset="-122"/>
-                <a:sym typeface="Arial" panose="020B0604020202020204" pitchFamily="34" charset="0"/>
-              </a:rPr>
-              <a:t> </a:t>
-            </a:r>
-          </a:p>
-        </p:txBody>
-      </p:sp>
-      <p:sp>
-        <p:nvSpPr>
-          <p:cNvPr id="11" name="Rectangle 10"/>
+          <p:cNvPr id="10" name="Rectangle 9"/>
           <p:cNvSpPr/>
           <p:nvPr/>
         </p:nvSpPr>
         <p:spPr>
           <a:xfrm>
-            <a:off x="9477949" y="6452165"/>
-            <a:ext cx="2593210" cy="369332"/>
+            <a:off x="423081" y="1274799"/>
+            <a:ext cx="11648078" cy="1938992"/>
           </a:xfrm>
           <a:prstGeom prst="rect">
             <a:avLst/>
           </a:prstGeom>
         </p:spPr>
         <p:txBody>
-          <a:bodyPr wrap="none">
+          <a:bodyPr wrap="square">
             <a:spAutoFit/>
           </a:bodyPr>
           <a:lstStyle/>
           <a:p>
             <a:r>
-              <a:rPr lang="en-US" dirty="0" smtClean="0">
-                <a:latin typeface="Verdana" panose="020B0604030504040204" pitchFamily="34" charset="0"/>
-                <a:ea typeface="Verdana" panose="020B0604030504040204" pitchFamily="34" charset="0"/>
-              </a:rPr>
-              <a:t>Frontend Technology</a:t>
+              <a:rPr lang="en-US" sz="2400" dirty="0"/>
+              <a:t>Selector helps us identify HTML elements on which a particular style has to be applied.</a:t>
+            </a:r>
+          </a:p>
+          <a:p>
+            <a:r>
+              <a:rPr lang="en-US" sz="2400" dirty="0"/>
+              <a:t>Selectors are of 3 types, namely,</a:t>
+            </a:r>
+          </a:p>
+          <a:p>
+            <a:pPr>
+              <a:buFont typeface="+mj-lt"/>
+              <a:buAutoNum type="arabicPeriod"/>
+            </a:pPr>
+            <a:r>
+              <a:rPr lang="en-US" sz="2400" b="1" dirty="0"/>
+              <a:t>element</a:t>
+            </a:r>
+            <a:r>
+              <a:rPr lang="en-US" sz="2400" dirty="0"/>
+              <a:t> Selectors</a:t>
+            </a:r>
+          </a:p>
+          <a:p>
+            <a:pPr>
+              <a:buFont typeface="+mj-lt"/>
+              <a:buAutoNum type="arabicPeriod"/>
+            </a:pPr>
+            <a:r>
+              <a:rPr lang="en-US" sz="2400" b="1" dirty="0"/>
+              <a:t>id</a:t>
+            </a:r>
+            <a:r>
+              <a:rPr lang="en-US" sz="2400" dirty="0"/>
+              <a:t> Selectors</a:t>
+            </a:r>
+          </a:p>
+          <a:p>
+            <a:pPr>
+              <a:buFont typeface="+mj-lt"/>
+              <a:buAutoNum type="arabicPeriod"/>
+            </a:pPr>
+            <a:r>
+              <a:rPr lang="en-US" sz="2400" b="1" dirty="0"/>
+              <a:t>class</a:t>
+            </a:r>
+            <a:r>
+              <a:rPr lang="en-US" sz="2400" dirty="0"/>
+              <a:t> Selectors</a:t>
             </a:r>
           </a:p>
         </p:txBody>
       </p:sp>
     </p:spTree>
+    <p:extLst>
+      <p:ext uri="{BB962C8B-B14F-4D97-AF65-F5344CB8AC3E}">
+        <p14:creationId xmlns:p14="http://schemas.microsoft.com/office/powerpoint/2010/main" val="583782783"/>
+      </p:ext>
+    </p:extLst>
   </p:cSld>
   <p:clrMapOvr>
     <a:masterClrMapping/>

--- a/#2_Front-end_technology.pptx
+++ b/#2_Front-end_technology.pptx
@@ -6,10 +6,10 @@
     <p:sldMasterId id="2147483665" r:id="rId2"/>
   </p:sldMasterIdLst>
   <p:notesMasterIdLst>
-    <p:notesMasterId r:id="rId17"/>
+    <p:notesMasterId r:id="rId23"/>
   </p:notesMasterIdLst>
   <p:handoutMasterIdLst>
-    <p:handoutMasterId r:id="rId18"/>
+    <p:handoutMasterId r:id="rId24"/>
   </p:handoutMasterIdLst>
   <p:sldIdLst>
     <p:sldId id="342" r:id="rId3"/>
@@ -25,7 +25,13 @@
     <p:sldId id="347" r:id="rId13"/>
     <p:sldId id="352" r:id="rId14"/>
     <p:sldId id="353" r:id="rId15"/>
-    <p:sldId id="320" r:id="rId16"/>
+    <p:sldId id="354" r:id="rId16"/>
+    <p:sldId id="355" r:id="rId17"/>
+    <p:sldId id="356" r:id="rId18"/>
+    <p:sldId id="357" r:id="rId19"/>
+    <p:sldId id="358" r:id="rId20"/>
+    <p:sldId id="359" r:id="rId21"/>
+    <p:sldId id="320" r:id="rId22"/>
   </p:sldIdLst>
   <p:sldSz cx="12192000" cy="6858000"/>
   <p:notesSz cx="6858000" cy="9144000"/>
@@ -321,7 +327,7 @@
                 <a:ea typeface="SimSun" panose="02010600030101010101" pitchFamily="2" charset="-122"/>
                 <a:cs typeface="+mn-cs"/>
               </a:rPr>
-              <a:t>2020/11/10</a:t>
+              <a:t>2020/11/11</a:t>
             </a:fld>
             <a:endParaRPr lang="zh-CN" altLang="en-US" strike="noStrike" noProof="1"/>
           </a:p>
@@ -1358,6 +1364,372 @@
     <p:extLst>
       <p:ext uri="{BB962C8B-B14F-4D97-AF65-F5344CB8AC3E}">
         <p14:creationId xmlns:p14="http://schemas.microsoft.com/office/powerpoint/2010/main" val="4013921561"/>
+      </p:ext>
+    </p:extLst>
+  </p:cSld>
+  <p:clrMapOvr>
+    <a:masterClrMapping/>
+  </p:clrMapOvr>
+</p:notes>
+</file>
+
+<file path=ppt/notesSlides/notesSlide13.xml><?xml version="1.0" encoding="utf-8"?>
+<p:notes xmlns:a="http://schemas.openxmlformats.org/drawingml/2006/main" xmlns:r="http://schemas.openxmlformats.org/officeDocument/2006/relationships" xmlns:p="http://schemas.openxmlformats.org/presentationml/2006/main">
+  <p:cSld>
+    <p:spTree>
+      <p:nvGrpSpPr>
+        <p:cNvPr id="1" name=""/>
+        <p:cNvGrpSpPr/>
+        <p:nvPr/>
+      </p:nvGrpSpPr>
+      <p:grpSpPr>
+        <a:xfrm>
+          <a:off x="0" y="0"/>
+          <a:ext cx="0" cy="0"/>
+          <a:chOff x="0" y="0"/>
+          <a:chExt cx="0" cy="0"/>
+        </a:xfrm>
+      </p:grpSpPr>
+      <p:sp>
+        <p:nvSpPr>
+          <p:cNvPr id="2" name="Slide Image Placeholder 1"/>
+          <p:cNvSpPr>
+            <a:spLocks noGrp="1" noRot="1" noChangeAspect="1"/>
+          </p:cNvSpPr>
+          <p:nvPr>
+            <p:ph type="sldImg" idx="2"/>
+          </p:nvPr>
+        </p:nvSpPr>
+        <p:spPr/>
+      </p:sp>
+      <p:sp>
+        <p:nvSpPr>
+          <p:cNvPr id="3" name="Text Placeholder 2"/>
+          <p:cNvSpPr>
+            <a:spLocks noGrp="1"/>
+          </p:cNvSpPr>
+          <p:nvPr>
+            <p:ph type="body" idx="3"/>
+          </p:nvPr>
+        </p:nvSpPr>
+        <p:spPr/>
+        <p:txBody>
+          <a:bodyPr/>
+          <a:lstStyle/>
+          <a:p>
+            <a:endParaRPr lang="en-US" dirty="0"/>
+          </a:p>
+        </p:txBody>
+      </p:sp>
+    </p:spTree>
+    <p:extLst>
+      <p:ext uri="{BB962C8B-B14F-4D97-AF65-F5344CB8AC3E}">
+        <p14:creationId xmlns:p14="http://schemas.microsoft.com/office/powerpoint/2010/main" val="2661052194"/>
+      </p:ext>
+    </p:extLst>
+  </p:cSld>
+  <p:clrMapOvr>
+    <a:masterClrMapping/>
+  </p:clrMapOvr>
+</p:notes>
+</file>
+
+<file path=ppt/notesSlides/notesSlide14.xml><?xml version="1.0" encoding="utf-8"?>
+<p:notes xmlns:a="http://schemas.openxmlformats.org/drawingml/2006/main" xmlns:r="http://schemas.openxmlformats.org/officeDocument/2006/relationships" xmlns:p="http://schemas.openxmlformats.org/presentationml/2006/main">
+  <p:cSld>
+    <p:spTree>
+      <p:nvGrpSpPr>
+        <p:cNvPr id="1" name=""/>
+        <p:cNvGrpSpPr/>
+        <p:nvPr/>
+      </p:nvGrpSpPr>
+      <p:grpSpPr>
+        <a:xfrm>
+          <a:off x="0" y="0"/>
+          <a:ext cx="0" cy="0"/>
+          <a:chOff x="0" y="0"/>
+          <a:chExt cx="0" cy="0"/>
+        </a:xfrm>
+      </p:grpSpPr>
+      <p:sp>
+        <p:nvSpPr>
+          <p:cNvPr id="2" name="Slide Image Placeholder 1"/>
+          <p:cNvSpPr>
+            <a:spLocks noGrp="1" noRot="1" noChangeAspect="1"/>
+          </p:cNvSpPr>
+          <p:nvPr>
+            <p:ph type="sldImg" idx="2"/>
+          </p:nvPr>
+        </p:nvSpPr>
+        <p:spPr/>
+      </p:sp>
+      <p:sp>
+        <p:nvSpPr>
+          <p:cNvPr id="3" name="Text Placeholder 2"/>
+          <p:cNvSpPr>
+            <a:spLocks noGrp="1"/>
+          </p:cNvSpPr>
+          <p:nvPr>
+            <p:ph type="body" idx="3"/>
+          </p:nvPr>
+        </p:nvSpPr>
+        <p:spPr/>
+        <p:txBody>
+          <a:bodyPr/>
+          <a:lstStyle/>
+          <a:p>
+            <a:endParaRPr lang="en-US" dirty="0"/>
+          </a:p>
+        </p:txBody>
+      </p:sp>
+    </p:spTree>
+    <p:extLst>
+      <p:ext uri="{BB962C8B-B14F-4D97-AF65-F5344CB8AC3E}">
+        <p14:creationId xmlns:p14="http://schemas.microsoft.com/office/powerpoint/2010/main" val="3326419526"/>
+      </p:ext>
+    </p:extLst>
+  </p:cSld>
+  <p:clrMapOvr>
+    <a:masterClrMapping/>
+  </p:clrMapOvr>
+</p:notes>
+</file>
+
+<file path=ppt/notesSlides/notesSlide15.xml><?xml version="1.0" encoding="utf-8"?>
+<p:notes xmlns:a="http://schemas.openxmlformats.org/drawingml/2006/main" xmlns:r="http://schemas.openxmlformats.org/officeDocument/2006/relationships" xmlns:p="http://schemas.openxmlformats.org/presentationml/2006/main">
+  <p:cSld>
+    <p:spTree>
+      <p:nvGrpSpPr>
+        <p:cNvPr id="1" name=""/>
+        <p:cNvGrpSpPr/>
+        <p:nvPr/>
+      </p:nvGrpSpPr>
+      <p:grpSpPr>
+        <a:xfrm>
+          <a:off x="0" y="0"/>
+          <a:ext cx="0" cy="0"/>
+          <a:chOff x="0" y="0"/>
+          <a:chExt cx="0" cy="0"/>
+        </a:xfrm>
+      </p:grpSpPr>
+      <p:sp>
+        <p:nvSpPr>
+          <p:cNvPr id="2" name="Slide Image Placeholder 1"/>
+          <p:cNvSpPr>
+            <a:spLocks noGrp="1" noRot="1" noChangeAspect="1"/>
+          </p:cNvSpPr>
+          <p:nvPr>
+            <p:ph type="sldImg" idx="2"/>
+          </p:nvPr>
+        </p:nvSpPr>
+        <p:spPr/>
+      </p:sp>
+      <p:sp>
+        <p:nvSpPr>
+          <p:cNvPr id="3" name="Text Placeholder 2"/>
+          <p:cNvSpPr>
+            <a:spLocks noGrp="1"/>
+          </p:cNvSpPr>
+          <p:nvPr>
+            <p:ph type="body" idx="3"/>
+          </p:nvPr>
+        </p:nvSpPr>
+        <p:spPr/>
+        <p:txBody>
+          <a:bodyPr/>
+          <a:lstStyle/>
+          <a:p>
+            <a:endParaRPr lang="en-US" dirty="0"/>
+          </a:p>
+        </p:txBody>
+      </p:sp>
+    </p:spTree>
+    <p:extLst>
+      <p:ext uri="{BB962C8B-B14F-4D97-AF65-F5344CB8AC3E}">
+        <p14:creationId xmlns:p14="http://schemas.microsoft.com/office/powerpoint/2010/main" val="3881812457"/>
+      </p:ext>
+    </p:extLst>
+  </p:cSld>
+  <p:clrMapOvr>
+    <a:masterClrMapping/>
+  </p:clrMapOvr>
+</p:notes>
+</file>
+
+<file path=ppt/notesSlides/notesSlide16.xml><?xml version="1.0" encoding="utf-8"?>
+<p:notes xmlns:a="http://schemas.openxmlformats.org/drawingml/2006/main" xmlns:r="http://schemas.openxmlformats.org/officeDocument/2006/relationships" xmlns:p="http://schemas.openxmlformats.org/presentationml/2006/main">
+  <p:cSld>
+    <p:spTree>
+      <p:nvGrpSpPr>
+        <p:cNvPr id="1" name=""/>
+        <p:cNvGrpSpPr/>
+        <p:nvPr/>
+      </p:nvGrpSpPr>
+      <p:grpSpPr>
+        <a:xfrm>
+          <a:off x="0" y="0"/>
+          <a:ext cx="0" cy="0"/>
+          <a:chOff x="0" y="0"/>
+          <a:chExt cx="0" cy="0"/>
+        </a:xfrm>
+      </p:grpSpPr>
+      <p:sp>
+        <p:nvSpPr>
+          <p:cNvPr id="2" name="Slide Image Placeholder 1"/>
+          <p:cNvSpPr>
+            <a:spLocks noGrp="1" noRot="1" noChangeAspect="1"/>
+          </p:cNvSpPr>
+          <p:nvPr>
+            <p:ph type="sldImg" idx="2"/>
+          </p:nvPr>
+        </p:nvSpPr>
+        <p:spPr/>
+      </p:sp>
+      <p:sp>
+        <p:nvSpPr>
+          <p:cNvPr id="3" name="Text Placeholder 2"/>
+          <p:cNvSpPr>
+            <a:spLocks noGrp="1"/>
+          </p:cNvSpPr>
+          <p:nvPr>
+            <p:ph type="body" idx="3"/>
+          </p:nvPr>
+        </p:nvSpPr>
+        <p:spPr/>
+        <p:txBody>
+          <a:bodyPr/>
+          <a:lstStyle/>
+          <a:p>
+            <a:endParaRPr lang="en-US" dirty="0"/>
+          </a:p>
+        </p:txBody>
+      </p:sp>
+    </p:spTree>
+    <p:extLst>
+      <p:ext uri="{BB962C8B-B14F-4D97-AF65-F5344CB8AC3E}">
+        <p14:creationId xmlns:p14="http://schemas.microsoft.com/office/powerpoint/2010/main" val="3960718839"/>
+      </p:ext>
+    </p:extLst>
+  </p:cSld>
+  <p:clrMapOvr>
+    <a:masterClrMapping/>
+  </p:clrMapOvr>
+</p:notes>
+</file>
+
+<file path=ppt/notesSlides/notesSlide17.xml><?xml version="1.0" encoding="utf-8"?>
+<p:notes xmlns:a="http://schemas.openxmlformats.org/drawingml/2006/main" xmlns:r="http://schemas.openxmlformats.org/officeDocument/2006/relationships" xmlns:p="http://schemas.openxmlformats.org/presentationml/2006/main">
+  <p:cSld>
+    <p:spTree>
+      <p:nvGrpSpPr>
+        <p:cNvPr id="1" name=""/>
+        <p:cNvGrpSpPr/>
+        <p:nvPr/>
+      </p:nvGrpSpPr>
+      <p:grpSpPr>
+        <a:xfrm>
+          <a:off x="0" y="0"/>
+          <a:ext cx="0" cy="0"/>
+          <a:chOff x="0" y="0"/>
+          <a:chExt cx="0" cy="0"/>
+        </a:xfrm>
+      </p:grpSpPr>
+      <p:sp>
+        <p:nvSpPr>
+          <p:cNvPr id="2" name="Slide Image Placeholder 1"/>
+          <p:cNvSpPr>
+            <a:spLocks noGrp="1" noRot="1" noChangeAspect="1"/>
+          </p:cNvSpPr>
+          <p:nvPr>
+            <p:ph type="sldImg" idx="2"/>
+          </p:nvPr>
+        </p:nvSpPr>
+        <p:spPr/>
+      </p:sp>
+      <p:sp>
+        <p:nvSpPr>
+          <p:cNvPr id="3" name="Text Placeholder 2"/>
+          <p:cNvSpPr>
+            <a:spLocks noGrp="1"/>
+          </p:cNvSpPr>
+          <p:nvPr>
+            <p:ph type="body" idx="3"/>
+          </p:nvPr>
+        </p:nvSpPr>
+        <p:spPr/>
+        <p:txBody>
+          <a:bodyPr/>
+          <a:lstStyle/>
+          <a:p>
+            <a:endParaRPr lang="en-US" dirty="0"/>
+          </a:p>
+        </p:txBody>
+      </p:sp>
+    </p:spTree>
+    <p:extLst>
+      <p:ext uri="{BB962C8B-B14F-4D97-AF65-F5344CB8AC3E}">
+        <p14:creationId xmlns:p14="http://schemas.microsoft.com/office/powerpoint/2010/main" val="1782165525"/>
+      </p:ext>
+    </p:extLst>
+  </p:cSld>
+  <p:clrMapOvr>
+    <a:masterClrMapping/>
+  </p:clrMapOvr>
+</p:notes>
+</file>
+
+<file path=ppt/notesSlides/notesSlide18.xml><?xml version="1.0" encoding="utf-8"?>
+<p:notes xmlns:a="http://schemas.openxmlformats.org/drawingml/2006/main" xmlns:r="http://schemas.openxmlformats.org/officeDocument/2006/relationships" xmlns:p="http://schemas.openxmlformats.org/presentationml/2006/main">
+  <p:cSld>
+    <p:spTree>
+      <p:nvGrpSpPr>
+        <p:cNvPr id="1" name=""/>
+        <p:cNvGrpSpPr/>
+        <p:nvPr/>
+      </p:nvGrpSpPr>
+      <p:grpSpPr>
+        <a:xfrm>
+          <a:off x="0" y="0"/>
+          <a:ext cx="0" cy="0"/>
+          <a:chOff x="0" y="0"/>
+          <a:chExt cx="0" cy="0"/>
+        </a:xfrm>
+      </p:grpSpPr>
+      <p:sp>
+        <p:nvSpPr>
+          <p:cNvPr id="2" name="Slide Image Placeholder 1"/>
+          <p:cNvSpPr>
+            <a:spLocks noGrp="1" noRot="1" noChangeAspect="1"/>
+          </p:cNvSpPr>
+          <p:nvPr>
+            <p:ph type="sldImg" idx="2"/>
+          </p:nvPr>
+        </p:nvSpPr>
+        <p:spPr/>
+      </p:sp>
+      <p:sp>
+        <p:nvSpPr>
+          <p:cNvPr id="3" name="Text Placeholder 2"/>
+          <p:cNvSpPr>
+            <a:spLocks noGrp="1"/>
+          </p:cNvSpPr>
+          <p:nvPr>
+            <p:ph type="body" idx="3"/>
+          </p:nvPr>
+        </p:nvSpPr>
+        <p:spPr/>
+        <p:txBody>
+          <a:bodyPr/>
+          <a:lstStyle/>
+          <a:p>
+            <a:endParaRPr lang="en-US" dirty="0"/>
+          </a:p>
+        </p:txBody>
+      </p:sp>
+    </p:spTree>
+    <p:extLst>
+      <p:ext uri="{BB962C8B-B14F-4D97-AF65-F5344CB8AC3E}">
+        <p14:creationId xmlns:p14="http://schemas.microsoft.com/office/powerpoint/2010/main" val="1321168471"/>
       </p:ext>
     </p:extLst>
   </p:cSld>
@@ -13987,11 +14359,7 @@
             </a:r>
             <a:r>
               <a:rPr lang="en-US" sz="2800" b="1" dirty="0" smtClean="0"/>
-              <a:t>   </a:t>
-            </a:r>
-            <a:r>
-              <a:rPr lang="en-US" sz="2800" b="1" dirty="0" smtClean="0"/>
-              <a:t>&lt;/</a:t>
+              <a:t>   &lt;/</a:t>
             </a:r>
             <a:r>
               <a:rPr lang="en-US" sz="2800" b="1" dirty="0"/>
@@ -14010,15 +14378,7 @@
                   <a:schemeClr val="accent1"/>
                 </a:solidFill>
               </a:rPr>
-              <a:t>&lt;</a:t>
-            </a:r>
-            <a:r>
-              <a:rPr lang="en-US" sz="2800" b="1" dirty="0" smtClean="0">
-                <a:solidFill>
-                  <a:schemeClr val="accent1"/>
-                </a:solidFill>
-              </a:rPr>
-              <a:t>link </a:t>
+              <a:t>&lt;link </a:t>
             </a:r>
             <a:r>
               <a:rPr lang="en-US" sz="2800" b="1" dirty="0">
@@ -14501,14 +14861,14 @@
           <p:nvPr/>
         </p:nvPicPr>
         <p:blipFill>
-          <a:blip r:embed="rId2"/>
+          <a:blip r:embed="rId3"/>
           <a:stretch>
             <a:fillRect/>
           </a:stretch>
         </p:blipFill>
         <p:spPr>
           <a:xfrm>
-            <a:off x="8509000" y="361315"/>
+            <a:off x="8762365" y="217805"/>
             <a:ext cx="3683000" cy="1041400"/>
           </a:xfrm>
           <a:prstGeom prst="rect">
@@ -14518,84 +14878,45 @@
       </p:pic>
       <p:sp>
         <p:nvSpPr>
-          <p:cNvPr id="62468" name="文本框 8"/>
-          <p:cNvSpPr txBox="1"/>
+          <p:cNvPr id="7" name="Rectangle 6"/>
+          <p:cNvSpPr/>
           <p:nvPr/>
         </p:nvSpPr>
         <p:spPr>
           <a:xfrm>
-            <a:off x="785047" y="2269932"/>
-            <a:ext cx="4802187" cy="1014412"/>
-          </a:xfrm>
-          <a:prstGeom prst="rect">
-            <a:avLst/>
-          </a:prstGeom>
-          <a:noFill/>
-          <a:ln w="9525">
-            <a:noFill/>
-          </a:ln>
-        </p:spPr>
-        <p:txBody>
-          <a:bodyPr anchor="t">
-            <a:spAutoFit/>
-          </a:bodyPr>
-          <a:lstStyle/>
-          <a:p>
-            <a:pPr algn="dist" defTabSz="914400"/>
-            <a:r>
-              <a:rPr lang="en-US" altLang="zh-CN" sz="6000" b="1" dirty="0">
-                <a:solidFill>
-                  <a:srgbClr val="262626"/>
-                </a:solidFill>
-                <a:latin typeface="Arial" panose="020B0604020202020204" pitchFamily="34" charset="0"/>
-                <a:ea typeface="Microsoft YaHei" panose="020B0503020204020204" pitchFamily="34" charset="-122"/>
-                <a:sym typeface="Arial" panose="020B0604020202020204" pitchFamily="34" charset="0"/>
-              </a:rPr>
-              <a:t>THANKS</a:t>
-            </a:r>
-          </a:p>
-        </p:txBody>
-      </p:sp>
-      <p:pic>
-        <p:nvPicPr>
-          <p:cNvPr id="9" name="Picture 8"/>
-          <p:cNvPicPr>
-            <a:picLocks noChangeAspect="1"/>
-          </p:cNvPicPr>
-          <p:nvPr/>
-        </p:nvPicPr>
-        <p:blipFill>
-          <a:blip r:embed="rId3">
-            <a:extLst>
-              <a:ext uri="{28A0092B-C50C-407E-A947-70E740481C1C}">
-                <a14:useLocalDpi xmlns:a14="http://schemas.microsoft.com/office/drawing/2010/main" val="0"/>
-              </a:ext>
-            </a:extLst>
-          </a:blip>
-          <a:stretch>
-            <a:fillRect/>
-          </a:stretch>
-        </p:blipFill>
-        <p:spPr>
-          <a:xfrm>
-            <a:off x="64530" y="5797070"/>
-            <a:ext cx="4241800" cy="990600"/>
+            <a:off x="9477949" y="6452165"/>
+            <a:ext cx="2593210" cy="369332"/>
           </a:xfrm>
           <a:prstGeom prst="rect">
             <a:avLst/>
           </a:prstGeom>
         </p:spPr>
-      </p:pic>
-      <p:sp>
-        <p:nvSpPr>
-          <p:cNvPr id="10" name="文本框 9"/>
+        <p:txBody>
+          <a:bodyPr wrap="none">
+            <a:spAutoFit/>
+          </a:bodyPr>
+          <a:lstStyle/>
+          <a:p>
+            <a:r>
+              <a:rPr lang="en-US" dirty="0" smtClean="0">
+                <a:latin typeface="Verdana" panose="020B0604030504040204" pitchFamily="34" charset="0"/>
+                <a:ea typeface="Verdana" panose="020B0604030504040204" pitchFamily="34" charset="0"/>
+              </a:rPr>
+              <a:t>Frontend Technology</a:t>
+            </a:r>
+          </a:p>
+        </p:txBody>
+      </p:sp>
+      <p:sp>
+        <p:nvSpPr>
+          <p:cNvPr id="11" name="文本框 8"/>
           <p:cNvSpPr txBox="1"/>
           <p:nvPr/>
         </p:nvSpPr>
         <p:spPr>
           <a:xfrm>
-            <a:off x="5861050" y="4197180"/>
-            <a:ext cx="5726439" cy="461665"/>
+            <a:off x="119931" y="217805"/>
+            <a:ext cx="5645392" cy="707886"/>
           </a:xfrm>
           <a:prstGeom prst="rect">
             <a:avLst/>
@@ -14612,55 +14933,540 @@
           <a:lstStyle/>
           <a:p>
             <a:r>
-              <a:rPr lang="en-US" altLang="zh-CN" sz="2400" b="1" dirty="0">
+              <a:rPr lang="en-US" sz="4000" b="1" dirty="0">
                 <a:solidFill>
-                  <a:srgbClr val="262626"/>
+                  <a:schemeClr val="dk1"/>
                 </a:solidFill>
-                <a:latin typeface="Verdana" panose="020B0604030504040204" pitchFamily="34" charset="0"/>
-                <a:ea typeface="Verdana" panose="020B0604030504040204" pitchFamily="34" charset="0"/>
-                <a:sym typeface="Arial" panose="020B0604020202020204" pitchFamily="34" charset="0"/>
               </a:rPr>
-              <a:t>instructor: </a:t>
+              <a:t>Introduction to </a:t>
             </a:r>
             <a:r>
-              <a:rPr lang="en-US" altLang="zh-CN" sz="2400" dirty="0" smtClean="0">
+              <a:rPr lang="en-US" sz="4000" b="1" dirty="0" smtClean="0">
                 <a:solidFill>
-                  <a:srgbClr val="262626"/>
+                  <a:schemeClr val="dk1"/>
                 </a:solidFill>
-                <a:latin typeface="Verdana" panose="020B0604030504040204" pitchFamily="34" charset="0"/>
-                <a:ea typeface="Verdana" panose="020B0604030504040204" pitchFamily="34" charset="0"/>
-                <a:sym typeface="Arial" panose="020B0604020202020204" pitchFamily="34" charset="0"/>
               </a:rPr>
-              <a:t>Anirudha </a:t>
+              <a:t>JavaScript</a:t>
+            </a:r>
+            <a:endParaRPr lang="en-US" sz="4000" b="1" dirty="0">
+              <a:solidFill>
+                <a:schemeClr val="dk1"/>
+              </a:solidFill>
+            </a:endParaRPr>
+          </a:p>
+        </p:txBody>
+      </p:sp>
+      <p:sp>
+        <p:nvSpPr>
+          <p:cNvPr id="6" name="Rectangle 5"/>
+          <p:cNvSpPr/>
+          <p:nvPr/>
+        </p:nvSpPr>
+        <p:spPr>
+          <a:xfrm>
+            <a:off x="265846" y="1421006"/>
+            <a:ext cx="11586949" cy="4401205"/>
+          </a:xfrm>
+          <a:prstGeom prst="rect">
+            <a:avLst/>
+          </a:prstGeom>
+        </p:spPr>
+        <p:txBody>
+          <a:bodyPr wrap="square">
+            <a:spAutoFit/>
+          </a:bodyPr>
+          <a:lstStyle/>
+          <a:p>
+            <a:pPr algn="just"/>
+            <a:r>
+              <a:rPr lang="en-US" sz="2800" dirty="0"/>
+              <a:t>JavaScript is a scripting language that enables you to create dynamically updating content, control multimedia, animate </a:t>
             </a:r>
             <a:r>
-              <a:rPr lang="en-US" altLang="zh-CN" sz="2400" dirty="0">
-                <a:solidFill>
-                  <a:srgbClr val="262626"/>
-                </a:solidFill>
-                <a:latin typeface="Verdana" panose="020B0604030504040204" pitchFamily="34" charset="0"/>
-                <a:ea typeface="Verdana" panose="020B0604030504040204" pitchFamily="34" charset="0"/>
-                <a:sym typeface="Arial" panose="020B0604020202020204" pitchFamily="34" charset="0"/>
+              <a:rPr lang="en-US" sz="2800" dirty="0" smtClean="0"/>
+              <a:t>images.</a:t>
+            </a:r>
+          </a:p>
+          <a:p>
+            <a:pPr algn="just"/>
+            <a:endParaRPr lang="en-US" sz="2800" dirty="0">
+              <a:latin typeface="+mn-lt"/>
+            </a:endParaRPr>
+          </a:p>
+          <a:p>
+            <a:pPr algn="just"/>
+            <a:r>
+              <a:rPr lang="en-US" sz="2800" dirty="0" smtClean="0">
+                <a:latin typeface="+mn-lt"/>
               </a:rPr>
-              <a:t>Anil Gaikwad</a:t>
+              <a:t>JavaScript </a:t>
             </a:r>
             <a:r>
-              <a:rPr lang="zh-CN" altLang="en-US" sz="2400" dirty="0">
-                <a:solidFill>
-                  <a:srgbClr val="262626"/>
-                </a:solidFill>
-                <a:latin typeface="Verdana" panose="020B0604030504040204" pitchFamily="34" charset="0"/>
-                <a:ea typeface="Microsoft YaHei" panose="020B0503020204020204" pitchFamily="34" charset="-122"/>
-                <a:sym typeface="Arial" panose="020B0604020202020204" pitchFamily="34" charset="0"/>
+              <a:rPr lang="en-US" sz="2800" dirty="0">
+                <a:latin typeface="+mn-lt"/>
               </a:rPr>
-              <a:t> </a:t>
+              <a:t>is a prototype-based, multi-paradigm, single-threaded, dynamic language, supporting object-oriented, imperative, and declarative (e.g. functional programming</a:t>
             </a:r>
+            <a:r>
+              <a:rPr lang="en-US" sz="2800" dirty="0" smtClean="0">
+                <a:latin typeface="+mn-lt"/>
+              </a:rPr>
+              <a:t>)</a:t>
+            </a:r>
+          </a:p>
+          <a:p>
+            <a:pPr algn="just"/>
+            <a:endParaRPr lang="en-US" sz="2800" dirty="0">
+              <a:latin typeface="+mn-lt"/>
+            </a:endParaRPr>
+          </a:p>
+          <a:p>
+            <a:pPr algn="just"/>
+            <a:r>
+              <a:rPr lang="en-US" sz="2800" dirty="0">
+                <a:latin typeface="+mn-lt"/>
+              </a:rPr>
+              <a:t>JavaScript contains a standard library of objects, such as Array, Date, and Math, and a core set of language elements such as operators, control structures, and statements</a:t>
+            </a:r>
           </a:p>
         </p:txBody>
       </p:sp>
-      <p:sp>
-        <p:nvSpPr>
-          <p:cNvPr id="11" name="Rectangle 10"/>
+    </p:spTree>
+    <p:extLst>
+      <p:ext uri="{BB962C8B-B14F-4D97-AF65-F5344CB8AC3E}">
+        <p14:creationId xmlns:p14="http://schemas.microsoft.com/office/powerpoint/2010/main" val="1506850990"/>
+      </p:ext>
+    </p:extLst>
+  </p:cSld>
+  <p:clrMapOvr>
+    <a:masterClrMapping/>
+  </p:clrMapOvr>
+  <p:timing>
+    <p:tnLst>
+      <p:par>
+        <p:cTn id="1" dur="indefinite" restart="never" nodeType="tmRoot"/>
+      </p:par>
+    </p:tnLst>
+  </p:timing>
+</p:sld>
+</file>
+
+<file path=ppt/slides/slide15.xml><?xml version="1.0" encoding="utf-8"?>
+<p:sld xmlns:a="http://schemas.openxmlformats.org/drawingml/2006/main" xmlns:r="http://schemas.openxmlformats.org/officeDocument/2006/relationships" xmlns:p="http://schemas.openxmlformats.org/presentationml/2006/main">
+  <p:cSld>
+    <p:spTree>
+      <p:nvGrpSpPr>
+        <p:cNvPr id="1" name=""/>
+        <p:cNvGrpSpPr/>
+        <p:nvPr/>
+      </p:nvGrpSpPr>
+      <p:grpSpPr>
+        <a:xfrm>
+          <a:off x="0" y="0"/>
+          <a:ext cx="0" cy="0"/>
+          <a:chOff x="0" y="0"/>
+          <a:chExt cx="0" cy="0"/>
+        </a:xfrm>
+      </p:grpSpPr>
+      <p:sp>
+        <p:nvSpPr>
+          <p:cNvPr id="2" name="直角三角形 1"/>
+          <p:cNvSpPr/>
+          <p:nvPr/>
+        </p:nvSpPr>
+        <p:spPr>
+          <a:xfrm flipH="1" flipV="1">
+            <a:off x="4076700" y="0"/>
+            <a:ext cx="8115300" cy="6273800"/>
+          </a:xfrm>
+          <a:prstGeom prst="rtTriangle">
+            <a:avLst/>
+          </a:prstGeom>
+          <a:solidFill>
+            <a:srgbClr val="747472"/>
+          </a:solidFill>
+          <a:ln>
+            <a:noFill/>
+          </a:ln>
+        </p:spPr>
+        <p:style>
+          <a:lnRef idx="2">
+            <a:schemeClr val="accent1">
+              <a:shade val="50000"/>
+            </a:schemeClr>
+          </a:lnRef>
+          <a:fillRef idx="1">
+            <a:schemeClr val="accent1"/>
+          </a:fillRef>
+          <a:effectRef idx="0">
+            <a:schemeClr val="accent1"/>
+          </a:effectRef>
+          <a:fontRef idx="minor">
+            <a:schemeClr val="lt1"/>
+          </a:fontRef>
+        </p:style>
+        <p:txBody>
+          <a:bodyPr anchor="ctr"/>
+          <a:lstStyle/>
+          <a:p>
+            <a:pPr marL="0" marR="0" lvl="0" indent="0" algn="ctr" defTabSz="914400" rtl="0" eaLnBrk="1" fontAlgn="auto" latinLnBrk="0" hangingPunct="1">
+              <a:lnSpc>
+                <a:spcPct val="100000"/>
+              </a:lnSpc>
+              <a:spcBef>
+                <a:spcPts val="0"/>
+              </a:spcBef>
+              <a:spcAft>
+                <a:spcPts val="0"/>
+              </a:spcAft>
+              <a:buClrTx/>
+              <a:buSzTx/>
+              <a:buFontTx/>
+              <a:buNone/>
+              <a:defRPr/>
+            </a:pPr>
+            <a:endParaRPr kumimoji="0" lang="zh-CN" altLang="en-US" sz="1800" b="0" i="0" u="none" strike="noStrike" kern="1200" cap="none" spc="0" normalizeH="0" baseline="0" noProof="0">
+              <a:ln>
+                <a:noFill/>
+              </a:ln>
+              <a:solidFill>
+                <a:schemeClr val="lt1"/>
+              </a:solidFill>
+              <a:effectLst/>
+              <a:uLnTx/>
+              <a:uFillTx/>
+              <a:latin typeface="+mn-lt"/>
+              <a:ea typeface="+mn-ea"/>
+              <a:cs typeface="+mn-cs"/>
+            </a:endParaRPr>
+          </a:p>
+        </p:txBody>
+      </p:sp>
+      <p:sp>
+        <p:nvSpPr>
+          <p:cNvPr id="3" name="等腰三角形 2"/>
+          <p:cNvSpPr/>
+          <p:nvPr/>
+        </p:nvSpPr>
+        <p:spPr>
+          <a:xfrm rot="19088536">
+            <a:off x="7283450" y="-541337"/>
+            <a:ext cx="2414588" cy="9158288"/>
+          </a:xfrm>
+          <a:custGeom>
+            <a:avLst/>
+            <a:gdLst>
+              <a:gd name="connsiteX0" fmla="*/ 0 w 1117600"/>
+              <a:gd name="connsiteY0" fmla="*/ 5702300 h 5702300"/>
+              <a:gd name="connsiteX1" fmla="*/ 558800 w 1117600"/>
+              <a:gd name="connsiteY1" fmla="*/ 0 h 5702300"/>
+              <a:gd name="connsiteX2" fmla="*/ 1117600 w 1117600"/>
+              <a:gd name="connsiteY2" fmla="*/ 5702300 h 5702300"/>
+              <a:gd name="connsiteX3" fmla="*/ 0 w 1117600"/>
+              <a:gd name="connsiteY3" fmla="*/ 5702300 h 5702300"/>
+              <a:gd name="connsiteX0-1" fmla="*/ 0 w 2070142"/>
+              <a:gd name="connsiteY0-2" fmla="*/ 5702300 h 7817508"/>
+              <a:gd name="connsiteX1-3" fmla="*/ 558800 w 2070142"/>
+              <a:gd name="connsiteY1-4" fmla="*/ 0 h 7817508"/>
+              <a:gd name="connsiteX2-5" fmla="*/ 2070142 w 2070142"/>
+              <a:gd name="connsiteY2-6" fmla="*/ 7817508 h 7817508"/>
+              <a:gd name="connsiteX3-7" fmla="*/ 0 w 2070142"/>
+              <a:gd name="connsiteY3-8" fmla="*/ 5702300 h 7817508"/>
+              <a:gd name="connsiteX0-9" fmla="*/ 0 w 2414257"/>
+              <a:gd name="connsiteY0-10" fmla="*/ 6314781 h 7817508"/>
+              <a:gd name="connsiteX1-11" fmla="*/ 902915 w 2414257"/>
+              <a:gd name="connsiteY1-12" fmla="*/ 0 h 7817508"/>
+              <a:gd name="connsiteX2-13" fmla="*/ 2414257 w 2414257"/>
+              <a:gd name="connsiteY2-14" fmla="*/ 7817508 h 7817508"/>
+              <a:gd name="connsiteX3-15" fmla="*/ 0 w 2414257"/>
+              <a:gd name="connsiteY3-16" fmla="*/ 6314781 h 7817508"/>
+              <a:gd name="connsiteX0-17" fmla="*/ 0 w 2414257"/>
+              <a:gd name="connsiteY0-18" fmla="*/ 6314781 h 7817508"/>
+              <a:gd name="connsiteX1-19" fmla="*/ 902915 w 2414257"/>
+              <a:gd name="connsiteY1-20" fmla="*/ 0 h 7817508"/>
+              <a:gd name="connsiteX2-21" fmla="*/ 2414257 w 2414257"/>
+              <a:gd name="connsiteY2-22" fmla="*/ 7817508 h 7817508"/>
+              <a:gd name="connsiteX3-23" fmla="*/ 1191330 w 2414257"/>
+              <a:gd name="connsiteY3-24" fmla="*/ 7039908 h 7817508"/>
+              <a:gd name="connsiteX4" fmla="*/ 0 w 2414257"/>
+              <a:gd name="connsiteY4" fmla="*/ 6314781 h 7817508"/>
+              <a:gd name="connsiteX0-25" fmla="*/ 0 w 2414257"/>
+              <a:gd name="connsiteY0-26" fmla="*/ 6314781 h 8205626"/>
+              <a:gd name="connsiteX1-27" fmla="*/ 902915 w 2414257"/>
+              <a:gd name="connsiteY1-28" fmla="*/ 0 h 8205626"/>
+              <a:gd name="connsiteX2-29" fmla="*/ 2414257 w 2414257"/>
+              <a:gd name="connsiteY2-30" fmla="*/ 7817508 h 8205626"/>
+              <a:gd name="connsiteX3-31" fmla="*/ 2073759 w 2414257"/>
+              <a:gd name="connsiteY3-32" fmla="*/ 8205626 h 8205626"/>
+              <a:gd name="connsiteX4-33" fmla="*/ 0 w 2414257"/>
+              <a:gd name="connsiteY4-34" fmla="*/ 6314781 h 8205626"/>
+              <a:gd name="connsiteX0-35" fmla="*/ 0 w 2414257"/>
+              <a:gd name="connsiteY0-36" fmla="*/ 6436203 h 8327048"/>
+              <a:gd name="connsiteX1-37" fmla="*/ 329641 w 2414257"/>
+              <a:gd name="connsiteY1-38" fmla="*/ 0 h 8327048"/>
+              <a:gd name="connsiteX2-39" fmla="*/ 2414257 w 2414257"/>
+              <a:gd name="connsiteY2-40" fmla="*/ 7938930 h 8327048"/>
+              <a:gd name="connsiteX3-41" fmla="*/ 2073759 w 2414257"/>
+              <a:gd name="connsiteY3-42" fmla="*/ 8327048 h 8327048"/>
+              <a:gd name="connsiteX4-43" fmla="*/ 0 w 2414257"/>
+              <a:gd name="connsiteY4-44" fmla="*/ 6436203 h 8327048"/>
+              <a:gd name="connsiteX0-45" fmla="*/ 0 w 2414257"/>
+              <a:gd name="connsiteY0-46" fmla="*/ 6431068 h 8321913"/>
+              <a:gd name="connsiteX1-47" fmla="*/ 563761 w 2414257"/>
+              <a:gd name="connsiteY1-48" fmla="*/ 0 h 8321913"/>
+              <a:gd name="connsiteX2-49" fmla="*/ 2414257 w 2414257"/>
+              <a:gd name="connsiteY2-50" fmla="*/ 7933795 h 8321913"/>
+              <a:gd name="connsiteX3-51" fmla="*/ 2073759 w 2414257"/>
+              <a:gd name="connsiteY3-52" fmla="*/ 8321913 h 8321913"/>
+              <a:gd name="connsiteX4-53" fmla="*/ 0 w 2414257"/>
+              <a:gd name="connsiteY4-54" fmla="*/ 6431068 h 8321913"/>
+              <a:gd name="connsiteX0-55" fmla="*/ 0 w 2414257"/>
+              <a:gd name="connsiteY0-56" fmla="*/ 7267650 h 9158495"/>
+              <a:gd name="connsiteX1-57" fmla="*/ 239027 w 2414257"/>
+              <a:gd name="connsiteY1-58" fmla="*/ 0 h 9158495"/>
+              <a:gd name="connsiteX2-59" fmla="*/ 2414257 w 2414257"/>
+              <a:gd name="connsiteY2-60" fmla="*/ 8770377 h 9158495"/>
+              <a:gd name="connsiteX3-61" fmla="*/ 2073759 w 2414257"/>
+              <a:gd name="connsiteY3-62" fmla="*/ 9158495 h 9158495"/>
+              <a:gd name="connsiteX4-63" fmla="*/ 0 w 2414257"/>
+              <a:gd name="connsiteY4-64" fmla="*/ 7267650 h 9158495"/>
+            </a:gdLst>
+            <a:ahLst/>
+            <a:cxnLst>
+              <a:cxn ang="0">
+                <a:pos x="connsiteX0-1" y="connsiteY0-2"/>
+              </a:cxn>
+              <a:cxn ang="0">
+                <a:pos x="connsiteX1-3" y="connsiteY1-4"/>
+              </a:cxn>
+              <a:cxn ang="0">
+                <a:pos x="connsiteX2-5" y="connsiteY2-6"/>
+              </a:cxn>
+              <a:cxn ang="0">
+                <a:pos x="connsiteX3-7" y="connsiteY3-8"/>
+              </a:cxn>
+              <a:cxn ang="0">
+                <a:pos x="connsiteX4-33" y="connsiteY4-34"/>
+              </a:cxn>
+            </a:cxnLst>
+            <a:rect l="l" t="t" r="r" b="b"/>
+            <a:pathLst>
+              <a:path w="2414257" h="9158495">
+                <a:moveTo>
+                  <a:pt x="0" y="7267650"/>
+                </a:moveTo>
+                <a:lnTo>
+                  <a:pt x="239027" y="0"/>
+                </a:lnTo>
+                <a:lnTo>
+                  <a:pt x="2414257" y="8770377"/>
+                </a:lnTo>
+                <a:lnTo>
+                  <a:pt x="2073759" y="9158495"/>
+                </a:lnTo>
+                <a:lnTo>
+                  <a:pt x="0" y="7267650"/>
+                </a:lnTo>
+                <a:close/>
+              </a:path>
+            </a:pathLst>
+          </a:custGeom>
+          <a:solidFill>
+            <a:srgbClr val="C4C4C4"/>
+          </a:solidFill>
+          <a:ln>
+            <a:noFill/>
+          </a:ln>
+        </p:spPr>
+        <p:style>
+          <a:lnRef idx="2">
+            <a:schemeClr val="accent1">
+              <a:shade val="50000"/>
+            </a:schemeClr>
+          </a:lnRef>
+          <a:fillRef idx="1">
+            <a:schemeClr val="accent1"/>
+          </a:fillRef>
+          <a:effectRef idx="0">
+            <a:schemeClr val="accent1"/>
+          </a:effectRef>
+          <a:fontRef idx="minor">
+            <a:schemeClr val="lt1"/>
+          </a:fontRef>
+        </p:style>
+        <p:txBody>
+          <a:bodyPr anchor="ctr"/>
+          <a:lstStyle/>
+          <a:p>
+            <a:pPr marL="0" marR="0" lvl="0" indent="0" algn="ctr" defTabSz="914400" rtl="0" eaLnBrk="1" fontAlgn="auto" latinLnBrk="0" hangingPunct="1">
+              <a:lnSpc>
+                <a:spcPct val="100000"/>
+              </a:lnSpc>
+              <a:spcBef>
+                <a:spcPts val="0"/>
+              </a:spcBef>
+              <a:spcAft>
+                <a:spcPts val="0"/>
+              </a:spcAft>
+              <a:buClrTx/>
+              <a:buSzTx/>
+              <a:buFontTx/>
+              <a:buNone/>
+              <a:defRPr/>
+            </a:pPr>
+            <a:endParaRPr kumimoji="0" lang="zh-CN" altLang="en-US" sz="1800" b="0" i="0" u="none" strike="noStrike" kern="1200" cap="none" spc="0" normalizeH="0" baseline="0" noProof="0">
+              <a:ln>
+                <a:noFill/>
+              </a:ln>
+              <a:solidFill>
+                <a:schemeClr val="lt1"/>
+              </a:solidFill>
+              <a:effectLst/>
+              <a:uLnTx/>
+              <a:uFillTx/>
+              <a:latin typeface="+mn-lt"/>
+              <a:ea typeface="+mn-ea"/>
+              <a:cs typeface="+mn-cs"/>
+            </a:endParaRPr>
+          </a:p>
+        </p:txBody>
+      </p:sp>
+      <p:sp>
+        <p:nvSpPr>
+          <p:cNvPr id="8" name="任意多边形 7"/>
+          <p:cNvSpPr/>
+          <p:nvPr/>
+        </p:nvSpPr>
+        <p:spPr>
+          <a:xfrm rot="7572289">
+            <a:off x="5132388" y="-1582737"/>
+            <a:ext cx="741363" cy="6269038"/>
+          </a:xfrm>
+          <a:custGeom>
+            <a:avLst/>
+            <a:gdLst>
+              <a:gd name="connsiteX0" fmla="*/ 742650 w 742650"/>
+              <a:gd name="connsiteY0" fmla="*/ 6268899 h 6268899"/>
+              <a:gd name="connsiteX1" fmla="*/ 0 w 742650"/>
+              <a:gd name="connsiteY1" fmla="*/ 5254376 h 6268899"/>
+              <a:gd name="connsiteX2" fmla="*/ 242314 w 742650"/>
+              <a:gd name="connsiteY2" fmla="*/ 0 h 6268899"/>
+            </a:gdLst>
+            <a:ahLst/>
+            <a:cxnLst>
+              <a:cxn ang="0">
+                <a:pos x="connsiteX0" y="connsiteY0"/>
+              </a:cxn>
+              <a:cxn ang="0">
+                <a:pos x="connsiteX1" y="connsiteY1"/>
+              </a:cxn>
+              <a:cxn ang="0">
+                <a:pos x="connsiteX2" y="connsiteY2"/>
+              </a:cxn>
+            </a:cxnLst>
+            <a:rect l="l" t="t" r="r" b="b"/>
+            <a:pathLst>
+              <a:path w="742650" h="6268899">
+                <a:moveTo>
+                  <a:pt x="742650" y="6268899"/>
+                </a:moveTo>
+                <a:lnTo>
+                  <a:pt x="0" y="5254376"/>
+                </a:lnTo>
+                <a:lnTo>
+                  <a:pt x="242314" y="0"/>
+                </a:lnTo>
+                <a:close/>
+              </a:path>
+            </a:pathLst>
+          </a:custGeom>
+          <a:solidFill>
+            <a:srgbClr val="F0B931"/>
+          </a:solidFill>
+          <a:ln>
+            <a:noFill/>
+          </a:ln>
+        </p:spPr>
+        <p:style>
+          <a:lnRef idx="2">
+            <a:schemeClr val="accent1">
+              <a:shade val="50000"/>
+            </a:schemeClr>
+          </a:lnRef>
+          <a:fillRef idx="1">
+            <a:schemeClr val="accent1"/>
+          </a:fillRef>
+          <a:effectRef idx="0">
+            <a:schemeClr val="accent1"/>
+          </a:effectRef>
+          <a:fontRef idx="minor">
+            <a:schemeClr val="lt1"/>
+          </a:fontRef>
+        </p:style>
+        <p:txBody>
+          <a:bodyPr anchor="ctr"/>
+          <a:lstStyle/>
+          <a:p>
+            <a:pPr marL="0" marR="0" lvl="0" indent="0" algn="ctr" defTabSz="914400" rtl="0" eaLnBrk="1" fontAlgn="auto" latinLnBrk="0" hangingPunct="1">
+              <a:lnSpc>
+                <a:spcPct val="100000"/>
+              </a:lnSpc>
+              <a:spcBef>
+                <a:spcPts val="0"/>
+              </a:spcBef>
+              <a:spcAft>
+                <a:spcPts val="0"/>
+              </a:spcAft>
+              <a:buClrTx/>
+              <a:buSzTx/>
+              <a:buFontTx/>
+              <a:buNone/>
+              <a:defRPr/>
+            </a:pPr>
+            <a:endParaRPr kumimoji="0" lang="zh-CN" altLang="en-US" sz="1800" b="0" i="0" u="none" strike="noStrike" kern="1200" cap="none" spc="0" normalizeH="0" baseline="0" noProof="0">
+              <a:ln>
+                <a:noFill/>
+              </a:ln>
+              <a:solidFill>
+                <a:schemeClr val="lt1"/>
+              </a:solidFill>
+              <a:effectLst/>
+              <a:uLnTx/>
+              <a:uFillTx/>
+              <a:latin typeface="+mn-lt"/>
+              <a:ea typeface="+mn-ea"/>
+              <a:cs typeface="+mn-cs"/>
+            </a:endParaRPr>
+          </a:p>
+        </p:txBody>
+      </p:sp>
+      <p:pic>
+        <p:nvPicPr>
+          <p:cNvPr id="5" name="Picture 4" descr="python-logo"/>
+          <p:cNvPicPr>
+            <a:picLocks noChangeAspect="1"/>
+          </p:cNvPicPr>
+          <p:nvPr/>
+        </p:nvPicPr>
+        <p:blipFill>
+          <a:blip r:embed="rId3"/>
+          <a:stretch>
+            <a:fillRect/>
+          </a:stretch>
+        </p:blipFill>
+        <p:spPr>
+          <a:xfrm>
+            <a:off x="8762365" y="217805"/>
+            <a:ext cx="3683000" cy="1041400"/>
+          </a:xfrm>
+          <a:prstGeom prst="rect">
+            <a:avLst/>
+          </a:prstGeom>
+        </p:spPr>
+      </p:pic>
+      <p:sp>
+        <p:nvSpPr>
+          <p:cNvPr id="7" name="Rectangle 6"/>
           <p:cNvSpPr/>
           <p:nvPr/>
         </p:nvSpPr>
@@ -14689,7 +15495,2358 @@
           </a:p>
         </p:txBody>
       </p:sp>
+      <p:sp>
+        <p:nvSpPr>
+          <p:cNvPr id="11" name="文本框 8"/>
+          <p:cNvSpPr txBox="1"/>
+          <p:nvPr/>
+        </p:nvSpPr>
+        <p:spPr>
+          <a:xfrm>
+            <a:off x="119931" y="217805"/>
+            <a:ext cx="5645392" cy="707886"/>
+          </a:xfrm>
+          <a:prstGeom prst="rect">
+            <a:avLst/>
+          </a:prstGeom>
+          <a:noFill/>
+          <a:ln w="9525">
+            <a:noFill/>
+          </a:ln>
+        </p:spPr>
+        <p:txBody>
+          <a:bodyPr wrap="none" anchor="t">
+            <a:spAutoFit/>
+          </a:bodyPr>
+          <a:lstStyle/>
+          <a:p>
+            <a:r>
+              <a:rPr lang="en-US" sz="4000" b="1" dirty="0">
+                <a:solidFill>
+                  <a:schemeClr val="dk1"/>
+                </a:solidFill>
+              </a:rPr>
+              <a:t>Introduction to </a:t>
+            </a:r>
+            <a:r>
+              <a:rPr lang="en-US" sz="4000" b="1" dirty="0" smtClean="0">
+                <a:solidFill>
+                  <a:schemeClr val="dk1"/>
+                </a:solidFill>
+              </a:rPr>
+              <a:t>JavaScript</a:t>
+            </a:r>
+            <a:endParaRPr lang="en-US" sz="4000" b="1" dirty="0">
+              <a:solidFill>
+                <a:schemeClr val="dk1"/>
+              </a:solidFill>
+            </a:endParaRPr>
+          </a:p>
+        </p:txBody>
+      </p:sp>
+      <p:sp>
+        <p:nvSpPr>
+          <p:cNvPr id="4" name="Rectangle 3"/>
+          <p:cNvSpPr/>
+          <p:nvPr/>
+        </p:nvSpPr>
+        <p:spPr>
+          <a:xfrm>
+            <a:off x="395785" y="1143496"/>
+            <a:ext cx="11505063" cy="5262979"/>
+          </a:xfrm>
+          <a:prstGeom prst="rect">
+            <a:avLst/>
+          </a:prstGeom>
+        </p:spPr>
+        <p:txBody>
+          <a:bodyPr wrap="square">
+            <a:spAutoFit/>
+          </a:bodyPr>
+          <a:lstStyle/>
+          <a:p>
+            <a:pPr algn="just"/>
+            <a:r>
+              <a:rPr lang="en-US" sz="2400" dirty="0">
+                <a:latin typeface="+mn-lt"/>
+              </a:rPr>
+              <a:t>JavaScript is standardized at Ecma International —the </a:t>
+            </a:r>
+            <a:r>
+              <a:rPr lang="en-US" sz="2400" b="1" dirty="0">
+                <a:latin typeface="+mn-lt"/>
+              </a:rPr>
+              <a:t>European association for standardizing information and communication systems </a:t>
+            </a:r>
+            <a:r>
+              <a:rPr lang="en-US" sz="2400" dirty="0">
+                <a:latin typeface="+mn-lt"/>
+              </a:rPr>
+              <a:t>(ECMA was formerly an acronym for the European Computer Manufacturers Association) to deliver a standardized, international programming language based on </a:t>
+            </a:r>
+            <a:r>
+              <a:rPr lang="en-US" sz="2400" dirty="0" smtClean="0">
+                <a:latin typeface="+mn-lt"/>
+              </a:rPr>
+              <a:t>JavaScript</a:t>
+            </a:r>
+          </a:p>
+          <a:p>
+            <a:pPr algn="just"/>
+            <a:endParaRPr lang="en-US" sz="2400" dirty="0">
+              <a:latin typeface="+mn-lt"/>
+            </a:endParaRPr>
+          </a:p>
+          <a:p>
+            <a:pPr algn="just"/>
+            <a:r>
+              <a:rPr lang="en-US" sz="2400" dirty="0">
+                <a:latin typeface="+mn-lt"/>
+              </a:rPr>
+              <a:t>ECMAScript standards are on yearly release cycles. This documentation refers to the latest draft version, which is currently ECMAScript 2020.</a:t>
+            </a:r>
+          </a:p>
+          <a:p>
+            <a:pPr algn="just"/>
+            <a:endParaRPr lang="en-US" sz="2400" dirty="0" smtClean="0">
+              <a:latin typeface="+mn-lt"/>
+            </a:endParaRPr>
+          </a:p>
+          <a:p>
+            <a:pPr algn="just"/>
+            <a:r>
+              <a:rPr lang="en-US" sz="2400" dirty="0">
+                <a:latin typeface="+mn-lt"/>
+              </a:rPr>
+              <a:t>Browsers use their own JavaScript Engines to execute the JavaScript code. Some commonly used browsers are listed below:</a:t>
+            </a:r>
+          </a:p>
+          <a:p>
+            <a:pPr marL="342900" indent="-342900" algn="just">
+              <a:buFont typeface="Wingdings" panose="05000000000000000000" pitchFamily="2" charset="2"/>
+              <a:buChar char="Ø"/>
+            </a:pPr>
+            <a:r>
+              <a:rPr lang="en-US" sz="2400" b="1" dirty="0">
+                <a:latin typeface="+mn-lt"/>
+              </a:rPr>
+              <a:t>Chrome</a:t>
+            </a:r>
+            <a:r>
+              <a:rPr lang="en-US" sz="2400" dirty="0">
+                <a:latin typeface="+mn-lt"/>
+              </a:rPr>
+              <a:t> uses a V8 engine.</a:t>
+            </a:r>
+          </a:p>
+          <a:p>
+            <a:pPr marL="342900" indent="-342900" algn="just">
+              <a:buFont typeface="Wingdings" panose="05000000000000000000" pitchFamily="2" charset="2"/>
+              <a:buChar char="Ø"/>
+            </a:pPr>
+            <a:r>
+              <a:rPr lang="en-US" sz="2400" b="1" dirty="0">
+                <a:latin typeface="+mn-lt"/>
+              </a:rPr>
+              <a:t>Firefox</a:t>
+            </a:r>
+            <a:r>
+              <a:rPr lang="en-US" sz="2400" dirty="0">
+                <a:latin typeface="+mn-lt"/>
+              </a:rPr>
+              <a:t> uses the Spider Monkey engine.</a:t>
+            </a:r>
+          </a:p>
+          <a:p>
+            <a:pPr marL="342900" indent="-342900" algn="just">
+              <a:buFont typeface="Wingdings" panose="05000000000000000000" pitchFamily="2" charset="2"/>
+              <a:buChar char="Ø"/>
+            </a:pPr>
+            <a:r>
+              <a:rPr lang="en-US" sz="2400" b="1" dirty="0">
+                <a:latin typeface="+mn-lt"/>
+              </a:rPr>
+              <a:t>Microsoft Edge </a:t>
+            </a:r>
+            <a:r>
+              <a:rPr lang="en-US" sz="2400" dirty="0">
+                <a:latin typeface="+mn-lt"/>
+              </a:rPr>
+              <a:t>uses the Chakra Core engine.</a:t>
+            </a:r>
+          </a:p>
+          <a:p>
+            <a:pPr marL="342900" indent="-342900" algn="just">
+              <a:buFont typeface="Wingdings" panose="05000000000000000000" pitchFamily="2" charset="2"/>
+              <a:buChar char="Ø"/>
+            </a:pPr>
+            <a:r>
+              <a:rPr lang="en-US" sz="2400" b="1" dirty="0">
+                <a:latin typeface="+mn-lt"/>
+              </a:rPr>
+              <a:t>Safari</a:t>
+            </a:r>
+            <a:r>
+              <a:rPr lang="en-US" sz="2400" dirty="0">
+                <a:latin typeface="+mn-lt"/>
+              </a:rPr>
+              <a:t> uses the Squirrel Fish engine.</a:t>
+            </a:r>
+          </a:p>
+        </p:txBody>
+      </p:sp>
     </p:spTree>
+    <p:extLst>
+      <p:ext uri="{BB962C8B-B14F-4D97-AF65-F5344CB8AC3E}">
+        <p14:creationId xmlns:p14="http://schemas.microsoft.com/office/powerpoint/2010/main" val="2396399395"/>
+      </p:ext>
+    </p:extLst>
+  </p:cSld>
+  <p:clrMapOvr>
+    <a:masterClrMapping/>
+  </p:clrMapOvr>
+  <p:timing>
+    <p:tnLst>
+      <p:par>
+        <p:cTn id="1" dur="indefinite" restart="never" nodeType="tmRoot"/>
+      </p:par>
+    </p:tnLst>
+  </p:timing>
+</p:sld>
+</file>
+
+<file path=ppt/slides/slide16.xml><?xml version="1.0" encoding="utf-8"?>
+<p:sld xmlns:a="http://schemas.openxmlformats.org/drawingml/2006/main" xmlns:r="http://schemas.openxmlformats.org/officeDocument/2006/relationships" xmlns:p="http://schemas.openxmlformats.org/presentationml/2006/main">
+  <p:cSld>
+    <p:spTree>
+      <p:nvGrpSpPr>
+        <p:cNvPr id="1" name=""/>
+        <p:cNvGrpSpPr/>
+        <p:nvPr/>
+      </p:nvGrpSpPr>
+      <p:grpSpPr>
+        <a:xfrm>
+          <a:off x="0" y="0"/>
+          <a:ext cx="0" cy="0"/>
+          <a:chOff x="0" y="0"/>
+          <a:chExt cx="0" cy="0"/>
+        </a:xfrm>
+      </p:grpSpPr>
+      <p:sp>
+        <p:nvSpPr>
+          <p:cNvPr id="2" name="直角三角形 1"/>
+          <p:cNvSpPr/>
+          <p:nvPr/>
+        </p:nvSpPr>
+        <p:spPr>
+          <a:xfrm flipH="1" flipV="1">
+            <a:off x="4076700" y="0"/>
+            <a:ext cx="8115300" cy="6273800"/>
+          </a:xfrm>
+          <a:prstGeom prst="rtTriangle">
+            <a:avLst/>
+          </a:prstGeom>
+          <a:solidFill>
+            <a:srgbClr val="747472"/>
+          </a:solidFill>
+          <a:ln>
+            <a:noFill/>
+          </a:ln>
+        </p:spPr>
+        <p:style>
+          <a:lnRef idx="2">
+            <a:schemeClr val="accent1">
+              <a:shade val="50000"/>
+            </a:schemeClr>
+          </a:lnRef>
+          <a:fillRef idx="1">
+            <a:schemeClr val="accent1"/>
+          </a:fillRef>
+          <a:effectRef idx="0">
+            <a:schemeClr val="accent1"/>
+          </a:effectRef>
+          <a:fontRef idx="minor">
+            <a:schemeClr val="lt1"/>
+          </a:fontRef>
+        </p:style>
+        <p:txBody>
+          <a:bodyPr anchor="ctr"/>
+          <a:lstStyle/>
+          <a:p>
+            <a:pPr marL="0" marR="0" lvl="0" indent="0" algn="ctr" defTabSz="914400" rtl="0" eaLnBrk="1" fontAlgn="auto" latinLnBrk="0" hangingPunct="1">
+              <a:lnSpc>
+                <a:spcPct val="100000"/>
+              </a:lnSpc>
+              <a:spcBef>
+                <a:spcPts val="0"/>
+              </a:spcBef>
+              <a:spcAft>
+                <a:spcPts val="0"/>
+              </a:spcAft>
+              <a:buClrTx/>
+              <a:buSzTx/>
+              <a:buFontTx/>
+              <a:buNone/>
+              <a:defRPr/>
+            </a:pPr>
+            <a:endParaRPr kumimoji="0" lang="zh-CN" altLang="en-US" sz="1800" b="0" i="0" u="none" strike="noStrike" kern="1200" cap="none" spc="0" normalizeH="0" baseline="0" noProof="0">
+              <a:ln>
+                <a:noFill/>
+              </a:ln>
+              <a:solidFill>
+                <a:schemeClr val="lt1"/>
+              </a:solidFill>
+              <a:effectLst/>
+              <a:uLnTx/>
+              <a:uFillTx/>
+              <a:latin typeface="+mn-lt"/>
+              <a:ea typeface="+mn-ea"/>
+              <a:cs typeface="+mn-cs"/>
+            </a:endParaRPr>
+          </a:p>
+        </p:txBody>
+      </p:sp>
+      <p:sp>
+        <p:nvSpPr>
+          <p:cNvPr id="3" name="等腰三角形 2"/>
+          <p:cNvSpPr/>
+          <p:nvPr/>
+        </p:nvSpPr>
+        <p:spPr>
+          <a:xfrm rot="19088536">
+            <a:off x="7283450" y="-541337"/>
+            <a:ext cx="2414588" cy="9158288"/>
+          </a:xfrm>
+          <a:custGeom>
+            <a:avLst/>
+            <a:gdLst>
+              <a:gd name="connsiteX0" fmla="*/ 0 w 1117600"/>
+              <a:gd name="connsiteY0" fmla="*/ 5702300 h 5702300"/>
+              <a:gd name="connsiteX1" fmla="*/ 558800 w 1117600"/>
+              <a:gd name="connsiteY1" fmla="*/ 0 h 5702300"/>
+              <a:gd name="connsiteX2" fmla="*/ 1117600 w 1117600"/>
+              <a:gd name="connsiteY2" fmla="*/ 5702300 h 5702300"/>
+              <a:gd name="connsiteX3" fmla="*/ 0 w 1117600"/>
+              <a:gd name="connsiteY3" fmla="*/ 5702300 h 5702300"/>
+              <a:gd name="connsiteX0-1" fmla="*/ 0 w 2070142"/>
+              <a:gd name="connsiteY0-2" fmla="*/ 5702300 h 7817508"/>
+              <a:gd name="connsiteX1-3" fmla="*/ 558800 w 2070142"/>
+              <a:gd name="connsiteY1-4" fmla="*/ 0 h 7817508"/>
+              <a:gd name="connsiteX2-5" fmla="*/ 2070142 w 2070142"/>
+              <a:gd name="connsiteY2-6" fmla="*/ 7817508 h 7817508"/>
+              <a:gd name="connsiteX3-7" fmla="*/ 0 w 2070142"/>
+              <a:gd name="connsiteY3-8" fmla="*/ 5702300 h 7817508"/>
+              <a:gd name="connsiteX0-9" fmla="*/ 0 w 2414257"/>
+              <a:gd name="connsiteY0-10" fmla="*/ 6314781 h 7817508"/>
+              <a:gd name="connsiteX1-11" fmla="*/ 902915 w 2414257"/>
+              <a:gd name="connsiteY1-12" fmla="*/ 0 h 7817508"/>
+              <a:gd name="connsiteX2-13" fmla="*/ 2414257 w 2414257"/>
+              <a:gd name="connsiteY2-14" fmla="*/ 7817508 h 7817508"/>
+              <a:gd name="connsiteX3-15" fmla="*/ 0 w 2414257"/>
+              <a:gd name="connsiteY3-16" fmla="*/ 6314781 h 7817508"/>
+              <a:gd name="connsiteX0-17" fmla="*/ 0 w 2414257"/>
+              <a:gd name="connsiteY0-18" fmla="*/ 6314781 h 7817508"/>
+              <a:gd name="connsiteX1-19" fmla="*/ 902915 w 2414257"/>
+              <a:gd name="connsiteY1-20" fmla="*/ 0 h 7817508"/>
+              <a:gd name="connsiteX2-21" fmla="*/ 2414257 w 2414257"/>
+              <a:gd name="connsiteY2-22" fmla="*/ 7817508 h 7817508"/>
+              <a:gd name="connsiteX3-23" fmla="*/ 1191330 w 2414257"/>
+              <a:gd name="connsiteY3-24" fmla="*/ 7039908 h 7817508"/>
+              <a:gd name="connsiteX4" fmla="*/ 0 w 2414257"/>
+              <a:gd name="connsiteY4" fmla="*/ 6314781 h 7817508"/>
+              <a:gd name="connsiteX0-25" fmla="*/ 0 w 2414257"/>
+              <a:gd name="connsiteY0-26" fmla="*/ 6314781 h 8205626"/>
+              <a:gd name="connsiteX1-27" fmla="*/ 902915 w 2414257"/>
+              <a:gd name="connsiteY1-28" fmla="*/ 0 h 8205626"/>
+              <a:gd name="connsiteX2-29" fmla="*/ 2414257 w 2414257"/>
+              <a:gd name="connsiteY2-30" fmla="*/ 7817508 h 8205626"/>
+              <a:gd name="connsiteX3-31" fmla="*/ 2073759 w 2414257"/>
+              <a:gd name="connsiteY3-32" fmla="*/ 8205626 h 8205626"/>
+              <a:gd name="connsiteX4-33" fmla="*/ 0 w 2414257"/>
+              <a:gd name="connsiteY4-34" fmla="*/ 6314781 h 8205626"/>
+              <a:gd name="connsiteX0-35" fmla="*/ 0 w 2414257"/>
+              <a:gd name="connsiteY0-36" fmla="*/ 6436203 h 8327048"/>
+              <a:gd name="connsiteX1-37" fmla="*/ 329641 w 2414257"/>
+              <a:gd name="connsiteY1-38" fmla="*/ 0 h 8327048"/>
+              <a:gd name="connsiteX2-39" fmla="*/ 2414257 w 2414257"/>
+              <a:gd name="connsiteY2-40" fmla="*/ 7938930 h 8327048"/>
+              <a:gd name="connsiteX3-41" fmla="*/ 2073759 w 2414257"/>
+              <a:gd name="connsiteY3-42" fmla="*/ 8327048 h 8327048"/>
+              <a:gd name="connsiteX4-43" fmla="*/ 0 w 2414257"/>
+              <a:gd name="connsiteY4-44" fmla="*/ 6436203 h 8327048"/>
+              <a:gd name="connsiteX0-45" fmla="*/ 0 w 2414257"/>
+              <a:gd name="connsiteY0-46" fmla="*/ 6431068 h 8321913"/>
+              <a:gd name="connsiteX1-47" fmla="*/ 563761 w 2414257"/>
+              <a:gd name="connsiteY1-48" fmla="*/ 0 h 8321913"/>
+              <a:gd name="connsiteX2-49" fmla="*/ 2414257 w 2414257"/>
+              <a:gd name="connsiteY2-50" fmla="*/ 7933795 h 8321913"/>
+              <a:gd name="connsiteX3-51" fmla="*/ 2073759 w 2414257"/>
+              <a:gd name="connsiteY3-52" fmla="*/ 8321913 h 8321913"/>
+              <a:gd name="connsiteX4-53" fmla="*/ 0 w 2414257"/>
+              <a:gd name="connsiteY4-54" fmla="*/ 6431068 h 8321913"/>
+              <a:gd name="connsiteX0-55" fmla="*/ 0 w 2414257"/>
+              <a:gd name="connsiteY0-56" fmla="*/ 7267650 h 9158495"/>
+              <a:gd name="connsiteX1-57" fmla="*/ 239027 w 2414257"/>
+              <a:gd name="connsiteY1-58" fmla="*/ 0 h 9158495"/>
+              <a:gd name="connsiteX2-59" fmla="*/ 2414257 w 2414257"/>
+              <a:gd name="connsiteY2-60" fmla="*/ 8770377 h 9158495"/>
+              <a:gd name="connsiteX3-61" fmla="*/ 2073759 w 2414257"/>
+              <a:gd name="connsiteY3-62" fmla="*/ 9158495 h 9158495"/>
+              <a:gd name="connsiteX4-63" fmla="*/ 0 w 2414257"/>
+              <a:gd name="connsiteY4-64" fmla="*/ 7267650 h 9158495"/>
+            </a:gdLst>
+            <a:ahLst/>
+            <a:cxnLst>
+              <a:cxn ang="0">
+                <a:pos x="connsiteX0-1" y="connsiteY0-2"/>
+              </a:cxn>
+              <a:cxn ang="0">
+                <a:pos x="connsiteX1-3" y="connsiteY1-4"/>
+              </a:cxn>
+              <a:cxn ang="0">
+                <a:pos x="connsiteX2-5" y="connsiteY2-6"/>
+              </a:cxn>
+              <a:cxn ang="0">
+                <a:pos x="connsiteX3-7" y="connsiteY3-8"/>
+              </a:cxn>
+              <a:cxn ang="0">
+                <a:pos x="connsiteX4-33" y="connsiteY4-34"/>
+              </a:cxn>
+            </a:cxnLst>
+            <a:rect l="l" t="t" r="r" b="b"/>
+            <a:pathLst>
+              <a:path w="2414257" h="9158495">
+                <a:moveTo>
+                  <a:pt x="0" y="7267650"/>
+                </a:moveTo>
+                <a:lnTo>
+                  <a:pt x="239027" y="0"/>
+                </a:lnTo>
+                <a:lnTo>
+                  <a:pt x="2414257" y="8770377"/>
+                </a:lnTo>
+                <a:lnTo>
+                  <a:pt x="2073759" y="9158495"/>
+                </a:lnTo>
+                <a:lnTo>
+                  <a:pt x="0" y="7267650"/>
+                </a:lnTo>
+                <a:close/>
+              </a:path>
+            </a:pathLst>
+          </a:custGeom>
+          <a:solidFill>
+            <a:srgbClr val="C4C4C4"/>
+          </a:solidFill>
+          <a:ln>
+            <a:noFill/>
+          </a:ln>
+        </p:spPr>
+        <p:style>
+          <a:lnRef idx="2">
+            <a:schemeClr val="accent1">
+              <a:shade val="50000"/>
+            </a:schemeClr>
+          </a:lnRef>
+          <a:fillRef idx="1">
+            <a:schemeClr val="accent1"/>
+          </a:fillRef>
+          <a:effectRef idx="0">
+            <a:schemeClr val="accent1"/>
+          </a:effectRef>
+          <a:fontRef idx="minor">
+            <a:schemeClr val="lt1"/>
+          </a:fontRef>
+        </p:style>
+        <p:txBody>
+          <a:bodyPr anchor="ctr"/>
+          <a:lstStyle/>
+          <a:p>
+            <a:pPr marL="0" marR="0" lvl="0" indent="0" algn="ctr" defTabSz="914400" rtl="0" eaLnBrk="1" fontAlgn="auto" latinLnBrk="0" hangingPunct="1">
+              <a:lnSpc>
+                <a:spcPct val="100000"/>
+              </a:lnSpc>
+              <a:spcBef>
+                <a:spcPts val="0"/>
+              </a:spcBef>
+              <a:spcAft>
+                <a:spcPts val="0"/>
+              </a:spcAft>
+              <a:buClrTx/>
+              <a:buSzTx/>
+              <a:buFontTx/>
+              <a:buNone/>
+              <a:defRPr/>
+            </a:pPr>
+            <a:endParaRPr kumimoji="0" lang="zh-CN" altLang="en-US" sz="1800" b="0" i="0" u="none" strike="noStrike" kern="1200" cap="none" spc="0" normalizeH="0" baseline="0" noProof="0">
+              <a:ln>
+                <a:noFill/>
+              </a:ln>
+              <a:solidFill>
+                <a:schemeClr val="lt1"/>
+              </a:solidFill>
+              <a:effectLst/>
+              <a:uLnTx/>
+              <a:uFillTx/>
+              <a:latin typeface="+mn-lt"/>
+              <a:ea typeface="+mn-ea"/>
+              <a:cs typeface="+mn-cs"/>
+            </a:endParaRPr>
+          </a:p>
+        </p:txBody>
+      </p:sp>
+      <p:sp>
+        <p:nvSpPr>
+          <p:cNvPr id="8" name="任意多边形 7"/>
+          <p:cNvSpPr/>
+          <p:nvPr/>
+        </p:nvSpPr>
+        <p:spPr>
+          <a:xfrm rot="7572289">
+            <a:off x="5132388" y="-1582737"/>
+            <a:ext cx="741363" cy="6269038"/>
+          </a:xfrm>
+          <a:custGeom>
+            <a:avLst/>
+            <a:gdLst>
+              <a:gd name="connsiteX0" fmla="*/ 742650 w 742650"/>
+              <a:gd name="connsiteY0" fmla="*/ 6268899 h 6268899"/>
+              <a:gd name="connsiteX1" fmla="*/ 0 w 742650"/>
+              <a:gd name="connsiteY1" fmla="*/ 5254376 h 6268899"/>
+              <a:gd name="connsiteX2" fmla="*/ 242314 w 742650"/>
+              <a:gd name="connsiteY2" fmla="*/ 0 h 6268899"/>
+            </a:gdLst>
+            <a:ahLst/>
+            <a:cxnLst>
+              <a:cxn ang="0">
+                <a:pos x="connsiteX0" y="connsiteY0"/>
+              </a:cxn>
+              <a:cxn ang="0">
+                <a:pos x="connsiteX1" y="connsiteY1"/>
+              </a:cxn>
+              <a:cxn ang="0">
+                <a:pos x="connsiteX2" y="connsiteY2"/>
+              </a:cxn>
+            </a:cxnLst>
+            <a:rect l="l" t="t" r="r" b="b"/>
+            <a:pathLst>
+              <a:path w="742650" h="6268899">
+                <a:moveTo>
+                  <a:pt x="742650" y="6268899"/>
+                </a:moveTo>
+                <a:lnTo>
+                  <a:pt x="0" y="5254376"/>
+                </a:lnTo>
+                <a:lnTo>
+                  <a:pt x="242314" y="0"/>
+                </a:lnTo>
+                <a:close/>
+              </a:path>
+            </a:pathLst>
+          </a:custGeom>
+          <a:solidFill>
+            <a:srgbClr val="F0B931"/>
+          </a:solidFill>
+          <a:ln>
+            <a:noFill/>
+          </a:ln>
+        </p:spPr>
+        <p:style>
+          <a:lnRef idx="2">
+            <a:schemeClr val="accent1">
+              <a:shade val="50000"/>
+            </a:schemeClr>
+          </a:lnRef>
+          <a:fillRef idx="1">
+            <a:schemeClr val="accent1"/>
+          </a:fillRef>
+          <a:effectRef idx="0">
+            <a:schemeClr val="accent1"/>
+          </a:effectRef>
+          <a:fontRef idx="minor">
+            <a:schemeClr val="lt1"/>
+          </a:fontRef>
+        </p:style>
+        <p:txBody>
+          <a:bodyPr anchor="ctr"/>
+          <a:lstStyle/>
+          <a:p>
+            <a:pPr marL="0" marR="0" lvl="0" indent="0" algn="ctr" defTabSz="914400" rtl="0" eaLnBrk="1" fontAlgn="auto" latinLnBrk="0" hangingPunct="1">
+              <a:lnSpc>
+                <a:spcPct val="100000"/>
+              </a:lnSpc>
+              <a:spcBef>
+                <a:spcPts val="0"/>
+              </a:spcBef>
+              <a:spcAft>
+                <a:spcPts val="0"/>
+              </a:spcAft>
+              <a:buClrTx/>
+              <a:buSzTx/>
+              <a:buFontTx/>
+              <a:buNone/>
+              <a:defRPr/>
+            </a:pPr>
+            <a:endParaRPr kumimoji="0" lang="zh-CN" altLang="en-US" sz="1800" b="0" i="0" u="none" strike="noStrike" kern="1200" cap="none" spc="0" normalizeH="0" baseline="0" noProof="0">
+              <a:ln>
+                <a:noFill/>
+              </a:ln>
+              <a:solidFill>
+                <a:schemeClr val="lt1"/>
+              </a:solidFill>
+              <a:effectLst/>
+              <a:uLnTx/>
+              <a:uFillTx/>
+              <a:latin typeface="+mn-lt"/>
+              <a:ea typeface="+mn-ea"/>
+              <a:cs typeface="+mn-cs"/>
+            </a:endParaRPr>
+          </a:p>
+        </p:txBody>
+      </p:sp>
+      <p:pic>
+        <p:nvPicPr>
+          <p:cNvPr id="5" name="Picture 4" descr="python-logo"/>
+          <p:cNvPicPr>
+            <a:picLocks noChangeAspect="1"/>
+          </p:cNvPicPr>
+          <p:nvPr/>
+        </p:nvPicPr>
+        <p:blipFill>
+          <a:blip r:embed="rId3"/>
+          <a:stretch>
+            <a:fillRect/>
+          </a:stretch>
+        </p:blipFill>
+        <p:spPr>
+          <a:xfrm>
+            <a:off x="8762365" y="217805"/>
+            <a:ext cx="3683000" cy="1041400"/>
+          </a:xfrm>
+          <a:prstGeom prst="rect">
+            <a:avLst/>
+          </a:prstGeom>
+        </p:spPr>
+      </p:pic>
+      <p:sp>
+        <p:nvSpPr>
+          <p:cNvPr id="7" name="Rectangle 6"/>
+          <p:cNvSpPr/>
+          <p:nvPr/>
+        </p:nvSpPr>
+        <p:spPr>
+          <a:xfrm>
+            <a:off x="9477949" y="6452165"/>
+            <a:ext cx="2593210" cy="369332"/>
+          </a:xfrm>
+          <a:prstGeom prst="rect">
+            <a:avLst/>
+          </a:prstGeom>
+        </p:spPr>
+        <p:txBody>
+          <a:bodyPr wrap="none">
+            <a:spAutoFit/>
+          </a:bodyPr>
+          <a:lstStyle/>
+          <a:p>
+            <a:r>
+              <a:rPr lang="en-US" dirty="0" smtClean="0">
+                <a:latin typeface="Verdana" panose="020B0604030504040204" pitchFamily="34" charset="0"/>
+                <a:ea typeface="Verdana" panose="020B0604030504040204" pitchFamily="34" charset="0"/>
+              </a:rPr>
+              <a:t>Frontend Technology</a:t>
+            </a:r>
+          </a:p>
+        </p:txBody>
+      </p:sp>
+      <p:sp>
+        <p:nvSpPr>
+          <p:cNvPr id="11" name="文本框 8"/>
+          <p:cNvSpPr txBox="1"/>
+          <p:nvPr/>
+        </p:nvSpPr>
+        <p:spPr>
+          <a:xfrm>
+            <a:off x="119931" y="217805"/>
+            <a:ext cx="3828292" cy="707886"/>
+          </a:xfrm>
+          <a:prstGeom prst="rect">
+            <a:avLst/>
+          </a:prstGeom>
+          <a:noFill/>
+          <a:ln w="9525">
+            <a:noFill/>
+          </a:ln>
+        </p:spPr>
+        <p:txBody>
+          <a:bodyPr wrap="none" anchor="t">
+            <a:spAutoFit/>
+          </a:bodyPr>
+          <a:lstStyle/>
+          <a:p>
+            <a:r>
+              <a:rPr lang="en-US" sz="4000" b="1" dirty="0">
+                <a:solidFill>
+                  <a:schemeClr val="dk1"/>
+                </a:solidFill>
+              </a:rPr>
+              <a:t>JavaScript Syntax</a:t>
+            </a:r>
+          </a:p>
+        </p:txBody>
+      </p:sp>
+    </p:spTree>
+    <p:extLst>
+      <p:ext uri="{BB962C8B-B14F-4D97-AF65-F5344CB8AC3E}">
+        <p14:creationId xmlns:p14="http://schemas.microsoft.com/office/powerpoint/2010/main" val="3137720093"/>
+      </p:ext>
+    </p:extLst>
+  </p:cSld>
+  <p:clrMapOvr>
+    <a:masterClrMapping/>
+  </p:clrMapOvr>
+  <p:timing>
+    <p:tnLst>
+      <p:par>
+        <p:cTn id="1" dur="indefinite" restart="never" nodeType="tmRoot"/>
+      </p:par>
+    </p:tnLst>
+  </p:timing>
+</p:sld>
+</file>
+
+<file path=ppt/slides/slide17.xml><?xml version="1.0" encoding="utf-8"?>
+<p:sld xmlns:a="http://schemas.openxmlformats.org/drawingml/2006/main" xmlns:r="http://schemas.openxmlformats.org/officeDocument/2006/relationships" xmlns:p="http://schemas.openxmlformats.org/presentationml/2006/main">
+  <p:cSld>
+    <p:spTree>
+      <p:nvGrpSpPr>
+        <p:cNvPr id="1" name=""/>
+        <p:cNvGrpSpPr/>
+        <p:nvPr/>
+      </p:nvGrpSpPr>
+      <p:grpSpPr>
+        <a:xfrm>
+          <a:off x="0" y="0"/>
+          <a:ext cx="0" cy="0"/>
+          <a:chOff x="0" y="0"/>
+          <a:chExt cx="0" cy="0"/>
+        </a:xfrm>
+      </p:grpSpPr>
+      <p:sp>
+        <p:nvSpPr>
+          <p:cNvPr id="2" name="直角三角形 1"/>
+          <p:cNvSpPr/>
+          <p:nvPr/>
+        </p:nvSpPr>
+        <p:spPr>
+          <a:xfrm flipH="1" flipV="1">
+            <a:off x="4076700" y="0"/>
+            <a:ext cx="8115300" cy="6273800"/>
+          </a:xfrm>
+          <a:prstGeom prst="rtTriangle">
+            <a:avLst/>
+          </a:prstGeom>
+          <a:solidFill>
+            <a:srgbClr val="747472"/>
+          </a:solidFill>
+          <a:ln>
+            <a:noFill/>
+          </a:ln>
+        </p:spPr>
+        <p:style>
+          <a:lnRef idx="2">
+            <a:schemeClr val="accent1">
+              <a:shade val="50000"/>
+            </a:schemeClr>
+          </a:lnRef>
+          <a:fillRef idx="1">
+            <a:schemeClr val="accent1"/>
+          </a:fillRef>
+          <a:effectRef idx="0">
+            <a:schemeClr val="accent1"/>
+          </a:effectRef>
+          <a:fontRef idx="minor">
+            <a:schemeClr val="lt1"/>
+          </a:fontRef>
+        </p:style>
+        <p:txBody>
+          <a:bodyPr anchor="ctr"/>
+          <a:lstStyle/>
+          <a:p>
+            <a:pPr marL="0" marR="0" lvl="0" indent="0" algn="ctr" defTabSz="914400" rtl="0" eaLnBrk="1" fontAlgn="auto" latinLnBrk="0" hangingPunct="1">
+              <a:lnSpc>
+                <a:spcPct val="100000"/>
+              </a:lnSpc>
+              <a:spcBef>
+                <a:spcPts val="0"/>
+              </a:spcBef>
+              <a:spcAft>
+                <a:spcPts val="0"/>
+              </a:spcAft>
+              <a:buClrTx/>
+              <a:buSzTx/>
+              <a:buFontTx/>
+              <a:buNone/>
+              <a:defRPr/>
+            </a:pPr>
+            <a:endParaRPr kumimoji="0" lang="zh-CN" altLang="en-US" sz="1800" b="0" i="0" u="none" strike="noStrike" kern="1200" cap="none" spc="0" normalizeH="0" baseline="0" noProof="0">
+              <a:ln>
+                <a:noFill/>
+              </a:ln>
+              <a:solidFill>
+                <a:schemeClr val="lt1"/>
+              </a:solidFill>
+              <a:effectLst/>
+              <a:uLnTx/>
+              <a:uFillTx/>
+              <a:latin typeface="+mn-lt"/>
+              <a:ea typeface="+mn-ea"/>
+              <a:cs typeface="+mn-cs"/>
+            </a:endParaRPr>
+          </a:p>
+        </p:txBody>
+      </p:sp>
+      <p:sp>
+        <p:nvSpPr>
+          <p:cNvPr id="3" name="等腰三角形 2"/>
+          <p:cNvSpPr/>
+          <p:nvPr/>
+        </p:nvSpPr>
+        <p:spPr>
+          <a:xfrm rot="19088536">
+            <a:off x="7283450" y="-541337"/>
+            <a:ext cx="2414588" cy="9158288"/>
+          </a:xfrm>
+          <a:custGeom>
+            <a:avLst/>
+            <a:gdLst>
+              <a:gd name="connsiteX0" fmla="*/ 0 w 1117600"/>
+              <a:gd name="connsiteY0" fmla="*/ 5702300 h 5702300"/>
+              <a:gd name="connsiteX1" fmla="*/ 558800 w 1117600"/>
+              <a:gd name="connsiteY1" fmla="*/ 0 h 5702300"/>
+              <a:gd name="connsiteX2" fmla="*/ 1117600 w 1117600"/>
+              <a:gd name="connsiteY2" fmla="*/ 5702300 h 5702300"/>
+              <a:gd name="connsiteX3" fmla="*/ 0 w 1117600"/>
+              <a:gd name="connsiteY3" fmla="*/ 5702300 h 5702300"/>
+              <a:gd name="connsiteX0-1" fmla="*/ 0 w 2070142"/>
+              <a:gd name="connsiteY0-2" fmla="*/ 5702300 h 7817508"/>
+              <a:gd name="connsiteX1-3" fmla="*/ 558800 w 2070142"/>
+              <a:gd name="connsiteY1-4" fmla="*/ 0 h 7817508"/>
+              <a:gd name="connsiteX2-5" fmla="*/ 2070142 w 2070142"/>
+              <a:gd name="connsiteY2-6" fmla="*/ 7817508 h 7817508"/>
+              <a:gd name="connsiteX3-7" fmla="*/ 0 w 2070142"/>
+              <a:gd name="connsiteY3-8" fmla="*/ 5702300 h 7817508"/>
+              <a:gd name="connsiteX0-9" fmla="*/ 0 w 2414257"/>
+              <a:gd name="connsiteY0-10" fmla="*/ 6314781 h 7817508"/>
+              <a:gd name="connsiteX1-11" fmla="*/ 902915 w 2414257"/>
+              <a:gd name="connsiteY1-12" fmla="*/ 0 h 7817508"/>
+              <a:gd name="connsiteX2-13" fmla="*/ 2414257 w 2414257"/>
+              <a:gd name="connsiteY2-14" fmla="*/ 7817508 h 7817508"/>
+              <a:gd name="connsiteX3-15" fmla="*/ 0 w 2414257"/>
+              <a:gd name="connsiteY3-16" fmla="*/ 6314781 h 7817508"/>
+              <a:gd name="connsiteX0-17" fmla="*/ 0 w 2414257"/>
+              <a:gd name="connsiteY0-18" fmla="*/ 6314781 h 7817508"/>
+              <a:gd name="connsiteX1-19" fmla="*/ 902915 w 2414257"/>
+              <a:gd name="connsiteY1-20" fmla="*/ 0 h 7817508"/>
+              <a:gd name="connsiteX2-21" fmla="*/ 2414257 w 2414257"/>
+              <a:gd name="connsiteY2-22" fmla="*/ 7817508 h 7817508"/>
+              <a:gd name="connsiteX3-23" fmla="*/ 1191330 w 2414257"/>
+              <a:gd name="connsiteY3-24" fmla="*/ 7039908 h 7817508"/>
+              <a:gd name="connsiteX4" fmla="*/ 0 w 2414257"/>
+              <a:gd name="connsiteY4" fmla="*/ 6314781 h 7817508"/>
+              <a:gd name="connsiteX0-25" fmla="*/ 0 w 2414257"/>
+              <a:gd name="connsiteY0-26" fmla="*/ 6314781 h 8205626"/>
+              <a:gd name="connsiteX1-27" fmla="*/ 902915 w 2414257"/>
+              <a:gd name="connsiteY1-28" fmla="*/ 0 h 8205626"/>
+              <a:gd name="connsiteX2-29" fmla="*/ 2414257 w 2414257"/>
+              <a:gd name="connsiteY2-30" fmla="*/ 7817508 h 8205626"/>
+              <a:gd name="connsiteX3-31" fmla="*/ 2073759 w 2414257"/>
+              <a:gd name="connsiteY3-32" fmla="*/ 8205626 h 8205626"/>
+              <a:gd name="connsiteX4-33" fmla="*/ 0 w 2414257"/>
+              <a:gd name="connsiteY4-34" fmla="*/ 6314781 h 8205626"/>
+              <a:gd name="connsiteX0-35" fmla="*/ 0 w 2414257"/>
+              <a:gd name="connsiteY0-36" fmla="*/ 6436203 h 8327048"/>
+              <a:gd name="connsiteX1-37" fmla="*/ 329641 w 2414257"/>
+              <a:gd name="connsiteY1-38" fmla="*/ 0 h 8327048"/>
+              <a:gd name="connsiteX2-39" fmla="*/ 2414257 w 2414257"/>
+              <a:gd name="connsiteY2-40" fmla="*/ 7938930 h 8327048"/>
+              <a:gd name="connsiteX3-41" fmla="*/ 2073759 w 2414257"/>
+              <a:gd name="connsiteY3-42" fmla="*/ 8327048 h 8327048"/>
+              <a:gd name="connsiteX4-43" fmla="*/ 0 w 2414257"/>
+              <a:gd name="connsiteY4-44" fmla="*/ 6436203 h 8327048"/>
+              <a:gd name="connsiteX0-45" fmla="*/ 0 w 2414257"/>
+              <a:gd name="connsiteY0-46" fmla="*/ 6431068 h 8321913"/>
+              <a:gd name="connsiteX1-47" fmla="*/ 563761 w 2414257"/>
+              <a:gd name="connsiteY1-48" fmla="*/ 0 h 8321913"/>
+              <a:gd name="connsiteX2-49" fmla="*/ 2414257 w 2414257"/>
+              <a:gd name="connsiteY2-50" fmla="*/ 7933795 h 8321913"/>
+              <a:gd name="connsiteX3-51" fmla="*/ 2073759 w 2414257"/>
+              <a:gd name="connsiteY3-52" fmla="*/ 8321913 h 8321913"/>
+              <a:gd name="connsiteX4-53" fmla="*/ 0 w 2414257"/>
+              <a:gd name="connsiteY4-54" fmla="*/ 6431068 h 8321913"/>
+              <a:gd name="connsiteX0-55" fmla="*/ 0 w 2414257"/>
+              <a:gd name="connsiteY0-56" fmla="*/ 7267650 h 9158495"/>
+              <a:gd name="connsiteX1-57" fmla="*/ 239027 w 2414257"/>
+              <a:gd name="connsiteY1-58" fmla="*/ 0 h 9158495"/>
+              <a:gd name="connsiteX2-59" fmla="*/ 2414257 w 2414257"/>
+              <a:gd name="connsiteY2-60" fmla="*/ 8770377 h 9158495"/>
+              <a:gd name="connsiteX3-61" fmla="*/ 2073759 w 2414257"/>
+              <a:gd name="connsiteY3-62" fmla="*/ 9158495 h 9158495"/>
+              <a:gd name="connsiteX4-63" fmla="*/ 0 w 2414257"/>
+              <a:gd name="connsiteY4-64" fmla="*/ 7267650 h 9158495"/>
+            </a:gdLst>
+            <a:ahLst/>
+            <a:cxnLst>
+              <a:cxn ang="0">
+                <a:pos x="connsiteX0-1" y="connsiteY0-2"/>
+              </a:cxn>
+              <a:cxn ang="0">
+                <a:pos x="connsiteX1-3" y="connsiteY1-4"/>
+              </a:cxn>
+              <a:cxn ang="0">
+                <a:pos x="connsiteX2-5" y="connsiteY2-6"/>
+              </a:cxn>
+              <a:cxn ang="0">
+                <a:pos x="connsiteX3-7" y="connsiteY3-8"/>
+              </a:cxn>
+              <a:cxn ang="0">
+                <a:pos x="connsiteX4-33" y="connsiteY4-34"/>
+              </a:cxn>
+            </a:cxnLst>
+            <a:rect l="l" t="t" r="r" b="b"/>
+            <a:pathLst>
+              <a:path w="2414257" h="9158495">
+                <a:moveTo>
+                  <a:pt x="0" y="7267650"/>
+                </a:moveTo>
+                <a:lnTo>
+                  <a:pt x="239027" y="0"/>
+                </a:lnTo>
+                <a:lnTo>
+                  <a:pt x="2414257" y="8770377"/>
+                </a:lnTo>
+                <a:lnTo>
+                  <a:pt x="2073759" y="9158495"/>
+                </a:lnTo>
+                <a:lnTo>
+                  <a:pt x="0" y="7267650"/>
+                </a:lnTo>
+                <a:close/>
+              </a:path>
+            </a:pathLst>
+          </a:custGeom>
+          <a:solidFill>
+            <a:srgbClr val="C4C4C4"/>
+          </a:solidFill>
+          <a:ln>
+            <a:noFill/>
+          </a:ln>
+        </p:spPr>
+        <p:style>
+          <a:lnRef idx="2">
+            <a:schemeClr val="accent1">
+              <a:shade val="50000"/>
+            </a:schemeClr>
+          </a:lnRef>
+          <a:fillRef idx="1">
+            <a:schemeClr val="accent1"/>
+          </a:fillRef>
+          <a:effectRef idx="0">
+            <a:schemeClr val="accent1"/>
+          </a:effectRef>
+          <a:fontRef idx="minor">
+            <a:schemeClr val="lt1"/>
+          </a:fontRef>
+        </p:style>
+        <p:txBody>
+          <a:bodyPr anchor="ctr"/>
+          <a:lstStyle/>
+          <a:p>
+            <a:pPr marL="0" marR="0" lvl="0" indent="0" algn="ctr" defTabSz="914400" rtl="0" eaLnBrk="1" fontAlgn="auto" latinLnBrk="0" hangingPunct="1">
+              <a:lnSpc>
+                <a:spcPct val="100000"/>
+              </a:lnSpc>
+              <a:spcBef>
+                <a:spcPts val="0"/>
+              </a:spcBef>
+              <a:spcAft>
+                <a:spcPts val="0"/>
+              </a:spcAft>
+              <a:buClrTx/>
+              <a:buSzTx/>
+              <a:buFontTx/>
+              <a:buNone/>
+              <a:defRPr/>
+            </a:pPr>
+            <a:endParaRPr kumimoji="0" lang="zh-CN" altLang="en-US" sz="1800" b="0" i="0" u="none" strike="noStrike" kern="1200" cap="none" spc="0" normalizeH="0" baseline="0" noProof="0">
+              <a:ln>
+                <a:noFill/>
+              </a:ln>
+              <a:solidFill>
+                <a:schemeClr val="lt1"/>
+              </a:solidFill>
+              <a:effectLst/>
+              <a:uLnTx/>
+              <a:uFillTx/>
+              <a:latin typeface="+mn-lt"/>
+              <a:ea typeface="+mn-ea"/>
+              <a:cs typeface="+mn-cs"/>
+            </a:endParaRPr>
+          </a:p>
+        </p:txBody>
+      </p:sp>
+      <p:sp>
+        <p:nvSpPr>
+          <p:cNvPr id="8" name="任意多边形 7"/>
+          <p:cNvSpPr/>
+          <p:nvPr/>
+        </p:nvSpPr>
+        <p:spPr>
+          <a:xfrm rot="7572289">
+            <a:off x="5118740" y="-1646855"/>
+            <a:ext cx="741363" cy="6269038"/>
+          </a:xfrm>
+          <a:custGeom>
+            <a:avLst/>
+            <a:gdLst>
+              <a:gd name="connsiteX0" fmla="*/ 742650 w 742650"/>
+              <a:gd name="connsiteY0" fmla="*/ 6268899 h 6268899"/>
+              <a:gd name="connsiteX1" fmla="*/ 0 w 742650"/>
+              <a:gd name="connsiteY1" fmla="*/ 5254376 h 6268899"/>
+              <a:gd name="connsiteX2" fmla="*/ 242314 w 742650"/>
+              <a:gd name="connsiteY2" fmla="*/ 0 h 6268899"/>
+            </a:gdLst>
+            <a:ahLst/>
+            <a:cxnLst>
+              <a:cxn ang="0">
+                <a:pos x="connsiteX0" y="connsiteY0"/>
+              </a:cxn>
+              <a:cxn ang="0">
+                <a:pos x="connsiteX1" y="connsiteY1"/>
+              </a:cxn>
+              <a:cxn ang="0">
+                <a:pos x="connsiteX2" y="connsiteY2"/>
+              </a:cxn>
+            </a:cxnLst>
+            <a:rect l="l" t="t" r="r" b="b"/>
+            <a:pathLst>
+              <a:path w="742650" h="6268899">
+                <a:moveTo>
+                  <a:pt x="742650" y="6268899"/>
+                </a:moveTo>
+                <a:lnTo>
+                  <a:pt x="0" y="5254376"/>
+                </a:lnTo>
+                <a:lnTo>
+                  <a:pt x="242314" y="0"/>
+                </a:lnTo>
+                <a:close/>
+              </a:path>
+            </a:pathLst>
+          </a:custGeom>
+          <a:solidFill>
+            <a:srgbClr val="F0B931"/>
+          </a:solidFill>
+          <a:ln>
+            <a:noFill/>
+          </a:ln>
+        </p:spPr>
+        <p:style>
+          <a:lnRef idx="2">
+            <a:schemeClr val="accent1">
+              <a:shade val="50000"/>
+            </a:schemeClr>
+          </a:lnRef>
+          <a:fillRef idx="1">
+            <a:schemeClr val="accent1"/>
+          </a:fillRef>
+          <a:effectRef idx="0">
+            <a:schemeClr val="accent1"/>
+          </a:effectRef>
+          <a:fontRef idx="minor">
+            <a:schemeClr val="lt1"/>
+          </a:fontRef>
+        </p:style>
+        <p:txBody>
+          <a:bodyPr anchor="ctr"/>
+          <a:lstStyle/>
+          <a:p>
+            <a:pPr marL="0" marR="0" lvl="0" indent="0" algn="ctr" defTabSz="914400" rtl="0" eaLnBrk="1" fontAlgn="auto" latinLnBrk="0" hangingPunct="1">
+              <a:lnSpc>
+                <a:spcPct val="100000"/>
+              </a:lnSpc>
+              <a:spcBef>
+                <a:spcPts val="0"/>
+              </a:spcBef>
+              <a:spcAft>
+                <a:spcPts val="0"/>
+              </a:spcAft>
+              <a:buClrTx/>
+              <a:buSzTx/>
+              <a:buFontTx/>
+              <a:buNone/>
+              <a:defRPr/>
+            </a:pPr>
+            <a:endParaRPr kumimoji="0" lang="zh-CN" altLang="en-US" sz="1800" b="0" i="0" u="none" strike="noStrike" kern="1200" cap="none" spc="0" normalizeH="0" baseline="0" noProof="0">
+              <a:ln>
+                <a:noFill/>
+              </a:ln>
+              <a:solidFill>
+                <a:schemeClr val="lt1"/>
+              </a:solidFill>
+              <a:effectLst/>
+              <a:uLnTx/>
+              <a:uFillTx/>
+              <a:latin typeface="+mn-lt"/>
+              <a:ea typeface="+mn-ea"/>
+              <a:cs typeface="+mn-cs"/>
+            </a:endParaRPr>
+          </a:p>
+        </p:txBody>
+      </p:sp>
+      <p:pic>
+        <p:nvPicPr>
+          <p:cNvPr id="5" name="Picture 4" descr="python-logo"/>
+          <p:cNvPicPr>
+            <a:picLocks noChangeAspect="1"/>
+          </p:cNvPicPr>
+          <p:nvPr/>
+        </p:nvPicPr>
+        <p:blipFill>
+          <a:blip r:embed="rId3"/>
+          <a:stretch>
+            <a:fillRect/>
+          </a:stretch>
+        </p:blipFill>
+        <p:spPr>
+          <a:xfrm>
+            <a:off x="8762365" y="217805"/>
+            <a:ext cx="3683000" cy="1041400"/>
+          </a:xfrm>
+          <a:prstGeom prst="rect">
+            <a:avLst/>
+          </a:prstGeom>
+        </p:spPr>
+      </p:pic>
+      <p:sp>
+        <p:nvSpPr>
+          <p:cNvPr id="7" name="Rectangle 6"/>
+          <p:cNvSpPr/>
+          <p:nvPr/>
+        </p:nvSpPr>
+        <p:spPr>
+          <a:xfrm>
+            <a:off x="9477949" y="6452165"/>
+            <a:ext cx="2593210" cy="369332"/>
+          </a:xfrm>
+          <a:prstGeom prst="rect">
+            <a:avLst/>
+          </a:prstGeom>
+        </p:spPr>
+        <p:txBody>
+          <a:bodyPr wrap="none">
+            <a:spAutoFit/>
+          </a:bodyPr>
+          <a:lstStyle/>
+          <a:p>
+            <a:r>
+              <a:rPr lang="en-US" dirty="0" smtClean="0">
+                <a:latin typeface="Verdana" panose="020B0604030504040204" pitchFamily="34" charset="0"/>
+                <a:ea typeface="Verdana" panose="020B0604030504040204" pitchFamily="34" charset="0"/>
+              </a:rPr>
+              <a:t>Frontend Technology</a:t>
+            </a:r>
+          </a:p>
+        </p:txBody>
+      </p:sp>
+      <p:sp>
+        <p:nvSpPr>
+          <p:cNvPr id="11" name="文本框 8"/>
+          <p:cNvSpPr txBox="1"/>
+          <p:nvPr/>
+        </p:nvSpPr>
+        <p:spPr>
+          <a:xfrm>
+            <a:off x="119931" y="217805"/>
+            <a:ext cx="5860194" cy="707886"/>
+          </a:xfrm>
+          <a:prstGeom prst="rect">
+            <a:avLst/>
+          </a:prstGeom>
+          <a:noFill/>
+          <a:ln w="9525">
+            <a:noFill/>
+          </a:ln>
+        </p:spPr>
+        <p:txBody>
+          <a:bodyPr wrap="none" anchor="t">
+            <a:spAutoFit/>
+          </a:bodyPr>
+          <a:lstStyle/>
+          <a:p>
+            <a:r>
+              <a:rPr lang="en-US" sz="4000" b="1" dirty="0">
+                <a:solidFill>
+                  <a:schemeClr val="dk1"/>
+                </a:solidFill>
+              </a:rPr>
+              <a:t>Include JavaScript in HTML</a:t>
+            </a:r>
+          </a:p>
+        </p:txBody>
+      </p:sp>
+      <p:sp>
+        <p:nvSpPr>
+          <p:cNvPr id="4" name="Rectangle 3"/>
+          <p:cNvSpPr/>
+          <p:nvPr/>
+        </p:nvSpPr>
+        <p:spPr>
+          <a:xfrm>
+            <a:off x="354842" y="1233632"/>
+            <a:ext cx="11546006" cy="954107"/>
+          </a:xfrm>
+          <a:prstGeom prst="rect">
+            <a:avLst/>
+          </a:prstGeom>
+        </p:spPr>
+        <p:txBody>
+          <a:bodyPr wrap="square">
+            <a:spAutoFit/>
+          </a:bodyPr>
+          <a:lstStyle/>
+          <a:p>
+            <a:r>
+              <a:rPr lang="en-US" sz="2800" b="1" dirty="0"/>
+              <a:t>Internal </a:t>
+            </a:r>
+            <a:r>
+              <a:rPr lang="en-US" sz="2800" b="1" dirty="0" smtClean="0"/>
+              <a:t>JavaScript :</a:t>
+            </a:r>
+          </a:p>
+          <a:p>
+            <a:r>
+              <a:rPr lang="en-US" sz="2800" dirty="0" smtClean="0"/>
+              <a:t>&lt;</a:t>
+            </a:r>
+            <a:r>
+              <a:rPr lang="en-US" sz="2800" dirty="0"/>
+              <a:t>script</a:t>
+            </a:r>
+            <a:r>
+              <a:rPr lang="en-US" sz="2800" dirty="0" smtClean="0"/>
+              <a:t>&gt; // </a:t>
+            </a:r>
+            <a:r>
+              <a:rPr lang="en-US" sz="2800" dirty="0"/>
+              <a:t>JavaScript goes </a:t>
+            </a:r>
+            <a:r>
+              <a:rPr lang="en-US" sz="2800" dirty="0" smtClean="0"/>
+              <a:t>here &lt;/</a:t>
+            </a:r>
+            <a:r>
+              <a:rPr lang="en-US" sz="2800" dirty="0"/>
+              <a:t>script&gt;</a:t>
+            </a:r>
+          </a:p>
+        </p:txBody>
+      </p:sp>
+      <p:sp>
+        <p:nvSpPr>
+          <p:cNvPr id="9" name="Rectangle 8"/>
+          <p:cNvSpPr/>
+          <p:nvPr/>
+        </p:nvSpPr>
+        <p:spPr>
+          <a:xfrm>
+            <a:off x="354842" y="2694903"/>
+            <a:ext cx="11546006" cy="954107"/>
+          </a:xfrm>
+          <a:prstGeom prst="rect">
+            <a:avLst/>
+          </a:prstGeom>
+        </p:spPr>
+        <p:txBody>
+          <a:bodyPr wrap="square">
+            <a:spAutoFit/>
+          </a:bodyPr>
+          <a:lstStyle/>
+          <a:p>
+            <a:r>
+              <a:rPr lang="en-US" sz="2800" b="1" dirty="0"/>
+              <a:t>External </a:t>
+            </a:r>
+            <a:r>
+              <a:rPr lang="en-US" sz="2800" b="1" dirty="0" smtClean="0"/>
+              <a:t>JavaScript :</a:t>
+            </a:r>
+          </a:p>
+          <a:p>
+            <a:r>
+              <a:rPr lang="en-US" sz="2800" dirty="0" smtClean="0"/>
+              <a:t>&lt;</a:t>
+            </a:r>
+            <a:r>
+              <a:rPr lang="en-US" sz="2800" dirty="0"/>
+              <a:t>script src="script.js</a:t>
+            </a:r>
+            <a:r>
+              <a:rPr lang="en-US" sz="2800" dirty="0" smtClean="0"/>
+              <a:t>"&gt;&lt;/</a:t>
+            </a:r>
+            <a:r>
+              <a:rPr lang="en-US" sz="2800" dirty="0"/>
+              <a:t>script&gt;</a:t>
+            </a:r>
+          </a:p>
+        </p:txBody>
+      </p:sp>
+      <p:sp>
+        <p:nvSpPr>
+          <p:cNvPr id="12" name="Rectangle 11"/>
+          <p:cNvSpPr/>
+          <p:nvPr/>
+        </p:nvSpPr>
+        <p:spPr>
+          <a:xfrm>
+            <a:off x="354842" y="4301170"/>
+            <a:ext cx="11041039" cy="954107"/>
+          </a:xfrm>
+          <a:prstGeom prst="rect">
+            <a:avLst/>
+          </a:prstGeom>
+        </p:spPr>
+        <p:txBody>
+          <a:bodyPr wrap="square">
+            <a:spAutoFit/>
+          </a:bodyPr>
+          <a:lstStyle/>
+          <a:p>
+            <a:r>
+              <a:rPr lang="en-US" sz="2800" b="1" dirty="0"/>
+              <a:t>Inline JavaScript </a:t>
+            </a:r>
+            <a:r>
+              <a:rPr lang="en-US" sz="2800" b="1" dirty="0" smtClean="0"/>
+              <a:t>:</a:t>
+            </a:r>
+            <a:endParaRPr lang="en-US" sz="2800" b="1" dirty="0" smtClean="0"/>
+          </a:p>
+          <a:p>
+            <a:r>
+              <a:rPr lang="en-US" sz="2800" dirty="0" smtClean="0"/>
+              <a:t>JavaScript </a:t>
+            </a:r>
+            <a:r>
+              <a:rPr lang="en-US" sz="2800" dirty="0"/>
+              <a:t>code living inside HTML</a:t>
+            </a:r>
+            <a:endParaRPr lang="en-US" sz="2800" b="1" dirty="0"/>
+          </a:p>
+        </p:txBody>
+      </p:sp>
+    </p:spTree>
+    <p:extLst>
+      <p:ext uri="{BB962C8B-B14F-4D97-AF65-F5344CB8AC3E}">
+        <p14:creationId xmlns:p14="http://schemas.microsoft.com/office/powerpoint/2010/main" val="3668016348"/>
+      </p:ext>
+    </p:extLst>
+  </p:cSld>
+  <p:clrMapOvr>
+    <a:masterClrMapping/>
+  </p:clrMapOvr>
+  <p:timing>
+    <p:tnLst>
+      <p:par>
+        <p:cTn id="1" dur="indefinite" restart="never" nodeType="tmRoot"/>
+      </p:par>
+    </p:tnLst>
+  </p:timing>
+</p:sld>
+</file>
+
+<file path=ppt/slides/slide18.xml><?xml version="1.0" encoding="utf-8"?>
+<p:sld xmlns:a="http://schemas.openxmlformats.org/drawingml/2006/main" xmlns:r="http://schemas.openxmlformats.org/officeDocument/2006/relationships" xmlns:p="http://schemas.openxmlformats.org/presentationml/2006/main">
+  <p:cSld>
+    <p:spTree>
+      <p:nvGrpSpPr>
+        <p:cNvPr id="1" name=""/>
+        <p:cNvGrpSpPr/>
+        <p:nvPr/>
+      </p:nvGrpSpPr>
+      <p:grpSpPr>
+        <a:xfrm>
+          <a:off x="0" y="0"/>
+          <a:ext cx="0" cy="0"/>
+          <a:chOff x="0" y="0"/>
+          <a:chExt cx="0" cy="0"/>
+        </a:xfrm>
+      </p:grpSpPr>
+      <p:sp>
+        <p:nvSpPr>
+          <p:cNvPr id="2" name="直角三角形 1"/>
+          <p:cNvSpPr/>
+          <p:nvPr/>
+        </p:nvSpPr>
+        <p:spPr>
+          <a:xfrm flipH="1" flipV="1">
+            <a:off x="4076700" y="0"/>
+            <a:ext cx="8115300" cy="6273800"/>
+          </a:xfrm>
+          <a:prstGeom prst="rtTriangle">
+            <a:avLst/>
+          </a:prstGeom>
+          <a:solidFill>
+            <a:srgbClr val="747472"/>
+          </a:solidFill>
+          <a:ln>
+            <a:noFill/>
+          </a:ln>
+        </p:spPr>
+        <p:style>
+          <a:lnRef idx="2">
+            <a:schemeClr val="accent1">
+              <a:shade val="50000"/>
+            </a:schemeClr>
+          </a:lnRef>
+          <a:fillRef idx="1">
+            <a:schemeClr val="accent1"/>
+          </a:fillRef>
+          <a:effectRef idx="0">
+            <a:schemeClr val="accent1"/>
+          </a:effectRef>
+          <a:fontRef idx="minor">
+            <a:schemeClr val="lt1"/>
+          </a:fontRef>
+        </p:style>
+        <p:txBody>
+          <a:bodyPr anchor="ctr"/>
+          <a:lstStyle/>
+          <a:p>
+            <a:pPr marL="0" marR="0" lvl="0" indent="0" algn="ctr" defTabSz="914400" rtl="0" eaLnBrk="1" fontAlgn="auto" latinLnBrk="0" hangingPunct="1">
+              <a:lnSpc>
+                <a:spcPct val="100000"/>
+              </a:lnSpc>
+              <a:spcBef>
+                <a:spcPts val="0"/>
+              </a:spcBef>
+              <a:spcAft>
+                <a:spcPts val="0"/>
+              </a:spcAft>
+              <a:buClrTx/>
+              <a:buSzTx/>
+              <a:buFontTx/>
+              <a:buNone/>
+              <a:defRPr/>
+            </a:pPr>
+            <a:endParaRPr kumimoji="0" lang="zh-CN" altLang="en-US" sz="1800" b="0" i="0" u="none" strike="noStrike" kern="1200" cap="none" spc="0" normalizeH="0" baseline="0" noProof="0">
+              <a:ln>
+                <a:noFill/>
+              </a:ln>
+              <a:solidFill>
+                <a:schemeClr val="lt1"/>
+              </a:solidFill>
+              <a:effectLst/>
+              <a:uLnTx/>
+              <a:uFillTx/>
+              <a:latin typeface="+mn-lt"/>
+              <a:ea typeface="+mn-ea"/>
+              <a:cs typeface="+mn-cs"/>
+            </a:endParaRPr>
+          </a:p>
+        </p:txBody>
+      </p:sp>
+      <p:sp>
+        <p:nvSpPr>
+          <p:cNvPr id="3" name="等腰三角形 2"/>
+          <p:cNvSpPr/>
+          <p:nvPr/>
+        </p:nvSpPr>
+        <p:spPr>
+          <a:xfrm rot="19088536">
+            <a:off x="7283450" y="-541337"/>
+            <a:ext cx="2414588" cy="9158288"/>
+          </a:xfrm>
+          <a:custGeom>
+            <a:avLst/>
+            <a:gdLst>
+              <a:gd name="connsiteX0" fmla="*/ 0 w 1117600"/>
+              <a:gd name="connsiteY0" fmla="*/ 5702300 h 5702300"/>
+              <a:gd name="connsiteX1" fmla="*/ 558800 w 1117600"/>
+              <a:gd name="connsiteY1" fmla="*/ 0 h 5702300"/>
+              <a:gd name="connsiteX2" fmla="*/ 1117600 w 1117600"/>
+              <a:gd name="connsiteY2" fmla="*/ 5702300 h 5702300"/>
+              <a:gd name="connsiteX3" fmla="*/ 0 w 1117600"/>
+              <a:gd name="connsiteY3" fmla="*/ 5702300 h 5702300"/>
+              <a:gd name="connsiteX0-1" fmla="*/ 0 w 2070142"/>
+              <a:gd name="connsiteY0-2" fmla="*/ 5702300 h 7817508"/>
+              <a:gd name="connsiteX1-3" fmla="*/ 558800 w 2070142"/>
+              <a:gd name="connsiteY1-4" fmla="*/ 0 h 7817508"/>
+              <a:gd name="connsiteX2-5" fmla="*/ 2070142 w 2070142"/>
+              <a:gd name="connsiteY2-6" fmla="*/ 7817508 h 7817508"/>
+              <a:gd name="connsiteX3-7" fmla="*/ 0 w 2070142"/>
+              <a:gd name="connsiteY3-8" fmla="*/ 5702300 h 7817508"/>
+              <a:gd name="connsiteX0-9" fmla="*/ 0 w 2414257"/>
+              <a:gd name="connsiteY0-10" fmla="*/ 6314781 h 7817508"/>
+              <a:gd name="connsiteX1-11" fmla="*/ 902915 w 2414257"/>
+              <a:gd name="connsiteY1-12" fmla="*/ 0 h 7817508"/>
+              <a:gd name="connsiteX2-13" fmla="*/ 2414257 w 2414257"/>
+              <a:gd name="connsiteY2-14" fmla="*/ 7817508 h 7817508"/>
+              <a:gd name="connsiteX3-15" fmla="*/ 0 w 2414257"/>
+              <a:gd name="connsiteY3-16" fmla="*/ 6314781 h 7817508"/>
+              <a:gd name="connsiteX0-17" fmla="*/ 0 w 2414257"/>
+              <a:gd name="connsiteY0-18" fmla="*/ 6314781 h 7817508"/>
+              <a:gd name="connsiteX1-19" fmla="*/ 902915 w 2414257"/>
+              <a:gd name="connsiteY1-20" fmla="*/ 0 h 7817508"/>
+              <a:gd name="connsiteX2-21" fmla="*/ 2414257 w 2414257"/>
+              <a:gd name="connsiteY2-22" fmla="*/ 7817508 h 7817508"/>
+              <a:gd name="connsiteX3-23" fmla="*/ 1191330 w 2414257"/>
+              <a:gd name="connsiteY3-24" fmla="*/ 7039908 h 7817508"/>
+              <a:gd name="connsiteX4" fmla="*/ 0 w 2414257"/>
+              <a:gd name="connsiteY4" fmla="*/ 6314781 h 7817508"/>
+              <a:gd name="connsiteX0-25" fmla="*/ 0 w 2414257"/>
+              <a:gd name="connsiteY0-26" fmla="*/ 6314781 h 8205626"/>
+              <a:gd name="connsiteX1-27" fmla="*/ 902915 w 2414257"/>
+              <a:gd name="connsiteY1-28" fmla="*/ 0 h 8205626"/>
+              <a:gd name="connsiteX2-29" fmla="*/ 2414257 w 2414257"/>
+              <a:gd name="connsiteY2-30" fmla="*/ 7817508 h 8205626"/>
+              <a:gd name="connsiteX3-31" fmla="*/ 2073759 w 2414257"/>
+              <a:gd name="connsiteY3-32" fmla="*/ 8205626 h 8205626"/>
+              <a:gd name="connsiteX4-33" fmla="*/ 0 w 2414257"/>
+              <a:gd name="connsiteY4-34" fmla="*/ 6314781 h 8205626"/>
+              <a:gd name="connsiteX0-35" fmla="*/ 0 w 2414257"/>
+              <a:gd name="connsiteY0-36" fmla="*/ 6436203 h 8327048"/>
+              <a:gd name="connsiteX1-37" fmla="*/ 329641 w 2414257"/>
+              <a:gd name="connsiteY1-38" fmla="*/ 0 h 8327048"/>
+              <a:gd name="connsiteX2-39" fmla="*/ 2414257 w 2414257"/>
+              <a:gd name="connsiteY2-40" fmla="*/ 7938930 h 8327048"/>
+              <a:gd name="connsiteX3-41" fmla="*/ 2073759 w 2414257"/>
+              <a:gd name="connsiteY3-42" fmla="*/ 8327048 h 8327048"/>
+              <a:gd name="connsiteX4-43" fmla="*/ 0 w 2414257"/>
+              <a:gd name="connsiteY4-44" fmla="*/ 6436203 h 8327048"/>
+              <a:gd name="connsiteX0-45" fmla="*/ 0 w 2414257"/>
+              <a:gd name="connsiteY0-46" fmla="*/ 6431068 h 8321913"/>
+              <a:gd name="connsiteX1-47" fmla="*/ 563761 w 2414257"/>
+              <a:gd name="connsiteY1-48" fmla="*/ 0 h 8321913"/>
+              <a:gd name="connsiteX2-49" fmla="*/ 2414257 w 2414257"/>
+              <a:gd name="connsiteY2-50" fmla="*/ 7933795 h 8321913"/>
+              <a:gd name="connsiteX3-51" fmla="*/ 2073759 w 2414257"/>
+              <a:gd name="connsiteY3-52" fmla="*/ 8321913 h 8321913"/>
+              <a:gd name="connsiteX4-53" fmla="*/ 0 w 2414257"/>
+              <a:gd name="connsiteY4-54" fmla="*/ 6431068 h 8321913"/>
+              <a:gd name="connsiteX0-55" fmla="*/ 0 w 2414257"/>
+              <a:gd name="connsiteY0-56" fmla="*/ 7267650 h 9158495"/>
+              <a:gd name="connsiteX1-57" fmla="*/ 239027 w 2414257"/>
+              <a:gd name="connsiteY1-58" fmla="*/ 0 h 9158495"/>
+              <a:gd name="connsiteX2-59" fmla="*/ 2414257 w 2414257"/>
+              <a:gd name="connsiteY2-60" fmla="*/ 8770377 h 9158495"/>
+              <a:gd name="connsiteX3-61" fmla="*/ 2073759 w 2414257"/>
+              <a:gd name="connsiteY3-62" fmla="*/ 9158495 h 9158495"/>
+              <a:gd name="connsiteX4-63" fmla="*/ 0 w 2414257"/>
+              <a:gd name="connsiteY4-64" fmla="*/ 7267650 h 9158495"/>
+            </a:gdLst>
+            <a:ahLst/>
+            <a:cxnLst>
+              <a:cxn ang="0">
+                <a:pos x="connsiteX0-1" y="connsiteY0-2"/>
+              </a:cxn>
+              <a:cxn ang="0">
+                <a:pos x="connsiteX1-3" y="connsiteY1-4"/>
+              </a:cxn>
+              <a:cxn ang="0">
+                <a:pos x="connsiteX2-5" y="connsiteY2-6"/>
+              </a:cxn>
+              <a:cxn ang="0">
+                <a:pos x="connsiteX3-7" y="connsiteY3-8"/>
+              </a:cxn>
+              <a:cxn ang="0">
+                <a:pos x="connsiteX4-33" y="connsiteY4-34"/>
+              </a:cxn>
+            </a:cxnLst>
+            <a:rect l="l" t="t" r="r" b="b"/>
+            <a:pathLst>
+              <a:path w="2414257" h="9158495">
+                <a:moveTo>
+                  <a:pt x="0" y="7267650"/>
+                </a:moveTo>
+                <a:lnTo>
+                  <a:pt x="239027" y="0"/>
+                </a:lnTo>
+                <a:lnTo>
+                  <a:pt x="2414257" y="8770377"/>
+                </a:lnTo>
+                <a:lnTo>
+                  <a:pt x="2073759" y="9158495"/>
+                </a:lnTo>
+                <a:lnTo>
+                  <a:pt x="0" y="7267650"/>
+                </a:lnTo>
+                <a:close/>
+              </a:path>
+            </a:pathLst>
+          </a:custGeom>
+          <a:solidFill>
+            <a:srgbClr val="C4C4C4"/>
+          </a:solidFill>
+          <a:ln>
+            <a:noFill/>
+          </a:ln>
+        </p:spPr>
+        <p:style>
+          <a:lnRef idx="2">
+            <a:schemeClr val="accent1">
+              <a:shade val="50000"/>
+            </a:schemeClr>
+          </a:lnRef>
+          <a:fillRef idx="1">
+            <a:schemeClr val="accent1"/>
+          </a:fillRef>
+          <a:effectRef idx="0">
+            <a:schemeClr val="accent1"/>
+          </a:effectRef>
+          <a:fontRef idx="minor">
+            <a:schemeClr val="lt1"/>
+          </a:fontRef>
+        </p:style>
+        <p:txBody>
+          <a:bodyPr anchor="ctr"/>
+          <a:lstStyle/>
+          <a:p>
+            <a:pPr marL="0" marR="0" lvl="0" indent="0" algn="ctr" defTabSz="914400" rtl="0" eaLnBrk="1" fontAlgn="auto" latinLnBrk="0" hangingPunct="1">
+              <a:lnSpc>
+                <a:spcPct val="100000"/>
+              </a:lnSpc>
+              <a:spcBef>
+                <a:spcPts val="0"/>
+              </a:spcBef>
+              <a:spcAft>
+                <a:spcPts val="0"/>
+              </a:spcAft>
+              <a:buClrTx/>
+              <a:buSzTx/>
+              <a:buFontTx/>
+              <a:buNone/>
+              <a:defRPr/>
+            </a:pPr>
+            <a:endParaRPr kumimoji="0" lang="zh-CN" altLang="en-US" sz="1800" b="0" i="0" u="none" strike="noStrike" kern="1200" cap="none" spc="0" normalizeH="0" baseline="0" noProof="0">
+              <a:ln>
+                <a:noFill/>
+              </a:ln>
+              <a:solidFill>
+                <a:schemeClr val="lt1"/>
+              </a:solidFill>
+              <a:effectLst/>
+              <a:uLnTx/>
+              <a:uFillTx/>
+              <a:latin typeface="+mn-lt"/>
+              <a:ea typeface="+mn-ea"/>
+              <a:cs typeface="+mn-cs"/>
+            </a:endParaRPr>
+          </a:p>
+        </p:txBody>
+      </p:sp>
+      <p:sp>
+        <p:nvSpPr>
+          <p:cNvPr id="8" name="任意多边形 7"/>
+          <p:cNvSpPr/>
+          <p:nvPr/>
+        </p:nvSpPr>
+        <p:spPr>
+          <a:xfrm rot="7572289">
+            <a:off x="5132388" y="-1582737"/>
+            <a:ext cx="741363" cy="6269038"/>
+          </a:xfrm>
+          <a:custGeom>
+            <a:avLst/>
+            <a:gdLst>
+              <a:gd name="connsiteX0" fmla="*/ 742650 w 742650"/>
+              <a:gd name="connsiteY0" fmla="*/ 6268899 h 6268899"/>
+              <a:gd name="connsiteX1" fmla="*/ 0 w 742650"/>
+              <a:gd name="connsiteY1" fmla="*/ 5254376 h 6268899"/>
+              <a:gd name="connsiteX2" fmla="*/ 242314 w 742650"/>
+              <a:gd name="connsiteY2" fmla="*/ 0 h 6268899"/>
+            </a:gdLst>
+            <a:ahLst/>
+            <a:cxnLst>
+              <a:cxn ang="0">
+                <a:pos x="connsiteX0" y="connsiteY0"/>
+              </a:cxn>
+              <a:cxn ang="0">
+                <a:pos x="connsiteX1" y="connsiteY1"/>
+              </a:cxn>
+              <a:cxn ang="0">
+                <a:pos x="connsiteX2" y="connsiteY2"/>
+              </a:cxn>
+            </a:cxnLst>
+            <a:rect l="l" t="t" r="r" b="b"/>
+            <a:pathLst>
+              <a:path w="742650" h="6268899">
+                <a:moveTo>
+                  <a:pt x="742650" y="6268899"/>
+                </a:moveTo>
+                <a:lnTo>
+                  <a:pt x="0" y="5254376"/>
+                </a:lnTo>
+                <a:lnTo>
+                  <a:pt x="242314" y="0"/>
+                </a:lnTo>
+                <a:close/>
+              </a:path>
+            </a:pathLst>
+          </a:custGeom>
+          <a:solidFill>
+            <a:srgbClr val="F0B931"/>
+          </a:solidFill>
+          <a:ln>
+            <a:noFill/>
+          </a:ln>
+        </p:spPr>
+        <p:style>
+          <a:lnRef idx="2">
+            <a:schemeClr val="accent1">
+              <a:shade val="50000"/>
+            </a:schemeClr>
+          </a:lnRef>
+          <a:fillRef idx="1">
+            <a:schemeClr val="accent1"/>
+          </a:fillRef>
+          <a:effectRef idx="0">
+            <a:schemeClr val="accent1"/>
+          </a:effectRef>
+          <a:fontRef idx="minor">
+            <a:schemeClr val="lt1"/>
+          </a:fontRef>
+        </p:style>
+        <p:txBody>
+          <a:bodyPr anchor="ctr"/>
+          <a:lstStyle/>
+          <a:p>
+            <a:pPr marL="0" marR="0" lvl="0" indent="0" algn="ctr" defTabSz="914400" rtl="0" eaLnBrk="1" fontAlgn="auto" latinLnBrk="0" hangingPunct="1">
+              <a:lnSpc>
+                <a:spcPct val="100000"/>
+              </a:lnSpc>
+              <a:spcBef>
+                <a:spcPts val="0"/>
+              </a:spcBef>
+              <a:spcAft>
+                <a:spcPts val="0"/>
+              </a:spcAft>
+              <a:buClrTx/>
+              <a:buSzTx/>
+              <a:buFontTx/>
+              <a:buNone/>
+              <a:defRPr/>
+            </a:pPr>
+            <a:endParaRPr kumimoji="0" lang="zh-CN" altLang="en-US" sz="1800" b="0" i="0" u="none" strike="noStrike" kern="1200" cap="none" spc="0" normalizeH="0" baseline="0" noProof="0">
+              <a:ln>
+                <a:noFill/>
+              </a:ln>
+              <a:solidFill>
+                <a:schemeClr val="lt1"/>
+              </a:solidFill>
+              <a:effectLst/>
+              <a:uLnTx/>
+              <a:uFillTx/>
+              <a:latin typeface="+mn-lt"/>
+              <a:ea typeface="+mn-ea"/>
+              <a:cs typeface="+mn-cs"/>
+            </a:endParaRPr>
+          </a:p>
+        </p:txBody>
+      </p:sp>
+      <p:pic>
+        <p:nvPicPr>
+          <p:cNvPr id="5" name="Picture 4" descr="python-logo"/>
+          <p:cNvPicPr>
+            <a:picLocks noChangeAspect="1"/>
+          </p:cNvPicPr>
+          <p:nvPr/>
+        </p:nvPicPr>
+        <p:blipFill>
+          <a:blip r:embed="rId3"/>
+          <a:stretch>
+            <a:fillRect/>
+          </a:stretch>
+        </p:blipFill>
+        <p:spPr>
+          <a:xfrm>
+            <a:off x="8762365" y="217805"/>
+            <a:ext cx="3683000" cy="1041400"/>
+          </a:xfrm>
+          <a:prstGeom prst="rect">
+            <a:avLst/>
+          </a:prstGeom>
+        </p:spPr>
+      </p:pic>
+      <p:sp>
+        <p:nvSpPr>
+          <p:cNvPr id="7" name="Rectangle 6"/>
+          <p:cNvSpPr/>
+          <p:nvPr/>
+        </p:nvSpPr>
+        <p:spPr>
+          <a:xfrm>
+            <a:off x="9477949" y="6452165"/>
+            <a:ext cx="2593210" cy="369332"/>
+          </a:xfrm>
+          <a:prstGeom prst="rect">
+            <a:avLst/>
+          </a:prstGeom>
+        </p:spPr>
+        <p:txBody>
+          <a:bodyPr wrap="none">
+            <a:spAutoFit/>
+          </a:bodyPr>
+          <a:lstStyle/>
+          <a:p>
+            <a:r>
+              <a:rPr lang="en-US" dirty="0" smtClean="0">
+                <a:latin typeface="Verdana" panose="020B0604030504040204" pitchFamily="34" charset="0"/>
+                <a:ea typeface="Verdana" panose="020B0604030504040204" pitchFamily="34" charset="0"/>
+              </a:rPr>
+              <a:t>Frontend Technology</a:t>
+            </a:r>
+          </a:p>
+        </p:txBody>
+      </p:sp>
+      <p:sp>
+        <p:nvSpPr>
+          <p:cNvPr id="11" name="文本框 8"/>
+          <p:cNvSpPr txBox="1"/>
+          <p:nvPr/>
+        </p:nvSpPr>
+        <p:spPr>
+          <a:xfrm>
+            <a:off x="119931" y="217805"/>
+            <a:ext cx="7407862" cy="707886"/>
+          </a:xfrm>
+          <a:prstGeom prst="rect">
+            <a:avLst/>
+          </a:prstGeom>
+          <a:noFill/>
+          <a:ln w="9525">
+            <a:noFill/>
+          </a:ln>
+        </p:spPr>
+        <p:txBody>
+          <a:bodyPr wrap="none" anchor="t">
+            <a:spAutoFit/>
+          </a:bodyPr>
+          <a:lstStyle/>
+          <a:p>
+            <a:r>
+              <a:rPr lang="en-US" sz="4000" b="1" dirty="0"/>
+              <a:t>JavaScript language fundamentals</a:t>
+            </a:r>
+            <a:endParaRPr lang="en-US" sz="4000" b="1" dirty="0"/>
+          </a:p>
+        </p:txBody>
+      </p:sp>
+    </p:spTree>
+    <p:extLst>
+      <p:ext uri="{BB962C8B-B14F-4D97-AF65-F5344CB8AC3E}">
+        <p14:creationId xmlns:p14="http://schemas.microsoft.com/office/powerpoint/2010/main" val="3856806694"/>
+      </p:ext>
+    </p:extLst>
+  </p:cSld>
+  <p:clrMapOvr>
+    <a:masterClrMapping/>
+  </p:clrMapOvr>
+  <p:timing>
+    <p:tnLst>
+      <p:par>
+        <p:cTn id="1" dur="indefinite" restart="never" nodeType="tmRoot"/>
+      </p:par>
+    </p:tnLst>
+  </p:timing>
+</p:sld>
+</file>
+
+<file path=ppt/slides/slide19.xml><?xml version="1.0" encoding="utf-8"?>
+<p:sld xmlns:a="http://schemas.openxmlformats.org/drawingml/2006/main" xmlns:r="http://schemas.openxmlformats.org/officeDocument/2006/relationships" xmlns:p="http://schemas.openxmlformats.org/presentationml/2006/main">
+  <p:cSld>
+    <p:spTree>
+      <p:nvGrpSpPr>
+        <p:cNvPr id="1" name=""/>
+        <p:cNvGrpSpPr/>
+        <p:nvPr/>
+      </p:nvGrpSpPr>
+      <p:grpSpPr>
+        <a:xfrm>
+          <a:off x="0" y="0"/>
+          <a:ext cx="0" cy="0"/>
+          <a:chOff x="0" y="0"/>
+          <a:chExt cx="0" cy="0"/>
+        </a:xfrm>
+      </p:grpSpPr>
+      <p:sp>
+        <p:nvSpPr>
+          <p:cNvPr id="2" name="直角三角形 1"/>
+          <p:cNvSpPr/>
+          <p:nvPr/>
+        </p:nvSpPr>
+        <p:spPr>
+          <a:xfrm flipH="1" flipV="1">
+            <a:off x="4076700" y="0"/>
+            <a:ext cx="8115300" cy="6273800"/>
+          </a:xfrm>
+          <a:prstGeom prst="rtTriangle">
+            <a:avLst/>
+          </a:prstGeom>
+          <a:solidFill>
+            <a:srgbClr val="747472"/>
+          </a:solidFill>
+          <a:ln>
+            <a:noFill/>
+          </a:ln>
+        </p:spPr>
+        <p:style>
+          <a:lnRef idx="2">
+            <a:schemeClr val="accent1">
+              <a:shade val="50000"/>
+            </a:schemeClr>
+          </a:lnRef>
+          <a:fillRef idx="1">
+            <a:schemeClr val="accent1"/>
+          </a:fillRef>
+          <a:effectRef idx="0">
+            <a:schemeClr val="accent1"/>
+          </a:effectRef>
+          <a:fontRef idx="minor">
+            <a:schemeClr val="lt1"/>
+          </a:fontRef>
+        </p:style>
+        <p:txBody>
+          <a:bodyPr anchor="ctr"/>
+          <a:lstStyle/>
+          <a:p>
+            <a:pPr marL="0" marR="0" lvl="0" indent="0" algn="ctr" defTabSz="914400" rtl="0" eaLnBrk="1" fontAlgn="auto" latinLnBrk="0" hangingPunct="1">
+              <a:lnSpc>
+                <a:spcPct val="100000"/>
+              </a:lnSpc>
+              <a:spcBef>
+                <a:spcPts val="0"/>
+              </a:spcBef>
+              <a:spcAft>
+                <a:spcPts val="0"/>
+              </a:spcAft>
+              <a:buClrTx/>
+              <a:buSzTx/>
+              <a:buFontTx/>
+              <a:buNone/>
+              <a:defRPr/>
+            </a:pPr>
+            <a:endParaRPr kumimoji="0" lang="zh-CN" altLang="en-US" sz="1800" b="0" i="0" u="none" strike="noStrike" kern="1200" cap="none" spc="0" normalizeH="0" baseline="0" noProof="0">
+              <a:ln>
+                <a:noFill/>
+              </a:ln>
+              <a:solidFill>
+                <a:schemeClr val="lt1"/>
+              </a:solidFill>
+              <a:effectLst/>
+              <a:uLnTx/>
+              <a:uFillTx/>
+              <a:latin typeface="+mn-lt"/>
+              <a:ea typeface="+mn-ea"/>
+              <a:cs typeface="+mn-cs"/>
+            </a:endParaRPr>
+          </a:p>
+        </p:txBody>
+      </p:sp>
+      <p:sp>
+        <p:nvSpPr>
+          <p:cNvPr id="3" name="等腰三角形 2"/>
+          <p:cNvSpPr/>
+          <p:nvPr/>
+        </p:nvSpPr>
+        <p:spPr>
+          <a:xfrm rot="19088536">
+            <a:off x="7283450" y="-541337"/>
+            <a:ext cx="2414588" cy="9158288"/>
+          </a:xfrm>
+          <a:custGeom>
+            <a:avLst/>
+            <a:gdLst>
+              <a:gd name="connsiteX0" fmla="*/ 0 w 1117600"/>
+              <a:gd name="connsiteY0" fmla="*/ 5702300 h 5702300"/>
+              <a:gd name="connsiteX1" fmla="*/ 558800 w 1117600"/>
+              <a:gd name="connsiteY1" fmla="*/ 0 h 5702300"/>
+              <a:gd name="connsiteX2" fmla="*/ 1117600 w 1117600"/>
+              <a:gd name="connsiteY2" fmla="*/ 5702300 h 5702300"/>
+              <a:gd name="connsiteX3" fmla="*/ 0 w 1117600"/>
+              <a:gd name="connsiteY3" fmla="*/ 5702300 h 5702300"/>
+              <a:gd name="connsiteX0-1" fmla="*/ 0 w 2070142"/>
+              <a:gd name="connsiteY0-2" fmla="*/ 5702300 h 7817508"/>
+              <a:gd name="connsiteX1-3" fmla="*/ 558800 w 2070142"/>
+              <a:gd name="connsiteY1-4" fmla="*/ 0 h 7817508"/>
+              <a:gd name="connsiteX2-5" fmla="*/ 2070142 w 2070142"/>
+              <a:gd name="connsiteY2-6" fmla="*/ 7817508 h 7817508"/>
+              <a:gd name="connsiteX3-7" fmla="*/ 0 w 2070142"/>
+              <a:gd name="connsiteY3-8" fmla="*/ 5702300 h 7817508"/>
+              <a:gd name="connsiteX0-9" fmla="*/ 0 w 2414257"/>
+              <a:gd name="connsiteY0-10" fmla="*/ 6314781 h 7817508"/>
+              <a:gd name="connsiteX1-11" fmla="*/ 902915 w 2414257"/>
+              <a:gd name="connsiteY1-12" fmla="*/ 0 h 7817508"/>
+              <a:gd name="connsiteX2-13" fmla="*/ 2414257 w 2414257"/>
+              <a:gd name="connsiteY2-14" fmla="*/ 7817508 h 7817508"/>
+              <a:gd name="connsiteX3-15" fmla="*/ 0 w 2414257"/>
+              <a:gd name="connsiteY3-16" fmla="*/ 6314781 h 7817508"/>
+              <a:gd name="connsiteX0-17" fmla="*/ 0 w 2414257"/>
+              <a:gd name="connsiteY0-18" fmla="*/ 6314781 h 7817508"/>
+              <a:gd name="connsiteX1-19" fmla="*/ 902915 w 2414257"/>
+              <a:gd name="connsiteY1-20" fmla="*/ 0 h 7817508"/>
+              <a:gd name="connsiteX2-21" fmla="*/ 2414257 w 2414257"/>
+              <a:gd name="connsiteY2-22" fmla="*/ 7817508 h 7817508"/>
+              <a:gd name="connsiteX3-23" fmla="*/ 1191330 w 2414257"/>
+              <a:gd name="connsiteY3-24" fmla="*/ 7039908 h 7817508"/>
+              <a:gd name="connsiteX4" fmla="*/ 0 w 2414257"/>
+              <a:gd name="connsiteY4" fmla="*/ 6314781 h 7817508"/>
+              <a:gd name="connsiteX0-25" fmla="*/ 0 w 2414257"/>
+              <a:gd name="connsiteY0-26" fmla="*/ 6314781 h 8205626"/>
+              <a:gd name="connsiteX1-27" fmla="*/ 902915 w 2414257"/>
+              <a:gd name="connsiteY1-28" fmla="*/ 0 h 8205626"/>
+              <a:gd name="connsiteX2-29" fmla="*/ 2414257 w 2414257"/>
+              <a:gd name="connsiteY2-30" fmla="*/ 7817508 h 8205626"/>
+              <a:gd name="connsiteX3-31" fmla="*/ 2073759 w 2414257"/>
+              <a:gd name="connsiteY3-32" fmla="*/ 8205626 h 8205626"/>
+              <a:gd name="connsiteX4-33" fmla="*/ 0 w 2414257"/>
+              <a:gd name="connsiteY4-34" fmla="*/ 6314781 h 8205626"/>
+              <a:gd name="connsiteX0-35" fmla="*/ 0 w 2414257"/>
+              <a:gd name="connsiteY0-36" fmla="*/ 6436203 h 8327048"/>
+              <a:gd name="connsiteX1-37" fmla="*/ 329641 w 2414257"/>
+              <a:gd name="connsiteY1-38" fmla="*/ 0 h 8327048"/>
+              <a:gd name="connsiteX2-39" fmla="*/ 2414257 w 2414257"/>
+              <a:gd name="connsiteY2-40" fmla="*/ 7938930 h 8327048"/>
+              <a:gd name="connsiteX3-41" fmla="*/ 2073759 w 2414257"/>
+              <a:gd name="connsiteY3-42" fmla="*/ 8327048 h 8327048"/>
+              <a:gd name="connsiteX4-43" fmla="*/ 0 w 2414257"/>
+              <a:gd name="connsiteY4-44" fmla="*/ 6436203 h 8327048"/>
+              <a:gd name="connsiteX0-45" fmla="*/ 0 w 2414257"/>
+              <a:gd name="connsiteY0-46" fmla="*/ 6431068 h 8321913"/>
+              <a:gd name="connsiteX1-47" fmla="*/ 563761 w 2414257"/>
+              <a:gd name="connsiteY1-48" fmla="*/ 0 h 8321913"/>
+              <a:gd name="connsiteX2-49" fmla="*/ 2414257 w 2414257"/>
+              <a:gd name="connsiteY2-50" fmla="*/ 7933795 h 8321913"/>
+              <a:gd name="connsiteX3-51" fmla="*/ 2073759 w 2414257"/>
+              <a:gd name="connsiteY3-52" fmla="*/ 8321913 h 8321913"/>
+              <a:gd name="connsiteX4-53" fmla="*/ 0 w 2414257"/>
+              <a:gd name="connsiteY4-54" fmla="*/ 6431068 h 8321913"/>
+              <a:gd name="connsiteX0-55" fmla="*/ 0 w 2414257"/>
+              <a:gd name="connsiteY0-56" fmla="*/ 7267650 h 9158495"/>
+              <a:gd name="connsiteX1-57" fmla="*/ 239027 w 2414257"/>
+              <a:gd name="connsiteY1-58" fmla="*/ 0 h 9158495"/>
+              <a:gd name="connsiteX2-59" fmla="*/ 2414257 w 2414257"/>
+              <a:gd name="connsiteY2-60" fmla="*/ 8770377 h 9158495"/>
+              <a:gd name="connsiteX3-61" fmla="*/ 2073759 w 2414257"/>
+              <a:gd name="connsiteY3-62" fmla="*/ 9158495 h 9158495"/>
+              <a:gd name="connsiteX4-63" fmla="*/ 0 w 2414257"/>
+              <a:gd name="connsiteY4-64" fmla="*/ 7267650 h 9158495"/>
+            </a:gdLst>
+            <a:ahLst/>
+            <a:cxnLst>
+              <a:cxn ang="0">
+                <a:pos x="connsiteX0-1" y="connsiteY0-2"/>
+              </a:cxn>
+              <a:cxn ang="0">
+                <a:pos x="connsiteX1-3" y="connsiteY1-4"/>
+              </a:cxn>
+              <a:cxn ang="0">
+                <a:pos x="connsiteX2-5" y="connsiteY2-6"/>
+              </a:cxn>
+              <a:cxn ang="0">
+                <a:pos x="connsiteX3-7" y="connsiteY3-8"/>
+              </a:cxn>
+              <a:cxn ang="0">
+                <a:pos x="connsiteX4-33" y="connsiteY4-34"/>
+              </a:cxn>
+            </a:cxnLst>
+            <a:rect l="l" t="t" r="r" b="b"/>
+            <a:pathLst>
+              <a:path w="2414257" h="9158495">
+                <a:moveTo>
+                  <a:pt x="0" y="7267650"/>
+                </a:moveTo>
+                <a:lnTo>
+                  <a:pt x="239027" y="0"/>
+                </a:lnTo>
+                <a:lnTo>
+                  <a:pt x="2414257" y="8770377"/>
+                </a:lnTo>
+                <a:lnTo>
+                  <a:pt x="2073759" y="9158495"/>
+                </a:lnTo>
+                <a:lnTo>
+                  <a:pt x="0" y="7267650"/>
+                </a:lnTo>
+                <a:close/>
+              </a:path>
+            </a:pathLst>
+          </a:custGeom>
+          <a:solidFill>
+            <a:srgbClr val="C4C4C4"/>
+          </a:solidFill>
+          <a:ln>
+            <a:noFill/>
+          </a:ln>
+        </p:spPr>
+        <p:style>
+          <a:lnRef idx="2">
+            <a:schemeClr val="accent1">
+              <a:shade val="50000"/>
+            </a:schemeClr>
+          </a:lnRef>
+          <a:fillRef idx="1">
+            <a:schemeClr val="accent1"/>
+          </a:fillRef>
+          <a:effectRef idx="0">
+            <a:schemeClr val="accent1"/>
+          </a:effectRef>
+          <a:fontRef idx="minor">
+            <a:schemeClr val="lt1"/>
+          </a:fontRef>
+        </p:style>
+        <p:txBody>
+          <a:bodyPr anchor="ctr"/>
+          <a:lstStyle/>
+          <a:p>
+            <a:pPr marL="0" marR="0" lvl="0" indent="0" algn="ctr" defTabSz="914400" rtl="0" eaLnBrk="1" fontAlgn="auto" latinLnBrk="0" hangingPunct="1">
+              <a:lnSpc>
+                <a:spcPct val="100000"/>
+              </a:lnSpc>
+              <a:spcBef>
+                <a:spcPts val="0"/>
+              </a:spcBef>
+              <a:spcAft>
+                <a:spcPts val="0"/>
+              </a:spcAft>
+              <a:buClrTx/>
+              <a:buSzTx/>
+              <a:buFontTx/>
+              <a:buNone/>
+              <a:defRPr/>
+            </a:pPr>
+            <a:endParaRPr kumimoji="0" lang="zh-CN" altLang="en-US" sz="1800" b="0" i="0" u="none" strike="noStrike" kern="1200" cap="none" spc="0" normalizeH="0" baseline="0" noProof="0">
+              <a:ln>
+                <a:noFill/>
+              </a:ln>
+              <a:solidFill>
+                <a:schemeClr val="lt1"/>
+              </a:solidFill>
+              <a:effectLst/>
+              <a:uLnTx/>
+              <a:uFillTx/>
+              <a:latin typeface="+mn-lt"/>
+              <a:ea typeface="+mn-ea"/>
+              <a:cs typeface="+mn-cs"/>
+            </a:endParaRPr>
+          </a:p>
+        </p:txBody>
+      </p:sp>
+      <p:sp>
+        <p:nvSpPr>
+          <p:cNvPr id="8" name="任意多边形 7"/>
+          <p:cNvSpPr/>
+          <p:nvPr/>
+        </p:nvSpPr>
+        <p:spPr>
+          <a:xfrm rot="7572289">
+            <a:off x="5132388" y="-1582737"/>
+            <a:ext cx="741363" cy="6269038"/>
+          </a:xfrm>
+          <a:custGeom>
+            <a:avLst/>
+            <a:gdLst>
+              <a:gd name="connsiteX0" fmla="*/ 742650 w 742650"/>
+              <a:gd name="connsiteY0" fmla="*/ 6268899 h 6268899"/>
+              <a:gd name="connsiteX1" fmla="*/ 0 w 742650"/>
+              <a:gd name="connsiteY1" fmla="*/ 5254376 h 6268899"/>
+              <a:gd name="connsiteX2" fmla="*/ 242314 w 742650"/>
+              <a:gd name="connsiteY2" fmla="*/ 0 h 6268899"/>
+            </a:gdLst>
+            <a:ahLst/>
+            <a:cxnLst>
+              <a:cxn ang="0">
+                <a:pos x="connsiteX0" y="connsiteY0"/>
+              </a:cxn>
+              <a:cxn ang="0">
+                <a:pos x="connsiteX1" y="connsiteY1"/>
+              </a:cxn>
+              <a:cxn ang="0">
+                <a:pos x="connsiteX2" y="connsiteY2"/>
+              </a:cxn>
+            </a:cxnLst>
+            <a:rect l="l" t="t" r="r" b="b"/>
+            <a:pathLst>
+              <a:path w="742650" h="6268899">
+                <a:moveTo>
+                  <a:pt x="742650" y="6268899"/>
+                </a:moveTo>
+                <a:lnTo>
+                  <a:pt x="0" y="5254376"/>
+                </a:lnTo>
+                <a:lnTo>
+                  <a:pt x="242314" y="0"/>
+                </a:lnTo>
+                <a:close/>
+              </a:path>
+            </a:pathLst>
+          </a:custGeom>
+          <a:solidFill>
+            <a:srgbClr val="F0B931"/>
+          </a:solidFill>
+          <a:ln>
+            <a:noFill/>
+          </a:ln>
+        </p:spPr>
+        <p:style>
+          <a:lnRef idx="2">
+            <a:schemeClr val="accent1">
+              <a:shade val="50000"/>
+            </a:schemeClr>
+          </a:lnRef>
+          <a:fillRef idx="1">
+            <a:schemeClr val="accent1"/>
+          </a:fillRef>
+          <a:effectRef idx="0">
+            <a:schemeClr val="accent1"/>
+          </a:effectRef>
+          <a:fontRef idx="minor">
+            <a:schemeClr val="lt1"/>
+          </a:fontRef>
+        </p:style>
+        <p:txBody>
+          <a:bodyPr anchor="ctr"/>
+          <a:lstStyle/>
+          <a:p>
+            <a:pPr marL="0" marR="0" lvl="0" indent="0" algn="ctr" defTabSz="914400" rtl="0" eaLnBrk="1" fontAlgn="auto" latinLnBrk="0" hangingPunct="1">
+              <a:lnSpc>
+                <a:spcPct val="100000"/>
+              </a:lnSpc>
+              <a:spcBef>
+                <a:spcPts val="0"/>
+              </a:spcBef>
+              <a:spcAft>
+                <a:spcPts val="0"/>
+              </a:spcAft>
+              <a:buClrTx/>
+              <a:buSzTx/>
+              <a:buFontTx/>
+              <a:buNone/>
+              <a:defRPr/>
+            </a:pPr>
+            <a:endParaRPr kumimoji="0" lang="zh-CN" altLang="en-US" sz="1800" b="0" i="0" u="none" strike="noStrike" kern="1200" cap="none" spc="0" normalizeH="0" baseline="0" noProof="0">
+              <a:ln>
+                <a:noFill/>
+              </a:ln>
+              <a:solidFill>
+                <a:schemeClr val="lt1"/>
+              </a:solidFill>
+              <a:effectLst/>
+              <a:uLnTx/>
+              <a:uFillTx/>
+              <a:latin typeface="+mn-lt"/>
+              <a:ea typeface="+mn-ea"/>
+              <a:cs typeface="+mn-cs"/>
+            </a:endParaRPr>
+          </a:p>
+        </p:txBody>
+      </p:sp>
+      <p:pic>
+        <p:nvPicPr>
+          <p:cNvPr id="5" name="Picture 4" descr="python-logo"/>
+          <p:cNvPicPr>
+            <a:picLocks noChangeAspect="1"/>
+          </p:cNvPicPr>
+          <p:nvPr/>
+        </p:nvPicPr>
+        <p:blipFill>
+          <a:blip r:embed="rId3"/>
+          <a:stretch>
+            <a:fillRect/>
+          </a:stretch>
+        </p:blipFill>
+        <p:spPr>
+          <a:xfrm>
+            <a:off x="8762365" y="217805"/>
+            <a:ext cx="3683000" cy="1041400"/>
+          </a:xfrm>
+          <a:prstGeom prst="rect">
+            <a:avLst/>
+          </a:prstGeom>
+        </p:spPr>
+      </p:pic>
+      <p:sp>
+        <p:nvSpPr>
+          <p:cNvPr id="7" name="Rectangle 6"/>
+          <p:cNvSpPr/>
+          <p:nvPr/>
+        </p:nvSpPr>
+        <p:spPr>
+          <a:xfrm>
+            <a:off x="9477949" y="6452165"/>
+            <a:ext cx="2593210" cy="369332"/>
+          </a:xfrm>
+          <a:prstGeom prst="rect">
+            <a:avLst/>
+          </a:prstGeom>
+        </p:spPr>
+        <p:txBody>
+          <a:bodyPr wrap="none">
+            <a:spAutoFit/>
+          </a:bodyPr>
+          <a:lstStyle/>
+          <a:p>
+            <a:r>
+              <a:rPr lang="en-US" dirty="0" smtClean="0">
+                <a:latin typeface="Verdana" panose="020B0604030504040204" pitchFamily="34" charset="0"/>
+                <a:ea typeface="Verdana" panose="020B0604030504040204" pitchFamily="34" charset="0"/>
+              </a:rPr>
+              <a:t>Frontend Technology</a:t>
+            </a:r>
+          </a:p>
+        </p:txBody>
+      </p:sp>
+      <p:sp>
+        <p:nvSpPr>
+          <p:cNvPr id="11" name="文本框 8"/>
+          <p:cNvSpPr txBox="1"/>
+          <p:nvPr/>
+        </p:nvSpPr>
+        <p:spPr>
+          <a:xfrm>
+            <a:off x="119931" y="217805"/>
+            <a:ext cx="7407862" cy="707886"/>
+          </a:xfrm>
+          <a:prstGeom prst="rect">
+            <a:avLst/>
+          </a:prstGeom>
+          <a:noFill/>
+          <a:ln w="9525">
+            <a:noFill/>
+          </a:ln>
+        </p:spPr>
+        <p:txBody>
+          <a:bodyPr wrap="none" anchor="t">
+            <a:spAutoFit/>
+          </a:bodyPr>
+          <a:lstStyle/>
+          <a:p>
+            <a:r>
+              <a:rPr lang="en-US" sz="4000" b="1" dirty="0"/>
+              <a:t>JavaScript language fundamentals</a:t>
+            </a:r>
+            <a:endParaRPr lang="en-US" sz="4000" b="1" dirty="0"/>
+          </a:p>
+        </p:txBody>
+      </p:sp>
+    </p:spTree>
+    <p:extLst>
+      <p:ext uri="{BB962C8B-B14F-4D97-AF65-F5344CB8AC3E}">
+        <p14:creationId xmlns:p14="http://schemas.microsoft.com/office/powerpoint/2010/main" val="2670831535"/>
+      </p:ext>
+    </p:extLst>
   </p:cSld>
   <p:clrMapOvr>
     <a:masterClrMapping/>
@@ -15827,6 +18984,607 @@
           </a:graphicData>
         </a:graphic>
       </p:graphicFrame>
+    </p:spTree>
+  </p:cSld>
+  <p:clrMapOvr>
+    <a:masterClrMapping/>
+  </p:clrMapOvr>
+  <p:timing>
+    <p:tnLst>
+      <p:par>
+        <p:cTn id="1" dur="indefinite" restart="never" nodeType="tmRoot"/>
+      </p:par>
+    </p:tnLst>
+  </p:timing>
+</p:sld>
+</file>
+
+<file path=ppt/slides/slide20.xml><?xml version="1.0" encoding="utf-8"?>
+<p:sld xmlns:a="http://schemas.openxmlformats.org/drawingml/2006/main" xmlns:r="http://schemas.openxmlformats.org/officeDocument/2006/relationships" xmlns:p="http://schemas.openxmlformats.org/presentationml/2006/main">
+  <p:cSld>
+    <p:spTree>
+      <p:nvGrpSpPr>
+        <p:cNvPr id="1" name=""/>
+        <p:cNvGrpSpPr/>
+        <p:nvPr/>
+      </p:nvGrpSpPr>
+      <p:grpSpPr>
+        <a:xfrm>
+          <a:off x="0" y="0"/>
+          <a:ext cx="0" cy="0"/>
+          <a:chOff x="0" y="0"/>
+          <a:chExt cx="0" cy="0"/>
+        </a:xfrm>
+      </p:grpSpPr>
+      <p:sp>
+        <p:nvSpPr>
+          <p:cNvPr id="2" name="直角三角形 1"/>
+          <p:cNvSpPr/>
+          <p:nvPr/>
+        </p:nvSpPr>
+        <p:spPr>
+          <a:xfrm flipH="1" flipV="1">
+            <a:off x="4076700" y="0"/>
+            <a:ext cx="8115300" cy="6273800"/>
+          </a:xfrm>
+          <a:prstGeom prst="rtTriangle">
+            <a:avLst/>
+          </a:prstGeom>
+          <a:solidFill>
+            <a:srgbClr val="747472"/>
+          </a:solidFill>
+          <a:ln>
+            <a:noFill/>
+          </a:ln>
+        </p:spPr>
+        <p:style>
+          <a:lnRef idx="2">
+            <a:schemeClr val="accent1">
+              <a:shade val="50000"/>
+            </a:schemeClr>
+          </a:lnRef>
+          <a:fillRef idx="1">
+            <a:schemeClr val="accent1"/>
+          </a:fillRef>
+          <a:effectRef idx="0">
+            <a:schemeClr val="accent1"/>
+          </a:effectRef>
+          <a:fontRef idx="minor">
+            <a:schemeClr val="lt1"/>
+          </a:fontRef>
+        </p:style>
+        <p:txBody>
+          <a:bodyPr anchor="ctr"/>
+          <a:lstStyle/>
+          <a:p>
+            <a:pPr marL="0" marR="0" lvl="0" indent="0" algn="ctr" defTabSz="914400" rtl="0" eaLnBrk="1" fontAlgn="auto" latinLnBrk="0" hangingPunct="1">
+              <a:lnSpc>
+                <a:spcPct val="100000"/>
+              </a:lnSpc>
+              <a:spcBef>
+                <a:spcPts val="0"/>
+              </a:spcBef>
+              <a:spcAft>
+                <a:spcPts val="0"/>
+              </a:spcAft>
+              <a:buClrTx/>
+              <a:buSzTx/>
+              <a:buFontTx/>
+              <a:buNone/>
+              <a:defRPr/>
+            </a:pPr>
+            <a:endParaRPr kumimoji="0" lang="zh-CN" altLang="en-US" sz="1800" b="0" i="0" u="none" strike="noStrike" kern="1200" cap="none" spc="0" normalizeH="0" baseline="0" noProof="0">
+              <a:ln>
+                <a:noFill/>
+              </a:ln>
+              <a:solidFill>
+                <a:schemeClr val="lt1"/>
+              </a:solidFill>
+              <a:effectLst/>
+              <a:uLnTx/>
+              <a:uFillTx/>
+              <a:latin typeface="+mn-lt"/>
+              <a:ea typeface="+mn-ea"/>
+              <a:cs typeface="+mn-cs"/>
+            </a:endParaRPr>
+          </a:p>
+        </p:txBody>
+      </p:sp>
+      <p:sp>
+        <p:nvSpPr>
+          <p:cNvPr id="3" name="等腰三角形 2"/>
+          <p:cNvSpPr/>
+          <p:nvPr/>
+        </p:nvSpPr>
+        <p:spPr>
+          <a:xfrm rot="19088536">
+            <a:off x="7283450" y="-541337"/>
+            <a:ext cx="2414588" cy="9158288"/>
+          </a:xfrm>
+          <a:custGeom>
+            <a:avLst/>
+            <a:gdLst>
+              <a:gd name="connsiteX0" fmla="*/ 0 w 1117600"/>
+              <a:gd name="connsiteY0" fmla="*/ 5702300 h 5702300"/>
+              <a:gd name="connsiteX1" fmla="*/ 558800 w 1117600"/>
+              <a:gd name="connsiteY1" fmla="*/ 0 h 5702300"/>
+              <a:gd name="connsiteX2" fmla="*/ 1117600 w 1117600"/>
+              <a:gd name="connsiteY2" fmla="*/ 5702300 h 5702300"/>
+              <a:gd name="connsiteX3" fmla="*/ 0 w 1117600"/>
+              <a:gd name="connsiteY3" fmla="*/ 5702300 h 5702300"/>
+              <a:gd name="connsiteX0-1" fmla="*/ 0 w 2070142"/>
+              <a:gd name="connsiteY0-2" fmla="*/ 5702300 h 7817508"/>
+              <a:gd name="connsiteX1-3" fmla="*/ 558800 w 2070142"/>
+              <a:gd name="connsiteY1-4" fmla="*/ 0 h 7817508"/>
+              <a:gd name="connsiteX2-5" fmla="*/ 2070142 w 2070142"/>
+              <a:gd name="connsiteY2-6" fmla="*/ 7817508 h 7817508"/>
+              <a:gd name="connsiteX3-7" fmla="*/ 0 w 2070142"/>
+              <a:gd name="connsiteY3-8" fmla="*/ 5702300 h 7817508"/>
+              <a:gd name="connsiteX0-9" fmla="*/ 0 w 2414257"/>
+              <a:gd name="connsiteY0-10" fmla="*/ 6314781 h 7817508"/>
+              <a:gd name="connsiteX1-11" fmla="*/ 902915 w 2414257"/>
+              <a:gd name="connsiteY1-12" fmla="*/ 0 h 7817508"/>
+              <a:gd name="connsiteX2-13" fmla="*/ 2414257 w 2414257"/>
+              <a:gd name="connsiteY2-14" fmla="*/ 7817508 h 7817508"/>
+              <a:gd name="connsiteX3-15" fmla="*/ 0 w 2414257"/>
+              <a:gd name="connsiteY3-16" fmla="*/ 6314781 h 7817508"/>
+              <a:gd name="connsiteX0-17" fmla="*/ 0 w 2414257"/>
+              <a:gd name="connsiteY0-18" fmla="*/ 6314781 h 7817508"/>
+              <a:gd name="connsiteX1-19" fmla="*/ 902915 w 2414257"/>
+              <a:gd name="connsiteY1-20" fmla="*/ 0 h 7817508"/>
+              <a:gd name="connsiteX2-21" fmla="*/ 2414257 w 2414257"/>
+              <a:gd name="connsiteY2-22" fmla="*/ 7817508 h 7817508"/>
+              <a:gd name="connsiteX3-23" fmla="*/ 1191330 w 2414257"/>
+              <a:gd name="connsiteY3-24" fmla="*/ 7039908 h 7817508"/>
+              <a:gd name="connsiteX4" fmla="*/ 0 w 2414257"/>
+              <a:gd name="connsiteY4" fmla="*/ 6314781 h 7817508"/>
+              <a:gd name="connsiteX0-25" fmla="*/ 0 w 2414257"/>
+              <a:gd name="connsiteY0-26" fmla="*/ 6314781 h 8205626"/>
+              <a:gd name="connsiteX1-27" fmla="*/ 902915 w 2414257"/>
+              <a:gd name="connsiteY1-28" fmla="*/ 0 h 8205626"/>
+              <a:gd name="connsiteX2-29" fmla="*/ 2414257 w 2414257"/>
+              <a:gd name="connsiteY2-30" fmla="*/ 7817508 h 8205626"/>
+              <a:gd name="connsiteX3-31" fmla="*/ 2073759 w 2414257"/>
+              <a:gd name="connsiteY3-32" fmla="*/ 8205626 h 8205626"/>
+              <a:gd name="connsiteX4-33" fmla="*/ 0 w 2414257"/>
+              <a:gd name="connsiteY4-34" fmla="*/ 6314781 h 8205626"/>
+              <a:gd name="connsiteX0-35" fmla="*/ 0 w 2414257"/>
+              <a:gd name="connsiteY0-36" fmla="*/ 6436203 h 8327048"/>
+              <a:gd name="connsiteX1-37" fmla="*/ 329641 w 2414257"/>
+              <a:gd name="connsiteY1-38" fmla="*/ 0 h 8327048"/>
+              <a:gd name="connsiteX2-39" fmla="*/ 2414257 w 2414257"/>
+              <a:gd name="connsiteY2-40" fmla="*/ 7938930 h 8327048"/>
+              <a:gd name="connsiteX3-41" fmla="*/ 2073759 w 2414257"/>
+              <a:gd name="connsiteY3-42" fmla="*/ 8327048 h 8327048"/>
+              <a:gd name="connsiteX4-43" fmla="*/ 0 w 2414257"/>
+              <a:gd name="connsiteY4-44" fmla="*/ 6436203 h 8327048"/>
+              <a:gd name="connsiteX0-45" fmla="*/ 0 w 2414257"/>
+              <a:gd name="connsiteY0-46" fmla="*/ 6431068 h 8321913"/>
+              <a:gd name="connsiteX1-47" fmla="*/ 563761 w 2414257"/>
+              <a:gd name="connsiteY1-48" fmla="*/ 0 h 8321913"/>
+              <a:gd name="connsiteX2-49" fmla="*/ 2414257 w 2414257"/>
+              <a:gd name="connsiteY2-50" fmla="*/ 7933795 h 8321913"/>
+              <a:gd name="connsiteX3-51" fmla="*/ 2073759 w 2414257"/>
+              <a:gd name="connsiteY3-52" fmla="*/ 8321913 h 8321913"/>
+              <a:gd name="connsiteX4-53" fmla="*/ 0 w 2414257"/>
+              <a:gd name="connsiteY4-54" fmla="*/ 6431068 h 8321913"/>
+              <a:gd name="connsiteX0-55" fmla="*/ 0 w 2414257"/>
+              <a:gd name="connsiteY0-56" fmla="*/ 7267650 h 9158495"/>
+              <a:gd name="connsiteX1-57" fmla="*/ 239027 w 2414257"/>
+              <a:gd name="connsiteY1-58" fmla="*/ 0 h 9158495"/>
+              <a:gd name="connsiteX2-59" fmla="*/ 2414257 w 2414257"/>
+              <a:gd name="connsiteY2-60" fmla="*/ 8770377 h 9158495"/>
+              <a:gd name="connsiteX3-61" fmla="*/ 2073759 w 2414257"/>
+              <a:gd name="connsiteY3-62" fmla="*/ 9158495 h 9158495"/>
+              <a:gd name="connsiteX4-63" fmla="*/ 0 w 2414257"/>
+              <a:gd name="connsiteY4-64" fmla="*/ 7267650 h 9158495"/>
+            </a:gdLst>
+            <a:ahLst/>
+            <a:cxnLst>
+              <a:cxn ang="0">
+                <a:pos x="connsiteX0-1" y="connsiteY0-2"/>
+              </a:cxn>
+              <a:cxn ang="0">
+                <a:pos x="connsiteX1-3" y="connsiteY1-4"/>
+              </a:cxn>
+              <a:cxn ang="0">
+                <a:pos x="connsiteX2-5" y="connsiteY2-6"/>
+              </a:cxn>
+              <a:cxn ang="0">
+                <a:pos x="connsiteX3-7" y="connsiteY3-8"/>
+              </a:cxn>
+              <a:cxn ang="0">
+                <a:pos x="connsiteX4-33" y="connsiteY4-34"/>
+              </a:cxn>
+            </a:cxnLst>
+            <a:rect l="l" t="t" r="r" b="b"/>
+            <a:pathLst>
+              <a:path w="2414257" h="9158495">
+                <a:moveTo>
+                  <a:pt x="0" y="7267650"/>
+                </a:moveTo>
+                <a:lnTo>
+                  <a:pt x="239027" y="0"/>
+                </a:lnTo>
+                <a:lnTo>
+                  <a:pt x="2414257" y="8770377"/>
+                </a:lnTo>
+                <a:lnTo>
+                  <a:pt x="2073759" y="9158495"/>
+                </a:lnTo>
+                <a:lnTo>
+                  <a:pt x="0" y="7267650"/>
+                </a:lnTo>
+                <a:close/>
+              </a:path>
+            </a:pathLst>
+          </a:custGeom>
+          <a:solidFill>
+            <a:srgbClr val="C4C4C4"/>
+          </a:solidFill>
+          <a:ln>
+            <a:noFill/>
+          </a:ln>
+        </p:spPr>
+        <p:style>
+          <a:lnRef idx="2">
+            <a:schemeClr val="accent1">
+              <a:shade val="50000"/>
+            </a:schemeClr>
+          </a:lnRef>
+          <a:fillRef idx="1">
+            <a:schemeClr val="accent1"/>
+          </a:fillRef>
+          <a:effectRef idx="0">
+            <a:schemeClr val="accent1"/>
+          </a:effectRef>
+          <a:fontRef idx="minor">
+            <a:schemeClr val="lt1"/>
+          </a:fontRef>
+        </p:style>
+        <p:txBody>
+          <a:bodyPr anchor="ctr"/>
+          <a:lstStyle/>
+          <a:p>
+            <a:pPr marL="0" marR="0" lvl="0" indent="0" algn="ctr" defTabSz="914400" rtl="0" eaLnBrk="1" fontAlgn="auto" latinLnBrk="0" hangingPunct="1">
+              <a:lnSpc>
+                <a:spcPct val="100000"/>
+              </a:lnSpc>
+              <a:spcBef>
+                <a:spcPts val="0"/>
+              </a:spcBef>
+              <a:spcAft>
+                <a:spcPts val="0"/>
+              </a:spcAft>
+              <a:buClrTx/>
+              <a:buSzTx/>
+              <a:buFontTx/>
+              <a:buNone/>
+              <a:defRPr/>
+            </a:pPr>
+            <a:endParaRPr kumimoji="0" lang="zh-CN" altLang="en-US" sz="1800" b="0" i="0" u="none" strike="noStrike" kern="1200" cap="none" spc="0" normalizeH="0" baseline="0" noProof="0">
+              <a:ln>
+                <a:noFill/>
+              </a:ln>
+              <a:solidFill>
+                <a:schemeClr val="lt1"/>
+              </a:solidFill>
+              <a:effectLst/>
+              <a:uLnTx/>
+              <a:uFillTx/>
+              <a:latin typeface="+mn-lt"/>
+              <a:ea typeface="+mn-ea"/>
+              <a:cs typeface="+mn-cs"/>
+            </a:endParaRPr>
+          </a:p>
+        </p:txBody>
+      </p:sp>
+      <p:sp>
+        <p:nvSpPr>
+          <p:cNvPr id="8" name="任意多边形 7"/>
+          <p:cNvSpPr/>
+          <p:nvPr/>
+        </p:nvSpPr>
+        <p:spPr>
+          <a:xfrm rot="7572289">
+            <a:off x="5132388" y="-1582737"/>
+            <a:ext cx="741363" cy="6269038"/>
+          </a:xfrm>
+          <a:custGeom>
+            <a:avLst/>
+            <a:gdLst>
+              <a:gd name="connsiteX0" fmla="*/ 742650 w 742650"/>
+              <a:gd name="connsiteY0" fmla="*/ 6268899 h 6268899"/>
+              <a:gd name="connsiteX1" fmla="*/ 0 w 742650"/>
+              <a:gd name="connsiteY1" fmla="*/ 5254376 h 6268899"/>
+              <a:gd name="connsiteX2" fmla="*/ 242314 w 742650"/>
+              <a:gd name="connsiteY2" fmla="*/ 0 h 6268899"/>
+            </a:gdLst>
+            <a:ahLst/>
+            <a:cxnLst>
+              <a:cxn ang="0">
+                <a:pos x="connsiteX0" y="connsiteY0"/>
+              </a:cxn>
+              <a:cxn ang="0">
+                <a:pos x="connsiteX1" y="connsiteY1"/>
+              </a:cxn>
+              <a:cxn ang="0">
+                <a:pos x="connsiteX2" y="connsiteY2"/>
+              </a:cxn>
+            </a:cxnLst>
+            <a:rect l="l" t="t" r="r" b="b"/>
+            <a:pathLst>
+              <a:path w="742650" h="6268899">
+                <a:moveTo>
+                  <a:pt x="742650" y="6268899"/>
+                </a:moveTo>
+                <a:lnTo>
+                  <a:pt x="0" y="5254376"/>
+                </a:lnTo>
+                <a:lnTo>
+                  <a:pt x="242314" y="0"/>
+                </a:lnTo>
+                <a:close/>
+              </a:path>
+            </a:pathLst>
+          </a:custGeom>
+          <a:solidFill>
+            <a:srgbClr val="F0B931"/>
+          </a:solidFill>
+          <a:ln>
+            <a:noFill/>
+          </a:ln>
+        </p:spPr>
+        <p:style>
+          <a:lnRef idx="2">
+            <a:schemeClr val="accent1">
+              <a:shade val="50000"/>
+            </a:schemeClr>
+          </a:lnRef>
+          <a:fillRef idx="1">
+            <a:schemeClr val="accent1"/>
+          </a:fillRef>
+          <a:effectRef idx="0">
+            <a:schemeClr val="accent1"/>
+          </a:effectRef>
+          <a:fontRef idx="minor">
+            <a:schemeClr val="lt1"/>
+          </a:fontRef>
+        </p:style>
+        <p:txBody>
+          <a:bodyPr anchor="ctr"/>
+          <a:lstStyle/>
+          <a:p>
+            <a:pPr marL="0" marR="0" lvl="0" indent="0" algn="ctr" defTabSz="914400" rtl="0" eaLnBrk="1" fontAlgn="auto" latinLnBrk="0" hangingPunct="1">
+              <a:lnSpc>
+                <a:spcPct val="100000"/>
+              </a:lnSpc>
+              <a:spcBef>
+                <a:spcPts val="0"/>
+              </a:spcBef>
+              <a:spcAft>
+                <a:spcPts val="0"/>
+              </a:spcAft>
+              <a:buClrTx/>
+              <a:buSzTx/>
+              <a:buFontTx/>
+              <a:buNone/>
+              <a:defRPr/>
+            </a:pPr>
+            <a:endParaRPr kumimoji="0" lang="zh-CN" altLang="en-US" sz="1800" b="0" i="0" u="none" strike="noStrike" kern="1200" cap="none" spc="0" normalizeH="0" baseline="0" noProof="0">
+              <a:ln>
+                <a:noFill/>
+              </a:ln>
+              <a:solidFill>
+                <a:schemeClr val="lt1"/>
+              </a:solidFill>
+              <a:effectLst/>
+              <a:uLnTx/>
+              <a:uFillTx/>
+              <a:latin typeface="+mn-lt"/>
+              <a:ea typeface="+mn-ea"/>
+              <a:cs typeface="+mn-cs"/>
+            </a:endParaRPr>
+          </a:p>
+        </p:txBody>
+      </p:sp>
+      <p:pic>
+        <p:nvPicPr>
+          <p:cNvPr id="5" name="Picture 4" descr="python-logo"/>
+          <p:cNvPicPr>
+            <a:picLocks noChangeAspect="1"/>
+          </p:cNvPicPr>
+          <p:nvPr/>
+        </p:nvPicPr>
+        <p:blipFill>
+          <a:blip r:embed="rId2"/>
+          <a:stretch>
+            <a:fillRect/>
+          </a:stretch>
+        </p:blipFill>
+        <p:spPr>
+          <a:xfrm>
+            <a:off x="8509000" y="361315"/>
+            <a:ext cx="3683000" cy="1041400"/>
+          </a:xfrm>
+          <a:prstGeom prst="rect">
+            <a:avLst/>
+          </a:prstGeom>
+        </p:spPr>
+      </p:pic>
+      <p:sp>
+        <p:nvSpPr>
+          <p:cNvPr id="62468" name="文本框 8"/>
+          <p:cNvSpPr txBox="1"/>
+          <p:nvPr/>
+        </p:nvSpPr>
+        <p:spPr>
+          <a:xfrm>
+            <a:off x="785047" y="2269932"/>
+            <a:ext cx="4802187" cy="1014412"/>
+          </a:xfrm>
+          <a:prstGeom prst="rect">
+            <a:avLst/>
+          </a:prstGeom>
+          <a:noFill/>
+          <a:ln w="9525">
+            <a:noFill/>
+          </a:ln>
+        </p:spPr>
+        <p:txBody>
+          <a:bodyPr anchor="t">
+            <a:spAutoFit/>
+          </a:bodyPr>
+          <a:lstStyle/>
+          <a:p>
+            <a:pPr algn="dist" defTabSz="914400"/>
+            <a:r>
+              <a:rPr lang="en-US" altLang="zh-CN" sz="6000" b="1" dirty="0">
+                <a:solidFill>
+                  <a:srgbClr val="262626"/>
+                </a:solidFill>
+                <a:latin typeface="Arial" panose="020B0604020202020204" pitchFamily="34" charset="0"/>
+                <a:ea typeface="Microsoft YaHei" panose="020B0503020204020204" pitchFamily="34" charset="-122"/>
+                <a:sym typeface="Arial" panose="020B0604020202020204" pitchFamily="34" charset="0"/>
+              </a:rPr>
+              <a:t>THANKS</a:t>
+            </a:r>
+          </a:p>
+        </p:txBody>
+      </p:sp>
+      <p:pic>
+        <p:nvPicPr>
+          <p:cNvPr id="9" name="Picture 8"/>
+          <p:cNvPicPr>
+            <a:picLocks noChangeAspect="1"/>
+          </p:cNvPicPr>
+          <p:nvPr/>
+        </p:nvPicPr>
+        <p:blipFill>
+          <a:blip r:embed="rId3">
+            <a:extLst>
+              <a:ext uri="{28A0092B-C50C-407E-A947-70E740481C1C}">
+                <a14:useLocalDpi xmlns:a14="http://schemas.microsoft.com/office/drawing/2010/main" val="0"/>
+              </a:ext>
+            </a:extLst>
+          </a:blip>
+          <a:stretch>
+            <a:fillRect/>
+          </a:stretch>
+        </p:blipFill>
+        <p:spPr>
+          <a:xfrm>
+            <a:off x="64530" y="5797070"/>
+            <a:ext cx="4241800" cy="990600"/>
+          </a:xfrm>
+          <a:prstGeom prst="rect">
+            <a:avLst/>
+          </a:prstGeom>
+        </p:spPr>
+      </p:pic>
+      <p:sp>
+        <p:nvSpPr>
+          <p:cNvPr id="10" name="文本框 9"/>
+          <p:cNvSpPr txBox="1"/>
+          <p:nvPr/>
+        </p:nvSpPr>
+        <p:spPr>
+          <a:xfrm>
+            <a:off x="5861050" y="4197180"/>
+            <a:ext cx="5726439" cy="461665"/>
+          </a:xfrm>
+          <a:prstGeom prst="rect">
+            <a:avLst/>
+          </a:prstGeom>
+          <a:noFill/>
+          <a:ln w="9525">
+            <a:noFill/>
+          </a:ln>
+        </p:spPr>
+        <p:txBody>
+          <a:bodyPr wrap="none" anchor="t">
+            <a:spAutoFit/>
+          </a:bodyPr>
+          <a:lstStyle/>
+          <a:p>
+            <a:r>
+              <a:rPr lang="en-US" altLang="zh-CN" sz="2400" b="1" dirty="0">
+                <a:solidFill>
+                  <a:srgbClr val="262626"/>
+                </a:solidFill>
+                <a:latin typeface="Verdana" panose="020B0604030504040204" pitchFamily="34" charset="0"/>
+                <a:ea typeface="Verdana" panose="020B0604030504040204" pitchFamily="34" charset="0"/>
+                <a:sym typeface="Arial" panose="020B0604020202020204" pitchFamily="34" charset="0"/>
+              </a:rPr>
+              <a:t>instructor: </a:t>
+            </a:r>
+            <a:r>
+              <a:rPr lang="en-US" altLang="zh-CN" sz="2400" dirty="0" smtClean="0">
+                <a:solidFill>
+                  <a:srgbClr val="262626"/>
+                </a:solidFill>
+                <a:latin typeface="Verdana" panose="020B0604030504040204" pitchFamily="34" charset="0"/>
+                <a:ea typeface="Verdana" panose="020B0604030504040204" pitchFamily="34" charset="0"/>
+                <a:sym typeface="Arial" panose="020B0604020202020204" pitchFamily="34" charset="0"/>
+              </a:rPr>
+              <a:t>Anirudha </a:t>
+            </a:r>
+            <a:r>
+              <a:rPr lang="en-US" altLang="zh-CN" sz="2400" dirty="0">
+                <a:solidFill>
+                  <a:srgbClr val="262626"/>
+                </a:solidFill>
+                <a:latin typeface="Verdana" panose="020B0604030504040204" pitchFamily="34" charset="0"/>
+                <a:ea typeface="Verdana" panose="020B0604030504040204" pitchFamily="34" charset="0"/>
+                <a:sym typeface="Arial" panose="020B0604020202020204" pitchFamily="34" charset="0"/>
+              </a:rPr>
+              <a:t>Anil Gaikwad</a:t>
+            </a:r>
+            <a:r>
+              <a:rPr lang="zh-CN" altLang="en-US" sz="2400" dirty="0">
+                <a:solidFill>
+                  <a:srgbClr val="262626"/>
+                </a:solidFill>
+                <a:latin typeface="Verdana" panose="020B0604030504040204" pitchFamily="34" charset="0"/>
+                <a:ea typeface="Microsoft YaHei" panose="020B0503020204020204" pitchFamily="34" charset="-122"/>
+                <a:sym typeface="Arial" panose="020B0604020202020204" pitchFamily="34" charset="0"/>
+              </a:rPr>
+              <a:t> </a:t>
+            </a:r>
+          </a:p>
+        </p:txBody>
+      </p:sp>
+      <p:sp>
+        <p:nvSpPr>
+          <p:cNvPr id="11" name="Rectangle 10"/>
+          <p:cNvSpPr/>
+          <p:nvPr/>
+        </p:nvSpPr>
+        <p:spPr>
+          <a:xfrm>
+            <a:off x="9477949" y="6452165"/>
+            <a:ext cx="2593210" cy="369332"/>
+          </a:xfrm>
+          <a:prstGeom prst="rect">
+            <a:avLst/>
+          </a:prstGeom>
+        </p:spPr>
+        <p:txBody>
+          <a:bodyPr wrap="none">
+            <a:spAutoFit/>
+          </a:bodyPr>
+          <a:lstStyle/>
+          <a:p>
+            <a:r>
+              <a:rPr lang="en-US" dirty="0" smtClean="0">
+                <a:latin typeface="Verdana" panose="020B0604030504040204" pitchFamily="34" charset="0"/>
+                <a:ea typeface="Verdana" panose="020B0604030504040204" pitchFamily="34" charset="0"/>
+              </a:rPr>
+              <a:t>Frontend Technology</a:t>
+            </a:r>
+          </a:p>
+        </p:txBody>
+      </p:sp>
     </p:spTree>
   </p:cSld>
   <p:clrMapOvr>

--- a/#2_Front-end_technology.pptx
+++ b/#2_Front-end_technology.pptx
@@ -6,10 +6,10 @@
     <p:sldMasterId id="2147483665" r:id="rId2"/>
   </p:sldMasterIdLst>
   <p:notesMasterIdLst>
-    <p:notesMasterId r:id="rId23"/>
+    <p:notesMasterId r:id="rId22"/>
   </p:notesMasterIdLst>
   <p:handoutMasterIdLst>
-    <p:handoutMasterId r:id="rId24"/>
+    <p:handoutMasterId r:id="rId23"/>
   </p:handoutMasterIdLst>
   <p:sldIdLst>
     <p:sldId id="342" r:id="rId3"/>
@@ -30,8 +30,7 @@
     <p:sldId id="356" r:id="rId18"/>
     <p:sldId id="357" r:id="rId19"/>
     <p:sldId id="358" r:id="rId20"/>
-    <p:sldId id="359" r:id="rId21"/>
-    <p:sldId id="320" r:id="rId22"/>
+    <p:sldId id="320" r:id="rId21"/>
   </p:sldIdLst>
   <p:sldSz cx="12192000" cy="6858000"/>
   <p:notesSz cx="6858000" cy="9144000"/>
@@ -327,7 +326,7 @@
                 <a:ea typeface="SimSun" panose="02010600030101010101" pitchFamily="2" charset="-122"/>
                 <a:cs typeface="+mn-cs"/>
               </a:rPr>
-              <a:t>2020/11/11</a:t>
+              <a:t>2020/11/13</a:t>
             </a:fld>
             <a:endParaRPr lang="zh-CN" altLang="en-US" strike="noStrike" noProof="1"/>
           </a:p>
@@ -1669,67 +1668,6 @@
     <p:extLst>
       <p:ext uri="{BB962C8B-B14F-4D97-AF65-F5344CB8AC3E}">
         <p14:creationId xmlns:p14="http://schemas.microsoft.com/office/powerpoint/2010/main" val="1782165525"/>
-      </p:ext>
-    </p:extLst>
-  </p:cSld>
-  <p:clrMapOvr>
-    <a:masterClrMapping/>
-  </p:clrMapOvr>
-</p:notes>
-</file>
-
-<file path=ppt/notesSlides/notesSlide18.xml><?xml version="1.0" encoding="utf-8"?>
-<p:notes xmlns:a="http://schemas.openxmlformats.org/drawingml/2006/main" xmlns:r="http://schemas.openxmlformats.org/officeDocument/2006/relationships" xmlns:p="http://schemas.openxmlformats.org/presentationml/2006/main">
-  <p:cSld>
-    <p:spTree>
-      <p:nvGrpSpPr>
-        <p:cNvPr id="1" name=""/>
-        <p:cNvGrpSpPr/>
-        <p:nvPr/>
-      </p:nvGrpSpPr>
-      <p:grpSpPr>
-        <a:xfrm>
-          <a:off x="0" y="0"/>
-          <a:ext cx="0" cy="0"/>
-          <a:chOff x="0" y="0"/>
-          <a:chExt cx="0" cy="0"/>
-        </a:xfrm>
-      </p:grpSpPr>
-      <p:sp>
-        <p:nvSpPr>
-          <p:cNvPr id="2" name="Slide Image Placeholder 1"/>
-          <p:cNvSpPr>
-            <a:spLocks noGrp="1" noRot="1" noChangeAspect="1"/>
-          </p:cNvSpPr>
-          <p:nvPr>
-            <p:ph type="sldImg" idx="2"/>
-          </p:nvPr>
-        </p:nvSpPr>
-        <p:spPr/>
-      </p:sp>
-      <p:sp>
-        <p:nvSpPr>
-          <p:cNvPr id="3" name="Text Placeholder 2"/>
-          <p:cNvSpPr>
-            <a:spLocks noGrp="1"/>
-          </p:cNvSpPr>
-          <p:nvPr>
-            <p:ph type="body" idx="3"/>
-          </p:nvPr>
-        </p:nvSpPr>
-        <p:spPr/>
-        <p:txBody>
-          <a:bodyPr/>
-          <a:lstStyle/>
-          <a:p>
-            <a:endParaRPr lang="en-US" dirty="0"/>
-          </a:p>
-        </p:txBody>
-      </p:sp>
-    </p:spTree>
-    <p:extLst>
-      <p:ext uri="{BB962C8B-B14F-4D97-AF65-F5344CB8AC3E}">
-        <p14:creationId xmlns:p14="http://schemas.microsoft.com/office/powerpoint/2010/main" val="1321168471"/>
       </p:ext>
     </p:extLst>
   </p:cSld>
@@ -16195,6 +16133,120 @@
           </a:p>
         </p:txBody>
       </p:sp>
+      <p:sp>
+        <p:nvSpPr>
+          <p:cNvPr id="6" name="Rectangle 5"/>
+          <p:cNvSpPr/>
+          <p:nvPr/>
+        </p:nvSpPr>
+        <p:spPr>
+          <a:xfrm>
+            <a:off x="873457" y="1719569"/>
+            <a:ext cx="10372298" cy="4401205"/>
+          </a:xfrm>
+          <a:prstGeom prst="rect">
+            <a:avLst/>
+          </a:prstGeom>
+        </p:spPr>
+        <p:txBody>
+          <a:bodyPr wrap="square">
+            <a:spAutoFit/>
+          </a:bodyPr>
+          <a:lstStyle/>
+          <a:p>
+            <a:r>
+              <a:rPr lang="en-US" sz="2800" dirty="0"/>
+              <a:t>(function(){</a:t>
+            </a:r>
+          </a:p>
+          <a:p>
+            <a:r>
+              <a:rPr lang="en-US" sz="2800" dirty="0"/>
+              <a:t>  "use strict";</a:t>
+            </a:r>
+          </a:p>
+          <a:p>
+            <a:r>
+              <a:rPr lang="en-US" sz="2800" dirty="0"/>
+              <a:t>  /* Start of your code */</a:t>
+            </a:r>
+          </a:p>
+          <a:p>
+            <a:r>
+              <a:rPr lang="en-US" sz="2800" dirty="0"/>
+              <a:t>  function </a:t>
+            </a:r>
+            <a:r>
+              <a:rPr lang="en-US" sz="2800" dirty="0" err="1"/>
+              <a:t>greetMe</a:t>
+            </a:r>
+            <a:r>
+              <a:rPr lang="en-US" sz="2800" dirty="0"/>
+              <a:t>(</a:t>
+            </a:r>
+            <a:r>
+              <a:rPr lang="en-US" sz="2800" dirty="0" err="1"/>
+              <a:t>yourName</a:t>
+            </a:r>
+            <a:r>
+              <a:rPr lang="en-US" sz="2800" dirty="0"/>
+              <a:t>) {</a:t>
+            </a:r>
+          </a:p>
+          <a:p>
+            <a:r>
+              <a:rPr lang="en-US" sz="2800" dirty="0"/>
+              <a:t>    alert('Hello ' + </a:t>
+            </a:r>
+            <a:r>
+              <a:rPr lang="en-US" sz="2800" dirty="0" err="1"/>
+              <a:t>yourName</a:t>
+            </a:r>
+            <a:r>
+              <a:rPr lang="en-US" sz="2800" dirty="0"/>
+              <a:t>);</a:t>
+            </a:r>
+          </a:p>
+          <a:p>
+            <a:r>
+              <a:rPr lang="en-US" sz="2800" dirty="0"/>
+              <a:t>  }</a:t>
+            </a:r>
+          </a:p>
+          <a:p>
+            <a:r>
+              <a:rPr lang="en-US" sz="2800" dirty="0"/>
+              <a:t>  </a:t>
+            </a:r>
+          </a:p>
+          <a:p>
+            <a:r>
+              <a:rPr lang="en-US" sz="2800" dirty="0"/>
+              <a:t>  </a:t>
+            </a:r>
+            <a:r>
+              <a:rPr lang="en-US" sz="2800" dirty="0" err="1"/>
+              <a:t>greetMe</a:t>
+            </a:r>
+            <a:r>
+              <a:rPr lang="en-US" sz="2800" dirty="0"/>
+              <a:t>('World');</a:t>
+            </a:r>
+          </a:p>
+          <a:p>
+            <a:r>
+              <a:rPr lang="en-US" sz="2800" dirty="0"/>
+              <a:t>  /* End of your code */</a:t>
+            </a:r>
+          </a:p>
+          <a:p>
+            <a:r>
+              <a:rPr lang="en-US" sz="2800" dirty="0"/>
+              <a:t>})();</a:t>
+            </a:r>
+          </a:p>
+        </p:txBody>
+      </p:sp>
     </p:spTree>
     <p:extLst>
       <p:ext uri="{BB962C8B-B14F-4D97-AF65-F5344CB8AC3E}">
@@ -16832,7 +16884,6 @@
               <a:rPr lang="en-US" sz="2800" b="1" dirty="0" smtClean="0"/>
               <a:t>:</a:t>
             </a:r>
-            <a:endParaRPr lang="en-US" sz="2800" b="1" dirty="0" smtClean="0"/>
           </a:p>
           <a:p>
             <a:r>
@@ -17340,7 +17391,58 @@
               <a:rPr lang="en-US" sz="4000" b="1" dirty="0"/>
               <a:t>JavaScript language fundamentals</a:t>
             </a:r>
-            <a:endParaRPr lang="en-US" sz="4000" b="1" dirty="0"/>
+          </a:p>
+        </p:txBody>
+      </p:sp>
+      <p:sp>
+        <p:nvSpPr>
+          <p:cNvPr id="4" name="Rectangle 3"/>
+          <p:cNvSpPr/>
+          <p:nvPr/>
+        </p:nvSpPr>
+        <p:spPr>
+          <a:xfrm>
+            <a:off x="818865" y="1742299"/>
+            <a:ext cx="10740788" cy="3970318"/>
+          </a:xfrm>
+          <a:prstGeom prst="rect">
+            <a:avLst/>
+          </a:prstGeom>
+        </p:spPr>
+        <p:txBody>
+          <a:bodyPr wrap="square">
+            <a:spAutoFit/>
+          </a:bodyPr>
+          <a:lstStyle/>
+          <a:p>
+            <a:pPr marL="457200" indent="-457200" algn="just">
+              <a:buFont typeface="Wingdings" panose="05000000000000000000" pitchFamily="2" charset="2"/>
+              <a:buChar char="Ø"/>
+            </a:pPr>
+            <a:r>
+              <a:rPr lang="en-US" sz="2800" dirty="0"/>
+              <a:t>In JavaScript, instructions are called statements and are separated by semicolons ;</a:t>
+            </a:r>
+          </a:p>
+          <a:p>
+            <a:pPr marL="457200" indent="-457200" algn="just">
+              <a:buFont typeface="Wingdings" panose="05000000000000000000" pitchFamily="2" charset="2"/>
+              <a:buChar char="Ø"/>
+            </a:pPr>
+            <a:r>
+              <a:rPr lang="en-US" sz="2800" dirty="0"/>
+              <a:t>A semicolon is not necessary after a statement if it is written on its own line. But if more than one statement on a line is desired, then they must be separated by semicolons.</a:t>
+            </a:r>
+          </a:p>
+          <a:p>
+            <a:pPr marL="457200" indent="-457200" algn="just">
+              <a:buFont typeface="Wingdings" panose="05000000000000000000" pitchFamily="2" charset="2"/>
+              <a:buChar char="Ø"/>
+            </a:pPr>
+            <a:r>
+              <a:rPr lang="en-US" sz="2800" dirty="0"/>
+              <a:t>The source text of JavaScript script gets scanned from left to right, and is converted into a sequence of input elements which are tokens, control characters, line terminators, comments, or whitespace. (Spaces, tabs, and newline characters are considered whitespace.)</a:t>
+            </a:r>
           </a:p>
         </p:txBody>
       </p:sp>
@@ -17762,14 +17864,14 @@
           <p:nvPr/>
         </p:nvPicPr>
         <p:blipFill>
-          <a:blip r:embed="rId3"/>
+          <a:blip r:embed="rId2"/>
           <a:stretch>
             <a:fillRect/>
           </a:stretch>
         </p:blipFill>
         <p:spPr>
           <a:xfrm>
-            <a:off x="8762365" y="217805"/>
+            <a:off x="8509000" y="361315"/>
             <a:ext cx="3683000" cy="1041400"/>
           </a:xfrm>
           <a:prstGeom prst="rect">
@@ -17779,7 +17881,149 @@
       </p:pic>
       <p:sp>
         <p:nvSpPr>
-          <p:cNvPr id="7" name="Rectangle 6"/>
+          <p:cNvPr id="62468" name="文本框 8"/>
+          <p:cNvSpPr txBox="1"/>
+          <p:nvPr/>
+        </p:nvSpPr>
+        <p:spPr>
+          <a:xfrm>
+            <a:off x="785047" y="2269932"/>
+            <a:ext cx="4802187" cy="1014412"/>
+          </a:xfrm>
+          <a:prstGeom prst="rect">
+            <a:avLst/>
+          </a:prstGeom>
+          <a:noFill/>
+          <a:ln w="9525">
+            <a:noFill/>
+          </a:ln>
+        </p:spPr>
+        <p:txBody>
+          <a:bodyPr anchor="t">
+            <a:spAutoFit/>
+          </a:bodyPr>
+          <a:lstStyle/>
+          <a:p>
+            <a:pPr algn="dist" defTabSz="914400"/>
+            <a:r>
+              <a:rPr lang="en-US" altLang="zh-CN" sz="6000" b="1" dirty="0">
+                <a:solidFill>
+                  <a:srgbClr val="262626"/>
+                </a:solidFill>
+                <a:latin typeface="Arial" panose="020B0604020202020204" pitchFamily="34" charset="0"/>
+                <a:ea typeface="Microsoft YaHei" panose="020B0503020204020204" pitchFamily="34" charset="-122"/>
+                <a:sym typeface="Arial" panose="020B0604020202020204" pitchFamily="34" charset="0"/>
+              </a:rPr>
+              <a:t>THANKS</a:t>
+            </a:r>
+          </a:p>
+        </p:txBody>
+      </p:sp>
+      <p:pic>
+        <p:nvPicPr>
+          <p:cNvPr id="9" name="Picture 8"/>
+          <p:cNvPicPr>
+            <a:picLocks noChangeAspect="1"/>
+          </p:cNvPicPr>
+          <p:nvPr/>
+        </p:nvPicPr>
+        <p:blipFill>
+          <a:blip r:embed="rId3">
+            <a:extLst>
+              <a:ext uri="{28A0092B-C50C-407E-A947-70E740481C1C}">
+                <a14:useLocalDpi xmlns:a14="http://schemas.microsoft.com/office/drawing/2010/main" val="0"/>
+              </a:ext>
+            </a:extLst>
+          </a:blip>
+          <a:stretch>
+            <a:fillRect/>
+          </a:stretch>
+        </p:blipFill>
+        <p:spPr>
+          <a:xfrm>
+            <a:off x="64530" y="5797070"/>
+            <a:ext cx="4241800" cy="990600"/>
+          </a:xfrm>
+          <a:prstGeom prst="rect">
+            <a:avLst/>
+          </a:prstGeom>
+        </p:spPr>
+      </p:pic>
+      <p:sp>
+        <p:nvSpPr>
+          <p:cNvPr id="10" name="文本框 9"/>
+          <p:cNvSpPr txBox="1"/>
+          <p:nvPr/>
+        </p:nvSpPr>
+        <p:spPr>
+          <a:xfrm>
+            <a:off x="5861050" y="4197180"/>
+            <a:ext cx="5726439" cy="461665"/>
+          </a:xfrm>
+          <a:prstGeom prst="rect">
+            <a:avLst/>
+          </a:prstGeom>
+          <a:noFill/>
+          <a:ln w="9525">
+            <a:noFill/>
+          </a:ln>
+        </p:spPr>
+        <p:txBody>
+          <a:bodyPr wrap="none" anchor="t">
+            <a:spAutoFit/>
+          </a:bodyPr>
+          <a:lstStyle/>
+          <a:p>
+            <a:r>
+              <a:rPr lang="en-US" altLang="zh-CN" sz="2400" b="1" dirty="0">
+                <a:solidFill>
+                  <a:srgbClr val="262626"/>
+                </a:solidFill>
+                <a:latin typeface="Verdana" panose="020B0604030504040204" pitchFamily="34" charset="0"/>
+                <a:ea typeface="Verdana" panose="020B0604030504040204" pitchFamily="34" charset="0"/>
+                <a:sym typeface="Arial" panose="020B0604020202020204" pitchFamily="34" charset="0"/>
+              </a:rPr>
+              <a:t>instructor: </a:t>
+            </a:r>
+            <a:r>
+              <a:rPr lang="en-US" altLang="zh-CN" sz="2400" dirty="0" smtClean="0">
+                <a:solidFill>
+                  <a:srgbClr val="262626"/>
+                </a:solidFill>
+                <a:latin typeface="Verdana" panose="020B0604030504040204" pitchFamily="34" charset="0"/>
+                <a:ea typeface="Verdana" panose="020B0604030504040204" pitchFamily="34" charset="0"/>
+                <a:sym typeface="Arial" panose="020B0604020202020204" pitchFamily="34" charset="0"/>
+              </a:rPr>
+              <a:t>Anirudha </a:t>
+            </a:r>
+            <a:r>
+              <a:rPr lang="en-US" altLang="zh-CN" sz="2400" dirty="0">
+                <a:solidFill>
+                  <a:srgbClr val="262626"/>
+                </a:solidFill>
+                <a:latin typeface="Verdana" panose="020B0604030504040204" pitchFamily="34" charset="0"/>
+                <a:ea typeface="Verdana" panose="020B0604030504040204" pitchFamily="34" charset="0"/>
+                <a:sym typeface="Arial" panose="020B0604020202020204" pitchFamily="34" charset="0"/>
+              </a:rPr>
+              <a:t>Anil Gaikwad</a:t>
+            </a:r>
+            <a:r>
+              <a:rPr lang="zh-CN" altLang="en-US" sz="2400" dirty="0">
+                <a:solidFill>
+                  <a:srgbClr val="262626"/>
+                </a:solidFill>
+                <a:latin typeface="Verdana" panose="020B0604030504040204" pitchFamily="34" charset="0"/>
+                <a:ea typeface="Microsoft YaHei" panose="020B0503020204020204" pitchFamily="34" charset="-122"/>
+                <a:sym typeface="Arial" panose="020B0604020202020204" pitchFamily="34" charset="0"/>
+              </a:rPr>
+              <a:t> </a:t>
+            </a:r>
+          </a:p>
+        </p:txBody>
+      </p:sp>
+      <p:sp>
+        <p:nvSpPr>
+          <p:cNvPr id="11" name="Rectangle 10"/>
           <p:cNvSpPr/>
           <p:nvPr/>
         </p:nvSpPr>
@@ -17808,45 +18052,7 @@
           </a:p>
         </p:txBody>
       </p:sp>
-      <p:sp>
-        <p:nvSpPr>
-          <p:cNvPr id="11" name="文本框 8"/>
-          <p:cNvSpPr txBox="1"/>
-          <p:nvPr/>
-        </p:nvSpPr>
-        <p:spPr>
-          <a:xfrm>
-            <a:off x="119931" y="217805"/>
-            <a:ext cx="7407862" cy="707886"/>
-          </a:xfrm>
-          <a:prstGeom prst="rect">
-            <a:avLst/>
-          </a:prstGeom>
-          <a:noFill/>
-          <a:ln w="9525">
-            <a:noFill/>
-          </a:ln>
-        </p:spPr>
-        <p:txBody>
-          <a:bodyPr wrap="none" anchor="t">
-            <a:spAutoFit/>
-          </a:bodyPr>
-          <a:lstStyle/>
-          <a:p>
-            <a:r>
-              <a:rPr lang="en-US" sz="4000" b="1" dirty="0"/>
-              <a:t>JavaScript language fundamentals</a:t>
-            </a:r>
-            <a:endParaRPr lang="en-US" sz="4000" b="1" dirty="0"/>
-          </a:p>
-        </p:txBody>
-      </p:sp>
     </p:spTree>
-    <p:extLst>
-      <p:ext uri="{BB962C8B-B14F-4D97-AF65-F5344CB8AC3E}">
-        <p14:creationId xmlns:p14="http://schemas.microsoft.com/office/powerpoint/2010/main" val="2670831535"/>
-      </p:ext>
-    </p:extLst>
   </p:cSld>
   <p:clrMapOvr>
     <a:masterClrMapping/>
@@ -18984,607 +19190,6 @@
           </a:graphicData>
         </a:graphic>
       </p:graphicFrame>
-    </p:spTree>
-  </p:cSld>
-  <p:clrMapOvr>
-    <a:masterClrMapping/>
-  </p:clrMapOvr>
-  <p:timing>
-    <p:tnLst>
-      <p:par>
-        <p:cTn id="1" dur="indefinite" restart="never" nodeType="tmRoot"/>
-      </p:par>
-    </p:tnLst>
-  </p:timing>
-</p:sld>
-</file>
-
-<file path=ppt/slides/slide20.xml><?xml version="1.0" encoding="utf-8"?>
-<p:sld xmlns:a="http://schemas.openxmlformats.org/drawingml/2006/main" xmlns:r="http://schemas.openxmlformats.org/officeDocument/2006/relationships" xmlns:p="http://schemas.openxmlformats.org/presentationml/2006/main">
-  <p:cSld>
-    <p:spTree>
-      <p:nvGrpSpPr>
-        <p:cNvPr id="1" name=""/>
-        <p:cNvGrpSpPr/>
-        <p:nvPr/>
-      </p:nvGrpSpPr>
-      <p:grpSpPr>
-        <a:xfrm>
-          <a:off x="0" y="0"/>
-          <a:ext cx="0" cy="0"/>
-          <a:chOff x="0" y="0"/>
-          <a:chExt cx="0" cy="0"/>
-        </a:xfrm>
-      </p:grpSpPr>
-      <p:sp>
-        <p:nvSpPr>
-          <p:cNvPr id="2" name="直角三角形 1"/>
-          <p:cNvSpPr/>
-          <p:nvPr/>
-        </p:nvSpPr>
-        <p:spPr>
-          <a:xfrm flipH="1" flipV="1">
-            <a:off x="4076700" y="0"/>
-            <a:ext cx="8115300" cy="6273800"/>
-          </a:xfrm>
-          <a:prstGeom prst="rtTriangle">
-            <a:avLst/>
-          </a:prstGeom>
-          <a:solidFill>
-            <a:srgbClr val="747472"/>
-          </a:solidFill>
-          <a:ln>
-            <a:noFill/>
-          </a:ln>
-        </p:spPr>
-        <p:style>
-          <a:lnRef idx="2">
-            <a:schemeClr val="accent1">
-              <a:shade val="50000"/>
-            </a:schemeClr>
-          </a:lnRef>
-          <a:fillRef idx="1">
-            <a:schemeClr val="accent1"/>
-          </a:fillRef>
-          <a:effectRef idx="0">
-            <a:schemeClr val="accent1"/>
-          </a:effectRef>
-          <a:fontRef idx="minor">
-            <a:schemeClr val="lt1"/>
-          </a:fontRef>
-        </p:style>
-        <p:txBody>
-          <a:bodyPr anchor="ctr"/>
-          <a:lstStyle/>
-          <a:p>
-            <a:pPr marL="0" marR="0" lvl="0" indent="0" algn="ctr" defTabSz="914400" rtl="0" eaLnBrk="1" fontAlgn="auto" latinLnBrk="0" hangingPunct="1">
-              <a:lnSpc>
-                <a:spcPct val="100000"/>
-              </a:lnSpc>
-              <a:spcBef>
-                <a:spcPts val="0"/>
-              </a:spcBef>
-              <a:spcAft>
-                <a:spcPts val="0"/>
-              </a:spcAft>
-              <a:buClrTx/>
-              <a:buSzTx/>
-              <a:buFontTx/>
-              <a:buNone/>
-              <a:defRPr/>
-            </a:pPr>
-            <a:endParaRPr kumimoji="0" lang="zh-CN" altLang="en-US" sz="1800" b="0" i="0" u="none" strike="noStrike" kern="1200" cap="none" spc="0" normalizeH="0" baseline="0" noProof="0">
-              <a:ln>
-                <a:noFill/>
-              </a:ln>
-              <a:solidFill>
-                <a:schemeClr val="lt1"/>
-              </a:solidFill>
-              <a:effectLst/>
-              <a:uLnTx/>
-              <a:uFillTx/>
-              <a:latin typeface="+mn-lt"/>
-              <a:ea typeface="+mn-ea"/>
-              <a:cs typeface="+mn-cs"/>
-            </a:endParaRPr>
-          </a:p>
-        </p:txBody>
-      </p:sp>
-      <p:sp>
-        <p:nvSpPr>
-          <p:cNvPr id="3" name="等腰三角形 2"/>
-          <p:cNvSpPr/>
-          <p:nvPr/>
-        </p:nvSpPr>
-        <p:spPr>
-          <a:xfrm rot="19088536">
-            <a:off x="7283450" y="-541337"/>
-            <a:ext cx="2414588" cy="9158288"/>
-          </a:xfrm>
-          <a:custGeom>
-            <a:avLst/>
-            <a:gdLst>
-              <a:gd name="connsiteX0" fmla="*/ 0 w 1117600"/>
-              <a:gd name="connsiteY0" fmla="*/ 5702300 h 5702300"/>
-              <a:gd name="connsiteX1" fmla="*/ 558800 w 1117600"/>
-              <a:gd name="connsiteY1" fmla="*/ 0 h 5702300"/>
-              <a:gd name="connsiteX2" fmla="*/ 1117600 w 1117600"/>
-              <a:gd name="connsiteY2" fmla="*/ 5702300 h 5702300"/>
-              <a:gd name="connsiteX3" fmla="*/ 0 w 1117600"/>
-              <a:gd name="connsiteY3" fmla="*/ 5702300 h 5702300"/>
-              <a:gd name="connsiteX0-1" fmla="*/ 0 w 2070142"/>
-              <a:gd name="connsiteY0-2" fmla="*/ 5702300 h 7817508"/>
-              <a:gd name="connsiteX1-3" fmla="*/ 558800 w 2070142"/>
-              <a:gd name="connsiteY1-4" fmla="*/ 0 h 7817508"/>
-              <a:gd name="connsiteX2-5" fmla="*/ 2070142 w 2070142"/>
-              <a:gd name="connsiteY2-6" fmla="*/ 7817508 h 7817508"/>
-              <a:gd name="connsiteX3-7" fmla="*/ 0 w 2070142"/>
-              <a:gd name="connsiteY3-8" fmla="*/ 5702300 h 7817508"/>
-              <a:gd name="connsiteX0-9" fmla="*/ 0 w 2414257"/>
-              <a:gd name="connsiteY0-10" fmla="*/ 6314781 h 7817508"/>
-              <a:gd name="connsiteX1-11" fmla="*/ 902915 w 2414257"/>
-              <a:gd name="connsiteY1-12" fmla="*/ 0 h 7817508"/>
-              <a:gd name="connsiteX2-13" fmla="*/ 2414257 w 2414257"/>
-              <a:gd name="connsiteY2-14" fmla="*/ 7817508 h 7817508"/>
-              <a:gd name="connsiteX3-15" fmla="*/ 0 w 2414257"/>
-              <a:gd name="connsiteY3-16" fmla="*/ 6314781 h 7817508"/>
-              <a:gd name="connsiteX0-17" fmla="*/ 0 w 2414257"/>
-              <a:gd name="connsiteY0-18" fmla="*/ 6314781 h 7817508"/>
-              <a:gd name="connsiteX1-19" fmla="*/ 902915 w 2414257"/>
-              <a:gd name="connsiteY1-20" fmla="*/ 0 h 7817508"/>
-              <a:gd name="connsiteX2-21" fmla="*/ 2414257 w 2414257"/>
-              <a:gd name="connsiteY2-22" fmla="*/ 7817508 h 7817508"/>
-              <a:gd name="connsiteX3-23" fmla="*/ 1191330 w 2414257"/>
-              <a:gd name="connsiteY3-24" fmla="*/ 7039908 h 7817508"/>
-              <a:gd name="connsiteX4" fmla="*/ 0 w 2414257"/>
-              <a:gd name="connsiteY4" fmla="*/ 6314781 h 7817508"/>
-              <a:gd name="connsiteX0-25" fmla="*/ 0 w 2414257"/>
-              <a:gd name="connsiteY0-26" fmla="*/ 6314781 h 8205626"/>
-              <a:gd name="connsiteX1-27" fmla="*/ 902915 w 2414257"/>
-              <a:gd name="connsiteY1-28" fmla="*/ 0 h 8205626"/>
-              <a:gd name="connsiteX2-29" fmla="*/ 2414257 w 2414257"/>
-              <a:gd name="connsiteY2-30" fmla="*/ 7817508 h 8205626"/>
-              <a:gd name="connsiteX3-31" fmla="*/ 2073759 w 2414257"/>
-              <a:gd name="connsiteY3-32" fmla="*/ 8205626 h 8205626"/>
-              <a:gd name="connsiteX4-33" fmla="*/ 0 w 2414257"/>
-              <a:gd name="connsiteY4-34" fmla="*/ 6314781 h 8205626"/>
-              <a:gd name="connsiteX0-35" fmla="*/ 0 w 2414257"/>
-              <a:gd name="connsiteY0-36" fmla="*/ 6436203 h 8327048"/>
-              <a:gd name="connsiteX1-37" fmla="*/ 329641 w 2414257"/>
-              <a:gd name="connsiteY1-38" fmla="*/ 0 h 8327048"/>
-              <a:gd name="connsiteX2-39" fmla="*/ 2414257 w 2414257"/>
-              <a:gd name="connsiteY2-40" fmla="*/ 7938930 h 8327048"/>
-              <a:gd name="connsiteX3-41" fmla="*/ 2073759 w 2414257"/>
-              <a:gd name="connsiteY3-42" fmla="*/ 8327048 h 8327048"/>
-              <a:gd name="connsiteX4-43" fmla="*/ 0 w 2414257"/>
-              <a:gd name="connsiteY4-44" fmla="*/ 6436203 h 8327048"/>
-              <a:gd name="connsiteX0-45" fmla="*/ 0 w 2414257"/>
-              <a:gd name="connsiteY0-46" fmla="*/ 6431068 h 8321913"/>
-              <a:gd name="connsiteX1-47" fmla="*/ 563761 w 2414257"/>
-              <a:gd name="connsiteY1-48" fmla="*/ 0 h 8321913"/>
-              <a:gd name="connsiteX2-49" fmla="*/ 2414257 w 2414257"/>
-              <a:gd name="connsiteY2-50" fmla="*/ 7933795 h 8321913"/>
-              <a:gd name="connsiteX3-51" fmla="*/ 2073759 w 2414257"/>
-              <a:gd name="connsiteY3-52" fmla="*/ 8321913 h 8321913"/>
-              <a:gd name="connsiteX4-53" fmla="*/ 0 w 2414257"/>
-              <a:gd name="connsiteY4-54" fmla="*/ 6431068 h 8321913"/>
-              <a:gd name="connsiteX0-55" fmla="*/ 0 w 2414257"/>
-              <a:gd name="connsiteY0-56" fmla="*/ 7267650 h 9158495"/>
-              <a:gd name="connsiteX1-57" fmla="*/ 239027 w 2414257"/>
-              <a:gd name="connsiteY1-58" fmla="*/ 0 h 9158495"/>
-              <a:gd name="connsiteX2-59" fmla="*/ 2414257 w 2414257"/>
-              <a:gd name="connsiteY2-60" fmla="*/ 8770377 h 9158495"/>
-              <a:gd name="connsiteX3-61" fmla="*/ 2073759 w 2414257"/>
-              <a:gd name="connsiteY3-62" fmla="*/ 9158495 h 9158495"/>
-              <a:gd name="connsiteX4-63" fmla="*/ 0 w 2414257"/>
-              <a:gd name="connsiteY4-64" fmla="*/ 7267650 h 9158495"/>
-            </a:gdLst>
-            <a:ahLst/>
-            <a:cxnLst>
-              <a:cxn ang="0">
-                <a:pos x="connsiteX0-1" y="connsiteY0-2"/>
-              </a:cxn>
-              <a:cxn ang="0">
-                <a:pos x="connsiteX1-3" y="connsiteY1-4"/>
-              </a:cxn>
-              <a:cxn ang="0">
-                <a:pos x="connsiteX2-5" y="connsiteY2-6"/>
-              </a:cxn>
-              <a:cxn ang="0">
-                <a:pos x="connsiteX3-7" y="connsiteY3-8"/>
-              </a:cxn>
-              <a:cxn ang="0">
-                <a:pos x="connsiteX4-33" y="connsiteY4-34"/>
-              </a:cxn>
-            </a:cxnLst>
-            <a:rect l="l" t="t" r="r" b="b"/>
-            <a:pathLst>
-              <a:path w="2414257" h="9158495">
-                <a:moveTo>
-                  <a:pt x="0" y="7267650"/>
-                </a:moveTo>
-                <a:lnTo>
-                  <a:pt x="239027" y="0"/>
-                </a:lnTo>
-                <a:lnTo>
-                  <a:pt x="2414257" y="8770377"/>
-                </a:lnTo>
-                <a:lnTo>
-                  <a:pt x="2073759" y="9158495"/>
-                </a:lnTo>
-                <a:lnTo>
-                  <a:pt x="0" y="7267650"/>
-                </a:lnTo>
-                <a:close/>
-              </a:path>
-            </a:pathLst>
-          </a:custGeom>
-          <a:solidFill>
-            <a:srgbClr val="C4C4C4"/>
-          </a:solidFill>
-          <a:ln>
-            <a:noFill/>
-          </a:ln>
-        </p:spPr>
-        <p:style>
-          <a:lnRef idx="2">
-            <a:schemeClr val="accent1">
-              <a:shade val="50000"/>
-            </a:schemeClr>
-          </a:lnRef>
-          <a:fillRef idx="1">
-            <a:schemeClr val="accent1"/>
-          </a:fillRef>
-          <a:effectRef idx="0">
-            <a:schemeClr val="accent1"/>
-          </a:effectRef>
-          <a:fontRef idx="minor">
-            <a:schemeClr val="lt1"/>
-          </a:fontRef>
-        </p:style>
-        <p:txBody>
-          <a:bodyPr anchor="ctr"/>
-          <a:lstStyle/>
-          <a:p>
-            <a:pPr marL="0" marR="0" lvl="0" indent="0" algn="ctr" defTabSz="914400" rtl="0" eaLnBrk="1" fontAlgn="auto" latinLnBrk="0" hangingPunct="1">
-              <a:lnSpc>
-                <a:spcPct val="100000"/>
-              </a:lnSpc>
-              <a:spcBef>
-                <a:spcPts val="0"/>
-              </a:spcBef>
-              <a:spcAft>
-                <a:spcPts val="0"/>
-              </a:spcAft>
-              <a:buClrTx/>
-              <a:buSzTx/>
-              <a:buFontTx/>
-              <a:buNone/>
-              <a:defRPr/>
-            </a:pPr>
-            <a:endParaRPr kumimoji="0" lang="zh-CN" altLang="en-US" sz="1800" b="0" i="0" u="none" strike="noStrike" kern="1200" cap="none" spc="0" normalizeH="0" baseline="0" noProof="0">
-              <a:ln>
-                <a:noFill/>
-              </a:ln>
-              <a:solidFill>
-                <a:schemeClr val="lt1"/>
-              </a:solidFill>
-              <a:effectLst/>
-              <a:uLnTx/>
-              <a:uFillTx/>
-              <a:latin typeface="+mn-lt"/>
-              <a:ea typeface="+mn-ea"/>
-              <a:cs typeface="+mn-cs"/>
-            </a:endParaRPr>
-          </a:p>
-        </p:txBody>
-      </p:sp>
-      <p:sp>
-        <p:nvSpPr>
-          <p:cNvPr id="8" name="任意多边形 7"/>
-          <p:cNvSpPr/>
-          <p:nvPr/>
-        </p:nvSpPr>
-        <p:spPr>
-          <a:xfrm rot="7572289">
-            <a:off x="5132388" y="-1582737"/>
-            <a:ext cx="741363" cy="6269038"/>
-          </a:xfrm>
-          <a:custGeom>
-            <a:avLst/>
-            <a:gdLst>
-              <a:gd name="connsiteX0" fmla="*/ 742650 w 742650"/>
-              <a:gd name="connsiteY0" fmla="*/ 6268899 h 6268899"/>
-              <a:gd name="connsiteX1" fmla="*/ 0 w 742650"/>
-              <a:gd name="connsiteY1" fmla="*/ 5254376 h 6268899"/>
-              <a:gd name="connsiteX2" fmla="*/ 242314 w 742650"/>
-              <a:gd name="connsiteY2" fmla="*/ 0 h 6268899"/>
-            </a:gdLst>
-            <a:ahLst/>
-            <a:cxnLst>
-              <a:cxn ang="0">
-                <a:pos x="connsiteX0" y="connsiteY0"/>
-              </a:cxn>
-              <a:cxn ang="0">
-                <a:pos x="connsiteX1" y="connsiteY1"/>
-              </a:cxn>
-              <a:cxn ang="0">
-                <a:pos x="connsiteX2" y="connsiteY2"/>
-              </a:cxn>
-            </a:cxnLst>
-            <a:rect l="l" t="t" r="r" b="b"/>
-            <a:pathLst>
-              <a:path w="742650" h="6268899">
-                <a:moveTo>
-                  <a:pt x="742650" y="6268899"/>
-                </a:moveTo>
-                <a:lnTo>
-                  <a:pt x="0" y="5254376"/>
-                </a:lnTo>
-                <a:lnTo>
-                  <a:pt x="242314" y="0"/>
-                </a:lnTo>
-                <a:close/>
-              </a:path>
-            </a:pathLst>
-          </a:custGeom>
-          <a:solidFill>
-            <a:srgbClr val="F0B931"/>
-          </a:solidFill>
-          <a:ln>
-            <a:noFill/>
-          </a:ln>
-        </p:spPr>
-        <p:style>
-          <a:lnRef idx="2">
-            <a:schemeClr val="accent1">
-              <a:shade val="50000"/>
-            </a:schemeClr>
-          </a:lnRef>
-          <a:fillRef idx="1">
-            <a:schemeClr val="accent1"/>
-          </a:fillRef>
-          <a:effectRef idx="0">
-            <a:schemeClr val="accent1"/>
-          </a:effectRef>
-          <a:fontRef idx="minor">
-            <a:schemeClr val="lt1"/>
-          </a:fontRef>
-        </p:style>
-        <p:txBody>
-          <a:bodyPr anchor="ctr"/>
-          <a:lstStyle/>
-          <a:p>
-            <a:pPr marL="0" marR="0" lvl="0" indent="0" algn="ctr" defTabSz="914400" rtl="0" eaLnBrk="1" fontAlgn="auto" latinLnBrk="0" hangingPunct="1">
-              <a:lnSpc>
-                <a:spcPct val="100000"/>
-              </a:lnSpc>
-              <a:spcBef>
-                <a:spcPts val="0"/>
-              </a:spcBef>
-              <a:spcAft>
-                <a:spcPts val="0"/>
-              </a:spcAft>
-              <a:buClrTx/>
-              <a:buSzTx/>
-              <a:buFontTx/>
-              <a:buNone/>
-              <a:defRPr/>
-            </a:pPr>
-            <a:endParaRPr kumimoji="0" lang="zh-CN" altLang="en-US" sz="1800" b="0" i="0" u="none" strike="noStrike" kern="1200" cap="none" spc="0" normalizeH="0" baseline="0" noProof="0">
-              <a:ln>
-                <a:noFill/>
-              </a:ln>
-              <a:solidFill>
-                <a:schemeClr val="lt1"/>
-              </a:solidFill>
-              <a:effectLst/>
-              <a:uLnTx/>
-              <a:uFillTx/>
-              <a:latin typeface="+mn-lt"/>
-              <a:ea typeface="+mn-ea"/>
-              <a:cs typeface="+mn-cs"/>
-            </a:endParaRPr>
-          </a:p>
-        </p:txBody>
-      </p:sp>
-      <p:pic>
-        <p:nvPicPr>
-          <p:cNvPr id="5" name="Picture 4" descr="python-logo"/>
-          <p:cNvPicPr>
-            <a:picLocks noChangeAspect="1"/>
-          </p:cNvPicPr>
-          <p:nvPr/>
-        </p:nvPicPr>
-        <p:blipFill>
-          <a:blip r:embed="rId2"/>
-          <a:stretch>
-            <a:fillRect/>
-          </a:stretch>
-        </p:blipFill>
-        <p:spPr>
-          <a:xfrm>
-            <a:off x="8509000" y="361315"/>
-            <a:ext cx="3683000" cy="1041400"/>
-          </a:xfrm>
-          <a:prstGeom prst="rect">
-            <a:avLst/>
-          </a:prstGeom>
-        </p:spPr>
-      </p:pic>
-      <p:sp>
-        <p:nvSpPr>
-          <p:cNvPr id="62468" name="文本框 8"/>
-          <p:cNvSpPr txBox="1"/>
-          <p:nvPr/>
-        </p:nvSpPr>
-        <p:spPr>
-          <a:xfrm>
-            <a:off x="785047" y="2269932"/>
-            <a:ext cx="4802187" cy="1014412"/>
-          </a:xfrm>
-          <a:prstGeom prst="rect">
-            <a:avLst/>
-          </a:prstGeom>
-          <a:noFill/>
-          <a:ln w="9525">
-            <a:noFill/>
-          </a:ln>
-        </p:spPr>
-        <p:txBody>
-          <a:bodyPr anchor="t">
-            <a:spAutoFit/>
-          </a:bodyPr>
-          <a:lstStyle/>
-          <a:p>
-            <a:pPr algn="dist" defTabSz="914400"/>
-            <a:r>
-              <a:rPr lang="en-US" altLang="zh-CN" sz="6000" b="1" dirty="0">
-                <a:solidFill>
-                  <a:srgbClr val="262626"/>
-                </a:solidFill>
-                <a:latin typeface="Arial" panose="020B0604020202020204" pitchFamily="34" charset="0"/>
-                <a:ea typeface="Microsoft YaHei" panose="020B0503020204020204" pitchFamily="34" charset="-122"/>
-                <a:sym typeface="Arial" panose="020B0604020202020204" pitchFamily="34" charset="0"/>
-              </a:rPr>
-              <a:t>THANKS</a:t>
-            </a:r>
-          </a:p>
-        </p:txBody>
-      </p:sp>
-      <p:pic>
-        <p:nvPicPr>
-          <p:cNvPr id="9" name="Picture 8"/>
-          <p:cNvPicPr>
-            <a:picLocks noChangeAspect="1"/>
-          </p:cNvPicPr>
-          <p:nvPr/>
-        </p:nvPicPr>
-        <p:blipFill>
-          <a:blip r:embed="rId3">
-            <a:extLst>
-              <a:ext uri="{28A0092B-C50C-407E-A947-70E740481C1C}">
-                <a14:useLocalDpi xmlns:a14="http://schemas.microsoft.com/office/drawing/2010/main" val="0"/>
-              </a:ext>
-            </a:extLst>
-          </a:blip>
-          <a:stretch>
-            <a:fillRect/>
-          </a:stretch>
-        </p:blipFill>
-        <p:spPr>
-          <a:xfrm>
-            <a:off x="64530" y="5797070"/>
-            <a:ext cx="4241800" cy="990600"/>
-          </a:xfrm>
-          <a:prstGeom prst="rect">
-            <a:avLst/>
-          </a:prstGeom>
-        </p:spPr>
-      </p:pic>
-      <p:sp>
-        <p:nvSpPr>
-          <p:cNvPr id="10" name="文本框 9"/>
-          <p:cNvSpPr txBox="1"/>
-          <p:nvPr/>
-        </p:nvSpPr>
-        <p:spPr>
-          <a:xfrm>
-            <a:off x="5861050" y="4197180"/>
-            <a:ext cx="5726439" cy="461665"/>
-          </a:xfrm>
-          <a:prstGeom prst="rect">
-            <a:avLst/>
-          </a:prstGeom>
-          <a:noFill/>
-          <a:ln w="9525">
-            <a:noFill/>
-          </a:ln>
-        </p:spPr>
-        <p:txBody>
-          <a:bodyPr wrap="none" anchor="t">
-            <a:spAutoFit/>
-          </a:bodyPr>
-          <a:lstStyle/>
-          <a:p>
-            <a:r>
-              <a:rPr lang="en-US" altLang="zh-CN" sz="2400" b="1" dirty="0">
-                <a:solidFill>
-                  <a:srgbClr val="262626"/>
-                </a:solidFill>
-                <a:latin typeface="Verdana" panose="020B0604030504040204" pitchFamily="34" charset="0"/>
-                <a:ea typeface="Verdana" panose="020B0604030504040204" pitchFamily="34" charset="0"/>
-                <a:sym typeface="Arial" panose="020B0604020202020204" pitchFamily="34" charset="0"/>
-              </a:rPr>
-              <a:t>instructor: </a:t>
-            </a:r>
-            <a:r>
-              <a:rPr lang="en-US" altLang="zh-CN" sz="2400" dirty="0" smtClean="0">
-                <a:solidFill>
-                  <a:srgbClr val="262626"/>
-                </a:solidFill>
-                <a:latin typeface="Verdana" panose="020B0604030504040204" pitchFamily="34" charset="0"/>
-                <a:ea typeface="Verdana" panose="020B0604030504040204" pitchFamily="34" charset="0"/>
-                <a:sym typeface="Arial" panose="020B0604020202020204" pitchFamily="34" charset="0"/>
-              </a:rPr>
-              <a:t>Anirudha </a:t>
-            </a:r>
-            <a:r>
-              <a:rPr lang="en-US" altLang="zh-CN" sz="2400" dirty="0">
-                <a:solidFill>
-                  <a:srgbClr val="262626"/>
-                </a:solidFill>
-                <a:latin typeface="Verdana" panose="020B0604030504040204" pitchFamily="34" charset="0"/>
-                <a:ea typeface="Verdana" panose="020B0604030504040204" pitchFamily="34" charset="0"/>
-                <a:sym typeface="Arial" panose="020B0604020202020204" pitchFamily="34" charset="0"/>
-              </a:rPr>
-              <a:t>Anil Gaikwad</a:t>
-            </a:r>
-            <a:r>
-              <a:rPr lang="zh-CN" altLang="en-US" sz="2400" dirty="0">
-                <a:solidFill>
-                  <a:srgbClr val="262626"/>
-                </a:solidFill>
-                <a:latin typeface="Verdana" panose="020B0604030504040204" pitchFamily="34" charset="0"/>
-                <a:ea typeface="Microsoft YaHei" panose="020B0503020204020204" pitchFamily="34" charset="-122"/>
-                <a:sym typeface="Arial" panose="020B0604020202020204" pitchFamily="34" charset="0"/>
-              </a:rPr>
-              <a:t> </a:t>
-            </a:r>
-          </a:p>
-        </p:txBody>
-      </p:sp>
-      <p:sp>
-        <p:nvSpPr>
-          <p:cNvPr id="11" name="Rectangle 10"/>
-          <p:cNvSpPr/>
-          <p:nvPr/>
-        </p:nvSpPr>
-        <p:spPr>
-          <a:xfrm>
-            <a:off x="9477949" y="6452165"/>
-            <a:ext cx="2593210" cy="369332"/>
-          </a:xfrm>
-          <a:prstGeom prst="rect">
-            <a:avLst/>
-          </a:prstGeom>
-        </p:spPr>
-        <p:txBody>
-          <a:bodyPr wrap="none">
-            <a:spAutoFit/>
-          </a:bodyPr>
-          <a:lstStyle/>
-          <a:p>
-            <a:r>
-              <a:rPr lang="en-US" dirty="0" smtClean="0">
-                <a:latin typeface="Verdana" panose="020B0604030504040204" pitchFamily="34" charset="0"/>
-                <a:ea typeface="Verdana" panose="020B0604030504040204" pitchFamily="34" charset="0"/>
-              </a:rPr>
-              <a:t>Frontend Technology</a:t>
-            </a:r>
-          </a:p>
-        </p:txBody>
-      </p:sp>
     </p:spTree>
   </p:cSld>
   <p:clrMapOvr>
